--- a/CIS3760_Retro.pptx
+++ b/CIS3760_Retro.pptx
@@ -10035,7 +10035,7 @@
             </a:pPr>
             <a:r>
               <a:rPr lang="en"/>
-              <a:t>Sprint #7</a:t>
+              <a:t>Sprint #8</a:t>
             </a:r>
             <a:endParaRPr/>
           </a:p>
@@ -10171,7 +10171,7 @@
             </a:pPr>
             <a:r>
               <a:rPr lang="en"/>
-              <a:t>Sprint 7 highlights - Himmat Mahal (1094444)</a:t>
+              <a:t>Sprint 8 highlights - Himmat Mahal (1094444)</a:t>
             </a:r>
             <a:endParaRPr/>
           </a:p>
@@ -10212,7 +10212,7 @@
             </a:pPr>
             <a:r>
               <a:rPr lang="en"/>
-              <a:t>Research gitlab ci individually</a:t>
+              <a:t>Research</a:t>
             </a:r>
             <a:endParaRPr/>
           </a:p>
@@ -10229,7 +10229,7 @@
             </a:pPr>
             <a:r>
               <a:rPr lang="en"/>
-              <a:t>Fixed pylint errors &amp; warnings</a:t>
+              <a:t>Updated parser to parse the both F22 and W23 data</a:t>
             </a:r>
             <a:endParaRPr/>
           </a:p>
@@ -10246,7 +10246,7 @@
             </a:pPr>
             <a:r>
               <a:rPr lang="en"/>
-              <a:t>Meetings, documentation, and testing, miscellaneous</a:t>
+              <a:t>Paired with Affan to implement W23 or F22 scheduler option (radio button)</a:t>
             </a:r>
             <a:endParaRPr/>
           </a:p>
@@ -10263,7 +10263,7 @@
             </a:pPr>
             <a:r>
               <a:rPr lang="en"/>
-              <a:t>Total Weight: 11</a:t>
+              <a:t>Total Weight: 21</a:t>
             </a:r>
             <a:endParaRPr/>
           </a:p>
@@ -10328,7 +10328,7 @@
             </a:pPr>
             <a:r>
               <a:rPr lang="en"/>
-              <a:t>Sprint 6 Highlight - Ibrahim Rather (1097660)</a:t>
+              <a:t>Sprint 8 Highlight - Ibrahim Rather (1097660)</a:t>
             </a:r>
             <a:endParaRPr/>
           </a:p>
@@ -10369,7 +10369,7 @@
             </a:pPr>
             <a:r>
               <a:rPr lang="en"/>
-              <a:t>Researched gitlab CI/CD</a:t>
+              <a:t>Researched front end automation</a:t>
             </a:r>
             <a:endParaRPr/>
           </a:p>
@@ -10386,11 +10386,24 @@
             </a:pPr>
             <a:r>
               <a:rPr lang="en"/>
-              <a:t>Fixed isort, </a:t>
+              <a:t>Worked with Chris to fix course dropdown</a:t>
             </a:r>
+            <a:endParaRPr/>
+          </a:p>
+          <a:p>
+            <a:pPr indent="-298450" lvl="1" marL="914400" rtl="0" algn="l">
+              <a:spcBef>
+                <a:spcPts val="0"/>
+              </a:spcBef>
+              <a:spcAft>
+                <a:spcPts val="0"/>
+              </a:spcAft>
+              <a:buSzPts val="1100"/>
+              <a:buChar char="-"/>
+            </a:pPr>
             <a:r>
               <a:rPr lang="en"/>
-              <a:t>buildes-lint, and flake8 errors in pipeline</a:t>
+              <a:t>Now able to show all matching courses, select a course and autofill search box</a:t>
             </a:r>
             <a:endParaRPr/>
           </a:p>
@@ -10407,7 +10420,7 @@
             </a:pPr>
             <a:r>
               <a:rPr lang="en"/>
-              <a:t>Modularized react components</a:t>
+              <a:t>Worked with Brandon and Affan to update UI styling for website</a:t>
             </a:r>
             <a:endParaRPr/>
           </a:p>
@@ -10423,7 +10436,7 @@
             </a:pPr>
             <a:r>
               <a:rPr b="1" lang="en"/>
-              <a:t>Total Weight: 14</a:t>
+              <a:t>Total Weight: 20</a:t>
             </a:r>
             <a:endParaRPr/>
           </a:p>
@@ -10470,8 +10483,8 @@
         </p:blipFill>
         <p:spPr>
           <a:xfrm>
-            <a:off x="152400" y="152400"/>
-            <a:ext cx="2499850" cy="2506900"/>
+            <a:off x="300975" y="506150"/>
+            <a:ext cx="4319226" cy="1835675"/>
           </a:xfrm>
           <a:prstGeom prst="rect">
             <a:avLst/>
@@ -10498,8 +10511,8 @@
         </p:blipFill>
         <p:spPr>
           <a:xfrm>
-            <a:off x="2906925" y="152400"/>
-            <a:ext cx="3225800" cy="4838700"/>
+            <a:off x="5189800" y="697225"/>
+            <a:ext cx="3263430" cy="1835675"/>
           </a:xfrm>
           <a:prstGeom prst="rect">
             <a:avLst/>
@@ -10526,8 +10539,8 @@
         </p:blipFill>
         <p:spPr>
           <a:xfrm>
-            <a:off x="6263800" y="1264625"/>
-            <a:ext cx="2438400" cy="1876425"/>
+            <a:off x="2713550" y="2794675"/>
+            <a:ext cx="3263426" cy="2070241"/>
           </a:xfrm>
           <a:prstGeom prst="rect">
             <a:avLst/>
@@ -10638,12 +10651,12 @@
             </a:pPr>
             <a:r>
               <a:rPr lang="en" sz="1700"/>
-              <a:t>Finally got a self-signed SSL cert</a:t>
+              <a:t>Lot more organized this time around</a:t>
             </a:r>
             <a:endParaRPr sz="1700"/>
           </a:p>
           <a:p>
-            <a:pPr indent="-336550" lvl="1" marL="914400" rtl="0" algn="l">
+            <a:pPr indent="-336550" lvl="0" marL="457200" rtl="0" algn="l">
               <a:spcBef>
                 <a:spcPts val="0"/>
               </a:spcBef>
@@ -10655,12 +10668,20 @@
             </a:pPr>
             <a:r>
               <a:rPr lang="en" sz="1700"/>
-              <a:t>Chrome displays a security warning so we thought initially this was not right</a:t>
+              <a:t>Finally got the </a:t>
+            </a:r>
+            <a:r>
+              <a:rPr lang="en" sz="1700"/>
+              <a:t>chance</a:t>
+            </a:r>
+            <a:r>
+              <a:rPr lang="en" sz="1700"/>
+              <a:t> to re design the UI a little bit (will do more this week)</a:t>
             </a:r>
             <a:endParaRPr sz="1700"/>
           </a:p>
           <a:p>
-            <a:pPr indent="-336550" lvl="1" marL="914400" rtl="0" algn="l">
+            <a:pPr indent="-336550" lvl="0" marL="457200" rtl="0" algn="l">
               <a:spcBef>
                 <a:spcPts val="0"/>
               </a:spcBef>
@@ -10672,24 +10693,15 @@
             </a:pPr>
             <a:r>
               <a:rPr lang="en" sz="1700"/>
-              <a:t>Self-signed certs have this problem and there’s no workaround other than paying money for one</a:t>
+              <a:t> Nomachine is working so now we can update prod without making a </a:t>
             </a:r>
-            <a:endParaRPr sz="1700"/>
-          </a:p>
-          <a:p>
-            <a:pPr indent="-336550" lvl="0" marL="457200" rtl="0" algn="l">
-              <a:spcBef>
-                <a:spcPts val="0"/>
-              </a:spcBef>
-              <a:spcAft>
-                <a:spcPts val="0"/>
-              </a:spcAft>
-              <a:buSzPts val="1700"/>
-              <a:buChar char="-"/>
-            </a:pPr>
             <a:r>
               <a:rPr lang="en" sz="1700"/>
-              <a:t>We did a good job anticipating all the tasks required for this sprint </a:t>
+              <a:t>pilgrimage</a:t>
+            </a:r>
+            <a:r>
+              <a:rPr lang="en" sz="1700"/>
+              <a:t> to campus</a:t>
             </a:r>
             <a:endParaRPr sz="1700"/>
           </a:p>
@@ -10810,7 +10822,23 @@
             </a:pPr>
             <a:r>
               <a:rPr lang="en" sz="1700"/>
-              <a:t>On-prem SOCS Infrastructure caused challenges</a:t>
+              <a:t>We didn’t have the time to fully implement everything we wanted so we need to </a:t>
+            </a:r>
+            <a:r>
+              <a:rPr lang="en" sz="1700"/>
+              <a:t>have</a:t>
+            </a:r>
+            <a:r>
+              <a:rPr lang="en" sz="1700"/>
+              <a:t> more </a:t>
+            </a:r>
+            <a:r>
+              <a:rPr lang="en" sz="1700"/>
+              <a:t>realistic</a:t>
+            </a:r>
+            <a:r>
+              <a:rPr lang="en" sz="1700"/>
+              <a:t> goals</a:t>
             </a:r>
             <a:endParaRPr sz="1700"/>
           </a:p>
@@ -10827,11 +10855,7 @@
             </a:pPr>
             <a:r>
               <a:rPr lang="en" sz="1700"/>
-              <a:t>VPN still does not </a:t>
-            </a:r>
-            <a:r>
-              <a:rPr lang="en" sz="1700"/>
-              <a:t>allow off-campus access</a:t>
+              <a:t>Implementing a more robust search</a:t>
             </a:r>
             <a:endParaRPr sz="1700"/>
           </a:p>
@@ -10848,7 +10872,7 @@
             </a:pPr>
             <a:r>
               <a:rPr lang="en" sz="1700"/>
-              <a:t>We should coordinate further in advance who has to go to campus to test it out but we didn’t anticipate the VPN being broken for this long</a:t>
+              <a:t>Fully update the UI (especially the colour scheme)</a:t>
             </a:r>
             <a:endParaRPr sz="1700"/>
           </a:p>
@@ -10950,8 +10974,8 @@
         </p:blipFill>
         <p:spPr>
           <a:xfrm>
-            <a:off x="1013450" y="861925"/>
-            <a:ext cx="6031549" cy="3952624"/>
+            <a:off x="152400" y="1460250"/>
+            <a:ext cx="8839200" cy="3380312"/>
           </a:xfrm>
           <a:prstGeom prst="rect">
             <a:avLst/>
@@ -11021,7 +11045,7 @@
             </a:pPr>
             <a:r>
               <a:rPr lang="en"/>
-              <a:t>Sprint 6 Highlights - Brandon Tu (1047332)</a:t>
+              <a:t>Sprint 8 Highlights - Brandon Tu (1047332)</a:t>
             </a:r>
             <a:endParaRPr/>
           </a:p>
@@ -11062,15 +11086,7 @@
             </a:pPr>
             <a:r>
               <a:rPr lang="en"/>
-              <a:t>(3) </a:t>
-            </a:r>
-            <a:r>
-              <a:rPr lang="en"/>
-              <a:t>Researching</a:t>
-            </a:r>
-            <a:r>
-              <a:rPr lang="en"/>
-              <a:t> how to setup the gitlab CI/CD pipeline</a:t>
+              <a:t>(2) remove course button and functionality</a:t>
             </a:r>
             <a:endParaRPr/>
           </a:p>
@@ -11087,7 +11103,7 @@
             </a:pPr>
             <a:r>
               <a:rPr lang="en"/>
-              <a:t>(2) Setting up the pipeline to lint the python portion of the repo after successful merge</a:t>
+              <a:t>(3) Changing the card colour depending if its a lab/lec/sem etc</a:t>
             </a:r>
             <a:endParaRPr/>
           </a:p>
@@ -11104,24 +11120,7 @@
             </a:pPr>
             <a:r>
               <a:rPr lang="en"/>
-              <a:t>(2) Setting up the pipeline to lint the react/js portion of the repo after successful merge</a:t>
-            </a:r>
-            <a:endParaRPr/>
-          </a:p>
-          <a:p>
-            <a:pPr indent="-311150" lvl="0" marL="457200" rtl="0" algn="l">
-              <a:spcBef>
-                <a:spcPts val="0"/>
-              </a:spcBef>
-              <a:spcAft>
-                <a:spcPts val="0"/>
-              </a:spcAft>
-              <a:buSzPts val="1300"/>
-              <a:buChar char="➢"/>
-            </a:pPr>
-            <a:r>
-              <a:rPr lang="en"/>
-              <a:t>(2) Setting up the pipeline to run jest on the react/js portion of the repo after successful merge</a:t>
+              <a:t>(4) Updating the style of the site</a:t>
             </a:r>
             <a:endParaRPr/>
           </a:p>
@@ -11186,7 +11185,7 @@
                 <a:cs typeface="Lato"/>
                 <a:sym typeface="Lato"/>
               </a:rPr>
-              <a:t>Total: ~11</a:t>
+              <a:t>Total: ~21</a:t>
             </a:r>
             <a:endParaRPr sz="1300">
               <a:solidFill>
@@ -11259,7 +11258,7 @@
             </a:pPr>
             <a:r>
               <a:rPr lang="en"/>
-              <a:t>Sprint 6 highlight - Mussab Bin Imran (1111908)</a:t>
+              <a:t>Sprint 8 highlight - Mussab Bin Imran (1111908)</a:t>
             </a:r>
             <a:endParaRPr/>
           </a:p>
@@ -11300,7 +11299,15 @@
             </a:pPr>
             <a:r>
               <a:rPr lang="en" sz="1700"/>
-              <a:t>Research gitlab CI (3)</a:t>
+              <a:t>Looking for libraries or other methods to </a:t>
+            </a:r>
+            <a:r>
+              <a:rPr lang="en" sz="1700"/>
+              <a:t>implement</a:t>
+            </a:r>
+            <a:r>
+              <a:rPr lang="en" sz="1700"/>
+              <a:t> a popup (2)</a:t>
             </a:r>
             <a:endParaRPr sz="1700"/>
           </a:p>
@@ -11317,7 +11324,7 @@
             </a:pPr>
             <a:r>
               <a:rPr lang="en" sz="1700"/>
-              <a:t>Testing and documentation (2)</a:t>
+              <a:t>Implementing the popup (4)</a:t>
             </a:r>
             <a:endParaRPr sz="1700"/>
           </a:p>
@@ -11334,7 +11341,7 @@
             </a:pPr>
             <a:r>
               <a:rPr lang="en" sz="1700"/>
-              <a:t>Fixing linter errors in python with himmat  (3)</a:t>
+              <a:t>Updating the style of the site (4)</a:t>
             </a:r>
             <a:endParaRPr sz="1700"/>
           </a:p>
@@ -11350,7 +11357,7 @@
             </a:pPr>
             <a:r>
               <a:rPr lang="en" sz="1700"/>
-              <a:t>Total (10)</a:t>
+              <a:t>Total (22)</a:t>
             </a:r>
             <a:endParaRPr sz="1700"/>
           </a:p>
@@ -11415,7 +11422,7 @@
             </a:pPr>
             <a:r>
               <a:rPr lang="en"/>
-              <a:t>Sprint 7 Highlight - Chris Fitzgerald</a:t>
+              <a:t>Sprint 8 Highlight - Chris Fitzgerald</a:t>
             </a:r>
             <a:endParaRPr/>
           </a:p>
@@ -11477,7 +11484,91 @@
             </a:pPr>
             <a:r>
               <a:rPr lang="en" sz="1500"/>
-              <a:t>Cleaned up the repo branches</a:t>
+              <a:t>Made some updates to the dropdown functionality with Ibrahim</a:t>
+            </a:r>
+            <a:endParaRPr sz="1500"/>
+          </a:p>
+          <a:p>
+            <a:pPr indent="0" lvl="0" marL="0" rtl="0" algn="l">
+              <a:lnSpc>
+                <a:spcPct val="115000"/>
+              </a:lnSpc>
+              <a:spcBef>
+                <a:spcPts val="0"/>
+              </a:spcBef>
+              <a:spcAft>
+                <a:spcPts val="0"/>
+              </a:spcAft>
+              <a:buNone/>
+            </a:pPr>
+            <a:r>
+              <a:t/>
+            </a:r>
+            <a:endParaRPr sz="1500"/>
+          </a:p>
+          <a:p>
+            <a:pPr indent="-323850" lvl="0" marL="457200" rtl="0" algn="l">
+              <a:lnSpc>
+                <a:spcPct val="115000"/>
+              </a:lnSpc>
+              <a:spcBef>
+                <a:spcPts val="0"/>
+              </a:spcBef>
+              <a:spcAft>
+                <a:spcPts val="0"/>
+              </a:spcAft>
+              <a:buSzPts val="1500"/>
+              <a:buChar char="-"/>
+            </a:pPr>
+            <a:r>
+              <a:rPr lang="en" sz="1500"/>
+              <a:t>Got noMachine working</a:t>
+            </a:r>
+            <a:endParaRPr sz="1500"/>
+          </a:p>
+          <a:p>
+            <a:pPr indent="0" lvl="0" marL="0" rtl="0" algn="l">
+              <a:lnSpc>
+                <a:spcPct val="115000"/>
+              </a:lnSpc>
+              <a:spcBef>
+                <a:spcPts val="0"/>
+              </a:spcBef>
+              <a:spcAft>
+                <a:spcPts val="0"/>
+              </a:spcAft>
+              <a:buNone/>
+            </a:pPr>
+            <a:r>
+              <a:t/>
+            </a:r>
+            <a:endParaRPr sz="1500"/>
+          </a:p>
+          <a:p>
+            <a:pPr indent="-323850" lvl="0" marL="457200" rtl="0" algn="l">
+              <a:lnSpc>
+                <a:spcPct val="115000"/>
+              </a:lnSpc>
+              <a:spcBef>
+                <a:spcPts val="0"/>
+              </a:spcBef>
+              <a:spcAft>
+                <a:spcPts val="0"/>
+              </a:spcAft>
+              <a:buSzPts val="1500"/>
+              <a:buChar char="-"/>
+            </a:pPr>
+            <a:r>
+              <a:rPr lang="en" sz="1500"/>
+              <a:t>Remade some course suggestion </a:t>
+            </a:r>
+            <a:r>
+              <a:rPr lang="en" sz="1500"/>
+              <a:t>functionality</a:t>
+            </a:r>
+            <a:r>
+              <a:rPr lang="en" sz="1500"/>
+              <a:t> with Affan</a:t>
             </a:r>
             <a:endParaRPr sz="1500"/>
           </a:p>
@@ -11518,82 +11609,6 @@
             <a:endParaRPr sz="1500"/>
           </a:p>
           <a:p>
-            <a:pPr indent="-323850" lvl="0" marL="457200" rtl="0" algn="l">
-              <a:lnSpc>
-                <a:spcPct val="115000"/>
-              </a:lnSpc>
-              <a:spcBef>
-                <a:spcPts val="0"/>
-              </a:spcBef>
-              <a:spcAft>
-                <a:spcPts val="0"/>
-              </a:spcAft>
-              <a:buSzPts val="1500"/>
-              <a:buChar char="-"/>
-            </a:pPr>
-            <a:r>
-              <a:rPr lang="en" sz="1500"/>
-              <a:t>Set up unit tests with Affan</a:t>
-            </a:r>
-            <a:endParaRPr sz="1500"/>
-          </a:p>
-          <a:p>
-            <a:pPr indent="0" lvl="0" marL="457200" rtl="0" algn="l">
-              <a:lnSpc>
-                <a:spcPct val="115000"/>
-              </a:lnSpc>
-              <a:spcBef>
-                <a:spcPts val="0"/>
-              </a:spcBef>
-              <a:spcAft>
-                <a:spcPts val="0"/>
-              </a:spcAft>
-              <a:buNone/>
-            </a:pPr>
-            <a:r>
-              <a:t/>
-            </a:r>
-            <a:endParaRPr sz="1500"/>
-          </a:p>
-          <a:p>
-            <a:pPr indent="0" lvl="0" marL="457200" rtl="0" algn="l">
-              <a:lnSpc>
-                <a:spcPct val="115000"/>
-              </a:lnSpc>
-              <a:spcBef>
-                <a:spcPts val="0"/>
-              </a:spcBef>
-              <a:spcAft>
-                <a:spcPts val="0"/>
-              </a:spcAft>
-              <a:buNone/>
-            </a:pPr>
-            <a:r>
-              <a:t/>
-            </a:r>
-            <a:endParaRPr sz="1500"/>
-          </a:p>
-          <a:p>
-            <a:pPr indent="-323850" lvl="0" marL="457200" rtl="0" algn="l">
-              <a:lnSpc>
-                <a:spcPct val="115000"/>
-              </a:lnSpc>
-              <a:spcBef>
-                <a:spcPts val="0"/>
-              </a:spcBef>
-              <a:spcAft>
-                <a:spcPts val="0"/>
-              </a:spcAft>
-              <a:buSzPts val="1500"/>
-              <a:buChar char="-"/>
-            </a:pPr>
-            <a:r>
-              <a:rPr lang="en" sz="1500"/>
-              <a:t>Set up SSL</a:t>
-            </a:r>
-            <a:endParaRPr sz="1500"/>
-          </a:p>
-          <a:p>
             <a:pPr indent="0" lvl="0" marL="0" rtl="0" algn="l">
               <a:lnSpc>
                 <a:spcPct val="115000"/>
@@ -11607,62 +11622,8 @@
               <a:buNone/>
             </a:pPr>
             <a:r>
-              <a:t/>
-            </a:r>
-            <a:endParaRPr sz="1500"/>
-          </a:p>
-          <a:p>
-            <a:pPr indent="0" lvl="0" marL="0" rtl="0" algn="l">
-              <a:lnSpc>
-                <a:spcPct val="115000"/>
-              </a:lnSpc>
-              <a:spcBef>
-                <a:spcPts val="0"/>
-              </a:spcBef>
-              <a:spcAft>
-                <a:spcPts val="0"/>
-              </a:spcAft>
-              <a:buNone/>
-            </a:pPr>
-            <a:r>
-              <a:t/>
-            </a:r>
-            <a:endParaRPr sz="1500"/>
-          </a:p>
-          <a:p>
-            <a:pPr indent="0" lvl="0" marL="0" rtl="0" algn="l">
-              <a:lnSpc>
-                <a:spcPct val="115000"/>
-              </a:lnSpc>
-              <a:spcBef>
-                <a:spcPts val="0"/>
-              </a:spcBef>
-              <a:spcAft>
-                <a:spcPts val="0"/>
-              </a:spcAft>
-              <a:buNone/>
-            </a:pPr>
-            <a:r>
-              <a:t/>
-            </a:r>
-            <a:endParaRPr sz="1500"/>
-          </a:p>
-          <a:p>
-            <a:pPr indent="0" lvl="0" marL="0" rtl="0" algn="l">
-              <a:lnSpc>
-                <a:spcPct val="115000"/>
-              </a:lnSpc>
-              <a:spcBef>
-                <a:spcPts val="0"/>
-              </a:spcBef>
-              <a:spcAft>
-                <a:spcPts val="0"/>
-              </a:spcAft>
-              <a:buNone/>
-            </a:pPr>
-            <a:r>
               <a:rPr lang="en" sz="1500"/>
-              <a:t>Total Weight: 12</a:t>
+              <a:t>Total Weight: 20</a:t>
             </a:r>
             <a:endParaRPr sz="1500"/>
           </a:p>
@@ -11745,7 +11706,7 @@
             </a:pPr>
             <a:r>
               <a:rPr lang="en"/>
-              <a:t>Sprint 6 Highlight - Affan Khan(1095729)</a:t>
+              <a:t>Sprint 8 Highlight - Affan Khan(1095729)</a:t>
             </a:r>
             <a:endParaRPr/>
           </a:p>
@@ -11761,7 +11722,7 @@
         </p:nvSpPr>
         <p:spPr>
           <a:xfrm>
-            <a:off x="1443786" y="1132044"/>
+            <a:off x="1297511" y="1062069"/>
             <a:ext cx="8192700" cy="3910800"/>
           </a:xfrm>
           <a:prstGeom prst="rect">
@@ -11770,7 +11731,7 @@
         </p:spPr>
         <p:txBody>
           <a:bodyPr anchorCtr="0" anchor="t" bIns="91425" lIns="91425" spcFirstLastPara="1" rIns="91425" wrap="square" tIns="91425">
-            <a:normAutofit fontScale="77500" lnSpcReduction="20000"/>
+            <a:normAutofit/>
           </a:bodyPr>
           <a:lstStyle/>
           <a:p>
@@ -11789,19 +11750,36 @@
             <a:endParaRPr sz="1400"/>
           </a:p>
           <a:p>
-            <a:pPr indent="-297497" lvl="0" marL="457200" rtl="0" algn="l">
+            <a:pPr indent="-317500" lvl="0" marL="457200" rtl="0" algn="l">
               <a:spcBef>
                 <a:spcPts val="1200"/>
               </a:spcBef>
               <a:spcAft>
                 <a:spcPts val="0"/>
               </a:spcAft>
-              <a:buSzPct val="100000"/>
+              <a:buSzPts val="1400"/>
               <a:buChar char="-"/>
             </a:pPr>
             <a:r>
               <a:rPr lang="en" sz="1400"/>
-              <a:t>Made Unit tests for react with Chris</a:t>
+              <a:t>Created front end buttons for grabbing user inputs </a:t>
+            </a:r>
+            <a:endParaRPr sz="1400"/>
+          </a:p>
+          <a:p>
+            <a:pPr indent="-317500" lvl="0" marL="457200" rtl="0" algn="l">
+              <a:spcBef>
+                <a:spcPts val="0"/>
+              </a:spcBef>
+              <a:spcAft>
+                <a:spcPts val="0"/>
+              </a:spcAft>
+              <a:buSzPts val="1400"/>
+              <a:buChar char="-"/>
+            </a:pPr>
+            <a:r>
+              <a:rPr lang="en" sz="1400"/>
+              <a:t>Suggested up to 5 courses to the schedule with chris</a:t>
             </a:r>
             <a:endParaRPr sz="1400"/>
           </a:p>
@@ -11821,19 +11799,36 @@
             <a:endParaRPr sz="1400"/>
           </a:p>
           <a:p>
-            <a:pPr indent="-297497" lvl="0" marL="457200" rtl="0" algn="l">
+            <a:pPr indent="-317500" lvl="0" marL="457200" rtl="0" algn="l">
               <a:spcBef>
                 <a:spcPts val="1200"/>
               </a:spcBef>
               <a:spcAft>
                 <a:spcPts val="0"/>
               </a:spcAft>
-              <a:buSzPct val="100000"/>
+              <a:buSzPts val="1400"/>
               <a:buChar char="-"/>
             </a:pPr>
             <a:r>
               <a:rPr lang="en" sz="1400"/>
-              <a:t>Final testing and documentation</a:t>
+              <a:t>Implemented backend functionality for radio button F22 W23.</a:t>
+            </a:r>
+            <a:endParaRPr sz="1400"/>
+          </a:p>
+          <a:p>
+            <a:pPr indent="-317500" lvl="0" marL="457200" rtl="0" algn="l">
+              <a:spcBef>
+                <a:spcPts val="0"/>
+              </a:spcBef>
+              <a:spcAft>
+                <a:spcPts val="0"/>
+              </a:spcAft>
+              <a:buSzPts val="1400"/>
+              <a:buChar char="-"/>
+            </a:pPr>
+            <a:r>
+              <a:rPr lang="en" sz="1400"/>
+              <a:t>Add radio button switch from F22 to W23 UI</a:t>
             </a:r>
             <a:endParaRPr sz="1400"/>
           </a:p>
@@ -11843,120 +11838,17 @@
                 <a:spcPts val="1200"/>
               </a:spcBef>
               <a:spcAft>
-                <a:spcPts val="0"/>
-              </a:spcAft>
-              <a:buNone/>
-            </a:pPr>
-            <a:r>
-              <a:t/>
-            </a:r>
-            <a:endParaRPr sz="1400"/>
-          </a:p>
-          <a:p>
-            <a:pPr indent="-297497" lvl="0" marL="457200" rtl="0" algn="l">
-              <a:spcBef>
                 <a:spcPts val="1200"/>
-              </a:spcBef>
-              <a:spcAft>
-                <a:spcPts val="0"/>
-              </a:spcAft>
-              <a:buSzPct val="100000"/>
-              <a:buChar char="-"/>
+              </a:spcAft>
+              <a:buNone/>
             </a:pPr>
             <a:r>
               <a:rPr lang="en" sz="1400"/>
-              <a:t>Tested and researched gitlab ci</a:t>
+              <a:t>Total w</a:t>
             </a:r>
-            <a:endParaRPr sz="1400"/>
-          </a:p>
-          <a:p>
-            <a:pPr indent="0" lvl="0" marL="0" rtl="0" algn="l">
-              <a:spcBef>
-                <a:spcPts val="1200"/>
-              </a:spcBef>
-              <a:spcAft>
-                <a:spcPts val="0"/>
-              </a:spcAft>
-              <a:buNone/>
-            </a:pPr>
-            <a:r>
-              <a:t/>
-            </a:r>
-            <a:endParaRPr sz="1400"/>
-          </a:p>
-          <a:p>
-            <a:pPr indent="0" lvl="0" marL="0" rtl="0" algn="l">
-              <a:spcBef>
-                <a:spcPts val="1200"/>
-              </a:spcBef>
-              <a:spcAft>
-                <a:spcPts val="0"/>
-              </a:spcAft>
-              <a:buNone/>
-            </a:pPr>
             <a:r>
               <a:rPr lang="en" sz="1400"/>
-              <a:t>Total weight: 11</a:t>
-            </a:r>
-            <a:endParaRPr sz="1400"/>
-          </a:p>
-          <a:p>
-            <a:pPr indent="0" lvl="0" marL="0" rtl="0" algn="l">
-              <a:spcBef>
-                <a:spcPts val="1200"/>
-              </a:spcBef>
-              <a:spcAft>
-                <a:spcPts val="0"/>
-              </a:spcAft>
-              <a:buNone/>
-            </a:pPr>
-            <a:r>
-              <a:t/>
-            </a:r>
-            <a:endParaRPr sz="1400"/>
-          </a:p>
-          <a:p>
-            <a:pPr indent="0" lvl="0" marL="0" rtl="0" algn="l">
-              <a:spcBef>
-                <a:spcPts val="1200"/>
-              </a:spcBef>
-              <a:spcAft>
-                <a:spcPts val="0"/>
-              </a:spcAft>
-              <a:buNone/>
-            </a:pPr>
-            <a:r>
-              <a:t/>
-            </a:r>
-            <a:endParaRPr sz="1400"/>
-          </a:p>
-          <a:p>
-            <a:pPr indent="0" lvl="0" marL="0" rtl="0" algn="l">
-              <a:spcBef>
-                <a:spcPts val="1200"/>
-              </a:spcBef>
-              <a:spcAft>
-                <a:spcPts val="0"/>
-              </a:spcAft>
-              <a:buNone/>
-            </a:pPr>
-            <a:r>
-              <a:t/>
-            </a:r>
-            <a:endParaRPr sz="1400"/>
-          </a:p>
-          <a:p>
-            <a:pPr indent="0" lvl="0" marL="0" rtl="0" algn="l">
-              <a:spcBef>
-                <a:spcPts val="1200"/>
-              </a:spcBef>
-              <a:spcAft>
-                <a:spcPts val="1200"/>
-              </a:spcAft>
-              <a:buNone/>
-            </a:pPr>
-            <a:r>
-              <a:t/>
+              <a:t>eight: 21</a:t>
             </a:r>
             <a:endParaRPr sz="1400"/>
           </a:p>

--- a/CIS3760_Retro.pptx
+++ b/CIS3760_Retro.pptx
@@ -1,45 +1,45 @@
 
 <file path=ppt/presentation.xml><?xml version="1.0" encoding="utf-8"?>
-<p:presentation xmlns:a="http://schemas.openxmlformats.org/drawingml/2006/main" xmlns:r="http://schemas.openxmlformats.org/officeDocument/2006/relationships" xmlns:mc="http://schemas.openxmlformats.org/markup-compatibility/2006" xmlns:mv="urn:schemas-microsoft-com:mac:vml" xmlns:p="http://schemas.openxmlformats.org/presentationml/2006/main" xmlns:c="http://schemas.openxmlformats.org/drawingml/2006/chart" xmlns:dgm="http://schemas.openxmlformats.org/drawingml/2006/diagram" xmlns:o="urn:schemas-microsoft-com:office:office" xmlns:v="urn:schemas-microsoft-com:vml" xmlns:pvml="urn:schemas-microsoft-com:office:powerpoint" xmlns:com="http://schemas.openxmlformats.org/drawingml/2006/compatibility" xmlns:p14="http://schemas.microsoft.com/office/powerpoint/2010/main" xmlns:p15="http://schemas.microsoft.com/office/powerpoint/2012/main" xmlns:ahyp="http://schemas.microsoft.com/office/drawing/2018/hyperlinkcolor" autoCompressPictures="0" embedTrueTypeFonts="1" strictFirstAndLastChars="0" saveSubsetFonts="1">
+<p:presentation xmlns:a="http://schemas.openxmlformats.org/drawingml/2006/main" xmlns:r="http://schemas.openxmlformats.org/officeDocument/2006/relationships" xmlns:p="http://schemas.openxmlformats.org/presentationml/2006/main" strictFirstAndLastChars="0" embedTrueTypeFonts="1" saveSubsetFonts="1" autoCompressPictures="0">
   <p:sldMasterIdLst>
-    <p:sldMasterId id="2147483659" r:id="rId4"/>
+    <p:sldMasterId id="2147483659" r:id="rId1"/>
   </p:sldMasterIdLst>
   <p:notesMasterIdLst>
-    <p:notesMasterId r:id="rId5"/>
+    <p:notesMasterId r:id="rId13"/>
   </p:notesMasterIdLst>
   <p:sldIdLst>
-    <p:sldId id="256" r:id="rId6"/>
-    <p:sldId id="257" r:id="rId7"/>
-    <p:sldId id="258" r:id="rId8"/>
-    <p:sldId id="259" r:id="rId9"/>
-    <p:sldId id="260" r:id="rId10"/>
-    <p:sldId id="261" r:id="rId11"/>
-    <p:sldId id="262" r:id="rId12"/>
-    <p:sldId id="263" r:id="rId13"/>
-    <p:sldId id="264" r:id="rId14"/>
-    <p:sldId id="265" r:id="rId15"/>
-    <p:sldId id="266" r:id="rId16"/>
+    <p:sldId id="256" r:id="rId2"/>
+    <p:sldId id="257" r:id="rId3"/>
+    <p:sldId id="258" r:id="rId4"/>
+    <p:sldId id="259" r:id="rId5"/>
+    <p:sldId id="260" r:id="rId6"/>
+    <p:sldId id="261" r:id="rId7"/>
+    <p:sldId id="262" r:id="rId8"/>
+    <p:sldId id="263" r:id="rId9"/>
+    <p:sldId id="264" r:id="rId10"/>
+    <p:sldId id="265" r:id="rId11"/>
+    <p:sldId id="266" r:id="rId12"/>
   </p:sldIdLst>
-  <p:sldSz cy="5143500" cx="9144000"/>
+  <p:sldSz cx="9144000" cy="5143500" type="screen16x9"/>
   <p:notesSz cx="6858000" cy="9144000"/>
   <p:embeddedFontLst>
     <p:embeddedFont>
-      <p:font typeface="Montserrat"/>
-      <p:regular r:id="rId17"/>
-      <p:bold r:id="rId18"/>
-      <p:italic r:id="rId19"/>
-      <p:boldItalic r:id="rId20"/>
+      <p:font typeface="Lato" panose="020F0502020204030203" pitchFamily="34" charset="0"/>
+      <p:regular r:id="rId14"/>
+      <p:bold r:id="rId15"/>
+      <p:italic r:id="rId16"/>
+      <p:boldItalic r:id="rId17"/>
     </p:embeddedFont>
     <p:embeddedFont>
-      <p:font typeface="Lato"/>
-      <p:regular r:id="rId21"/>
-      <p:bold r:id="rId22"/>
-      <p:italic r:id="rId23"/>
-      <p:boldItalic r:id="rId24"/>
+      <p:font typeface="Montserrat" panose="00000500000000000000" pitchFamily="2" charset="0"/>
+      <p:regular r:id="rId18"/>
+      <p:bold r:id="rId19"/>
+      <p:italic r:id="rId20"/>
+      <p:boldItalic r:id="rId21"/>
     </p:embeddedFont>
   </p:embeddedFontLst>
   <p:defaultTextStyle>
-    <a:defPPr lvl="0" marR="0" rtl="0" algn="l">
+    <a:defPPr marR="0" lvl="0" algn="l" rtl="0">
       <a:lnSpc>
         <a:spcPct val="100000"/>
       </a:lnSpc>
@@ -50,7 +50,7 @@
         <a:spcPts val="0"/>
       </a:spcAft>
     </a:defPPr>
-    <a:lvl1pPr lvl="0" marR="0" rtl="0" algn="l">
+    <a:lvl1pPr marR="0" lvl="0" algn="l" rtl="0">
       <a:lnSpc>
         <a:spcPct val="100000"/>
       </a:lnSpc>
@@ -64,7 +64,7 @@
         <a:srgbClr val="000000"/>
       </a:buClr>
       <a:buFont typeface="Arial"/>
-      <a:defRPr b="0" i="0" sz="1400" u="none" cap="none" strike="noStrike">
+      <a:defRPr sz="1400" b="0" i="0" u="none" strike="noStrike" cap="none">
         <a:solidFill>
           <a:srgbClr val="000000"/>
         </a:solidFill>
@@ -74,7 +74,7 @@
         <a:sym typeface="Arial"/>
       </a:defRPr>
     </a:lvl1pPr>
-    <a:lvl2pPr lvl="1" marR="0" rtl="0" algn="l">
+    <a:lvl2pPr marR="0" lvl="1" algn="l" rtl="0">
       <a:lnSpc>
         <a:spcPct val="100000"/>
       </a:lnSpc>
@@ -88,7 +88,7 @@
         <a:srgbClr val="000000"/>
       </a:buClr>
       <a:buFont typeface="Arial"/>
-      <a:defRPr b="0" i="0" sz="1400" u="none" cap="none" strike="noStrike">
+      <a:defRPr sz="1400" b="0" i="0" u="none" strike="noStrike" cap="none">
         <a:solidFill>
           <a:srgbClr val="000000"/>
         </a:solidFill>
@@ -98,7 +98,7 @@
         <a:sym typeface="Arial"/>
       </a:defRPr>
     </a:lvl2pPr>
-    <a:lvl3pPr lvl="2" marR="0" rtl="0" algn="l">
+    <a:lvl3pPr marR="0" lvl="2" algn="l" rtl="0">
       <a:lnSpc>
         <a:spcPct val="100000"/>
       </a:lnSpc>
@@ -112,7 +112,7 @@
         <a:srgbClr val="000000"/>
       </a:buClr>
       <a:buFont typeface="Arial"/>
-      <a:defRPr b="0" i="0" sz="1400" u="none" cap="none" strike="noStrike">
+      <a:defRPr sz="1400" b="0" i="0" u="none" strike="noStrike" cap="none">
         <a:solidFill>
           <a:srgbClr val="000000"/>
         </a:solidFill>
@@ -122,7 +122,7 @@
         <a:sym typeface="Arial"/>
       </a:defRPr>
     </a:lvl3pPr>
-    <a:lvl4pPr lvl="3" marR="0" rtl="0" algn="l">
+    <a:lvl4pPr marR="0" lvl="3" algn="l" rtl="0">
       <a:lnSpc>
         <a:spcPct val="100000"/>
       </a:lnSpc>
@@ -136,7 +136,7 @@
         <a:srgbClr val="000000"/>
       </a:buClr>
       <a:buFont typeface="Arial"/>
-      <a:defRPr b="0" i="0" sz="1400" u="none" cap="none" strike="noStrike">
+      <a:defRPr sz="1400" b="0" i="0" u="none" strike="noStrike" cap="none">
         <a:solidFill>
           <a:srgbClr val="000000"/>
         </a:solidFill>
@@ -146,7 +146,7 @@
         <a:sym typeface="Arial"/>
       </a:defRPr>
     </a:lvl4pPr>
-    <a:lvl5pPr lvl="4" marR="0" rtl="0" algn="l">
+    <a:lvl5pPr marR="0" lvl="4" algn="l" rtl="0">
       <a:lnSpc>
         <a:spcPct val="100000"/>
       </a:lnSpc>
@@ -160,7 +160,7 @@
         <a:srgbClr val="000000"/>
       </a:buClr>
       <a:buFont typeface="Arial"/>
-      <a:defRPr b="0" i="0" sz="1400" u="none" cap="none" strike="noStrike">
+      <a:defRPr sz="1400" b="0" i="0" u="none" strike="noStrike" cap="none">
         <a:solidFill>
           <a:srgbClr val="000000"/>
         </a:solidFill>
@@ -170,7 +170,7 @@
         <a:sym typeface="Arial"/>
       </a:defRPr>
     </a:lvl5pPr>
-    <a:lvl6pPr lvl="5" marR="0" rtl="0" algn="l">
+    <a:lvl6pPr marR="0" lvl="5" algn="l" rtl="0">
       <a:lnSpc>
         <a:spcPct val="100000"/>
       </a:lnSpc>
@@ -184,7 +184,7 @@
         <a:srgbClr val="000000"/>
       </a:buClr>
       <a:buFont typeface="Arial"/>
-      <a:defRPr b="0" i="0" sz="1400" u="none" cap="none" strike="noStrike">
+      <a:defRPr sz="1400" b="0" i="0" u="none" strike="noStrike" cap="none">
         <a:solidFill>
           <a:srgbClr val="000000"/>
         </a:solidFill>
@@ -194,7 +194,7 @@
         <a:sym typeface="Arial"/>
       </a:defRPr>
     </a:lvl6pPr>
-    <a:lvl7pPr lvl="6" marR="0" rtl="0" algn="l">
+    <a:lvl7pPr marR="0" lvl="6" algn="l" rtl="0">
       <a:lnSpc>
         <a:spcPct val="100000"/>
       </a:lnSpc>
@@ -208,7 +208,7 @@
         <a:srgbClr val="000000"/>
       </a:buClr>
       <a:buFont typeface="Arial"/>
-      <a:defRPr b="0" i="0" sz="1400" u="none" cap="none" strike="noStrike">
+      <a:defRPr sz="1400" b="0" i="0" u="none" strike="noStrike" cap="none">
         <a:solidFill>
           <a:srgbClr val="000000"/>
         </a:solidFill>
@@ -218,7 +218,7 @@
         <a:sym typeface="Arial"/>
       </a:defRPr>
     </a:lvl7pPr>
-    <a:lvl8pPr lvl="7" marR="0" rtl="0" algn="l">
+    <a:lvl8pPr marR="0" lvl="7" algn="l" rtl="0">
       <a:lnSpc>
         <a:spcPct val="100000"/>
       </a:lnSpc>
@@ -232,7 +232,7 @@
         <a:srgbClr val="000000"/>
       </a:buClr>
       <a:buFont typeface="Arial"/>
-      <a:defRPr b="0" i="0" sz="1400" u="none" cap="none" strike="noStrike">
+      <a:defRPr sz="1400" b="0" i="0" u="none" strike="noStrike" cap="none">
         <a:solidFill>
           <a:srgbClr val="000000"/>
         </a:solidFill>
@@ -242,7 +242,7 @@
         <a:sym typeface="Arial"/>
       </a:defRPr>
     </a:lvl8pPr>
-    <a:lvl9pPr lvl="8" marR="0" rtl="0" algn="l">
+    <a:lvl9pPr marR="0" lvl="8" algn="l" rtl="0">
       <a:lnSpc>
         <a:spcPct val="100000"/>
       </a:lnSpc>
@@ -256,7 +256,7 @@
         <a:srgbClr val="000000"/>
       </a:buClr>
       <a:buFont typeface="Arial"/>
-      <a:defRPr b="0" i="0" sz="1400" u="none" cap="none" strike="noStrike">
+      <a:defRPr sz="1400" b="0" i="0" u="none" strike="noStrike" cap="none">
         <a:solidFill>
           <a:srgbClr val="000000"/>
         </a:solidFill>
@@ -269,7 +269,7 @@
   </p:defaultTextStyle>
   <p:extLst>
     <p:ext uri="{EFAFB233-063F-42B5-8137-9DF3F51BA10A}">
-      <p15:sldGuideLst>
+      <p15:sldGuideLst xmlns:p15="http://schemas.microsoft.com/office/powerpoint/2012/main">
         <p15:guide id="1" orient="horz" pos="1620">
           <p15:clr>
             <a:srgbClr val="A4A3A4"/>
@@ -287,11 +287,16 @@
 </file>
 
 <file path=ppt/notesMasters/notesMaster1.xml><?xml version="1.0" encoding="utf-8"?>
-<p:notesMaster xmlns:a="http://schemas.openxmlformats.org/drawingml/2006/main" xmlns:r="http://schemas.openxmlformats.org/officeDocument/2006/relationships" xmlns:mc="http://schemas.openxmlformats.org/markup-compatibility/2006" xmlns:mv="urn:schemas-microsoft-com:mac:vml" xmlns:p="http://schemas.openxmlformats.org/presentationml/2006/main" xmlns:c="http://schemas.openxmlformats.org/drawingml/2006/chart" xmlns:dgm="http://schemas.openxmlformats.org/drawingml/2006/diagram" xmlns:o="urn:schemas-microsoft-com:office:office" xmlns:v="urn:schemas-microsoft-com:vml" xmlns:pvml="urn:schemas-microsoft-com:office:powerpoint" xmlns:com="http://schemas.openxmlformats.org/drawingml/2006/compatibility" xmlns:p14="http://schemas.microsoft.com/office/powerpoint/2010/main" xmlns:p15="http://schemas.microsoft.com/office/powerpoint/2012/main" xmlns:ahyp="http://schemas.microsoft.com/office/drawing/2018/hyperlinkcolor">
+<p:notesMaster xmlns:a="http://schemas.openxmlformats.org/drawingml/2006/main" xmlns:r="http://schemas.openxmlformats.org/officeDocument/2006/relationships" xmlns:p="http://schemas.openxmlformats.org/presentationml/2006/main">
   <p:cSld>
+    <p:bg>
+      <p:bgRef idx="1001">
+        <a:schemeClr val="bg1"/>
+      </p:bgRef>
+    </p:bg>
     <p:spTree>
       <p:nvGrpSpPr>
-        <p:cNvPr id="2" name="Shape 2"/>
+        <p:cNvPr id="1" name="Shape 2"/>
         <p:cNvGrpSpPr/>
         <p:nvPr/>
       </p:nvGrpSpPr>
@@ -306,9 +311,11 @@
       <p:sp>
         <p:nvSpPr>
           <p:cNvPr id="3" name="Google Shape;3;n"/>
-          <p:cNvSpPr/>
+          <p:cNvSpPr>
+            <a:spLocks noGrp="1" noRot="1" noChangeAspect="1"/>
+          </p:cNvSpPr>
           <p:nvPr>
-            <p:ph idx="2" type="sldImg"/>
+            <p:ph type="sldImg" idx="2"/>
           </p:nvPr>
         </p:nvSpPr>
         <p:spPr>
@@ -317,9 +324,13 @@
             <a:ext cx="6096075" cy="3429000"/>
           </a:xfrm>
           <a:custGeom>
-            <a:rect b="b" l="l" r="r" t="t"/>
+            <a:avLst/>
+            <a:gdLst/>
+            <a:ahLst/>
+            <a:cxnLst/>
+            <a:rect l="l" t="t" r="r" b="b"/>
             <a:pathLst>
-              <a:path extrusionOk="0" h="120000" w="120000">
+              <a:path w="120000" h="120000" extrusionOk="0">
                 <a:moveTo>
                   <a:pt x="0" y="0"/>
                 </a:moveTo>
@@ -337,23 +348,25 @@
             </a:pathLst>
           </a:custGeom>
           <a:noFill/>
-          <a:ln cap="flat" cmpd="sng" w="9525">
+          <a:ln w="9525" cap="flat" cmpd="sng">
             <a:solidFill>
               <a:srgbClr val="000000"/>
             </a:solidFill>
             <a:prstDash val="solid"/>
             <a:round/>
-            <a:headEnd len="sm" w="sm" type="none"/>
-            <a:tailEnd len="sm" w="sm" type="none"/>
+            <a:headEnd type="none" w="sm" len="sm"/>
+            <a:tailEnd type="none" w="sm" len="sm"/>
           </a:ln>
         </p:spPr>
       </p:sp>
       <p:sp>
         <p:nvSpPr>
           <p:cNvPr id="4" name="Google Shape;4;n"/>
-          <p:cNvSpPr txBox="1"/>
+          <p:cNvSpPr txBox="1">
+            <a:spLocks noGrp="1"/>
+          </p:cNvSpPr>
           <p:nvPr>
-            <p:ph idx="1" type="body"/>
+            <p:ph type="body" idx="1"/>
           </p:nvPr>
         </p:nvSpPr>
         <p:spPr>
@@ -370,11 +383,11 @@
           </a:ln>
         </p:spPr>
         <p:txBody>
-          <a:bodyPr anchorCtr="0" anchor="t" bIns="91425" lIns="91425" spcFirstLastPara="1" rIns="91425" wrap="square" tIns="91425">
+          <a:bodyPr spcFirstLastPara="1" wrap="square" lIns="91425" tIns="91425" rIns="91425" bIns="91425" anchor="t" anchorCtr="0">
             <a:noAutofit/>
           </a:bodyPr>
           <a:lstStyle>
-            <a:lvl1pPr indent="-298450" lvl="0" marL="457200">
+            <a:lvl1pPr marL="457200" lvl="0" indent="-298450">
               <a:spcBef>
                 <a:spcPts val="0"/>
               </a:spcBef>
@@ -385,7 +398,7 @@
               <a:buChar char="●"/>
               <a:defRPr sz="1100"/>
             </a:lvl1pPr>
-            <a:lvl2pPr indent="-298450" lvl="1" marL="914400">
+            <a:lvl2pPr marL="914400" lvl="1" indent="-298450">
               <a:spcBef>
                 <a:spcPts val="0"/>
               </a:spcBef>
@@ -396,7 +409,7 @@
               <a:buChar char="○"/>
               <a:defRPr sz="1100"/>
             </a:lvl2pPr>
-            <a:lvl3pPr indent="-298450" lvl="2" marL="1371600">
+            <a:lvl3pPr marL="1371600" lvl="2" indent="-298450">
               <a:spcBef>
                 <a:spcPts val="0"/>
               </a:spcBef>
@@ -407,7 +420,7 @@
               <a:buChar char="■"/>
               <a:defRPr sz="1100"/>
             </a:lvl3pPr>
-            <a:lvl4pPr indent="-298450" lvl="3" marL="1828800">
+            <a:lvl4pPr marL="1828800" lvl="3" indent="-298450">
               <a:spcBef>
                 <a:spcPts val="0"/>
               </a:spcBef>
@@ -418,7 +431,7 @@
               <a:buChar char="●"/>
               <a:defRPr sz="1100"/>
             </a:lvl4pPr>
-            <a:lvl5pPr indent="-298450" lvl="4" marL="2286000">
+            <a:lvl5pPr marL="2286000" lvl="4" indent="-298450">
               <a:spcBef>
                 <a:spcPts val="0"/>
               </a:spcBef>
@@ -429,7 +442,7 @@
               <a:buChar char="○"/>
               <a:defRPr sz="1100"/>
             </a:lvl5pPr>
-            <a:lvl6pPr indent="-298450" lvl="5" marL="2743200">
+            <a:lvl6pPr marL="2743200" lvl="5" indent="-298450">
               <a:spcBef>
                 <a:spcPts val="0"/>
               </a:spcBef>
@@ -440,7 +453,7 @@
               <a:buChar char="■"/>
               <a:defRPr sz="1100"/>
             </a:lvl6pPr>
-            <a:lvl7pPr indent="-298450" lvl="6" marL="3200400">
+            <a:lvl7pPr marL="3200400" lvl="6" indent="-298450">
               <a:spcBef>
                 <a:spcPts val="0"/>
               </a:spcBef>
@@ -451,7 +464,7 @@
               <a:buChar char="●"/>
               <a:defRPr sz="1100"/>
             </a:lvl7pPr>
-            <a:lvl8pPr indent="-298450" lvl="7" marL="3657600">
+            <a:lvl8pPr marL="3657600" lvl="7" indent="-298450">
               <a:spcBef>
                 <a:spcPts val="0"/>
               </a:spcBef>
@@ -462,7 +475,7 @@
               <a:buChar char="○"/>
               <a:defRPr sz="1100"/>
             </a:lvl8pPr>
-            <a:lvl9pPr indent="-298450" lvl="8" marL="4114800">
+            <a:lvl9pPr marL="4114800" lvl="8" indent="-298450">
               <a:spcBef>
                 <a:spcPts val="0"/>
               </a:spcBef>
@@ -474,14 +487,16 @@
               <a:defRPr sz="1100"/>
             </a:lvl9pPr>
           </a:lstStyle>
-          <a:p/>
+          <a:p>
+            <a:endParaRPr/>
+          </a:p>
         </p:txBody>
       </p:sp>
     </p:spTree>
   </p:cSld>
-  <p:clrMap accent1="accent1" accent2="accent2" accent3="accent3" accent4="accent4" accent5="accent5" accent6="accent6" bg1="lt1" bg2="dk2" tx1="dk1" tx2="lt2" folHlink="folHlink" hlink="hlink"/>
+  <p:clrMap bg1="lt1" tx1="dk1" bg2="dk2" tx2="lt2" accent1="accent1" accent2="accent2" accent3="accent3" accent4="accent4" accent5="accent5" accent6="accent6" hlink="hlink" folHlink="folHlink"/>
   <p:notesStyle>
-    <a:defPPr lvl="0" marR="0" rtl="0" algn="l">
+    <a:defPPr marR="0" lvl="0" algn="l" rtl="0">
       <a:lnSpc>
         <a:spcPct val="100000"/>
       </a:lnSpc>
@@ -492,7 +507,7 @@
         <a:spcPts val="0"/>
       </a:spcAft>
     </a:defPPr>
-    <a:lvl1pPr lvl="0" marR="0" rtl="0" algn="l">
+    <a:lvl1pPr marR="0" lvl="0" algn="l" rtl="0">
       <a:lnSpc>
         <a:spcPct val="100000"/>
       </a:lnSpc>
@@ -506,7 +521,7 @@
         <a:srgbClr val="000000"/>
       </a:buClr>
       <a:buFont typeface="Arial"/>
-      <a:defRPr b="0" i="0" sz="1400" u="none" cap="none" strike="noStrike">
+      <a:defRPr sz="1400" b="0" i="0" u="none" strike="noStrike" cap="none">
         <a:solidFill>
           <a:srgbClr val="000000"/>
         </a:solidFill>
@@ -516,7 +531,7 @@
         <a:sym typeface="Arial"/>
       </a:defRPr>
     </a:lvl1pPr>
-    <a:lvl2pPr lvl="1" marR="0" rtl="0" algn="l">
+    <a:lvl2pPr marR="0" lvl="1" algn="l" rtl="0">
       <a:lnSpc>
         <a:spcPct val="100000"/>
       </a:lnSpc>
@@ -530,7 +545,7 @@
         <a:srgbClr val="000000"/>
       </a:buClr>
       <a:buFont typeface="Arial"/>
-      <a:defRPr b="0" i="0" sz="1400" u="none" cap="none" strike="noStrike">
+      <a:defRPr sz="1400" b="0" i="0" u="none" strike="noStrike" cap="none">
         <a:solidFill>
           <a:srgbClr val="000000"/>
         </a:solidFill>
@@ -540,7 +555,7 @@
         <a:sym typeface="Arial"/>
       </a:defRPr>
     </a:lvl2pPr>
-    <a:lvl3pPr lvl="2" marR="0" rtl="0" algn="l">
+    <a:lvl3pPr marR="0" lvl="2" algn="l" rtl="0">
       <a:lnSpc>
         <a:spcPct val="100000"/>
       </a:lnSpc>
@@ -554,7 +569,7 @@
         <a:srgbClr val="000000"/>
       </a:buClr>
       <a:buFont typeface="Arial"/>
-      <a:defRPr b="0" i="0" sz="1400" u="none" cap="none" strike="noStrike">
+      <a:defRPr sz="1400" b="0" i="0" u="none" strike="noStrike" cap="none">
         <a:solidFill>
           <a:srgbClr val="000000"/>
         </a:solidFill>
@@ -564,7 +579,7 @@
         <a:sym typeface="Arial"/>
       </a:defRPr>
     </a:lvl3pPr>
-    <a:lvl4pPr lvl="3" marR="0" rtl="0" algn="l">
+    <a:lvl4pPr marR="0" lvl="3" algn="l" rtl="0">
       <a:lnSpc>
         <a:spcPct val="100000"/>
       </a:lnSpc>
@@ -578,7 +593,7 @@
         <a:srgbClr val="000000"/>
       </a:buClr>
       <a:buFont typeface="Arial"/>
-      <a:defRPr b="0" i="0" sz="1400" u="none" cap="none" strike="noStrike">
+      <a:defRPr sz="1400" b="0" i="0" u="none" strike="noStrike" cap="none">
         <a:solidFill>
           <a:srgbClr val="000000"/>
         </a:solidFill>
@@ -588,7 +603,7 @@
         <a:sym typeface="Arial"/>
       </a:defRPr>
     </a:lvl4pPr>
-    <a:lvl5pPr lvl="4" marR="0" rtl="0" algn="l">
+    <a:lvl5pPr marR="0" lvl="4" algn="l" rtl="0">
       <a:lnSpc>
         <a:spcPct val="100000"/>
       </a:lnSpc>
@@ -602,7 +617,7 @@
         <a:srgbClr val="000000"/>
       </a:buClr>
       <a:buFont typeface="Arial"/>
-      <a:defRPr b="0" i="0" sz="1400" u="none" cap="none" strike="noStrike">
+      <a:defRPr sz="1400" b="0" i="0" u="none" strike="noStrike" cap="none">
         <a:solidFill>
           <a:srgbClr val="000000"/>
         </a:solidFill>
@@ -612,7 +627,7 @@
         <a:sym typeface="Arial"/>
       </a:defRPr>
     </a:lvl5pPr>
-    <a:lvl6pPr lvl="5" marR="0" rtl="0" algn="l">
+    <a:lvl6pPr marR="0" lvl="5" algn="l" rtl="0">
       <a:lnSpc>
         <a:spcPct val="100000"/>
       </a:lnSpc>
@@ -626,7 +641,7 @@
         <a:srgbClr val="000000"/>
       </a:buClr>
       <a:buFont typeface="Arial"/>
-      <a:defRPr b="0" i="0" sz="1400" u="none" cap="none" strike="noStrike">
+      <a:defRPr sz="1400" b="0" i="0" u="none" strike="noStrike" cap="none">
         <a:solidFill>
           <a:srgbClr val="000000"/>
         </a:solidFill>
@@ -636,7 +651,7 @@
         <a:sym typeface="Arial"/>
       </a:defRPr>
     </a:lvl6pPr>
-    <a:lvl7pPr lvl="6" marR="0" rtl="0" algn="l">
+    <a:lvl7pPr marR="0" lvl="6" algn="l" rtl="0">
       <a:lnSpc>
         <a:spcPct val="100000"/>
       </a:lnSpc>
@@ -650,7 +665,7 @@
         <a:srgbClr val="000000"/>
       </a:buClr>
       <a:buFont typeface="Arial"/>
-      <a:defRPr b="0" i="0" sz="1400" u="none" cap="none" strike="noStrike">
+      <a:defRPr sz="1400" b="0" i="0" u="none" strike="noStrike" cap="none">
         <a:solidFill>
           <a:srgbClr val="000000"/>
         </a:solidFill>
@@ -660,7 +675,7 @@
         <a:sym typeface="Arial"/>
       </a:defRPr>
     </a:lvl7pPr>
-    <a:lvl8pPr lvl="7" marR="0" rtl="0" algn="l">
+    <a:lvl8pPr marR="0" lvl="7" algn="l" rtl="0">
       <a:lnSpc>
         <a:spcPct val="100000"/>
       </a:lnSpc>
@@ -674,7 +689,7 @@
         <a:srgbClr val="000000"/>
       </a:buClr>
       <a:buFont typeface="Arial"/>
-      <a:defRPr b="0" i="0" sz="1400" u="none" cap="none" strike="noStrike">
+      <a:defRPr sz="1400" b="0" i="0" u="none" strike="noStrike" cap="none">
         <a:solidFill>
           <a:srgbClr val="000000"/>
         </a:solidFill>
@@ -684,7 +699,7 @@
         <a:sym typeface="Arial"/>
       </a:defRPr>
     </a:lvl8pPr>
-    <a:lvl9pPr lvl="8" marR="0" rtl="0" algn="l">
+    <a:lvl9pPr marR="0" lvl="8" algn="l" rtl="0">
       <a:lnSpc>
         <a:spcPct val="100000"/>
       </a:lnSpc>
@@ -698,7 +713,7 @@
         <a:srgbClr val="000000"/>
       </a:buClr>
       <a:buFont typeface="Arial"/>
-      <a:defRPr b="0" i="0" sz="1400" u="none" cap="none" strike="noStrike">
+      <a:defRPr sz="1400" b="0" i="0" u="none" strike="noStrike" cap="none">
         <a:solidFill>
           <a:srgbClr val="000000"/>
         </a:solidFill>
@@ -713,11 +728,11 @@
 </file>
 
 <file path=ppt/notesSlides/notesSlide1.xml><?xml version="1.0" encoding="utf-8"?>
-<p:notes xmlns:a="http://schemas.openxmlformats.org/drawingml/2006/main" xmlns:r="http://schemas.openxmlformats.org/officeDocument/2006/relationships" xmlns:mc="http://schemas.openxmlformats.org/markup-compatibility/2006" xmlns:mv="urn:schemas-microsoft-com:mac:vml" xmlns:p="http://schemas.openxmlformats.org/presentationml/2006/main" xmlns:c="http://schemas.openxmlformats.org/drawingml/2006/chart" xmlns:dgm="http://schemas.openxmlformats.org/drawingml/2006/diagram" xmlns:o="urn:schemas-microsoft-com:office:office" xmlns:v="urn:schemas-microsoft-com:vml" xmlns:pvml="urn:schemas-microsoft-com:office:powerpoint" xmlns:com="http://schemas.openxmlformats.org/drawingml/2006/compatibility" xmlns:p14="http://schemas.microsoft.com/office/powerpoint/2010/main" xmlns:p15="http://schemas.microsoft.com/office/powerpoint/2012/main" xmlns:ahyp="http://schemas.microsoft.com/office/drawing/2018/hyperlinkcolor" showMasterPhAnim="0" showMasterSp="0">
+<p:notes xmlns:a="http://schemas.openxmlformats.org/drawingml/2006/main" xmlns:r="http://schemas.openxmlformats.org/officeDocument/2006/relationships" xmlns:p="http://schemas.openxmlformats.org/presentationml/2006/main" showMasterSp="0" showMasterPhAnim="0">
   <p:cSld>
     <p:spTree>
       <p:nvGrpSpPr>
-        <p:cNvPr id="130" name="Shape 130"/>
+        <p:cNvPr id="1" name="Shape 130"/>
         <p:cNvGrpSpPr/>
         <p:nvPr/>
       </p:nvGrpSpPr>
@@ -732,9 +747,11 @@
       <p:sp>
         <p:nvSpPr>
           <p:cNvPr id="131" name="Google Shape;131;p:notes"/>
-          <p:cNvSpPr/>
+          <p:cNvSpPr>
+            <a:spLocks noGrp="1" noRot="1" noChangeAspect="1"/>
+          </p:cNvSpPr>
           <p:nvPr>
-            <p:ph idx="2" type="sldImg"/>
+            <p:ph type="sldImg" idx="2"/>
           </p:nvPr>
         </p:nvSpPr>
         <p:spPr>
@@ -743,9 +760,13 @@
             <a:ext cx="6096075" cy="3429000"/>
           </a:xfrm>
           <a:custGeom>
-            <a:rect b="b" l="l" r="r" t="t"/>
+            <a:avLst/>
+            <a:gdLst/>
+            <a:ahLst/>
+            <a:cxnLst/>
+            <a:rect l="l" t="t" r="r" b="b"/>
             <a:pathLst>
-              <a:path extrusionOk="0" h="120000" w="120000">
+              <a:path w="120000" h="120000" extrusionOk="0">
                 <a:moveTo>
                   <a:pt x="0" y="0"/>
                 </a:moveTo>
@@ -767,9 +788,11 @@
       <p:sp>
         <p:nvSpPr>
           <p:cNvPr id="132" name="Google Shape;132;p:notes"/>
-          <p:cNvSpPr txBox="1"/>
+          <p:cNvSpPr txBox="1">
+            <a:spLocks noGrp="1"/>
+          </p:cNvSpPr>
           <p:nvPr>
-            <p:ph idx="1" type="body"/>
+            <p:ph type="body" idx="1"/>
           </p:nvPr>
         </p:nvSpPr>
         <p:spPr>
@@ -782,12 +805,12 @@
           </a:prstGeom>
         </p:spPr>
         <p:txBody>
-          <a:bodyPr anchorCtr="0" anchor="t" bIns="91425" lIns="91425" spcFirstLastPara="1" rIns="91425" wrap="square" tIns="91425">
+          <a:bodyPr spcFirstLastPara="1" wrap="square" lIns="91425" tIns="91425" rIns="91425" bIns="91425" anchor="t" anchorCtr="0">
             <a:noAutofit/>
           </a:bodyPr>
           <a:lstStyle/>
           <a:p>
-            <a:pPr indent="0" lvl="0" marL="0" rtl="0" algn="l">
+            <a:pPr marL="0" lvl="0" indent="0" algn="l" rtl="0">
               <a:spcBef>
                 <a:spcPts val="0"/>
               </a:spcBef>
@@ -796,9 +819,6 @@
               </a:spcAft>
               <a:buNone/>
             </a:pPr>
-            <a:r>
-              <a:t/>
-            </a:r>
             <a:endParaRPr/>
           </a:p>
         </p:txBody>
@@ -812,11 +832,11 @@
 </file>
 
 <file path=ppt/notesSlides/notesSlide10.xml><?xml version="1.0" encoding="utf-8"?>
-<p:notes xmlns:a="http://schemas.openxmlformats.org/drawingml/2006/main" xmlns:r="http://schemas.openxmlformats.org/officeDocument/2006/relationships" xmlns:mc="http://schemas.openxmlformats.org/markup-compatibility/2006" xmlns:mv="urn:schemas-microsoft-com:mac:vml" xmlns:p="http://schemas.openxmlformats.org/presentationml/2006/main" xmlns:c="http://schemas.openxmlformats.org/drawingml/2006/chart" xmlns:dgm="http://schemas.openxmlformats.org/drawingml/2006/diagram" xmlns:o="urn:schemas-microsoft-com:office:office" xmlns:v="urn:schemas-microsoft-com:vml" xmlns:pvml="urn:schemas-microsoft-com:office:powerpoint" xmlns:com="http://schemas.openxmlformats.org/drawingml/2006/compatibility" xmlns:p14="http://schemas.microsoft.com/office/powerpoint/2010/main" xmlns:p15="http://schemas.microsoft.com/office/powerpoint/2012/main" xmlns:ahyp="http://schemas.microsoft.com/office/drawing/2018/hyperlinkcolor" showMasterPhAnim="0" showMasterSp="0">
+<p:notes xmlns:a="http://schemas.openxmlformats.org/drawingml/2006/main" xmlns:r="http://schemas.openxmlformats.org/officeDocument/2006/relationships" xmlns:p="http://schemas.openxmlformats.org/presentationml/2006/main" showMasterSp="0" showMasterPhAnim="0">
   <p:cSld>
     <p:spTree>
       <p:nvGrpSpPr>
-        <p:cNvPr id="186" name="Shape 186"/>
+        <p:cNvPr id="1" name="Shape 186"/>
         <p:cNvGrpSpPr/>
         <p:nvPr/>
       </p:nvGrpSpPr>
@@ -831,9 +851,11 @@
       <p:sp>
         <p:nvSpPr>
           <p:cNvPr id="187" name="Google Shape;187;g15ad3495669_4_0:notes"/>
-          <p:cNvSpPr/>
+          <p:cNvSpPr>
+            <a:spLocks noGrp="1" noRot="1" noChangeAspect="1"/>
+          </p:cNvSpPr>
           <p:nvPr>
-            <p:ph idx="2" type="sldImg"/>
+            <p:ph type="sldImg" idx="2"/>
           </p:nvPr>
         </p:nvSpPr>
         <p:spPr>
@@ -842,9 +864,13 @@
             <a:ext cx="6096000" cy="3429000"/>
           </a:xfrm>
           <a:custGeom>
-            <a:rect b="b" l="l" r="r" t="t"/>
+            <a:avLst/>
+            <a:gdLst/>
+            <a:ahLst/>
+            <a:cxnLst/>
+            <a:rect l="l" t="t" r="r" b="b"/>
             <a:pathLst>
-              <a:path extrusionOk="0" h="120000" w="120000">
+              <a:path w="120000" h="120000" extrusionOk="0">
                 <a:moveTo>
                   <a:pt x="0" y="0"/>
                 </a:moveTo>
@@ -866,9 +892,11 @@
       <p:sp>
         <p:nvSpPr>
           <p:cNvPr id="188" name="Google Shape;188;g15ad3495669_4_0:notes"/>
-          <p:cNvSpPr txBox="1"/>
+          <p:cNvSpPr txBox="1">
+            <a:spLocks noGrp="1"/>
+          </p:cNvSpPr>
           <p:nvPr>
-            <p:ph idx="1" type="body"/>
+            <p:ph type="body" idx="1"/>
           </p:nvPr>
         </p:nvSpPr>
         <p:spPr>
@@ -881,12 +909,12 @@
           </a:prstGeom>
         </p:spPr>
         <p:txBody>
-          <a:bodyPr anchorCtr="0" anchor="t" bIns="91425" lIns="91425" spcFirstLastPara="1" rIns="91425" wrap="square" tIns="91425">
+          <a:bodyPr spcFirstLastPara="1" wrap="square" lIns="91425" tIns="91425" rIns="91425" bIns="91425" anchor="t" anchorCtr="0">
             <a:noAutofit/>
           </a:bodyPr>
           <a:lstStyle/>
           <a:p>
-            <a:pPr indent="0" lvl="0" marL="0" rtl="0" algn="l">
+            <a:pPr marL="0" lvl="0" indent="0" algn="l" rtl="0">
               <a:spcBef>
                 <a:spcPts val="0"/>
               </a:spcBef>
@@ -895,9 +923,6 @@
               </a:spcAft>
               <a:buNone/>
             </a:pPr>
-            <a:r>
-              <a:t/>
-            </a:r>
             <a:endParaRPr/>
           </a:p>
         </p:txBody>
@@ -911,11 +936,11 @@
 </file>
 
 <file path=ppt/notesSlides/notesSlide11.xml><?xml version="1.0" encoding="utf-8"?>
-<p:notes xmlns:a="http://schemas.openxmlformats.org/drawingml/2006/main" xmlns:r="http://schemas.openxmlformats.org/officeDocument/2006/relationships" xmlns:mc="http://schemas.openxmlformats.org/markup-compatibility/2006" xmlns:mv="urn:schemas-microsoft-com:mac:vml" xmlns:p="http://schemas.openxmlformats.org/presentationml/2006/main" xmlns:c="http://schemas.openxmlformats.org/drawingml/2006/chart" xmlns:dgm="http://schemas.openxmlformats.org/drawingml/2006/diagram" xmlns:o="urn:schemas-microsoft-com:office:office" xmlns:v="urn:schemas-microsoft-com:vml" xmlns:pvml="urn:schemas-microsoft-com:office:powerpoint" xmlns:com="http://schemas.openxmlformats.org/drawingml/2006/compatibility" xmlns:p14="http://schemas.microsoft.com/office/powerpoint/2010/main" xmlns:p15="http://schemas.microsoft.com/office/powerpoint/2012/main" xmlns:ahyp="http://schemas.microsoft.com/office/drawing/2018/hyperlinkcolor" showMasterPhAnim="0" showMasterSp="0">
+<p:notes xmlns:a="http://schemas.openxmlformats.org/drawingml/2006/main" xmlns:r="http://schemas.openxmlformats.org/officeDocument/2006/relationships" xmlns:p="http://schemas.openxmlformats.org/presentationml/2006/main" showMasterSp="0" showMasterPhAnim="0">
   <p:cSld>
     <p:spTree>
       <p:nvGrpSpPr>
-        <p:cNvPr id="192" name="Shape 192"/>
+        <p:cNvPr id="1" name="Shape 192"/>
         <p:cNvGrpSpPr/>
         <p:nvPr/>
       </p:nvGrpSpPr>
@@ -930,9 +955,11 @@
       <p:sp>
         <p:nvSpPr>
           <p:cNvPr id="193" name="Google Shape;193;g15ad3495669_3_0:notes"/>
-          <p:cNvSpPr/>
+          <p:cNvSpPr>
+            <a:spLocks noGrp="1" noRot="1" noChangeAspect="1"/>
+          </p:cNvSpPr>
           <p:nvPr>
-            <p:ph idx="2" type="sldImg"/>
+            <p:ph type="sldImg" idx="2"/>
           </p:nvPr>
         </p:nvSpPr>
         <p:spPr>
@@ -941,9 +968,13 @@
             <a:ext cx="6096000" cy="3429000"/>
           </a:xfrm>
           <a:custGeom>
-            <a:rect b="b" l="l" r="r" t="t"/>
+            <a:avLst/>
+            <a:gdLst/>
+            <a:ahLst/>
+            <a:cxnLst/>
+            <a:rect l="l" t="t" r="r" b="b"/>
             <a:pathLst>
-              <a:path extrusionOk="0" h="120000" w="120000">
+              <a:path w="120000" h="120000" extrusionOk="0">
                 <a:moveTo>
                   <a:pt x="0" y="0"/>
                 </a:moveTo>
@@ -965,9 +996,11 @@
       <p:sp>
         <p:nvSpPr>
           <p:cNvPr id="194" name="Google Shape;194;g15ad3495669_3_0:notes"/>
-          <p:cNvSpPr txBox="1"/>
+          <p:cNvSpPr txBox="1">
+            <a:spLocks noGrp="1"/>
+          </p:cNvSpPr>
           <p:nvPr>
-            <p:ph idx="1" type="body"/>
+            <p:ph type="body" idx="1"/>
           </p:nvPr>
         </p:nvSpPr>
         <p:spPr>
@@ -980,12 +1013,12 @@
           </a:prstGeom>
         </p:spPr>
         <p:txBody>
-          <a:bodyPr anchorCtr="0" anchor="t" bIns="91425" lIns="91425" spcFirstLastPara="1" rIns="91425" wrap="square" tIns="91425">
+          <a:bodyPr spcFirstLastPara="1" wrap="square" lIns="91425" tIns="91425" rIns="91425" bIns="91425" anchor="t" anchorCtr="0">
             <a:noAutofit/>
           </a:bodyPr>
           <a:lstStyle/>
           <a:p>
-            <a:pPr indent="0" lvl="0" marL="0" rtl="0" algn="l">
+            <a:pPr marL="0" lvl="0" indent="0" algn="l" rtl="0">
               <a:spcBef>
                 <a:spcPts val="0"/>
               </a:spcBef>
@@ -994,9 +1027,6 @@
               </a:spcAft>
               <a:buNone/>
             </a:pPr>
-            <a:r>
-              <a:t/>
-            </a:r>
             <a:endParaRPr/>
           </a:p>
         </p:txBody>
@@ -1010,11 +1040,11 @@
 </file>
 
 <file path=ppt/notesSlides/notesSlide2.xml><?xml version="1.0" encoding="utf-8"?>
-<p:notes xmlns:a="http://schemas.openxmlformats.org/drawingml/2006/main" xmlns:r="http://schemas.openxmlformats.org/officeDocument/2006/relationships" xmlns:mc="http://schemas.openxmlformats.org/markup-compatibility/2006" xmlns:mv="urn:schemas-microsoft-com:mac:vml" xmlns:p="http://schemas.openxmlformats.org/presentationml/2006/main" xmlns:c="http://schemas.openxmlformats.org/drawingml/2006/chart" xmlns:dgm="http://schemas.openxmlformats.org/drawingml/2006/diagram" xmlns:o="urn:schemas-microsoft-com:office:office" xmlns:v="urn:schemas-microsoft-com:vml" xmlns:pvml="urn:schemas-microsoft-com:office:powerpoint" xmlns:com="http://schemas.openxmlformats.org/drawingml/2006/compatibility" xmlns:p14="http://schemas.microsoft.com/office/powerpoint/2010/main" xmlns:p15="http://schemas.microsoft.com/office/powerpoint/2012/main" xmlns:ahyp="http://schemas.microsoft.com/office/drawing/2018/hyperlinkcolor" showMasterPhAnim="0" showMasterSp="0">
+<p:notes xmlns:a="http://schemas.openxmlformats.org/drawingml/2006/main" xmlns:r="http://schemas.openxmlformats.org/officeDocument/2006/relationships" xmlns:p="http://schemas.openxmlformats.org/presentationml/2006/main" showMasterSp="0" showMasterPhAnim="0">
   <p:cSld>
     <p:spTree>
       <p:nvGrpSpPr>
-        <p:cNvPr id="136" name="Shape 136"/>
+        <p:cNvPr id="1" name="Shape 136"/>
         <p:cNvGrpSpPr/>
         <p:nvPr/>
       </p:nvGrpSpPr>
@@ -1029,9 +1059,11 @@
       <p:sp>
         <p:nvSpPr>
           <p:cNvPr id="137" name="Google Shape;137;g15ad3495669_2_15:notes"/>
-          <p:cNvSpPr/>
+          <p:cNvSpPr>
+            <a:spLocks noGrp="1" noRot="1" noChangeAspect="1"/>
+          </p:cNvSpPr>
           <p:nvPr>
-            <p:ph idx="2" type="sldImg"/>
+            <p:ph type="sldImg" idx="2"/>
           </p:nvPr>
         </p:nvSpPr>
         <p:spPr>
@@ -1040,9 +1072,13 @@
             <a:ext cx="6096000" cy="3429000"/>
           </a:xfrm>
           <a:custGeom>
-            <a:rect b="b" l="l" r="r" t="t"/>
+            <a:avLst/>
+            <a:gdLst/>
+            <a:ahLst/>
+            <a:cxnLst/>
+            <a:rect l="l" t="t" r="r" b="b"/>
             <a:pathLst>
-              <a:path extrusionOk="0" h="120000" w="120000">
+              <a:path w="120000" h="120000" extrusionOk="0">
                 <a:moveTo>
                   <a:pt x="0" y="0"/>
                 </a:moveTo>
@@ -1064,9 +1100,11 @@
       <p:sp>
         <p:nvSpPr>
           <p:cNvPr id="138" name="Google Shape;138;g15ad3495669_2_15:notes"/>
-          <p:cNvSpPr txBox="1"/>
+          <p:cNvSpPr txBox="1">
+            <a:spLocks noGrp="1"/>
+          </p:cNvSpPr>
           <p:nvPr>
-            <p:ph idx="1" type="body"/>
+            <p:ph type="body" idx="1"/>
           </p:nvPr>
         </p:nvSpPr>
         <p:spPr>
@@ -1079,12 +1117,12 @@
           </a:prstGeom>
         </p:spPr>
         <p:txBody>
-          <a:bodyPr anchorCtr="0" anchor="t" bIns="91425" lIns="91425" spcFirstLastPara="1" rIns="91425" wrap="square" tIns="91425">
+          <a:bodyPr spcFirstLastPara="1" wrap="square" lIns="91425" tIns="91425" rIns="91425" bIns="91425" anchor="t" anchorCtr="0">
             <a:noAutofit/>
           </a:bodyPr>
           <a:lstStyle/>
           <a:p>
-            <a:pPr indent="0" lvl="0" marL="0" rtl="0" algn="l">
+            <a:pPr marL="0" lvl="0" indent="0" algn="l" rtl="0">
               <a:spcBef>
                 <a:spcPts val="0"/>
               </a:spcBef>
@@ -1093,9 +1131,6 @@
               </a:spcAft>
               <a:buNone/>
             </a:pPr>
-            <a:r>
-              <a:t/>
-            </a:r>
             <a:endParaRPr/>
           </a:p>
         </p:txBody>
@@ -1109,11 +1144,11 @@
 </file>
 
 <file path=ppt/notesSlides/notesSlide3.xml><?xml version="1.0" encoding="utf-8"?>
-<p:notes xmlns:a="http://schemas.openxmlformats.org/drawingml/2006/main" xmlns:r="http://schemas.openxmlformats.org/officeDocument/2006/relationships" xmlns:mc="http://schemas.openxmlformats.org/markup-compatibility/2006" xmlns:mv="urn:schemas-microsoft-com:mac:vml" xmlns:p="http://schemas.openxmlformats.org/presentationml/2006/main" xmlns:c="http://schemas.openxmlformats.org/drawingml/2006/chart" xmlns:dgm="http://schemas.openxmlformats.org/drawingml/2006/diagram" xmlns:o="urn:schemas-microsoft-com:office:office" xmlns:v="urn:schemas-microsoft-com:vml" xmlns:pvml="urn:schemas-microsoft-com:office:powerpoint" xmlns:com="http://schemas.openxmlformats.org/drawingml/2006/compatibility" xmlns:p14="http://schemas.microsoft.com/office/powerpoint/2010/main" xmlns:p15="http://schemas.microsoft.com/office/powerpoint/2012/main" xmlns:ahyp="http://schemas.microsoft.com/office/drawing/2018/hyperlinkcolor" showMasterPhAnim="0" showMasterSp="0">
+<p:notes xmlns:a="http://schemas.openxmlformats.org/drawingml/2006/main" xmlns:r="http://schemas.openxmlformats.org/officeDocument/2006/relationships" xmlns:p="http://schemas.openxmlformats.org/presentationml/2006/main" showMasterSp="0" showMasterPhAnim="0">
   <p:cSld>
     <p:spTree>
       <p:nvGrpSpPr>
-        <p:cNvPr id="143" name="Shape 143"/>
+        <p:cNvPr id="1" name="Shape 143"/>
         <p:cNvGrpSpPr/>
         <p:nvPr/>
       </p:nvGrpSpPr>
@@ -1128,9 +1163,11 @@
       <p:sp>
         <p:nvSpPr>
           <p:cNvPr id="144" name="Google Shape;144;g15ad3495669_2_5:notes"/>
-          <p:cNvSpPr/>
+          <p:cNvSpPr>
+            <a:spLocks noGrp="1" noRot="1" noChangeAspect="1"/>
+          </p:cNvSpPr>
           <p:nvPr>
-            <p:ph idx="2" type="sldImg"/>
+            <p:ph type="sldImg" idx="2"/>
           </p:nvPr>
         </p:nvSpPr>
         <p:spPr>
@@ -1139,9 +1176,13 @@
             <a:ext cx="6096000" cy="3429000"/>
           </a:xfrm>
           <a:custGeom>
-            <a:rect b="b" l="l" r="r" t="t"/>
+            <a:avLst/>
+            <a:gdLst/>
+            <a:ahLst/>
+            <a:cxnLst/>
+            <a:rect l="l" t="t" r="r" b="b"/>
             <a:pathLst>
-              <a:path extrusionOk="0" h="120000" w="120000">
+              <a:path w="120000" h="120000" extrusionOk="0">
                 <a:moveTo>
                   <a:pt x="0" y="0"/>
                 </a:moveTo>
@@ -1163,9 +1204,11 @@
       <p:sp>
         <p:nvSpPr>
           <p:cNvPr id="145" name="Google Shape;145;g15ad3495669_2_5:notes"/>
-          <p:cNvSpPr txBox="1"/>
+          <p:cNvSpPr txBox="1">
+            <a:spLocks noGrp="1"/>
+          </p:cNvSpPr>
           <p:nvPr>
-            <p:ph idx="1" type="body"/>
+            <p:ph type="body" idx="1"/>
           </p:nvPr>
         </p:nvSpPr>
         <p:spPr>
@@ -1178,12 +1221,12 @@
           </a:prstGeom>
         </p:spPr>
         <p:txBody>
-          <a:bodyPr anchorCtr="0" anchor="t" bIns="91425" lIns="91425" spcFirstLastPara="1" rIns="91425" wrap="square" tIns="91425">
+          <a:bodyPr spcFirstLastPara="1" wrap="square" lIns="91425" tIns="91425" rIns="91425" bIns="91425" anchor="t" anchorCtr="0">
             <a:noAutofit/>
           </a:bodyPr>
           <a:lstStyle/>
           <a:p>
-            <a:pPr indent="0" lvl="0" marL="0" rtl="0" algn="l">
+            <a:pPr marL="0" lvl="0" indent="0" algn="l" rtl="0">
               <a:spcBef>
                 <a:spcPts val="0"/>
               </a:spcBef>
@@ -1192,9 +1235,6 @@
               </a:spcAft>
               <a:buNone/>
             </a:pPr>
-            <a:r>
-              <a:t/>
-            </a:r>
             <a:endParaRPr/>
           </a:p>
         </p:txBody>
@@ -1208,11 +1248,11 @@
 </file>
 
 <file path=ppt/notesSlides/notesSlide4.xml><?xml version="1.0" encoding="utf-8"?>
-<p:notes xmlns:a="http://schemas.openxmlformats.org/drawingml/2006/main" xmlns:r="http://schemas.openxmlformats.org/officeDocument/2006/relationships" xmlns:mc="http://schemas.openxmlformats.org/markup-compatibility/2006" xmlns:mv="urn:schemas-microsoft-com:mac:vml" xmlns:p="http://schemas.openxmlformats.org/presentationml/2006/main" xmlns:c="http://schemas.openxmlformats.org/drawingml/2006/chart" xmlns:dgm="http://schemas.openxmlformats.org/drawingml/2006/diagram" xmlns:o="urn:schemas-microsoft-com:office:office" xmlns:v="urn:schemas-microsoft-com:vml" xmlns:pvml="urn:schemas-microsoft-com:office:powerpoint" xmlns:com="http://schemas.openxmlformats.org/drawingml/2006/compatibility" xmlns:p14="http://schemas.microsoft.com/office/powerpoint/2010/main" xmlns:p15="http://schemas.microsoft.com/office/powerpoint/2012/main" xmlns:ahyp="http://schemas.microsoft.com/office/drawing/2018/hyperlinkcolor" showMasterPhAnim="0" showMasterSp="0">
+<p:notes xmlns:a="http://schemas.openxmlformats.org/drawingml/2006/main" xmlns:r="http://schemas.openxmlformats.org/officeDocument/2006/relationships" xmlns:p="http://schemas.openxmlformats.org/presentationml/2006/main" showMasterSp="0" showMasterPhAnim="0">
   <p:cSld>
     <p:spTree>
       <p:nvGrpSpPr>
-        <p:cNvPr id="149" name="Shape 149"/>
+        <p:cNvPr id="1" name="Shape 149"/>
         <p:cNvGrpSpPr/>
         <p:nvPr/>
       </p:nvGrpSpPr>
@@ -1227,9 +1267,11 @@
       <p:sp>
         <p:nvSpPr>
           <p:cNvPr id="150" name="Google Shape;150;g15ad3495669_2_10:notes"/>
-          <p:cNvSpPr/>
+          <p:cNvSpPr>
+            <a:spLocks noGrp="1" noRot="1" noChangeAspect="1"/>
+          </p:cNvSpPr>
           <p:nvPr>
-            <p:ph idx="2" type="sldImg"/>
+            <p:ph type="sldImg" idx="2"/>
           </p:nvPr>
         </p:nvSpPr>
         <p:spPr>
@@ -1238,9 +1280,13 @@
             <a:ext cx="6096000" cy="3429000"/>
           </a:xfrm>
           <a:custGeom>
-            <a:rect b="b" l="l" r="r" t="t"/>
+            <a:avLst/>
+            <a:gdLst/>
+            <a:ahLst/>
+            <a:cxnLst/>
+            <a:rect l="l" t="t" r="r" b="b"/>
             <a:pathLst>
-              <a:path extrusionOk="0" h="120000" w="120000">
+              <a:path w="120000" h="120000" extrusionOk="0">
                 <a:moveTo>
                   <a:pt x="0" y="0"/>
                 </a:moveTo>
@@ -1262,9 +1308,11 @@
       <p:sp>
         <p:nvSpPr>
           <p:cNvPr id="151" name="Google Shape;151;g15ad3495669_2_10:notes"/>
-          <p:cNvSpPr txBox="1"/>
+          <p:cNvSpPr txBox="1">
+            <a:spLocks noGrp="1"/>
+          </p:cNvSpPr>
           <p:nvPr>
-            <p:ph idx="1" type="body"/>
+            <p:ph type="body" idx="1"/>
           </p:nvPr>
         </p:nvSpPr>
         <p:spPr>
@@ -1277,12 +1325,12 @@
           </a:prstGeom>
         </p:spPr>
         <p:txBody>
-          <a:bodyPr anchorCtr="0" anchor="t" bIns="91425" lIns="91425" spcFirstLastPara="1" rIns="91425" wrap="square" tIns="91425">
+          <a:bodyPr spcFirstLastPara="1" wrap="square" lIns="91425" tIns="91425" rIns="91425" bIns="91425" anchor="t" anchorCtr="0">
             <a:noAutofit/>
           </a:bodyPr>
           <a:lstStyle/>
           <a:p>
-            <a:pPr indent="0" lvl="0" marL="0" rtl="0" algn="l">
+            <a:pPr marL="0" lvl="0" indent="0" algn="l" rtl="0">
               <a:spcBef>
                 <a:spcPts val="0"/>
               </a:spcBef>
@@ -1291,9 +1339,6 @@
               </a:spcAft>
               <a:buNone/>
             </a:pPr>
-            <a:r>
-              <a:t/>
-            </a:r>
             <a:endParaRPr/>
           </a:p>
         </p:txBody>
@@ -1307,11 +1352,11 @@
 </file>
 
 <file path=ppt/notesSlides/notesSlide5.xml><?xml version="1.0" encoding="utf-8"?>
-<p:notes xmlns:a="http://schemas.openxmlformats.org/drawingml/2006/main" xmlns:r="http://schemas.openxmlformats.org/officeDocument/2006/relationships" xmlns:mc="http://schemas.openxmlformats.org/markup-compatibility/2006" xmlns:mv="urn:schemas-microsoft-com:mac:vml" xmlns:p="http://schemas.openxmlformats.org/presentationml/2006/main" xmlns:c="http://schemas.openxmlformats.org/drawingml/2006/chart" xmlns:dgm="http://schemas.openxmlformats.org/drawingml/2006/diagram" xmlns:o="urn:schemas-microsoft-com:office:office" xmlns:v="urn:schemas-microsoft-com:vml" xmlns:pvml="urn:schemas-microsoft-com:office:powerpoint" xmlns:com="http://schemas.openxmlformats.org/drawingml/2006/compatibility" xmlns:p14="http://schemas.microsoft.com/office/powerpoint/2010/main" xmlns:p15="http://schemas.microsoft.com/office/powerpoint/2012/main" xmlns:ahyp="http://schemas.microsoft.com/office/drawing/2018/hyperlinkcolor" showMasterPhAnim="0" showMasterSp="0">
+<p:notes xmlns:a="http://schemas.openxmlformats.org/drawingml/2006/main" xmlns:r="http://schemas.openxmlformats.org/officeDocument/2006/relationships" xmlns:p="http://schemas.openxmlformats.org/presentationml/2006/main" showMasterSp="0" showMasterPhAnim="0">
   <p:cSld>
     <p:spTree>
       <p:nvGrpSpPr>
-        <p:cNvPr id="155" name="Shape 155"/>
+        <p:cNvPr id="1" name="Shape 155"/>
         <p:cNvGrpSpPr/>
         <p:nvPr/>
       </p:nvGrpSpPr>
@@ -1326,9 +1371,11 @@
       <p:sp>
         <p:nvSpPr>
           <p:cNvPr id="156" name="Google Shape;156;g15ad3495669_7_1:notes"/>
-          <p:cNvSpPr/>
+          <p:cNvSpPr>
+            <a:spLocks noGrp="1" noRot="1" noChangeAspect="1"/>
+          </p:cNvSpPr>
           <p:nvPr>
-            <p:ph idx="2" type="sldImg"/>
+            <p:ph type="sldImg" idx="2"/>
           </p:nvPr>
         </p:nvSpPr>
         <p:spPr>
@@ -1337,9 +1384,13 @@
             <a:ext cx="6096000" cy="3429000"/>
           </a:xfrm>
           <a:custGeom>
-            <a:rect b="b" l="l" r="r" t="t"/>
+            <a:avLst/>
+            <a:gdLst/>
+            <a:ahLst/>
+            <a:cxnLst/>
+            <a:rect l="l" t="t" r="r" b="b"/>
             <a:pathLst>
-              <a:path extrusionOk="0" h="120000" w="120000">
+              <a:path w="120000" h="120000" extrusionOk="0">
                 <a:moveTo>
                   <a:pt x="0" y="0"/>
                 </a:moveTo>
@@ -1361,9 +1412,11 @@
       <p:sp>
         <p:nvSpPr>
           <p:cNvPr id="157" name="Google Shape;157;g15ad3495669_7_1:notes"/>
-          <p:cNvSpPr txBox="1"/>
+          <p:cNvSpPr txBox="1">
+            <a:spLocks noGrp="1"/>
+          </p:cNvSpPr>
           <p:nvPr>
-            <p:ph idx="1" type="body"/>
+            <p:ph type="body" idx="1"/>
           </p:nvPr>
         </p:nvSpPr>
         <p:spPr>
@@ -1376,12 +1429,12 @@
           </a:prstGeom>
         </p:spPr>
         <p:txBody>
-          <a:bodyPr anchorCtr="0" anchor="t" bIns="91425" lIns="91425" spcFirstLastPara="1" rIns="91425" wrap="square" tIns="91425">
+          <a:bodyPr spcFirstLastPara="1" wrap="square" lIns="91425" tIns="91425" rIns="91425" bIns="91425" anchor="t" anchorCtr="0">
             <a:noAutofit/>
           </a:bodyPr>
           <a:lstStyle/>
           <a:p>
-            <a:pPr indent="0" lvl="0" marL="0" rtl="0" algn="l">
+            <a:pPr marL="0" lvl="0" indent="0" algn="l" rtl="0">
               <a:spcBef>
                 <a:spcPts val="0"/>
               </a:spcBef>
@@ -1390,9 +1443,6 @@
               </a:spcAft>
               <a:buNone/>
             </a:pPr>
-            <a:r>
-              <a:t/>
-            </a:r>
             <a:endParaRPr/>
           </a:p>
         </p:txBody>
@@ -1406,11 +1456,11 @@
 </file>
 
 <file path=ppt/notesSlides/notesSlide6.xml><?xml version="1.0" encoding="utf-8"?>
-<p:notes xmlns:a="http://schemas.openxmlformats.org/drawingml/2006/main" xmlns:r="http://schemas.openxmlformats.org/officeDocument/2006/relationships" xmlns:mc="http://schemas.openxmlformats.org/markup-compatibility/2006" xmlns:mv="urn:schemas-microsoft-com:mac:vml" xmlns:p="http://schemas.openxmlformats.org/presentationml/2006/main" xmlns:c="http://schemas.openxmlformats.org/drawingml/2006/chart" xmlns:dgm="http://schemas.openxmlformats.org/drawingml/2006/diagram" xmlns:o="urn:schemas-microsoft-com:office:office" xmlns:v="urn:schemas-microsoft-com:vml" xmlns:pvml="urn:schemas-microsoft-com:office:powerpoint" xmlns:com="http://schemas.openxmlformats.org/drawingml/2006/compatibility" xmlns:p14="http://schemas.microsoft.com/office/powerpoint/2010/main" xmlns:p15="http://schemas.microsoft.com/office/powerpoint/2012/main" xmlns:ahyp="http://schemas.microsoft.com/office/drawing/2018/hyperlinkcolor" showMasterPhAnim="0" showMasterSp="0">
+<p:notes xmlns:a="http://schemas.openxmlformats.org/drawingml/2006/main" xmlns:r="http://schemas.openxmlformats.org/officeDocument/2006/relationships" xmlns:p="http://schemas.openxmlformats.org/presentationml/2006/main" showMasterSp="0" showMasterPhAnim="0">
   <p:cSld>
     <p:spTree>
       <p:nvGrpSpPr>
-        <p:cNvPr id="161" name="Shape 161"/>
+        <p:cNvPr id="1" name="Shape 161"/>
         <p:cNvGrpSpPr/>
         <p:nvPr/>
       </p:nvGrpSpPr>
@@ -1425,9 +1475,11 @@
       <p:sp>
         <p:nvSpPr>
           <p:cNvPr id="162" name="Google Shape;162;g15ad3495669_7_21:notes"/>
-          <p:cNvSpPr/>
+          <p:cNvSpPr>
+            <a:spLocks noGrp="1" noRot="1" noChangeAspect="1"/>
+          </p:cNvSpPr>
           <p:nvPr>
-            <p:ph idx="2" type="sldImg"/>
+            <p:ph type="sldImg" idx="2"/>
           </p:nvPr>
         </p:nvSpPr>
         <p:spPr>
@@ -1436,9 +1488,13 @@
             <a:ext cx="6096000" cy="3429000"/>
           </a:xfrm>
           <a:custGeom>
-            <a:rect b="b" l="l" r="r" t="t"/>
+            <a:avLst/>
+            <a:gdLst/>
+            <a:ahLst/>
+            <a:cxnLst/>
+            <a:rect l="l" t="t" r="r" b="b"/>
             <a:pathLst>
-              <a:path extrusionOk="0" h="120000" w="120000">
+              <a:path w="120000" h="120000" extrusionOk="0">
                 <a:moveTo>
                   <a:pt x="0" y="0"/>
                 </a:moveTo>
@@ -1460,9 +1516,11 @@
       <p:sp>
         <p:nvSpPr>
           <p:cNvPr id="163" name="Google Shape;163;g15ad3495669_7_21:notes"/>
-          <p:cNvSpPr txBox="1"/>
+          <p:cNvSpPr txBox="1">
+            <a:spLocks noGrp="1"/>
+          </p:cNvSpPr>
           <p:nvPr>
-            <p:ph idx="1" type="body"/>
+            <p:ph type="body" idx="1"/>
           </p:nvPr>
         </p:nvSpPr>
         <p:spPr>
@@ -1475,12 +1533,12 @@
           </a:prstGeom>
         </p:spPr>
         <p:txBody>
-          <a:bodyPr anchorCtr="0" anchor="t" bIns="91425" lIns="91425" spcFirstLastPara="1" rIns="91425" wrap="square" tIns="91425">
+          <a:bodyPr spcFirstLastPara="1" wrap="square" lIns="91425" tIns="91425" rIns="91425" bIns="91425" anchor="t" anchorCtr="0">
             <a:noAutofit/>
           </a:bodyPr>
           <a:lstStyle/>
           <a:p>
-            <a:pPr indent="0" lvl="0" marL="0" rtl="0" algn="l">
+            <a:pPr marL="0" lvl="0" indent="0" algn="l" rtl="0">
               <a:spcBef>
                 <a:spcPts val="0"/>
               </a:spcBef>
@@ -1489,9 +1547,6 @@
               </a:spcAft>
               <a:buNone/>
             </a:pPr>
-            <a:r>
-              <a:t/>
-            </a:r>
             <a:endParaRPr/>
           </a:p>
         </p:txBody>
@@ -1505,11 +1560,11 @@
 </file>
 
 <file path=ppt/notesSlides/notesSlide7.xml><?xml version="1.0" encoding="utf-8"?>
-<p:notes xmlns:a="http://schemas.openxmlformats.org/drawingml/2006/main" xmlns:r="http://schemas.openxmlformats.org/officeDocument/2006/relationships" xmlns:mc="http://schemas.openxmlformats.org/markup-compatibility/2006" xmlns:mv="urn:schemas-microsoft-com:mac:vml" xmlns:p="http://schemas.openxmlformats.org/presentationml/2006/main" xmlns:c="http://schemas.openxmlformats.org/drawingml/2006/chart" xmlns:dgm="http://schemas.openxmlformats.org/drawingml/2006/diagram" xmlns:o="urn:schemas-microsoft-com:office:office" xmlns:v="urn:schemas-microsoft-com:vml" xmlns:pvml="urn:schemas-microsoft-com:office:powerpoint" xmlns:com="http://schemas.openxmlformats.org/drawingml/2006/compatibility" xmlns:p14="http://schemas.microsoft.com/office/powerpoint/2010/main" xmlns:p15="http://schemas.microsoft.com/office/powerpoint/2012/main" xmlns:ahyp="http://schemas.microsoft.com/office/drawing/2018/hyperlinkcolor" showMasterPhAnim="0" showMasterSp="0">
+<p:notes xmlns:a="http://schemas.openxmlformats.org/drawingml/2006/main" xmlns:r="http://schemas.openxmlformats.org/officeDocument/2006/relationships" xmlns:p="http://schemas.openxmlformats.org/presentationml/2006/main" showMasterSp="0" showMasterPhAnim="0">
   <p:cSld>
     <p:spTree>
       <p:nvGrpSpPr>
-        <p:cNvPr id="168" name="Shape 168"/>
+        <p:cNvPr id="1" name="Shape 168"/>
         <p:cNvGrpSpPr/>
         <p:nvPr/>
       </p:nvGrpSpPr>
@@ -1524,9 +1579,11 @@
       <p:sp>
         <p:nvSpPr>
           <p:cNvPr id="169" name="Google Shape;169;g155df149f89_0_0:notes"/>
-          <p:cNvSpPr/>
+          <p:cNvSpPr>
+            <a:spLocks noGrp="1" noRot="1" noChangeAspect="1"/>
+          </p:cNvSpPr>
           <p:nvPr>
-            <p:ph idx="2" type="sldImg"/>
+            <p:ph type="sldImg" idx="2"/>
           </p:nvPr>
         </p:nvSpPr>
         <p:spPr>
@@ -1535,9 +1592,13 @@
             <a:ext cx="6096000" cy="3429000"/>
           </a:xfrm>
           <a:custGeom>
-            <a:rect b="b" l="l" r="r" t="t"/>
+            <a:avLst/>
+            <a:gdLst/>
+            <a:ahLst/>
+            <a:cxnLst/>
+            <a:rect l="l" t="t" r="r" b="b"/>
             <a:pathLst>
-              <a:path extrusionOk="0" h="120000" w="120000">
+              <a:path w="120000" h="120000" extrusionOk="0">
                 <a:moveTo>
                   <a:pt x="0" y="0"/>
                 </a:moveTo>
@@ -1559,9 +1620,11 @@
       <p:sp>
         <p:nvSpPr>
           <p:cNvPr id="170" name="Google Shape;170;g155df149f89_0_0:notes"/>
-          <p:cNvSpPr txBox="1"/>
+          <p:cNvSpPr txBox="1">
+            <a:spLocks noGrp="1"/>
+          </p:cNvSpPr>
           <p:nvPr>
-            <p:ph idx="1" type="body"/>
+            <p:ph type="body" idx="1"/>
           </p:nvPr>
         </p:nvSpPr>
         <p:spPr>
@@ -1574,12 +1637,12 @@
           </a:prstGeom>
         </p:spPr>
         <p:txBody>
-          <a:bodyPr anchorCtr="0" anchor="t" bIns="91425" lIns="91425" spcFirstLastPara="1" rIns="91425" wrap="square" tIns="91425">
+          <a:bodyPr spcFirstLastPara="1" wrap="square" lIns="91425" tIns="91425" rIns="91425" bIns="91425" anchor="t" anchorCtr="0">
             <a:noAutofit/>
           </a:bodyPr>
           <a:lstStyle/>
           <a:p>
-            <a:pPr indent="0" lvl="0" marL="0" rtl="0" algn="l">
+            <a:pPr marL="0" lvl="0" indent="0" algn="l" rtl="0">
               <a:spcBef>
                 <a:spcPts val="0"/>
               </a:spcBef>
@@ -1588,9 +1651,6 @@
               </a:spcAft>
               <a:buNone/>
             </a:pPr>
-            <a:r>
-              <a:t/>
-            </a:r>
             <a:endParaRPr/>
           </a:p>
         </p:txBody>
@@ -1604,11 +1664,11 @@
 </file>
 
 <file path=ppt/notesSlides/notesSlide8.xml><?xml version="1.0" encoding="utf-8"?>
-<p:notes xmlns:a="http://schemas.openxmlformats.org/drawingml/2006/main" xmlns:r="http://schemas.openxmlformats.org/officeDocument/2006/relationships" xmlns:mc="http://schemas.openxmlformats.org/markup-compatibility/2006" xmlns:mv="urn:schemas-microsoft-com:mac:vml" xmlns:p="http://schemas.openxmlformats.org/presentationml/2006/main" xmlns:c="http://schemas.openxmlformats.org/drawingml/2006/chart" xmlns:dgm="http://schemas.openxmlformats.org/drawingml/2006/diagram" xmlns:o="urn:schemas-microsoft-com:office:office" xmlns:v="urn:schemas-microsoft-com:vml" xmlns:pvml="urn:schemas-microsoft-com:office:powerpoint" xmlns:com="http://schemas.openxmlformats.org/drawingml/2006/compatibility" xmlns:p14="http://schemas.microsoft.com/office/powerpoint/2010/main" xmlns:p15="http://schemas.microsoft.com/office/powerpoint/2012/main" xmlns:ahyp="http://schemas.microsoft.com/office/drawing/2018/hyperlinkcolor" showMasterPhAnim="0" showMasterSp="0">
+<p:notes xmlns:a="http://schemas.openxmlformats.org/drawingml/2006/main" xmlns:r="http://schemas.openxmlformats.org/officeDocument/2006/relationships" xmlns:p="http://schemas.openxmlformats.org/presentationml/2006/main" showMasterSp="0" showMasterPhAnim="0">
   <p:cSld>
     <p:spTree>
       <p:nvGrpSpPr>
-        <p:cNvPr id="174" name="Shape 174"/>
+        <p:cNvPr id="1" name="Shape 174"/>
         <p:cNvGrpSpPr/>
         <p:nvPr/>
       </p:nvGrpSpPr>
@@ -1623,20 +1683,26 @@
       <p:sp>
         <p:nvSpPr>
           <p:cNvPr id="175" name="Google Shape;175;g155df149f89_1_0:notes"/>
-          <p:cNvSpPr/>
+          <p:cNvSpPr>
+            <a:spLocks noGrp="1" noRot="1" noChangeAspect="1"/>
+          </p:cNvSpPr>
           <p:nvPr>
-            <p:ph idx="2" type="sldImg"/>
+            <p:ph type="sldImg" idx="2"/>
           </p:nvPr>
         </p:nvSpPr>
         <p:spPr>
           <a:xfrm>
-            <a:off x="381300" y="685800"/>
+            <a:off x="381000" y="685800"/>
             <a:ext cx="6096000" cy="3429000"/>
           </a:xfrm>
           <a:custGeom>
-            <a:rect b="b" l="l" r="r" t="t"/>
+            <a:avLst/>
+            <a:gdLst/>
+            <a:ahLst/>
+            <a:cxnLst/>
+            <a:rect l="l" t="t" r="r" b="b"/>
             <a:pathLst>
-              <a:path extrusionOk="0" h="120000" w="120000">
+              <a:path w="120000" h="120000" extrusionOk="0">
                 <a:moveTo>
                   <a:pt x="0" y="0"/>
                 </a:moveTo>
@@ -1658,9 +1724,11 @@
       <p:sp>
         <p:nvSpPr>
           <p:cNvPr id="176" name="Google Shape;176;g155df149f89_1_0:notes"/>
-          <p:cNvSpPr txBox="1"/>
+          <p:cNvSpPr txBox="1">
+            <a:spLocks noGrp="1"/>
+          </p:cNvSpPr>
           <p:nvPr>
-            <p:ph idx="1" type="body"/>
+            <p:ph type="body" idx="1"/>
           </p:nvPr>
         </p:nvSpPr>
         <p:spPr>
@@ -1673,12 +1741,12 @@
           </a:prstGeom>
         </p:spPr>
         <p:txBody>
-          <a:bodyPr anchorCtr="0" anchor="t" bIns="91425" lIns="91425" spcFirstLastPara="1" rIns="91425" wrap="square" tIns="91425">
+          <a:bodyPr spcFirstLastPara="1" wrap="square" lIns="91425" tIns="91425" rIns="91425" bIns="91425" anchor="t" anchorCtr="0">
             <a:noAutofit/>
           </a:bodyPr>
           <a:lstStyle/>
           <a:p>
-            <a:pPr indent="0" lvl="0" marL="0" rtl="0" algn="l">
+            <a:pPr marL="0" lvl="0" indent="0" algn="l" rtl="0">
               <a:spcBef>
                 <a:spcPts val="0"/>
               </a:spcBef>
@@ -1687,9 +1755,6 @@
               </a:spcAft>
               <a:buNone/>
             </a:pPr>
-            <a:r>
-              <a:t/>
-            </a:r>
             <a:endParaRPr/>
           </a:p>
         </p:txBody>
@@ -1703,11 +1768,11 @@
 </file>
 
 <file path=ppt/notesSlides/notesSlide9.xml><?xml version="1.0" encoding="utf-8"?>
-<p:notes xmlns:a="http://schemas.openxmlformats.org/drawingml/2006/main" xmlns:r="http://schemas.openxmlformats.org/officeDocument/2006/relationships" xmlns:mc="http://schemas.openxmlformats.org/markup-compatibility/2006" xmlns:mv="urn:schemas-microsoft-com:mac:vml" xmlns:p="http://schemas.openxmlformats.org/presentationml/2006/main" xmlns:c="http://schemas.openxmlformats.org/drawingml/2006/chart" xmlns:dgm="http://schemas.openxmlformats.org/drawingml/2006/diagram" xmlns:o="urn:schemas-microsoft-com:office:office" xmlns:v="urn:schemas-microsoft-com:vml" xmlns:pvml="urn:schemas-microsoft-com:office:powerpoint" xmlns:com="http://schemas.openxmlformats.org/drawingml/2006/compatibility" xmlns:p14="http://schemas.microsoft.com/office/powerpoint/2010/main" xmlns:p15="http://schemas.microsoft.com/office/powerpoint/2012/main" xmlns:ahyp="http://schemas.microsoft.com/office/drawing/2018/hyperlinkcolor" showMasterPhAnim="0" showMasterSp="0">
+<p:notes xmlns:a="http://schemas.openxmlformats.org/drawingml/2006/main" xmlns:r="http://schemas.openxmlformats.org/officeDocument/2006/relationships" xmlns:p="http://schemas.openxmlformats.org/presentationml/2006/main" showMasterSp="0" showMasterPhAnim="0">
   <p:cSld>
     <p:spTree>
       <p:nvGrpSpPr>
-        <p:cNvPr id="180" name="Shape 180"/>
+        <p:cNvPr id="1" name="Shape 180"/>
         <p:cNvGrpSpPr/>
         <p:nvPr/>
       </p:nvGrpSpPr>
@@ -1722,9 +1787,11 @@
       <p:sp>
         <p:nvSpPr>
           <p:cNvPr id="181" name="Google Shape;181;g15ad3495669_2_0:notes"/>
-          <p:cNvSpPr/>
+          <p:cNvSpPr>
+            <a:spLocks noGrp="1" noRot="1" noChangeAspect="1"/>
+          </p:cNvSpPr>
           <p:nvPr>
-            <p:ph idx="2" type="sldImg"/>
+            <p:ph type="sldImg" idx="2"/>
           </p:nvPr>
         </p:nvSpPr>
         <p:spPr>
@@ -1733,9 +1800,13 @@
             <a:ext cx="6096000" cy="3429000"/>
           </a:xfrm>
           <a:custGeom>
-            <a:rect b="b" l="l" r="r" t="t"/>
+            <a:avLst/>
+            <a:gdLst/>
+            <a:ahLst/>
+            <a:cxnLst/>
+            <a:rect l="l" t="t" r="r" b="b"/>
             <a:pathLst>
-              <a:path extrusionOk="0" h="120000" w="120000">
+              <a:path w="120000" h="120000" extrusionOk="0">
                 <a:moveTo>
                   <a:pt x="0" y="0"/>
                 </a:moveTo>
@@ -1757,9 +1828,11 @@
       <p:sp>
         <p:nvSpPr>
           <p:cNvPr id="182" name="Google Shape;182;g15ad3495669_2_0:notes"/>
-          <p:cNvSpPr txBox="1"/>
+          <p:cNvSpPr txBox="1">
+            <a:spLocks noGrp="1"/>
+          </p:cNvSpPr>
           <p:nvPr>
-            <p:ph idx="1" type="body"/>
+            <p:ph type="body" idx="1"/>
           </p:nvPr>
         </p:nvSpPr>
         <p:spPr>
@@ -1772,12 +1845,12 @@
           </a:prstGeom>
         </p:spPr>
         <p:txBody>
-          <a:bodyPr anchorCtr="0" anchor="t" bIns="91425" lIns="91425" spcFirstLastPara="1" rIns="91425" wrap="square" tIns="91425">
+          <a:bodyPr spcFirstLastPara="1" wrap="square" lIns="91425" tIns="91425" rIns="91425" bIns="91425" anchor="t" anchorCtr="0">
             <a:noAutofit/>
           </a:bodyPr>
           <a:lstStyle/>
           <a:p>
-            <a:pPr indent="0" lvl="0" marL="0" rtl="0" algn="l">
+            <a:pPr marL="0" lvl="0" indent="0" algn="l" rtl="0">
               <a:spcBef>
                 <a:spcPts val="0"/>
               </a:spcBef>
@@ -1786,9 +1859,6 @@
               </a:spcAft>
               <a:buNone/>
             </a:pPr>
-            <a:r>
-              <a:t/>
-            </a:r>
             <a:endParaRPr/>
           </a:p>
         </p:txBody>
@@ -1802,11 +1872,11 @@
 </file>
 
 <file path=ppt/slideLayouts/slideLayout1.xml><?xml version="1.0" encoding="utf-8"?>
-<p:sldLayout xmlns:a="http://schemas.openxmlformats.org/drawingml/2006/main" xmlns:r="http://schemas.openxmlformats.org/officeDocument/2006/relationships" xmlns:mc="http://schemas.openxmlformats.org/markup-compatibility/2006" xmlns:mv="urn:schemas-microsoft-com:mac:vml" xmlns:p="http://schemas.openxmlformats.org/presentationml/2006/main" xmlns:c="http://schemas.openxmlformats.org/drawingml/2006/chart" xmlns:dgm="http://schemas.openxmlformats.org/drawingml/2006/diagram" xmlns:o="urn:schemas-microsoft-com:office:office" xmlns:v="urn:schemas-microsoft-com:vml" xmlns:pvml="urn:schemas-microsoft-com:office:powerpoint" xmlns:com="http://schemas.openxmlformats.org/drawingml/2006/compatibility" xmlns:p14="http://schemas.microsoft.com/office/powerpoint/2010/main" xmlns:p15="http://schemas.microsoft.com/office/powerpoint/2012/main" xmlns:ahyp="http://schemas.microsoft.com/office/drawing/2018/hyperlinkcolor" matchingName="Title slide" type="title">
+<p:sldLayout xmlns:a="http://schemas.openxmlformats.org/drawingml/2006/main" xmlns:r="http://schemas.openxmlformats.org/officeDocument/2006/relationships" xmlns:p="http://schemas.openxmlformats.org/presentationml/2006/main" matchingName="Title slide" type="title">
   <p:cSld name="TITLE">
     <p:spTree>
       <p:nvGrpSpPr>
-        <p:cNvPr id="9" name="Shape 9"/>
+        <p:cNvPr id="1" name="Shape 9"/>
         <p:cNvGrpSpPr/>
         <p:nvPr/>
       </p:nvGrpSpPr>
@@ -1831,7 +1901,7 @@
           </a:xfrm>
           <a:prstGeom prst="diagStripe">
             <a:avLst>
-              <a:gd fmla="val 0" name="adj"/>
+              <a:gd name="adj" fmla="val 0"/>
             </a:avLst>
           </a:prstGeom>
           <a:solidFill>
@@ -1844,12 +1914,12 @@
           </a:ln>
         </p:spPr>
         <p:txBody>
-          <a:bodyPr anchorCtr="0" anchor="ctr" bIns="91425" lIns="91425" spcFirstLastPara="1" rIns="91425" wrap="square" tIns="91425">
+          <a:bodyPr spcFirstLastPara="1" wrap="square" lIns="91425" tIns="91425" rIns="91425" bIns="91425" anchor="ctr" anchorCtr="0">
             <a:noAutofit/>
           </a:bodyPr>
           <a:lstStyle/>
           <a:p>
-            <a:pPr indent="0" lvl="0" marL="0" rtl="0" algn="l">
+            <a:pPr marL="0" lvl="0" indent="0" algn="l" rtl="0">
               <a:spcBef>
                 <a:spcPts val="0"/>
               </a:spcBef>
@@ -1858,9 +1928,6 @@
               </a:spcAft>
               <a:buNone/>
             </a:pPr>
-            <a:r>
-              <a:t/>
-            </a:r>
             <a:endParaRPr/>
           </a:p>
         </p:txBody>
@@ -1892,7 +1959,7 @@
             </a:xfrm>
             <a:prstGeom prst="diagStripe">
               <a:avLst>
-                <a:gd fmla="val 50000" name="adj"/>
+                <a:gd name="adj" fmla="val 50000"/>
               </a:avLst>
             </a:prstGeom>
             <a:solidFill>
@@ -1905,12 +1972,12 @@
             </a:ln>
           </p:spPr>
           <p:txBody>
-            <a:bodyPr anchorCtr="0" anchor="ctr" bIns="91425" lIns="91425" spcFirstLastPara="1" rIns="91425" wrap="square" tIns="91425">
+            <a:bodyPr spcFirstLastPara="1" wrap="square" lIns="91425" tIns="91425" rIns="91425" bIns="91425" anchor="ctr" anchorCtr="0">
               <a:noAutofit/>
             </a:bodyPr>
             <a:lstStyle/>
             <a:p>
-              <a:pPr indent="0" lvl="0" marL="0" rtl="0" algn="l">
+              <a:pPr marL="0" lvl="0" indent="0" algn="l" rtl="0">
                 <a:spcBef>
                   <a:spcPts val="0"/>
                 </a:spcBef>
@@ -1919,9 +1986,6 @@
                 </a:spcAft>
                 <a:buNone/>
               </a:pPr>
-              <a:r>
-                <a:t/>
-              </a:r>
               <a:endParaRPr/>
             </a:p>
           </p:txBody>
@@ -1939,7 +2003,7 @@
             </a:xfrm>
             <a:prstGeom prst="diagStripe">
               <a:avLst>
-                <a:gd fmla="val 58774" name="adj"/>
+                <a:gd name="adj" fmla="val 58774"/>
               </a:avLst>
             </a:prstGeom>
             <a:solidFill>
@@ -1952,12 +2016,12 @@
             </a:ln>
           </p:spPr>
           <p:txBody>
-            <a:bodyPr anchorCtr="0" anchor="ctr" bIns="91425" lIns="91425" spcFirstLastPara="1" rIns="91425" wrap="square" tIns="91425">
+            <a:bodyPr spcFirstLastPara="1" wrap="square" lIns="91425" tIns="91425" rIns="91425" bIns="91425" anchor="ctr" anchorCtr="0">
               <a:noAutofit/>
             </a:bodyPr>
             <a:lstStyle/>
             <a:p>
-              <a:pPr indent="0" lvl="0" marL="0" rtl="0" algn="l">
+              <a:pPr marL="0" lvl="0" indent="0" algn="l" rtl="0">
                 <a:spcBef>
                   <a:spcPts val="0"/>
                 </a:spcBef>
@@ -1966,9 +2030,6 @@
                 </a:spcAft>
                 <a:buNone/>
               </a:pPr>
-              <a:r>
-                <a:t/>
-              </a:r>
               <a:endParaRPr/>
             </a:p>
           </p:txBody>
@@ -1986,7 +2047,7 @@
             </a:xfrm>
             <a:prstGeom prst="diagStripe">
               <a:avLst>
-                <a:gd fmla="val 50000" name="adj"/>
+                <a:gd name="adj" fmla="val 50000"/>
               </a:avLst>
             </a:prstGeom>
             <a:solidFill>
@@ -1997,12 +2058,12 @@
             </a:ln>
           </p:spPr>
           <p:txBody>
-            <a:bodyPr anchorCtr="0" anchor="ctr" bIns="91425" lIns="91425" spcFirstLastPara="1" rIns="91425" wrap="square" tIns="91425">
+            <a:bodyPr spcFirstLastPara="1" wrap="square" lIns="91425" tIns="91425" rIns="91425" bIns="91425" anchor="ctr" anchorCtr="0">
               <a:noAutofit/>
             </a:bodyPr>
             <a:lstStyle/>
             <a:p>
-              <a:pPr indent="0" lvl="0" marL="0" rtl="0" algn="l">
+              <a:pPr marL="0" lvl="0" indent="0" algn="l" rtl="0">
                 <a:spcBef>
                   <a:spcPts val="0"/>
                 </a:spcBef>
@@ -2011,9 +2072,6 @@
                 </a:spcAft>
                 <a:buNone/>
               </a:pPr>
-              <a:r>
-                <a:t/>
-              </a:r>
               <a:endParaRPr/>
             </a:p>
           </p:txBody>
@@ -2031,7 +2089,7 @@
             </a:xfrm>
             <a:prstGeom prst="diagStripe">
               <a:avLst>
-                <a:gd fmla="val 50000" name="adj"/>
+                <a:gd name="adj" fmla="val 50000"/>
               </a:avLst>
             </a:prstGeom>
             <a:solidFill>
@@ -2042,12 +2100,12 @@
             </a:ln>
           </p:spPr>
           <p:txBody>
-            <a:bodyPr anchorCtr="0" anchor="ctr" bIns="91425" lIns="91425" spcFirstLastPara="1" rIns="91425" wrap="square" tIns="91425">
+            <a:bodyPr spcFirstLastPara="1" wrap="square" lIns="91425" tIns="91425" rIns="91425" bIns="91425" anchor="ctr" anchorCtr="0">
               <a:noAutofit/>
             </a:bodyPr>
             <a:lstStyle/>
             <a:p>
-              <a:pPr indent="0" lvl="0" marL="0" rtl="0" algn="l">
+              <a:pPr marL="0" lvl="0" indent="0" algn="l" rtl="0">
                 <a:spcBef>
                   <a:spcPts val="0"/>
                 </a:spcBef>
@@ -2056,9 +2114,6 @@
                 </a:spcAft>
                 <a:buNone/>
               </a:pPr>
-              <a:r>
-                <a:t/>
-              </a:r>
               <a:endParaRPr/>
             </a:p>
           </p:txBody>
@@ -2067,7 +2122,9 @@
       <p:sp>
         <p:nvSpPr>
           <p:cNvPr id="16" name="Google Shape;16;p2"/>
-          <p:cNvSpPr txBox="1"/>
+          <p:cNvSpPr txBox="1">
+            <a:spLocks noGrp="1"/>
+          </p:cNvSpPr>
           <p:nvPr>
             <p:ph type="ctrTitle"/>
           </p:nvPr>
@@ -2082,7 +2139,7 @@
           </a:prstGeom>
         </p:spPr>
         <p:txBody>
-          <a:bodyPr anchorCtr="0" anchor="t" bIns="91425" lIns="91425" spcFirstLastPara="1" rIns="91425" wrap="square" tIns="91425">
+          <a:bodyPr spcFirstLastPara="1" wrap="square" lIns="91425" tIns="91425" rIns="91425" bIns="91425" anchor="t" anchorCtr="0">
             <a:normAutofit/>
           </a:bodyPr>
           <a:lstStyle>
@@ -2186,15 +2243,19 @@
               <a:defRPr sz="4000"/>
             </a:lvl9pPr>
           </a:lstStyle>
-          <a:p/>
+          <a:p>
+            <a:endParaRPr/>
+          </a:p>
         </p:txBody>
       </p:sp>
       <p:sp>
         <p:nvSpPr>
           <p:cNvPr id="17" name="Google Shape;17;p2"/>
-          <p:cNvSpPr txBox="1"/>
+          <p:cNvSpPr txBox="1">
+            <a:spLocks noGrp="1"/>
+          </p:cNvSpPr>
           <p:nvPr>
-            <p:ph idx="1" type="subTitle"/>
+            <p:ph type="subTitle" idx="1"/>
           </p:nvPr>
         </p:nvSpPr>
         <p:spPr>
@@ -2207,7 +2268,7 @@
           </a:prstGeom>
         </p:spPr>
         <p:txBody>
-          <a:bodyPr anchorCtr="0" anchor="t" bIns="91425" lIns="91425" spcFirstLastPara="1" rIns="91425" wrap="square" tIns="91425">
+          <a:bodyPr spcFirstLastPara="1" wrap="square" lIns="91425" tIns="91425" rIns="91425" bIns="91425" anchor="t" anchorCtr="0">
             <a:normAutofit/>
           </a:bodyPr>
           <a:lstStyle>
@@ -2338,15 +2399,19 @@
               <a:defRPr sz="1300"/>
             </a:lvl9pPr>
           </a:lstStyle>
-          <a:p/>
+          <a:p>
+            <a:endParaRPr/>
+          </a:p>
         </p:txBody>
       </p:sp>
       <p:sp>
         <p:nvSpPr>
           <p:cNvPr id="18" name="Google Shape;18;p2"/>
-          <p:cNvSpPr txBox="1"/>
+          <p:cNvSpPr txBox="1">
+            <a:spLocks noGrp="1"/>
+          </p:cNvSpPr>
           <p:nvPr>
-            <p:ph idx="12" type="sldNum"/>
+            <p:ph type="sldNum" idx="12"/>
           </p:nvPr>
         </p:nvSpPr>
         <p:spPr>
@@ -2359,7 +2424,7 @@
           </a:prstGeom>
         </p:spPr>
         <p:txBody>
-          <a:bodyPr anchorCtr="0" anchor="ctr" bIns="91425" lIns="91425" spcFirstLastPara="1" rIns="91425" wrap="square" tIns="91425">
+          <a:bodyPr spcFirstLastPara="1" wrap="square" lIns="91425" tIns="91425" rIns="91425" bIns="91425" anchor="ctr" anchorCtr="0">
             <a:normAutofit/>
           </a:bodyPr>
           <a:lstStyle>
@@ -2401,7 +2466,7 @@
             </a:lvl9pPr>
           </a:lstStyle>
           <a:p>
-            <a:pPr indent="0" lvl="0" marL="0" rtl="0" algn="r">
+            <a:pPr marL="0" lvl="0" indent="0" algn="r" rtl="0">
               <a:spcBef>
                 <a:spcPts val="0"/>
               </a:spcBef>
@@ -2427,11 +2492,11 @@
 </file>
 
 <file path=ppt/slideLayouts/slideLayout10.xml><?xml version="1.0" encoding="utf-8"?>
-<p:sldLayout xmlns:a="http://schemas.openxmlformats.org/drawingml/2006/main" xmlns:r="http://schemas.openxmlformats.org/officeDocument/2006/relationships" xmlns:mc="http://schemas.openxmlformats.org/markup-compatibility/2006" xmlns:mv="urn:schemas-microsoft-com:mac:vml" xmlns:p="http://schemas.openxmlformats.org/presentationml/2006/main" xmlns:c="http://schemas.openxmlformats.org/drawingml/2006/chart" xmlns:dgm="http://schemas.openxmlformats.org/drawingml/2006/diagram" xmlns:o="urn:schemas-microsoft-com:office:office" xmlns:v="urn:schemas-microsoft-com:vml" xmlns:pvml="urn:schemas-microsoft-com:office:powerpoint" xmlns:com="http://schemas.openxmlformats.org/drawingml/2006/compatibility" xmlns:p14="http://schemas.microsoft.com/office/powerpoint/2010/main" xmlns:p15="http://schemas.microsoft.com/office/powerpoint/2012/main" xmlns:ahyp="http://schemas.microsoft.com/office/drawing/2018/hyperlinkcolor" matchingName="Big number">
+<p:sldLayout xmlns:a="http://schemas.openxmlformats.org/drawingml/2006/main" xmlns:r="http://schemas.openxmlformats.org/officeDocument/2006/relationships" xmlns:p="http://schemas.openxmlformats.org/presentationml/2006/main" matchingName="Big number">
   <p:cSld name="BIG_NUMBER">
     <p:spTree>
       <p:nvGrpSpPr>
-        <p:cNvPr id="105" name="Shape 105"/>
+        <p:cNvPr id="1" name="Shape 105"/>
         <p:cNvGrpSpPr/>
         <p:nvPr/>
       </p:nvGrpSpPr>
@@ -2470,7 +2535,7 @@
             </a:xfrm>
             <a:prstGeom prst="diagStripe">
               <a:avLst>
-                <a:gd fmla="val 49469" name="adj"/>
+                <a:gd name="adj" fmla="val 49469"/>
               </a:avLst>
             </a:prstGeom>
             <a:solidFill>
@@ -2483,12 +2548,12 @@
             </a:ln>
           </p:spPr>
           <p:txBody>
-            <a:bodyPr anchorCtr="0" anchor="ctr" bIns="91425" lIns="91425" spcFirstLastPara="1" rIns="91425" wrap="square" tIns="91425">
+            <a:bodyPr spcFirstLastPara="1" wrap="square" lIns="91425" tIns="91425" rIns="91425" bIns="91425" anchor="ctr" anchorCtr="0">
               <a:noAutofit/>
             </a:bodyPr>
             <a:lstStyle/>
             <a:p>
-              <a:pPr indent="0" lvl="0" marL="0" rtl="0" algn="l">
+              <a:pPr marL="0" lvl="0" indent="0" algn="l" rtl="0">
                 <a:spcBef>
                   <a:spcPts val="0"/>
                 </a:spcBef>
@@ -2497,9 +2562,6 @@
                 </a:spcAft>
                 <a:buNone/>
               </a:pPr>
-              <a:r>
-                <a:t/>
-              </a:r>
               <a:endParaRPr/>
             </a:p>
           </p:txBody>
@@ -2517,7 +2579,7 @@
             </a:xfrm>
             <a:prstGeom prst="diagStripe">
               <a:avLst>
-                <a:gd fmla="val 0" name="adj"/>
+                <a:gd name="adj" fmla="val 0"/>
               </a:avLst>
             </a:prstGeom>
             <a:solidFill>
@@ -2530,12 +2592,12 @@
             </a:ln>
           </p:spPr>
           <p:txBody>
-            <a:bodyPr anchorCtr="0" anchor="ctr" bIns="91425" lIns="91425" spcFirstLastPara="1" rIns="91425" wrap="square" tIns="91425">
+            <a:bodyPr spcFirstLastPara="1" wrap="square" lIns="91425" tIns="91425" rIns="91425" bIns="91425" anchor="ctr" anchorCtr="0">
               <a:noAutofit/>
             </a:bodyPr>
             <a:lstStyle/>
             <a:p>
-              <a:pPr indent="0" lvl="0" marL="0" rtl="0" algn="l">
+              <a:pPr marL="0" lvl="0" indent="0" algn="l" rtl="0">
                 <a:spcBef>
                   <a:spcPts val="0"/>
                 </a:spcBef>
@@ -2544,9 +2606,6 @@
                 </a:spcAft>
                 <a:buNone/>
               </a:pPr>
-              <a:r>
-                <a:t/>
-              </a:r>
               <a:endParaRPr/>
             </a:p>
           </p:txBody>
@@ -2564,7 +2623,7 @@
             </a:xfrm>
             <a:prstGeom prst="diagStripe">
               <a:avLst>
-                <a:gd fmla="val 50000" name="adj"/>
+                <a:gd name="adj" fmla="val 50000"/>
               </a:avLst>
             </a:prstGeom>
             <a:solidFill>
@@ -2577,12 +2636,12 @@
             </a:ln>
           </p:spPr>
           <p:txBody>
-            <a:bodyPr anchorCtr="0" anchor="ctr" bIns="91425" lIns="91425" spcFirstLastPara="1" rIns="91425" wrap="square" tIns="91425">
+            <a:bodyPr spcFirstLastPara="1" wrap="square" lIns="91425" tIns="91425" rIns="91425" bIns="91425" anchor="ctr" anchorCtr="0">
               <a:noAutofit/>
             </a:bodyPr>
             <a:lstStyle/>
             <a:p>
-              <a:pPr indent="0" lvl="0" marL="0" rtl="0" algn="l">
+              <a:pPr marL="0" lvl="0" indent="0" algn="l" rtl="0">
                 <a:spcBef>
                   <a:spcPts val="0"/>
                 </a:spcBef>
@@ -2591,9 +2650,6 @@
                 </a:spcAft>
                 <a:buNone/>
               </a:pPr>
-              <a:r>
-                <a:t/>
-              </a:r>
               <a:endParaRPr/>
             </a:p>
           </p:txBody>
@@ -2611,7 +2667,7 @@
             </a:xfrm>
             <a:prstGeom prst="diagStripe">
               <a:avLst>
-                <a:gd fmla="val 50000" name="adj"/>
+                <a:gd name="adj" fmla="val 50000"/>
               </a:avLst>
             </a:prstGeom>
             <a:solidFill>
@@ -2624,12 +2680,12 @@
             </a:ln>
           </p:spPr>
           <p:txBody>
-            <a:bodyPr anchorCtr="0" anchor="ctr" bIns="91425" lIns="91425" spcFirstLastPara="1" rIns="91425" wrap="square" tIns="91425">
+            <a:bodyPr spcFirstLastPara="1" wrap="square" lIns="91425" tIns="91425" rIns="91425" bIns="91425" anchor="ctr" anchorCtr="0">
               <a:noAutofit/>
             </a:bodyPr>
             <a:lstStyle/>
             <a:p>
-              <a:pPr indent="0" lvl="0" marL="0" rtl="0" algn="l">
+              <a:pPr marL="0" lvl="0" indent="0" algn="l" rtl="0">
                 <a:spcBef>
                   <a:spcPts val="0"/>
                 </a:spcBef>
@@ -2638,9 +2694,6 @@
                 </a:spcAft>
                 <a:buNone/>
               </a:pPr>
-              <a:r>
-                <a:t/>
-              </a:r>
               <a:endParaRPr/>
             </a:p>
           </p:txBody>
@@ -2658,7 +2711,7 @@
             </a:xfrm>
             <a:prstGeom prst="diagStripe">
               <a:avLst>
-                <a:gd fmla="val 50000" name="adj"/>
+                <a:gd name="adj" fmla="val 50000"/>
               </a:avLst>
             </a:prstGeom>
             <a:solidFill>
@@ -2671,12 +2724,12 @@
             </a:ln>
           </p:spPr>
           <p:txBody>
-            <a:bodyPr anchorCtr="0" anchor="ctr" bIns="91425" lIns="91425" spcFirstLastPara="1" rIns="91425" wrap="square" tIns="91425">
+            <a:bodyPr spcFirstLastPara="1" wrap="square" lIns="91425" tIns="91425" rIns="91425" bIns="91425" anchor="ctr" anchorCtr="0">
               <a:noAutofit/>
             </a:bodyPr>
             <a:lstStyle/>
             <a:p>
-              <a:pPr indent="0" lvl="0" marL="0" rtl="0" algn="l">
+              <a:pPr marL="0" lvl="0" indent="0" algn="l" rtl="0">
                 <a:spcBef>
                   <a:spcPts val="0"/>
                 </a:spcBef>
@@ -2685,9 +2738,6 @@
                 </a:spcAft>
                 <a:buNone/>
               </a:pPr>
-              <a:r>
-                <a:t/>
-              </a:r>
               <a:endParaRPr/>
             </a:p>
           </p:txBody>
@@ -2705,7 +2755,7 @@
             </a:xfrm>
             <a:prstGeom prst="diagStripe">
               <a:avLst>
-                <a:gd fmla="val 50000" name="adj"/>
+                <a:gd name="adj" fmla="val 50000"/>
               </a:avLst>
             </a:prstGeom>
             <a:solidFill>
@@ -2718,12 +2768,12 @@
             </a:ln>
           </p:spPr>
           <p:txBody>
-            <a:bodyPr anchorCtr="0" anchor="ctr" bIns="91425" lIns="91425" spcFirstLastPara="1" rIns="91425" wrap="square" tIns="91425">
+            <a:bodyPr spcFirstLastPara="1" wrap="square" lIns="91425" tIns="91425" rIns="91425" bIns="91425" anchor="ctr" anchorCtr="0">
               <a:noAutofit/>
             </a:bodyPr>
             <a:lstStyle/>
             <a:p>
-              <a:pPr indent="0" lvl="0" marL="0" rtl="0" algn="l">
+              <a:pPr marL="0" lvl="0" indent="0" algn="l" rtl="0">
                 <a:spcBef>
                   <a:spcPts val="0"/>
                 </a:spcBef>
@@ -2732,9 +2782,6 @@
                 </a:spcAft>
                 <a:buNone/>
               </a:pPr>
-              <a:r>
-                <a:t/>
-              </a:r>
               <a:endParaRPr/>
             </a:p>
           </p:txBody>
@@ -2752,7 +2799,7 @@
             </a:xfrm>
             <a:prstGeom prst="diagStripe">
               <a:avLst>
-                <a:gd fmla="val 50000" name="adj"/>
+                <a:gd name="adj" fmla="val 50000"/>
               </a:avLst>
             </a:prstGeom>
             <a:solidFill>
@@ -2765,12 +2812,12 @@
             </a:ln>
           </p:spPr>
           <p:txBody>
-            <a:bodyPr anchorCtr="0" anchor="ctr" bIns="91425" lIns="91425" spcFirstLastPara="1" rIns="91425" wrap="square" tIns="91425">
+            <a:bodyPr spcFirstLastPara="1" wrap="square" lIns="91425" tIns="91425" rIns="91425" bIns="91425" anchor="ctr" anchorCtr="0">
               <a:noAutofit/>
             </a:bodyPr>
             <a:lstStyle/>
             <a:p>
-              <a:pPr indent="0" lvl="0" marL="0" rtl="0" algn="l">
+              <a:pPr marL="0" lvl="0" indent="0" algn="l" rtl="0">
                 <a:spcBef>
                   <a:spcPts val="0"/>
                 </a:spcBef>
@@ -2779,9 +2826,6 @@
                 </a:spcAft>
                 <a:buNone/>
               </a:pPr>
-              <a:r>
-                <a:t/>
-              </a:r>
               <a:endParaRPr/>
             </a:p>
           </p:txBody>
@@ -2799,7 +2843,7 @@
             </a:xfrm>
             <a:prstGeom prst="diagStripe">
               <a:avLst>
-                <a:gd fmla="val 50000" name="adj"/>
+                <a:gd name="adj" fmla="val 50000"/>
               </a:avLst>
             </a:prstGeom>
             <a:solidFill>
@@ -2810,12 +2854,12 @@
             </a:ln>
           </p:spPr>
           <p:txBody>
-            <a:bodyPr anchorCtr="0" anchor="ctr" bIns="91425" lIns="91425" spcFirstLastPara="1" rIns="91425" wrap="square" tIns="91425">
+            <a:bodyPr spcFirstLastPara="1" wrap="square" lIns="91425" tIns="91425" rIns="91425" bIns="91425" anchor="ctr" anchorCtr="0">
               <a:noAutofit/>
             </a:bodyPr>
             <a:lstStyle/>
             <a:p>
-              <a:pPr indent="0" lvl="0" marL="0" rtl="0" algn="l">
+              <a:pPr marL="0" lvl="0" indent="0" algn="l" rtl="0">
                 <a:spcBef>
                   <a:spcPts val="0"/>
                 </a:spcBef>
@@ -2824,9 +2868,6 @@
                 </a:spcAft>
                 <a:buNone/>
               </a:pPr>
-              <a:r>
-                <a:t/>
-              </a:r>
               <a:endParaRPr/>
             </a:p>
           </p:txBody>
@@ -2844,7 +2885,7 @@
             </a:xfrm>
             <a:prstGeom prst="diagStripe">
               <a:avLst>
-                <a:gd fmla="val 50000" name="adj"/>
+                <a:gd name="adj" fmla="val 50000"/>
               </a:avLst>
             </a:prstGeom>
             <a:solidFill>
@@ -2857,12 +2898,12 @@
             </a:ln>
           </p:spPr>
           <p:txBody>
-            <a:bodyPr anchorCtr="0" anchor="ctr" bIns="91425" lIns="91425" spcFirstLastPara="1" rIns="91425" wrap="square" tIns="91425">
+            <a:bodyPr spcFirstLastPara="1" wrap="square" lIns="91425" tIns="91425" rIns="91425" bIns="91425" anchor="ctr" anchorCtr="0">
               <a:noAutofit/>
             </a:bodyPr>
             <a:lstStyle/>
             <a:p>
-              <a:pPr indent="0" lvl="0" marL="0" rtl="0" algn="l">
+              <a:pPr marL="0" lvl="0" indent="0" algn="l" rtl="0">
                 <a:spcBef>
                   <a:spcPts val="0"/>
                 </a:spcBef>
@@ -2871,9 +2912,6 @@
                 </a:spcAft>
                 <a:buNone/>
               </a:pPr>
-              <a:r>
-                <a:t/>
-              </a:r>
               <a:endParaRPr/>
             </a:p>
           </p:txBody>
@@ -2891,7 +2929,7 @@
             </a:xfrm>
             <a:prstGeom prst="diagStripe">
               <a:avLst>
-                <a:gd fmla="val 50000" name="adj"/>
+                <a:gd name="adj" fmla="val 50000"/>
               </a:avLst>
             </a:prstGeom>
             <a:solidFill>
@@ -2904,12 +2942,12 @@
             </a:ln>
           </p:spPr>
           <p:txBody>
-            <a:bodyPr anchorCtr="0" anchor="ctr" bIns="91425" lIns="91425" spcFirstLastPara="1" rIns="91425" wrap="square" tIns="91425">
+            <a:bodyPr spcFirstLastPara="1" wrap="square" lIns="91425" tIns="91425" rIns="91425" bIns="91425" anchor="ctr" anchorCtr="0">
               <a:noAutofit/>
             </a:bodyPr>
             <a:lstStyle/>
             <a:p>
-              <a:pPr indent="0" lvl="0" marL="0" rtl="0" algn="l">
+              <a:pPr marL="0" lvl="0" indent="0" algn="l" rtl="0">
                 <a:spcBef>
                   <a:spcPts val="0"/>
                 </a:spcBef>
@@ -2918,9 +2956,6 @@
                 </a:spcAft>
                 <a:buNone/>
               </a:pPr>
-              <a:r>
-                <a:t/>
-              </a:r>
               <a:endParaRPr/>
             </a:p>
           </p:txBody>
@@ -2938,7 +2973,7 @@
             </a:xfrm>
             <a:prstGeom prst="diagStripe">
               <a:avLst>
-                <a:gd fmla="val 50000" name="adj"/>
+                <a:gd name="adj" fmla="val 50000"/>
               </a:avLst>
             </a:prstGeom>
             <a:solidFill>
@@ -2951,12 +2986,12 @@
             </a:ln>
           </p:spPr>
           <p:txBody>
-            <a:bodyPr anchorCtr="0" anchor="ctr" bIns="91425" lIns="91425" spcFirstLastPara="1" rIns="91425" wrap="square" tIns="91425">
+            <a:bodyPr spcFirstLastPara="1" wrap="square" lIns="91425" tIns="91425" rIns="91425" bIns="91425" anchor="ctr" anchorCtr="0">
               <a:noAutofit/>
             </a:bodyPr>
             <a:lstStyle/>
             <a:p>
-              <a:pPr indent="0" lvl="0" marL="0" rtl="0" algn="l">
+              <a:pPr marL="0" lvl="0" indent="0" algn="l" rtl="0">
                 <a:spcBef>
                   <a:spcPts val="0"/>
                 </a:spcBef>
@@ -2965,9 +3000,6 @@
                 </a:spcAft>
                 <a:buNone/>
               </a:pPr>
-              <a:r>
-                <a:t/>
-              </a:r>
               <a:endParaRPr/>
             </a:p>
           </p:txBody>
@@ -2985,7 +3017,7 @@
             </a:xfrm>
             <a:prstGeom prst="diagStripe">
               <a:avLst>
-                <a:gd fmla="val 50000" name="adj"/>
+                <a:gd name="adj" fmla="val 50000"/>
               </a:avLst>
             </a:prstGeom>
             <a:solidFill>
@@ -2998,12 +3030,12 @@
             </a:ln>
           </p:spPr>
           <p:txBody>
-            <a:bodyPr anchorCtr="0" anchor="ctr" bIns="91425" lIns="91425" spcFirstLastPara="1" rIns="91425" wrap="square" tIns="91425">
+            <a:bodyPr spcFirstLastPara="1" wrap="square" lIns="91425" tIns="91425" rIns="91425" bIns="91425" anchor="ctr" anchorCtr="0">
               <a:noAutofit/>
             </a:bodyPr>
             <a:lstStyle/>
             <a:p>
-              <a:pPr indent="0" lvl="0" marL="0" rtl="0" algn="l">
+              <a:pPr marL="0" lvl="0" indent="0" algn="l" rtl="0">
                 <a:spcBef>
                   <a:spcPts val="0"/>
                 </a:spcBef>
@@ -3012,9 +3044,6 @@
                 </a:spcAft>
                 <a:buNone/>
               </a:pPr>
-              <a:r>
-                <a:t/>
-              </a:r>
               <a:endParaRPr/>
             </a:p>
           </p:txBody>
@@ -3032,7 +3061,7 @@
             </a:xfrm>
             <a:prstGeom prst="diagStripe">
               <a:avLst>
-                <a:gd fmla="val 50000" name="adj"/>
+                <a:gd name="adj" fmla="val 50000"/>
               </a:avLst>
             </a:prstGeom>
             <a:solidFill>
@@ -3045,12 +3074,12 @@
             </a:ln>
           </p:spPr>
           <p:txBody>
-            <a:bodyPr anchorCtr="0" anchor="ctr" bIns="91425" lIns="91425" spcFirstLastPara="1" rIns="91425" wrap="square" tIns="91425">
+            <a:bodyPr spcFirstLastPara="1" wrap="square" lIns="91425" tIns="91425" rIns="91425" bIns="91425" anchor="ctr" anchorCtr="0">
               <a:noAutofit/>
             </a:bodyPr>
             <a:lstStyle/>
             <a:p>
-              <a:pPr indent="0" lvl="0" marL="0" rtl="0" algn="l">
+              <a:pPr marL="0" lvl="0" indent="0" algn="l" rtl="0">
                 <a:spcBef>
                   <a:spcPts val="0"/>
                 </a:spcBef>
@@ -3059,9 +3088,6 @@
                 </a:spcAft>
                 <a:buNone/>
               </a:pPr>
-              <a:r>
-                <a:t/>
-              </a:r>
               <a:endParaRPr/>
             </a:p>
           </p:txBody>
@@ -3079,7 +3105,7 @@
             </a:xfrm>
             <a:prstGeom prst="diagStripe">
               <a:avLst>
-                <a:gd fmla="val 50000" name="adj"/>
+                <a:gd name="adj" fmla="val 50000"/>
               </a:avLst>
             </a:prstGeom>
             <a:solidFill>
@@ -3090,12 +3116,12 @@
             </a:ln>
           </p:spPr>
           <p:txBody>
-            <a:bodyPr anchorCtr="0" anchor="ctr" bIns="91425" lIns="91425" spcFirstLastPara="1" rIns="91425" wrap="square" tIns="91425">
+            <a:bodyPr spcFirstLastPara="1" wrap="square" lIns="91425" tIns="91425" rIns="91425" bIns="91425" anchor="ctr" anchorCtr="0">
               <a:noAutofit/>
             </a:bodyPr>
             <a:lstStyle/>
             <a:p>
-              <a:pPr indent="0" lvl="0" marL="0" rtl="0" algn="l">
+              <a:pPr marL="0" lvl="0" indent="0" algn="l" rtl="0">
                 <a:spcBef>
                   <a:spcPts val="0"/>
                 </a:spcBef>
@@ -3104,9 +3130,6 @@
                 </a:spcAft>
                 <a:buNone/>
               </a:pPr>
-              <a:r>
-                <a:t/>
-              </a:r>
               <a:endParaRPr/>
             </a:p>
           </p:txBody>
@@ -3124,7 +3147,7 @@
             </a:xfrm>
             <a:prstGeom prst="diagStripe">
               <a:avLst>
-                <a:gd fmla="val 50000" name="adj"/>
+                <a:gd name="adj" fmla="val 50000"/>
               </a:avLst>
             </a:prstGeom>
             <a:solidFill>
@@ -3137,12 +3160,12 @@
             </a:ln>
           </p:spPr>
           <p:txBody>
-            <a:bodyPr anchorCtr="0" anchor="ctr" bIns="91425" lIns="91425" spcFirstLastPara="1" rIns="91425" wrap="square" tIns="91425">
+            <a:bodyPr spcFirstLastPara="1" wrap="square" lIns="91425" tIns="91425" rIns="91425" bIns="91425" anchor="ctr" anchorCtr="0">
               <a:noAutofit/>
             </a:bodyPr>
             <a:lstStyle/>
             <a:p>
-              <a:pPr indent="0" lvl="0" marL="0" rtl="0" algn="l">
+              <a:pPr marL="0" lvl="0" indent="0" algn="l" rtl="0">
                 <a:spcBef>
                   <a:spcPts val="0"/>
                 </a:spcBef>
@@ -3151,9 +3174,6 @@
                 </a:spcAft>
                 <a:buNone/>
               </a:pPr>
-              <a:r>
-                <a:t/>
-              </a:r>
               <a:endParaRPr/>
             </a:p>
           </p:txBody>
@@ -3171,7 +3191,7 @@
             </a:xfrm>
             <a:prstGeom prst="diagStripe">
               <a:avLst>
-                <a:gd fmla="val 50000" name="adj"/>
+                <a:gd name="adj" fmla="val 50000"/>
               </a:avLst>
             </a:prstGeom>
             <a:solidFill>
@@ -3184,12 +3204,12 @@
             </a:ln>
           </p:spPr>
           <p:txBody>
-            <a:bodyPr anchorCtr="0" anchor="ctr" bIns="91425" lIns="91425" spcFirstLastPara="1" rIns="91425" wrap="square" tIns="91425">
+            <a:bodyPr spcFirstLastPara="1" wrap="square" lIns="91425" tIns="91425" rIns="91425" bIns="91425" anchor="ctr" anchorCtr="0">
               <a:noAutofit/>
             </a:bodyPr>
             <a:lstStyle/>
             <a:p>
-              <a:pPr indent="0" lvl="0" marL="0" rtl="0" algn="l">
+              <a:pPr marL="0" lvl="0" indent="0" algn="l" rtl="0">
                 <a:spcBef>
                   <a:spcPts val="0"/>
                 </a:spcBef>
@@ -3198,9 +3218,6 @@
                 </a:spcAft>
                 <a:buNone/>
               </a:pPr>
-              <a:r>
-                <a:t/>
-              </a:r>
               <a:endParaRPr/>
             </a:p>
           </p:txBody>
@@ -3218,7 +3235,7 @@
             </a:xfrm>
             <a:prstGeom prst="diagStripe">
               <a:avLst>
-                <a:gd fmla="val 50000" name="adj"/>
+                <a:gd name="adj" fmla="val 50000"/>
               </a:avLst>
             </a:prstGeom>
             <a:solidFill>
@@ -3231,12 +3248,12 @@
             </a:ln>
           </p:spPr>
           <p:txBody>
-            <a:bodyPr anchorCtr="0" anchor="ctr" bIns="91425" lIns="91425" spcFirstLastPara="1" rIns="91425" wrap="square" tIns="91425">
+            <a:bodyPr spcFirstLastPara="1" wrap="square" lIns="91425" tIns="91425" rIns="91425" bIns="91425" anchor="ctr" anchorCtr="0">
               <a:noAutofit/>
             </a:bodyPr>
             <a:lstStyle/>
             <a:p>
-              <a:pPr indent="0" lvl="0" marL="0" rtl="0" algn="l">
+              <a:pPr marL="0" lvl="0" indent="0" algn="l" rtl="0">
                 <a:spcBef>
                   <a:spcPts val="0"/>
                 </a:spcBef>
@@ -3245,9 +3262,6 @@
                 </a:spcAft>
                 <a:buNone/>
               </a:pPr>
-              <a:r>
-                <a:t/>
-              </a:r>
               <a:endParaRPr/>
             </a:p>
           </p:txBody>
@@ -3265,7 +3279,7 @@
             </a:xfrm>
             <a:prstGeom prst="diagStripe">
               <a:avLst>
-                <a:gd fmla="val 50000" name="adj"/>
+                <a:gd name="adj" fmla="val 50000"/>
               </a:avLst>
             </a:prstGeom>
             <a:solidFill>
@@ -3278,12 +3292,12 @@
             </a:ln>
           </p:spPr>
           <p:txBody>
-            <a:bodyPr anchorCtr="0" anchor="ctr" bIns="91425" lIns="91425" spcFirstLastPara="1" rIns="91425" wrap="square" tIns="91425">
+            <a:bodyPr spcFirstLastPara="1" wrap="square" lIns="91425" tIns="91425" rIns="91425" bIns="91425" anchor="ctr" anchorCtr="0">
               <a:noAutofit/>
             </a:bodyPr>
             <a:lstStyle/>
             <a:p>
-              <a:pPr indent="0" lvl="0" marL="0" rtl="0" algn="l">
+              <a:pPr marL="0" lvl="0" indent="0" algn="l" rtl="0">
                 <a:spcBef>
                   <a:spcPts val="0"/>
                 </a:spcBef>
@@ -3292,9 +3306,6 @@
                 </a:spcAft>
                 <a:buNone/>
               </a:pPr>
-              <a:r>
-                <a:t/>
-              </a:r>
               <a:endParaRPr/>
             </a:p>
           </p:txBody>
@@ -3303,9 +3314,11 @@
       <p:sp>
         <p:nvSpPr>
           <p:cNvPr id="125" name="Google Shape;125;p11"/>
-          <p:cNvSpPr txBox="1"/>
+          <p:cNvSpPr txBox="1">
+            <a:spLocks noGrp="1"/>
+          </p:cNvSpPr>
           <p:nvPr>
-            <p:ph hasCustomPrompt="1" type="title"/>
+            <p:ph type="title" hasCustomPrompt="1"/>
           </p:nvPr>
         </p:nvSpPr>
         <p:spPr>
@@ -3318,7 +3331,7 @@
           </a:prstGeom>
         </p:spPr>
         <p:txBody>
-          <a:bodyPr anchorCtr="0" anchor="t" bIns="91425" lIns="91425" spcFirstLastPara="1" rIns="91425" wrap="square" tIns="91425">
+          <a:bodyPr spcFirstLastPara="1" wrap="square" lIns="91425" tIns="91425" rIns="91425" bIns="91425" anchor="t" anchorCtr="0">
             <a:normAutofit/>
           </a:bodyPr>
           <a:lstStyle>
@@ -3432,9 +3445,11 @@
       <p:sp>
         <p:nvSpPr>
           <p:cNvPr id="126" name="Google Shape;126;p11"/>
-          <p:cNvSpPr txBox="1"/>
+          <p:cNvSpPr txBox="1">
+            <a:spLocks noGrp="1"/>
+          </p:cNvSpPr>
           <p:nvPr>
-            <p:ph idx="1" type="body"/>
+            <p:ph type="body" idx="1"/>
           </p:nvPr>
         </p:nvSpPr>
         <p:spPr>
@@ -3447,11 +3462,11 @@
           </a:prstGeom>
         </p:spPr>
         <p:txBody>
-          <a:bodyPr anchorCtr="0" anchor="t" bIns="91425" lIns="91425" spcFirstLastPara="1" rIns="91425" wrap="square" tIns="91425">
+          <a:bodyPr spcFirstLastPara="1" wrap="square" lIns="91425" tIns="91425" rIns="91425" bIns="91425" anchor="t" anchorCtr="0">
             <a:normAutofit/>
           </a:bodyPr>
           <a:lstStyle>
-            <a:lvl1pPr indent="-311150" lvl="0" marL="457200">
+            <a:lvl1pPr marL="457200" lvl="0" indent="-311150">
               <a:spcBef>
                 <a:spcPts val="0"/>
               </a:spcBef>
@@ -3462,7 +3477,7 @@
               <a:buChar char="●"/>
               <a:defRPr/>
             </a:lvl1pPr>
-            <a:lvl2pPr indent="-298450" lvl="1" marL="914400">
+            <a:lvl2pPr marL="914400" lvl="1" indent="-298450">
               <a:spcBef>
                 <a:spcPts val="0"/>
               </a:spcBef>
@@ -3473,7 +3488,7 @@
               <a:buChar char="○"/>
               <a:defRPr/>
             </a:lvl2pPr>
-            <a:lvl3pPr indent="-298450" lvl="2" marL="1371600">
+            <a:lvl3pPr marL="1371600" lvl="2" indent="-298450">
               <a:spcBef>
                 <a:spcPts val="0"/>
               </a:spcBef>
@@ -3484,7 +3499,7 @@
               <a:buChar char="■"/>
               <a:defRPr/>
             </a:lvl3pPr>
-            <a:lvl4pPr indent="-298450" lvl="3" marL="1828800">
+            <a:lvl4pPr marL="1828800" lvl="3" indent="-298450">
               <a:spcBef>
                 <a:spcPts val="0"/>
               </a:spcBef>
@@ -3495,7 +3510,7 @@
               <a:buChar char="●"/>
               <a:defRPr/>
             </a:lvl4pPr>
-            <a:lvl5pPr indent="-298450" lvl="4" marL="2286000">
+            <a:lvl5pPr marL="2286000" lvl="4" indent="-298450">
               <a:spcBef>
                 <a:spcPts val="0"/>
               </a:spcBef>
@@ -3506,7 +3521,7 @@
               <a:buChar char="○"/>
               <a:defRPr/>
             </a:lvl5pPr>
-            <a:lvl6pPr indent="-298450" lvl="5" marL="2743200">
+            <a:lvl6pPr marL="2743200" lvl="5" indent="-298450">
               <a:spcBef>
                 <a:spcPts val="0"/>
               </a:spcBef>
@@ -3517,7 +3532,7 @@
               <a:buChar char="■"/>
               <a:defRPr/>
             </a:lvl6pPr>
-            <a:lvl7pPr indent="-298450" lvl="6" marL="3200400">
+            <a:lvl7pPr marL="3200400" lvl="6" indent="-298450">
               <a:spcBef>
                 <a:spcPts val="0"/>
               </a:spcBef>
@@ -3528,7 +3543,7 @@
               <a:buChar char="●"/>
               <a:defRPr/>
             </a:lvl7pPr>
-            <a:lvl8pPr indent="-298450" lvl="7" marL="3657600">
+            <a:lvl8pPr marL="3657600" lvl="7" indent="-298450">
               <a:spcBef>
                 <a:spcPts val="0"/>
               </a:spcBef>
@@ -3539,7 +3554,7 @@
               <a:buChar char="○"/>
               <a:defRPr/>
             </a:lvl8pPr>
-            <a:lvl9pPr indent="-298450" lvl="8" marL="4114800">
+            <a:lvl9pPr marL="4114800" lvl="8" indent="-298450">
               <a:spcBef>
                 <a:spcPts val="0"/>
               </a:spcBef>
@@ -3551,15 +3566,19 @@
               <a:defRPr/>
             </a:lvl9pPr>
           </a:lstStyle>
-          <a:p/>
+          <a:p>
+            <a:endParaRPr/>
+          </a:p>
         </p:txBody>
       </p:sp>
       <p:sp>
         <p:nvSpPr>
           <p:cNvPr id="127" name="Google Shape;127;p11"/>
-          <p:cNvSpPr txBox="1"/>
+          <p:cNvSpPr txBox="1">
+            <a:spLocks noGrp="1"/>
+          </p:cNvSpPr>
           <p:nvPr>
-            <p:ph idx="12" type="sldNum"/>
+            <p:ph type="sldNum" idx="12"/>
           </p:nvPr>
         </p:nvSpPr>
         <p:spPr>
@@ -3572,7 +3591,7 @@
           </a:prstGeom>
         </p:spPr>
         <p:txBody>
-          <a:bodyPr anchorCtr="0" anchor="ctr" bIns="91425" lIns="91425" spcFirstLastPara="1" rIns="91425" wrap="square" tIns="91425">
+          <a:bodyPr spcFirstLastPara="1" wrap="square" lIns="91425" tIns="91425" rIns="91425" bIns="91425" anchor="ctr" anchorCtr="0">
             <a:normAutofit/>
           </a:bodyPr>
           <a:lstStyle>
@@ -3614,7 +3633,7 @@
             </a:lvl9pPr>
           </a:lstStyle>
           <a:p>
-            <a:pPr indent="0" lvl="0" marL="0" rtl="0" algn="r">
+            <a:pPr marL="0" lvl="0" indent="0" algn="r" rtl="0">
               <a:spcBef>
                 <a:spcPts val="0"/>
               </a:spcBef>
@@ -3640,11 +3659,11 @@
 </file>
 
 <file path=ppt/slideLayouts/slideLayout11.xml><?xml version="1.0" encoding="utf-8"?>
-<p:sldLayout xmlns:a="http://schemas.openxmlformats.org/drawingml/2006/main" xmlns:r="http://schemas.openxmlformats.org/officeDocument/2006/relationships" xmlns:mc="http://schemas.openxmlformats.org/markup-compatibility/2006" xmlns:mv="urn:schemas-microsoft-com:mac:vml" xmlns:p="http://schemas.openxmlformats.org/presentationml/2006/main" xmlns:c="http://schemas.openxmlformats.org/drawingml/2006/chart" xmlns:dgm="http://schemas.openxmlformats.org/drawingml/2006/diagram" xmlns:o="urn:schemas-microsoft-com:office:office" xmlns:v="urn:schemas-microsoft-com:vml" xmlns:pvml="urn:schemas-microsoft-com:office:powerpoint" xmlns:com="http://schemas.openxmlformats.org/drawingml/2006/compatibility" xmlns:p14="http://schemas.microsoft.com/office/powerpoint/2010/main" xmlns:p15="http://schemas.microsoft.com/office/powerpoint/2012/main" xmlns:ahyp="http://schemas.microsoft.com/office/drawing/2018/hyperlinkcolor" matchingName="Blank" type="blank">
+<p:sldLayout xmlns:a="http://schemas.openxmlformats.org/drawingml/2006/main" xmlns:r="http://schemas.openxmlformats.org/officeDocument/2006/relationships" xmlns:p="http://schemas.openxmlformats.org/presentationml/2006/main" matchingName="Blank" type="blank">
   <p:cSld name="BLANK">
     <p:spTree>
       <p:nvGrpSpPr>
-        <p:cNvPr id="128" name="Shape 128"/>
+        <p:cNvPr id="1" name="Shape 128"/>
         <p:cNvGrpSpPr/>
         <p:nvPr/>
       </p:nvGrpSpPr>
@@ -3659,9 +3678,11 @@
       <p:sp>
         <p:nvSpPr>
           <p:cNvPr id="129" name="Google Shape;129;p12"/>
-          <p:cNvSpPr txBox="1"/>
+          <p:cNvSpPr txBox="1">
+            <a:spLocks noGrp="1"/>
+          </p:cNvSpPr>
           <p:nvPr>
-            <p:ph idx="12" type="sldNum"/>
+            <p:ph type="sldNum" idx="12"/>
           </p:nvPr>
         </p:nvSpPr>
         <p:spPr>
@@ -3674,7 +3695,7 @@
           </a:prstGeom>
         </p:spPr>
         <p:txBody>
-          <a:bodyPr anchorCtr="0" anchor="ctr" bIns="91425" lIns="91425" spcFirstLastPara="1" rIns="91425" wrap="square" tIns="91425">
+          <a:bodyPr spcFirstLastPara="1" wrap="square" lIns="91425" tIns="91425" rIns="91425" bIns="91425" anchor="ctr" anchorCtr="0">
             <a:normAutofit/>
           </a:bodyPr>
           <a:lstStyle>
@@ -3716,7 +3737,7 @@
             </a:lvl9pPr>
           </a:lstStyle>
           <a:p>
-            <a:pPr indent="0" lvl="0" marL="0" rtl="0" algn="r">
+            <a:pPr marL="0" lvl="0" indent="0" algn="r" rtl="0">
               <a:spcBef>
                 <a:spcPts val="0"/>
               </a:spcBef>
@@ -3742,11 +3763,11 @@
 </file>
 
 <file path=ppt/slideLayouts/slideLayout2.xml><?xml version="1.0" encoding="utf-8"?>
-<p:sldLayout xmlns:a="http://schemas.openxmlformats.org/drawingml/2006/main" xmlns:r="http://schemas.openxmlformats.org/officeDocument/2006/relationships" xmlns:mc="http://schemas.openxmlformats.org/markup-compatibility/2006" xmlns:mv="urn:schemas-microsoft-com:mac:vml" xmlns:p="http://schemas.openxmlformats.org/presentationml/2006/main" xmlns:c="http://schemas.openxmlformats.org/drawingml/2006/chart" xmlns:dgm="http://schemas.openxmlformats.org/drawingml/2006/diagram" xmlns:o="urn:schemas-microsoft-com:office:office" xmlns:v="urn:schemas-microsoft-com:vml" xmlns:pvml="urn:schemas-microsoft-com:office:powerpoint" xmlns:com="http://schemas.openxmlformats.org/drawingml/2006/compatibility" xmlns:p14="http://schemas.microsoft.com/office/powerpoint/2010/main" xmlns:p15="http://schemas.microsoft.com/office/powerpoint/2012/main" xmlns:ahyp="http://schemas.microsoft.com/office/drawing/2018/hyperlinkcolor" matchingName="Section header" type="secHead">
+<p:sldLayout xmlns:a="http://schemas.openxmlformats.org/drawingml/2006/main" xmlns:r="http://schemas.openxmlformats.org/officeDocument/2006/relationships" xmlns:p="http://schemas.openxmlformats.org/presentationml/2006/main" matchingName="Section header" type="secHead">
   <p:cSld name="SECTION_HEADER">
     <p:spTree>
       <p:nvGrpSpPr>
-        <p:cNvPr id="19" name="Shape 19"/>
+        <p:cNvPr id="1" name="Shape 19"/>
         <p:cNvGrpSpPr/>
         <p:nvPr/>
       </p:nvGrpSpPr>
@@ -3785,7 +3806,7 @@
             </a:xfrm>
             <a:prstGeom prst="diagStripe">
               <a:avLst>
-                <a:gd fmla="val 49469" name="adj"/>
+                <a:gd name="adj" fmla="val 49469"/>
               </a:avLst>
             </a:prstGeom>
             <a:solidFill>
@@ -3798,12 +3819,12 @@
             </a:ln>
           </p:spPr>
           <p:txBody>
-            <a:bodyPr anchorCtr="0" anchor="ctr" bIns="91425" lIns="91425" spcFirstLastPara="1" rIns="91425" wrap="square" tIns="91425">
+            <a:bodyPr spcFirstLastPara="1" wrap="square" lIns="91425" tIns="91425" rIns="91425" bIns="91425" anchor="ctr" anchorCtr="0">
               <a:noAutofit/>
             </a:bodyPr>
             <a:lstStyle/>
             <a:p>
-              <a:pPr indent="0" lvl="0" marL="0" rtl="0" algn="l">
+              <a:pPr marL="0" lvl="0" indent="0" algn="l" rtl="0">
                 <a:spcBef>
                   <a:spcPts val="0"/>
                 </a:spcBef>
@@ -3812,9 +3833,6 @@
                 </a:spcAft>
                 <a:buNone/>
               </a:pPr>
-              <a:r>
-                <a:t/>
-              </a:r>
               <a:endParaRPr/>
             </a:p>
           </p:txBody>
@@ -3832,7 +3850,7 @@
             </a:xfrm>
             <a:prstGeom prst="diagStripe">
               <a:avLst>
-                <a:gd fmla="val 0" name="adj"/>
+                <a:gd name="adj" fmla="val 0"/>
               </a:avLst>
             </a:prstGeom>
             <a:solidFill>
@@ -3845,12 +3863,12 @@
             </a:ln>
           </p:spPr>
           <p:txBody>
-            <a:bodyPr anchorCtr="0" anchor="ctr" bIns="91425" lIns="91425" spcFirstLastPara="1" rIns="91425" wrap="square" tIns="91425">
+            <a:bodyPr spcFirstLastPara="1" wrap="square" lIns="91425" tIns="91425" rIns="91425" bIns="91425" anchor="ctr" anchorCtr="0">
               <a:noAutofit/>
             </a:bodyPr>
             <a:lstStyle/>
             <a:p>
-              <a:pPr indent="0" lvl="0" marL="0" rtl="0" algn="l">
+              <a:pPr marL="0" lvl="0" indent="0" algn="l" rtl="0">
                 <a:spcBef>
                   <a:spcPts val="0"/>
                 </a:spcBef>
@@ -3859,9 +3877,6 @@
                 </a:spcAft>
                 <a:buNone/>
               </a:pPr>
-              <a:r>
-                <a:t/>
-              </a:r>
               <a:endParaRPr/>
             </a:p>
           </p:txBody>
@@ -3879,7 +3894,7 @@
             </a:xfrm>
             <a:prstGeom prst="diagStripe">
               <a:avLst>
-                <a:gd fmla="val 50000" name="adj"/>
+                <a:gd name="adj" fmla="val 50000"/>
               </a:avLst>
             </a:prstGeom>
             <a:solidFill>
@@ -3892,12 +3907,12 @@
             </a:ln>
           </p:spPr>
           <p:txBody>
-            <a:bodyPr anchorCtr="0" anchor="ctr" bIns="91425" lIns="91425" spcFirstLastPara="1" rIns="91425" wrap="square" tIns="91425">
+            <a:bodyPr spcFirstLastPara="1" wrap="square" lIns="91425" tIns="91425" rIns="91425" bIns="91425" anchor="ctr" anchorCtr="0">
               <a:noAutofit/>
             </a:bodyPr>
             <a:lstStyle/>
             <a:p>
-              <a:pPr indent="0" lvl="0" marL="0" rtl="0" algn="l">
+              <a:pPr marL="0" lvl="0" indent="0" algn="l" rtl="0">
                 <a:spcBef>
                   <a:spcPts val="0"/>
                 </a:spcBef>
@@ -3906,9 +3921,6 @@
                 </a:spcAft>
                 <a:buNone/>
               </a:pPr>
-              <a:r>
-                <a:t/>
-              </a:r>
               <a:endParaRPr/>
             </a:p>
           </p:txBody>
@@ -3926,7 +3938,7 @@
             </a:xfrm>
             <a:prstGeom prst="diagStripe">
               <a:avLst>
-                <a:gd fmla="val 50000" name="adj"/>
+                <a:gd name="adj" fmla="val 50000"/>
               </a:avLst>
             </a:prstGeom>
             <a:solidFill>
@@ -3939,12 +3951,12 @@
             </a:ln>
           </p:spPr>
           <p:txBody>
-            <a:bodyPr anchorCtr="0" anchor="ctr" bIns="91425" lIns="91425" spcFirstLastPara="1" rIns="91425" wrap="square" tIns="91425">
+            <a:bodyPr spcFirstLastPara="1" wrap="square" lIns="91425" tIns="91425" rIns="91425" bIns="91425" anchor="ctr" anchorCtr="0">
               <a:noAutofit/>
             </a:bodyPr>
             <a:lstStyle/>
             <a:p>
-              <a:pPr indent="0" lvl="0" marL="0" rtl="0" algn="l">
+              <a:pPr marL="0" lvl="0" indent="0" algn="l" rtl="0">
                 <a:spcBef>
                   <a:spcPts val="0"/>
                 </a:spcBef>
@@ -3953,9 +3965,6 @@
                 </a:spcAft>
                 <a:buNone/>
               </a:pPr>
-              <a:r>
-                <a:t/>
-              </a:r>
               <a:endParaRPr/>
             </a:p>
           </p:txBody>
@@ -3973,7 +3982,7 @@
             </a:xfrm>
             <a:prstGeom prst="diagStripe">
               <a:avLst>
-                <a:gd fmla="val 50000" name="adj"/>
+                <a:gd name="adj" fmla="val 50000"/>
               </a:avLst>
             </a:prstGeom>
             <a:solidFill>
@@ -3986,12 +3995,12 @@
             </a:ln>
           </p:spPr>
           <p:txBody>
-            <a:bodyPr anchorCtr="0" anchor="ctr" bIns="91425" lIns="91425" spcFirstLastPara="1" rIns="91425" wrap="square" tIns="91425">
+            <a:bodyPr spcFirstLastPara="1" wrap="square" lIns="91425" tIns="91425" rIns="91425" bIns="91425" anchor="ctr" anchorCtr="0">
               <a:noAutofit/>
             </a:bodyPr>
             <a:lstStyle/>
             <a:p>
-              <a:pPr indent="0" lvl="0" marL="0" rtl="0" algn="l">
+              <a:pPr marL="0" lvl="0" indent="0" algn="l" rtl="0">
                 <a:spcBef>
                   <a:spcPts val="0"/>
                 </a:spcBef>
@@ -4000,9 +4009,6 @@
                 </a:spcAft>
                 <a:buNone/>
               </a:pPr>
-              <a:r>
-                <a:t/>
-              </a:r>
               <a:endParaRPr/>
             </a:p>
           </p:txBody>
@@ -4020,7 +4026,7 @@
             </a:xfrm>
             <a:prstGeom prst="diagStripe">
               <a:avLst>
-                <a:gd fmla="val 50000" name="adj"/>
+                <a:gd name="adj" fmla="val 50000"/>
               </a:avLst>
             </a:prstGeom>
             <a:solidFill>
@@ -4033,12 +4039,12 @@
             </a:ln>
           </p:spPr>
           <p:txBody>
-            <a:bodyPr anchorCtr="0" anchor="ctr" bIns="91425" lIns="91425" spcFirstLastPara="1" rIns="91425" wrap="square" tIns="91425">
+            <a:bodyPr spcFirstLastPara="1" wrap="square" lIns="91425" tIns="91425" rIns="91425" bIns="91425" anchor="ctr" anchorCtr="0">
               <a:noAutofit/>
             </a:bodyPr>
             <a:lstStyle/>
             <a:p>
-              <a:pPr indent="0" lvl="0" marL="0" rtl="0" algn="l">
+              <a:pPr marL="0" lvl="0" indent="0" algn="l" rtl="0">
                 <a:spcBef>
                   <a:spcPts val="0"/>
                 </a:spcBef>
@@ -4047,9 +4053,6 @@
                 </a:spcAft>
                 <a:buNone/>
               </a:pPr>
-              <a:r>
-                <a:t/>
-              </a:r>
               <a:endParaRPr/>
             </a:p>
           </p:txBody>
@@ -4067,7 +4070,7 @@
             </a:xfrm>
             <a:prstGeom prst="diagStripe">
               <a:avLst>
-                <a:gd fmla="val 50000" name="adj"/>
+                <a:gd name="adj" fmla="val 50000"/>
               </a:avLst>
             </a:prstGeom>
             <a:solidFill>
@@ -4080,12 +4083,12 @@
             </a:ln>
           </p:spPr>
           <p:txBody>
-            <a:bodyPr anchorCtr="0" anchor="ctr" bIns="91425" lIns="91425" spcFirstLastPara="1" rIns="91425" wrap="square" tIns="91425">
+            <a:bodyPr spcFirstLastPara="1" wrap="square" lIns="91425" tIns="91425" rIns="91425" bIns="91425" anchor="ctr" anchorCtr="0">
               <a:noAutofit/>
             </a:bodyPr>
             <a:lstStyle/>
             <a:p>
-              <a:pPr indent="0" lvl="0" marL="0" rtl="0" algn="l">
+              <a:pPr marL="0" lvl="0" indent="0" algn="l" rtl="0">
                 <a:spcBef>
                   <a:spcPts val="0"/>
                 </a:spcBef>
@@ -4094,9 +4097,6 @@
                 </a:spcAft>
                 <a:buNone/>
               </a:pPr>
-              <a:r>
-                <a:t/>
-              </a:r>
               <a:endParaRPr/>
             </a:p>
           </p:txBody>
@@ -4114,7 +4114,7 @@
             </a:xfrm>
             <a:prstGeom prst="diagStripe">
               <a:avLst>
-                <a:gd fmla="val 50000" name="adj"/>
+                <a:gd name="adj" fmla="val 50000"/>
               </a:avLst>
             </a:prstGeom>
             <a:solidFill>
@@ -4125,12 +4125,12 @@
             </a:ln>
           </p:spPr>
           <p:txBody>
-            <a:bodyPr anchorCtr="0" anchor="ctr" bIns="91425" lIns="91425" spcFirstLastPara="1" rIns="91425" wrap="square" tIns="91425">
+            <a:bodyPr spcFirstLastPara="1" wrap="square" lIns="91425" tIns="91425" rIns="91425" bIns="91425" anchor="ctr" anchorCtr="0">
               <a:noAutofit/>
             </a:bodyPr>
             <a:lstStyle/>
             <a:p>
-              <a:pPr indent="0" lvl="0" marL="0" rtl="0" algn="l">
+              <a:pPr marL="0" lvl="0" indent="0" algn="l" rtl="0">
                 <a:spcBef>
                   <a:spcPts val="0"/>
                 </a:spcBef>
@@ -4139,9 +4139,6 @@
                 </a:spcAft>
                 <a:buNone/>
               </a:pPr>
-              <a:r>
-                <a:t/>
-              </a:r>
               <a:endParaRPr/>
             </a:p>
           </p:txBody>
@@ -4159,7 +4156,7 @@
             </a:xfrm>
             <a:prstGeom prst="diagStripe">
               <a:avLst>
-                <a:gd fmla="val 50000" name="adj"/>
+                <a:gd name="adj" fmla="val 50000"/>
               </a:avLst>
             </a:prstGeom>
             <a:solidFill>
@@ -4172,12 +4169,12 @@
             </a:ln>
           </p:spPr>
           <p:txBody>
-            <a:bodyPr anchorCtr="0" anchor="ctr" bIns="91425" lIns="91425" spcFirstLastPara="1" rIns="91425" wrap="square" tIns="91425">
+            <a:bodyPr spcFirstLastPara="1" wrap="square" lIns="91425" tIns="91425" rIns="91425" bIns="91425" anchor="ctr" anchorCtr="0">
               <a:noAutofit/>
             </a:bodyPr>
             <a:lstStyle/>
             <a:p>
-              <a:pPr indent="0" lvl="0" marL="0" rtl="0" algn="l">
+              <a:pPr marL="0" lvl="0" indent="0" algn="l" rtl="0">
                 <a:spcBef>
                   <a:spcPts val="0"/>
                 </a:spcBef>
@@ -4186,9 +4183,6 @@
                 </a:spcAft>
                 <a:buNone/>
               </a:pPr>
-              <a:r>
-                <a:t/>
-              </a:r>
               <a:endParaRPr/>
             </a:p>
           </p:txBody>
@@ -4206,7 +4200,7 @@
             </a:xfrm>
             <a:prstGeom prst="diagStripe">
               <a:avLst>
-                <a:gd fmla="val 50000" name="adj"/>
+                <a:gd name="adj" fmla="val 50000"/>
               </a:avLst>
             </a:prstGeom>
             <a:solidFill>
@@ -4219,12 +4213,12 @@
             </a:ln>
           </p:spPr>
           <p:txBody>
-            <a:bodyPr anchorCtr="0" anchor="ctr" bIns="91425" lIns="91425" spcFirstLastPara="1" rIns="91425" wrap="square" tIns="91425">
+            <a:bodyPr spcFirstLastPara="1" wrap="square" lIns="91425" tIns="91425" rIns="91425" bIns="91425" anchor="ctr" anchorCtr="0">
               <a:noAutofit/>
             </a:bodyPr>
             <a:lstStyle/>
             <a:p>
-              <a:pPr indent="0" lvl="0" marL="0" rtl="0" algn="l">
+              <a:pPr marL="0" lvl="0" indent="0" algn="l" rtl="0">
                 <a:spcBef>
                   <a:spcPts val="0"/>
                 </a:spcBef>
@@ -4233,9 +4227,6 @@
                 </a:spcAft>
                 <a:buNone/>
               </a:pPr>
-              <a:r>
-                <a:t/>
-              </a:r>
               <a:endParaRPr/>
             </a:p>
           </p:txBody>
@@ -4253,7 +4244,7 @@
             </a:xfrm>
             <a:prstGeom prst="diagStripe">
               <a:avLst>
-                <a:gd fmla="val 50000" name="adj"/>
+                <a:gd name="adj" fmla="val 50000"/>
               </a:avLst>
             </a:prstGeom>
             <a:solidFill>
@@ -4266,12 +4257,12 @@
             </a:ln>
           </p:spPr>
           <p:txBody>
-            <a:bodyPr anchorCtr="0" anchor="ctr" bIns="91425" lIns="91425" spcFirstLastPara="1" rIns="91425" wrap="square" tIns="91425">
+            <a:bodyPr spcFirstLastPara="1" wrap="square" lIns="91425" tIns="91425" rIns="91425" bIns="91425" anchor="ctr" anchorCtr="0">
               <a:noAutofit/>
             </a:bodyPr>
             <a:lstStyle/>
             <a:p>
-              <a:pPr indent="0" lvl="0" marL="0" rtl="0" algn="l">
+              <a:pPr marL="0" lvl="0" indent="0" algn="l" rtl="0">
                 <a:spcBef>
                   <a:spcPts val="0"/>
                 </a:spcBef>
@@ -4280,9 +4271,6 @@
                 </a:spcAft>
                 <a:buNone/>
               </a:pPr>
-              <a:r>
-                <a:t/>
-              </a:r>
               <a:endParaRPr/>
             </a:p>
           </p:txBody>
@@ -4300,7 +4288,7 @@
             </a:xfrm>
             <a:prstGeom prst="diagStripe">
               <a:avLst>
-                <a:gd fmla="val 50000" name="adj"/>
+                <a:gd name="adj" fmla="val 50000"/>
               </a:avLst>
             </a:prstGeom>
             <a:solidFill>
@@ -4313,12 +4301,12 @@
             </a:ln>
           </p:spPr>
           <p:txBody>
-            <a:bodyPr anchorCtr="0" anchor="ctr" bIns="91425" lIns="91425" spcFirstLastPara="1" rIns="91425" wrap="square" tIns="91425">
+            <a:bodyPr spcFirstLastPara="1" wrap="square" lIns="91425" tIns="91425" rIns="91425" bIns="91425" anchor="ctr" anchorCtr="0">
               <a:noAutofit/>
             </a:bodyPr>
             <a:lstStyle/>
             <a:p>
-              <a:pPr indent="0" lvl="0" marL="0" rtl="0" algn="l">
+              <a:pPr marL="0" lvl="0" indent="0" algn="l" rtl="0">
                 <a:spcBef>
                   <a:spcPts val="0"/>
                 </a:spcBef>
@@ -4327,9 +4315,6 @@
                 </a:spcAft>
                 <a:buNone/>
               </a:pPr>
-              <a:r>
-                <a:t/>
-              </a:r>
               <a:endParaRPr/>
             </a:p>
           </p:txBody>
@@ -4347,7 +4332,7 @@
             </a:xfrm>
             <a:prstGeom prst="diagStripe">
               <a:avLst>
-                <a:gd fmla="val 50000" name="adj"/>
+                <a:gd name="adj" fmla="val 50000"/>
               </a:avLst>
             </a:prstGeom>
             <a:solidFill>
@@ -4360,12 +4345,12 @@
             </a:ln>
           </p:spPr>
           <p:txBody>
-            <a:bodyPr anchorCtr="0" anchor="ctr" bIns="91425" lIns="91425" spcFirstLastPara="1" rIns="91425" wrap="square" tIns="91425">
+            <a:bodyPr spcFirstLastPara="1" wrap="square" lIns="91425" tIns="91425" rIns="91425" bIns="91425" anchor="ctr" anchorCtr="0">
               <a:noAutofit/>
             </a:bodyPr>
             <a:lstStyle/>
             <a:p>
-              <a:pPr indent="0" lvl="0" marL="0" rtl="0" algn="l">
+              <a:pPr marL="0" lvl="0" indent="0" algn="l" rtl="0">
                 <a:spcBef>
                   <a:spcPts val="0"/>
                 </a:spcBef>
@@ -4374,9 +4359,6 @@
                 </a:spcAft>
                 <a:buNone/>
               </a:pPr>
-              <a:r>
-                <a:t/>
-              </a:r>
               <a:endParaRPr/>
             </a:p>
           </p:txBody>
@@ -4394,7 +4376,7 @@
             </a:xfrm>
             <a:prstGeom prst="diagStripe">
               <a:avLst>
-                <a:gd fmla="val 50000" name="adj"/>
+                <a:gd name="adj" fmla="val 50000"/>
               </a:avLst>
             </a:prstGeom>
             <a:solidFill>
@@ -4405,12 +4387,12 @@
             </a:ln>
           </p:spPr>
           <p:txBody>
-            <a:bodyPr anchorCtr="0" anchor="ctr" bIns="91425" lIns="91425" spcFirstLastPara="1" rIns="91425" wrap="square" tIns="91425">
+            <a:bodyPr spcFirstLastPara="1" wrap="square" lIns="91425" tIns="91425" rIns="91425" bIns="91425" anchor="ctr" anchorCtr="0">
               <a:noAutofit/>
             </a:bodyPr>
             <a:lstStyle/>
             <a:p>
-              <a:pPr indent="0" lvl="0" marL="0" rtl="0" algn="l">
+              <a:pPr marL="0" lvl="0" indent="0" algn="l" rtl="0">
                 <a:spcBef>
                   <a:spcPts val="0"/>
                 </a:spcBef>
@@ -4419,9 +4401,6 @@
                 </a:spcAft>
                 <a:buNone/>
               </a:pPr>
-              <a:r>
-                <a:t/>
-              </a:r>
               <a:endParaRPr/>
             </a:p>
           </p:txBody>
@@ -4439,7 +4418,7 @@
             </a:xfrm>
             <a:prstGeom prst="diagStripe">
               <a:avLst>
-                <a:gd fmla="val 50000" name="adj"/>
+                <a:gd name="adj" fmla="val 50000"/>
               </a:avLst>
             </a:prstGeom>
             <a:solidFill>
@@ -4452,12 +4431,12 @@
             </a:ln>
           </p:spPr>
           <p:txBody>
-            <a:bodyPr anchorCtr="0" anchor="ctr" bIns="91425" lIns="91425" spcFirstLastPara="1" rIns="91425" wrap="square" tIns="91425">
+            <a:bodyPr spcFirstLastPara="1" wrap="square" lIns="91425" tIns="91425" rIns="91425" bIns="91425" anchor="ctr" anchorCtr="0">
               <a:noAutofit/>
             </a:bodyPr>
             <a:lstStyle/>
             <a:p>
-              <a:pPr indent="0" lvl="0" marL="0" rtl="0" algn="l">
+              <a:pPr marL="0" lvl="0" indent="0" algn="l" rtl="0">
                 <a:spcBef>
                   <a:spcPts val="0"/>
                 </a:spcBef>
@@ -4466,9 +4445,6 @@
                 </a:spcAft>
                 <a:buNone/>
               </a:pPr>
-              <a:r>
-                <a:t/>
-              </a:r>
               <a:endParaRPr/>
             </a:p>
           </p:txBody>
@@ -4486,7 +4462,7 @@
             </a:xfrm>
             <a:prstGeom prst="diagStripe">
               <a:avLst>
-                <a:gd fmla="val 50000" name="adj"/>
+                <a:gd name="adj" fmla="val 50000"/>
               </a:avLst>
             </a:prstGeom>
             <a:solidFill>
@@ -4499,12 +4475,12 @@
             </a:ln>
           </p:spPr>
           <p:txBody>
-            <a:bodyPr anchorCtr="0" anchor="ctr" bIns="91425" lIns="91425" spcFirstLastPara="1" rIns="91425" wrap="square" tIns="91425">
+            <a:bodyPr spcFirstLastPara="1" wrap="square" lIns="91425" tIns="91425" rIns="91425" bIns="91425" anchor="ctr" anchorCtr="0">
               <a:noAutofit/>
             </a:bodyPr>
             <a:lstStyle/>
             <a:p>
-              <a:pPr indent="0" lvl="0" marL="0" rtl="0" algn="l">
+              <a:pPr marL="0" lvl="0" indent="0" algn="l" rtl="0">
                 <a:spcBef>
                   <a:spcPts val="0"/>
                 </a:spcBef>
@@ -4513,9 +4489,6 @@
                 </a:spcAft>
                 <a:buNone/>
               </a:pPr>
-              <a:r>
-                <a:t/>
-              </a:r>
               <a:endParaRPr/>
             </a:p>
           </p:txBody>
@@ -4533,7 +4506,7 @@
             </a:xfrm>
             <a:prstGeom prst="diagStripe">
               <a:avLst>
-                <a:gd fmla="val 50000" name="adj"/>
+                <a:gd name="adj" fmla="val 50000"/>
               </a:avLst>
             </a:prstGeom>
             <a:solidFill>
@@ -4546,12 +4519,12 @@
             </a:ln>
           </p:spPr>
           <p:txBody>
-            <a:bodyPr anchorCtr="0" anchor="ctr" bIns="91425" lIns="91425" spcFirstLastPara="1" rIns="91425" wrap="square" tIns="91425">
+            <a:bodyPr spcFirstLastPara="1" wrap="square" lIns="91425" tIns="91425" rIns="91425" bIns="91425" anchor="ctr" anchorCtr="0">
               <a:noAutofit/>
             </a:bodyPr>
             <a:lstStyle/>
             <a:p>
-              <a:pPr indent="0" lvl="0" marL="0" rtl="0" algn="l">
+              <a:pPr marL="0" lvl="0" indent="0" algn="l" rtl="0">
                 <a:spcBef>
                   <a:spcPts val="0"/>
                 </a:spcBef>
@@ -4560,9 +4533,6 @@
                 </a:spcAft>
                 <a:buNone/>
               </a:pPr>
-              <a:r>
-                <a:t/>
-              </a:r>
               <a:endParaRPr/>
             </a:p>
           </p:txBody>
@@ -4580,7 +4550,7 @@
             </a:xfrm>
             <a:prstGeom prst="diagStripe">
               <a:avLst>
-                <a:gd fmla="val 50000" name="adj"/>
+                <a:gd name="adj" fmla="val 50000"/>
               </a:avLst>
             </a:prstGeom>
             <a:solidFill>
@@ -4593,12 +4563,12 @@
             </a:ln>
           </p:spPr>
           <p:txBody>
-            <a:bodyPr anchorCtr="0" anchor="ctr" bIns="91425" lIns="91425" spcFirstLastPara="1" rIns="91425" wrap="square" tIns="91425">
+            <a:bodyPr spcFirstLastPara="1" wrap="square" lIns="91425" tIns="91425" rIns="91425" bIns="91425" anchor="ctr" anchorCtr="0">
               <a:noAutofit/>
             </a:bodyPr>
             <a:lstStyle/>
             <a:p>
-              <a:pPr indent="0" lvl="0" marL="0" rtl="0" algn="l">
+              <a:pPr marL="0" lvl="0" indent="0" algn="l" rtl="0">
                 <a:spcBef>
                   <a:spcPts val="0"/>
                 </a:spcBef>
@@ -4607,9 +4577,6 @@
                 </a:spcAft>
                 <a:buNone/>
               </a:pPr>
-              <a:r>
-                <a:t/>
-              </a:r>
               <a:endParaRPr/>
             </a:p>
           </p:txBody>
@@ -4618,7 +4585,9 @@
       <p:sp>
         <p:nvSpPr>
           <p:cNvPr id="39" name="Google Shape;39;p3"/>
-          <p:cNvSpPr txBox="1"/>
+          <p:cNvSpPr txBox="1">
+            <a:spLocks noGrp="1"/>
+          </p:cNvSpPr>
           <p:nvPr>
             <p:ph type="title"/>
           </p:nvPr>
@@ -4633,7 +4602,7 @@
           </a:prstGeom>
         </p:spPr>
         <p:txBody>
-          <a:bodyPr anchorCtr="0" anchor="ctr" bIns="91425" lIns="91425" spcFirstLastPara="1" rIns="91425" wrap="square" tIns="91425">
+          <a:bodyPr spcFirstLastPara="1" wrap="square" lIns="91425" tIns="91425" rIns="91425" bIns="91425" anchor="ctr" anchorCtr="0">
             <a:normAutofit/>
           </a:bodyPr>
           <a:lstStyle>
@@ -4737,15 +4706,19 @@
               <a:defRPr/>
             </a:lvl9pPr>
           </a:lstStyle>
-          <a:p/>
+          <a:p>
+            <a:endParaRPr/>
+          </a:p>
         </p:txBody>
       </p:sp>
       <p:sp>
         <p:nvSpPr>
           <p:cNvPr id="40" name="Google Shape;40;p3"/>
-          <p:cNvSpPr txBox="1"/>
+          <p:cNvSpPr txBox="1">
+            <a:spLocks noGrp="1"/>
+          </p:cNvSpPr>
           <p:nvPr>
-            <p:ph idx="12" type="sldNum"/>
+            <p:ph type="sldNum" idx="12"/>
           </p:nvPr>
         </p:nvSpPr>
         <p:spPr>
@@ -4758,7 +4731,7 @@
           </a:prstGeom>
         </p:spPr>
         <p:txBody>
-          <a:bodyPr anchorCtr="0" anchor="ctr" bIns="91425" lIns="91425" spcFirstLastPara="1" rIns="91425" wrap="square" tIns="91425">
+          <a:bodyPr spcFirstLastPara="1" wrap="square" lIns="91425" tIns="91425" rIns="91425" bIns="91425" anchor="ctr" anchorCtr="0">
             <a:normAutofit/>
           </a:bodyPr>
           <a:lstStyle>
@@ -4800,7 +4773,7 @@
             </a:lvl9pPr>
           </a:lstStyle>
           <a:p>
-            <a:pPr indent="0" lvl="0" marL="0" rtl="0" algn="r">
+            <a:pPr marL="0" lvl="0" indent="0" algn="r" rtl="0">
               <a:spcBef>
                 <a:spcPts val="0"/>
               </a:spcBef>
@@ -4826,11 +4799,11 @@
 </file>
 
 <file path=ppt/slideLayouts/slideLayout3.xml><?xml version="1.0" encoding="utf-8"?>
-<p:sldLayout xmlns:a="http://schemas.openxmlformats.org/drawingml/2006/main" xmlns:r="http://schemas.openxmlformats.org/officeDocument/2006/relationships" xmlns:mc="http://schemas.openxmlformats.org/markup-compatibility/2006" xmlns:mv="urn:schemas-microsoft-com:mac:vml" xmlns:p="http://schemas.openxmlformats.org/presentationml/2006/main" xmlns:c="http://schemas.openxmlformats.org/drawingml/2006/chart" xmlns:dgm="http://schemas.openxmlformats.org/drawingml/2006/diagram" xmlns:o="urn:schemas-microsoft-com:office:office" xmlns:v="urn:schemas-microsoft-com:vml" xmlns:pvml="urn:schemas-microsoft-com:office:powerpoint" xmlns:com="http://schemas.openxmlformats.org/drawingml/2006/compatibility" xmlns:p14="http://schemas.microsoft.com/office/powerpoint/2010/main" xmlns:p15="http://schemas.microsoft.com/office/powerpoint/2012/main" xmlns:ahyp="http://schemas.microsoft.com/office/drawing/2018/hyperlinkcolor" matchingName="Title and body" type="tx">
+<p:sldLayout xmlns:a="http://schemas.openxmlformats.org/drawingml/2006/main" xmlns:r="http://schemas.openxmlformats.org/officeDocument/2006/relationships" xmlns:p="http://schemas.openxmlformats.org/presentationml/2006/main" matchingName="Title and body" type="tx">
   <p:cSld name="TITLE_AND_BODY">
     <p:spTree>
       <p:nvGrpSpPr>
-        <p:cNvPr id="41" name="Shape 41"/>
+        <p:cNvPr id="1" name="Shape 41"/>
         <p:cNvGrpSpPr/>
         <p:nvPr/>
       </p:nvGrpSpPr>
@@ -4869,7 +4842,7 @@
             </a:xfrm>
             <a:prstGeom prst="diagStripe">
               <a:avLst>
-                <a:gd fmla="val 50000" name="adj"/>
+                <a:gd name="adj" fmla="val 50000"/>
               </a:avLst>
             </a:prstGeom>
             <a:solidFill>
@@ -4880,12 +4853,12 @@
             </a:ln>
           </p:spPr>
           <p:txBody>
-            <a:bodyPr anchorCtr="0" anchor="ctr" bIns="91425" lIns="91425" spcFirstLastPara="1" rIns="91425" wrap="square" tIns="91425">
+            <a:bodyPr spcFirstLastPara="1" wrap="square" lIns="91425" tIns="91425" rIns="91425" bIns="91425" anchor="ctr" anchorCtr="0">
               <a:noAutofit/>
             </a:bodyPr>
             <a:lstStyle/>
             <a:p>
-              <a:pPr indent="0" lvl="0" marL="0" rtl="0" algn="l">
+              <a:pPr marL="0" lvl="0" indent="0" algn="l" rtl="0">
                 <a:spcBef>
                   <a:spcPts val="0"/>
                 </a:spcBef>
@@ -4894,9 +4867,6 @@
                 </a:spcAft>
                 <a:buNone/>
               </a:pPr>
-              <a:r>
-                <a:t/>
-              </a:r>
               <a:endParaRPr/>
             </a:p>
           </p:txBody>
@@ -4914,7 +4884,7 @@
             </a:xfrm>
             <a:prstGeom prst="diagStripe">
               <a:avLst>
-                <a:gd fmla="val 50000" name="adj"/>
+                <a:gd name="adj" fmla="val 50000"/>
               </a:avLst>
             </a:prstGeom>
             <a:solidFill>
@@ -4925,12 +4895,12 @@
             </a:ln>
           </p:spPr>
           <p:txBody>
-            <a:bodyPr anchorCtr="0" anchor="ctr" bIns="91425" lIns="91425" spcFirstLastPara="1" rIns="91425" wrap="square" tIns="91425">
+            <a:bodyPr spcFirstLastPara="1" wrap="square" lIns="91425" tIns="91425" rIns="91425" bIns="91425" anchor="ctr" anchorCtr="0">
               <a:noAutofit/>
             </a:bodyPr>
             <a:lstStyle/>
             <a:p>
-              <a:pPr indent="0" lvl="0" marL="0" rtl="0" algn="l">
+              <a:pPr marL="0" lvl="0" indent="0" algn="l" rtl="0">
                 <a:spcBef>
                   <a:spcPts val="0"/>
                 </a:spcBef>
@@ -4939,9 +4909,6 @@
                 </a:spcAft>
                 <a:buNone/>
               </a:pPr>
-              <a:r>
-                <a:t/>
-              </a:r>
               <a:endParaRPr/>
             </a:p>
           </p:txBody>
@@ -4950,7 +4917,9 @@
       <p:sp>
         <p:nvSpPr>
           <p:cNvPr id="45" name="Google Shape;45;p4"/>
-          <p:cNvSpPr txBox="1"/>
+          <p:cNvSpPr txBox="1">
+            <a:spLocks noGrp="1"/>
+          </p:cNvSpPr>
           <p:nvPr>
             <p:ph type="title"/>
           </p:nvPr>
@@ -4965,7 +4934,7 @@
           </a:prstGeom>
         </p:spPr>
         <p:txBody>
-          <a:bodyPr anchorCtr="0" anchor="t" bIns="91425" lIns="91425" spcFirstLastPara="1" rIns="91425" wrap="square" tIns="91425">
+          <a:bodyPr spcFirstLastPara="1" wrap="square" lIns="91425" tIns="91425" rIns="91425" bIns="91425" anchor="t" anchorCtr="0">
             <a:normAutofit/>
           </a:bodyPr>
           <a:lstStyle>
@@ -5069,15 +5038,19 @@
               <a:defRPr sz="2400"/>
             </a:lvl9pPr>
           </a:lstStyle>
-          <a:p/>
+          <a:p>
+            <a:endParaRPr/>
+          </a:p>
         </p:txBody>
       </p:sp>
       <p:sp>
         <p:nvSpPr>
           <p:cNvPr id="46" name="Google Shape;46;p4"/>
-          <p:cNvSpPr txBox="1"/>
+          <p:cNvSpPr txBox="1">
+            <a:spLocks noGrp="1"/>
+          </p:cNvSpPr>
           <p:nvPr>
-            <p:ph idx="1" type="body"/>
+            <p:ph type="body" idx="1"/>
           </p:nvPr>
         </p:nvSpPr>
         <p:spPr>
@@ -5090,11 +5063,11 @@
           </a:prstGeom>
         </p:spPr>
         <p:txBody>
-          <a:bodyPr anchorCtr="0" anchor="t" bIns="91425" lIns="91425" spcFirstLastPara="1" rIns="91425" wrap="square" tIns="91425">
+          <a:bodyPr spcFirstLastPara="1" wrap="square" lIns="91425" tIns="91425" rIns="91425" bIns="91425" anchor="t" anchorCtr="0">
             <a:normAutofit/>
           </a:bodyPr>
           <a:lstStyle>
-            <a:lvl1pPr indent="-311150" lvl="0" marL="457200">
+            <a:lvl1pPr marL="457200" lvl="0" indent="-311150">
               <a:spcBef>
                 <a:spcPts val="0"/>
               </a:spcBef>
@@ -5105,7 +5078,7 @@
               <a:buChar char="●"/>
               <a:defRPr/>
             </a:lvl1pPr>
-            <a:lvl2pPr indent="-298450" lvl="1" marL="914400">
+            <a:lvl2pPr marL="914400" lvl="1" indent="-298450">
               <a:spcBef>
                 <a:spcPts val="0"/>
               </a:spcBef>
@@ -5116,7 +5089,7 @@
               <a:buChar char="○"/>
               <a:defRPr/>
             </a:lvl2pPr>
-            <a:lvl3pPr indent="-298450" lvl="2" marL="1371600">
+            <a:lvl3pPr marL="1371600" lvl="2" indent="-298450">
               <a:spcBef>
                 <a:spcPts val="0"/>
               </a:spcBef>
@@ -5127,7 +5100,7 @@
               <a:buChar char="■"/>
               <a:defRPr/>
             </a:lvl3pPr>
-            <a:lvl4pPr indent="-298450" lvl="3" marL="1828800">
+            <a:lvl4pPr marL="1828800" lvl="3" indent="-298450">
               <a:spcBef>
                 <a:spcPts val="0"/>
               </a:spcBef>
@@ -5138,7 +5111,7 @@
               <a:buChar char="●"/>
               <a:defRPr/>
             </a:lvl4pPr>
-            <a:lvl5pPr indent="-298450" lvl="4" marL="2286000">
+            <a:lvl5pPr marL="2286000" lvl="4" indent="-298450">
               <a:spcBef>
                 <a:spcPts val="0"/>
               </a:spcBef>
@@ -5149,7 +5122,7 @@
               <a:buChar char="○"/>
               <a:defRPr/>
             </a:lvl5pPr>
-            <a:lvl6pPr indent="-298450" lvl="5" marL="2743200">
+            <a:lvl6pPr marL="2743200" lvl="5" indent="-298450">
               <a:spcBef>
                 <a:spcPts val="0"/>
               </a:spcBef>
@@ -5160,7 +5133,7 @@
               <a:buChar char="■"/>
               <a:defRPr/>
             </a:lvl6pPr>
-            <a:lvl7pPr indent="-298450" lvl="6" marL="3200400">
+            <a:lvl7pPr marL="3200400" lvl="6" indent="-298450">
               <a:spcBef>
                 <a:spcPts val="0"/>
               </a:spcBef>
@@ -5171,7 +5144,7 @@
               <a:buChar char="●"/>
               <a:defRPr/>
             </a:lvl7pPr>
-            <a:lvl8pPr indent="-298450" lvl="7" marL="3657600">
+            <a:lvl8pPr marL="3657600" lvl="7" indent="-298450">
               <a:spcBef>
                 <a:spcPts val="0"/>
               </a:spcBef>
@@ -5182,7 +5155,7 @@
               <a:buChar char="○"/>
               <a:defRPr/>
             </a:lvl8pPr>
-            <a:lvl9pPr indent="-298450" lvl="8" marL="4114800">
+            <a:lvl9pPr marL="4114800" lvl="8" indent="-298450">
               <a:spcBef>
                 <a:spcPts val="0"/>
               </a:spcBef>
@@ -5194,15 +5167,19 @@
               <a:defRPr/>
             </a:lvl9pPr>
           </a:lstStyle>
-          <a:p/>
+          <a:p>
+            <a:endParaRPr/>
+          </a:p>
         </p:txBody>
       </p:sp>
       <p:sp>
         <p:nvSpPr>
           <p:cNvPr id="47" name="Google Shape;47;p4"/>
-          <p:cNvSpPr txBox="1"/>
+          <p:cNvSpPr txBox="1">
+            <a:spLocks noGrp="1"/>
+          </p:cNvSpPr>
           <p:nvPr>
-            <p:ph idx="12" type="sldNum"/>
+            <p:ph type="sldNum" idx="12"/>
           </p:nvPr>
         </p:nvSpPr>
         <p:spPr>
@@ -5215,7 +5192,7 @@
           </a:prstGeom>
         </p:spPr>
         <p:txBody>
-          <a:bodyPr anchorCtr="0" anchor="ctr" bIns="91425" lIns="91425" spcFirstLastPara="1" rIns="91425" wrap="square" tIns="91425">
+          <a:bodyPr spcFirstLastPara="1" wrap="square" lIns="91425" tIns="91425" rIns="91425" bIns="91425" anchor="ctr" anchorCtr="0">
             <a:normAutofit/>
           </a:bodyPr>
           <a:lstStyle>
@@ -5257,7 +5234,7 @@
             </a:lvl9pPr>
           </a:lstStyle>
           <a:p>
-            <a:pPr indent="0" lvl="0" marL="0" rtl="0" algn="r">
+            <a:pPr marL="0" lvl="0" indent="0" algn="r" rtl="0">
               <a:spcBef>
                 <a:spcPts val="0"/>
               </a:spcBef>
@@ -5283,11 +5260,11 @@
 </file>
 
 <file path=ppt/slideLayouts/slideLayout4.xml><?xml version="1.0" encoding="utf-8"?>
-<p:sldLayout xmlns:a="http://schemas.openxmlformats.org/drawingml/2006/main" xmlns:r="http://schemas.openxmlformats.org/officeDocument/2006/relationships" xmlns:mc="http://schemas.openxmlformats.org/markup-compatibility/2006" xmlns:mv="urn:schemas-microsoft-com:mac:vml" xmlns:p="http://schemas.openxmlformats.org/presentationml/2006/main" xmlns:c="http://schemas.openxmlformats.org/drawingml/2006/chart" xmlns:dgm="http://schemas.openxmlformats.org/drawingml/2006/diagram" xmlns:o="urn:schemas-microsoft-com:office:office" xmlns:v="urn:schemas-microsoft-com:vml" xmlns:pvml="urn:schemas-microsoft-com:office:powerpoint" xmlns:com="http://schemas.openxmlformats.org/drawingml/2006/compatibility" xmlns:p14="http://schemas.microsoft.com/office/powerpoint/2010/main" xmlns:p15="http://schemas.microsoft.com/office/powerpoint/2012/main" xmlns:ahyp="http://schemas.microsoft.com/office/drawing/2018/hyperlinkcolor" matchingName="Title and two columns" type="twoColTx">
+<p:sldLayout xmlns:a="http://schemas.openxmlformats.org/drawingml/2006/main" xmlns:r="http://schemas.openxmlformats.org/officeDocument/2006/relationships" xmlns:p="http://schemas.openxmlformats.org/presentationml/2006/main" matchingName="Title and two columns" type="twoColTx">
   <p:cSld name="TITLE_AND_TWO_COLUMNS">
     <p:spTree>
       <p:nvGrpSpPr>
-        <p:cNvPr id="48" name="Shape 48"/>
+        <p:cNvPr id="1" name="Shape 48"/>
         <p:cNvGrpSpPr/>
         <p:nvPr/>
       </p:nvGrpSpPr>
@@ -5326,7 +5303,7 @@
             </a:xfrm>
             <a:prstGeom prst="diagStripe">
               <a:avLst>
-                <a:gd fmla="val 50000" name="adj"/>
+                <a:gd name="adj" fmla="val 50000"/>
               </a:avLst>
             </a:prstGeom>
             <a:solidFill>
@@ -5337,12 +5314,12 @@
             </a:ln>
           </p:spPr>
           <p:txBody>
-            <a:bodyPr anchorCtr="0" anchor="ctr" bIns="91425" lIns="91425" spcFirstLastPara="1" rIns="91425" wrap="square" tIns="91425">
+            <a:bodyPr spcFirstLastPara="1" wrap="square" lIns="91425" tIns="91425" rIns="91425" bIns="91425" anchor="ctr" anchorCtr="0">
               <a:noAutofit/>
             </a:bodyPr>
             <a:lstStyle/>
             <a:p>
-              <a:pPr indent="0" lvl="0" marL="0" rtl="0" algn="l">
+              <a:pPr marL="0" lvl="0" indent="0" algn="l" rtl="0">
                 <a:spcBef>
                   <a:spcPts val="0"/>
                 </a:spcBef>
@@ -5351,9 +5328,6 @@
                 </a:spcAft>
                 <a:buNone/>
               </a:pPr>
-              <a:r>
-                <a:t/>
-              </a:r>
               <a:endParaRPr/>
             </a:p>
           </p:txBody>
@@ -5371,7 +5345,7 @@
             </a:xfrm>
             <a:prstGeom prst="diagStripe">
               <a:avLst>
-                <a:gd fmla="val 50000" name="adj"/>
+                <a:gd name="adj" fmla="val 50000"/>
               </a:avLst>
             </a:prstGeom>
             <a:solidFill>
@@ -5382,12 +5356,12 @@
             </a:ln>
           </p:spPr>
           <p:txBody>
-            <a:bodyPr anchorCtr="0" anchor="ctr" bIns="91425" lIns="91425" spcFirstLastPara="1" rIns="91425" wrap="square" tIns="91425">
+            <a:bodyPr spcFirstLastPara="1" wrap="square" lIns="91425" tIns="91425" rIns="91425" bIns="91425" anchor="ctr" anchorCtr="0">
               <a:noAutofit/>
             </a:bodyPr>
             <a:lstStyle/>
             <a:p>
-              <a:pPr indent="0" lvl="0" marL="0" rtl="0" algn="l">
+              <a:pPr marL="0" lvl="0" indent="0" algn="l" rtl="0">
                 <a:spcBef>
                   <a:spcPts val="0"/>
                 </a:spcBef>
@@ -5396,9 +5370,6 @@
                 </a:spcAft>
                 <a:buNone/>
               </a:pPr>
-              <a:r>
-                <a:t/>
-              </a:r>
               <a:endParaRPr/>
             </a:p>
           </p:txBody>
@@ -5407,7 +5378,9 @@
       <p:sp>
         <p:nvSpPr>
           <p:cNvPr id="52" name="Google Shape;52;p5"/>
-          <p:cNvSpPr txBox="1"/>
+          <p:cNvSpPr txBox="1">
+            <a:spLocks noGrp="1"/>
+          </p:cNvSpPr>
           <p:nvPr>
             <p:ph type="title"/>
           </p:nvPr>
@@ -5422,7 +5395,7 @@
           </a:prstGeom>
         </p:spPr>
         <p:txBody>
-          <a:bodyPr anchorCtr="0" anchor="t" bIns="91425" lIns="91425" spcFirstLastPara="1" rIns="91425" wrap="square" tIns="91425">
+          <a:bodyPr spcFirstLastPara="1" wrap="square" lIns="91425" tIns="91425" rIns="91425" bIns="91425" anchor="t" anchorCtr="0">
             <a:normAutofit/>
           </a:bodyPr>
           <a:lstStyle>
@@ -5526,15 +5499,19 @@
               <a:defRPr sz="2400"/>
             </a:lvl9pPr>
           </a:lstStyle>
-          <a:p/>
+          <a:p>
+            <a:endParaRPr/>
+          </a:p>
         </p:txBody>
       </p:sp>
       <p:sp>
         <p:nvSpPr>
           <p:cNvPr id="53" name="Google Shape;53;p5"/>
-          <p:cNvSpPr txBox="1"/>
+          <p:cNvSpPr txBox="1">
+            <a:spLocks noGrp="1"/>
+          </p:cNvSpPr>
           <p:nvPr>
-            <p:ph idx="1" type="body"/>
+            <p:ph type="body" idx="1"/>
           </p:nvPr>
         </p:nvSpPr>
         <p:spPr>
@@ -5547,11 +5524,11 @@
           </a:prstGeom>
         </p:spPr>
         <p:txBody>
-          <a:bodyPr anchorCtr="0" anchor="t" bIns="91425" lIns="91425" spcFirstLastPara="1" rIns="91425" wrap="square" tIns="91425">
+          <a:bodyPr spcFirstLastPara="1" wrap="square" lIns="91425" tIns="91425" rIns="91425" bIns="91425" anchor="t" anchorCtr="0">
             <a:normAutofit/>
           </a:bodyPr>
           <a:lstStyle>
-            <a:lvl1pPr indent="-311150" lvl="0" marL="457200">
+            <a:lvl1pPr marL="457200" lvl="0" indent="-311150">
               <a:spcBef>
                 <a:spcPts val="0"/>
               </a:spcBef>
@@ -5562,7 +5539,7 @@
               <a:buChar char="●"/>
               <a:defRPr/>
             </a:lvl1pPr>
-            <a:lvl2pPr indent="-298450" lvl="1" marL="914400">
+            <a:lvl2pPr marL="914400" lvl="1" indent="-298450">
               <a:spcBef>
                 <a:spcPts val="0"/>
               </a:spcBef>
@@ -5573,7 +5550,7 @@
               <a:buChar char="○"/>
               <a:defRPr/>
             </a:lvl2pPr>
-            <a:lvl3pPr indent="-298450" lvl="2" marL="1371600">
+            <a:lvl3pPr marL="1371600" lvl="2" indent="-298450">
               <a:spcBef>
                 <a:spcPts val="0"/>
               </a:spcBef>
@@ -5584,7 +5561,7 @@
               <a:buChar char="■"/>
               <a:defRPr/>
             </a:lvl3pPr>
-            <a:lvl4pPr indent="-298450" lvl="3" marL="1828800">
+            <a:lvl4pPr marL="1828800" lvl="3" indent="-298450">
               <a:spcBef>
                 <a:spcPts val="0"/>
               </a:spcBef>
@@ -5595,7 +5572,7 @@
               <a:buChar char="●"/>
               <a:defRPr/>
             </a:lvl4pPr>
-            <a:lvl5pPr indent="-298450" lvl="4" marL="2286000">
+            <a:lvl5pPr marL="2286000" lvl="4" indent="-298450">
               <a:spcBef>
                 <a:spcPts val="0"/>
               </a:spcBef>
@@ -5606,7 +5583,7 @@
               <a:buChar char="○"/>
               <a:defRPr/>
             </a:lvl5pPr>
-            <a:lvl6pPr indent="-298450" lvl="5" marL="2743200">
+            <a:lvl6pPr marL="2743200" lvl="5" indent="-298450">
               <a:spcBef>
                 <a:spcPts val="0"/>
               </a:spcBef>
@@ -5617,7 +5594,7 @@
               <a:buChar char="■"/>
               <a:defRPr/>
             </a:lvl6pPr>
-            <a:lvl7pPr indent="-298450" lvl="6" marL="3200400">
+            <a:lvl7pPr marL="3200400" lvl="6" indent="-298450">
               <a:spcBef>
                 <a:spcPts val="0"/>
               </a:spcBef>
@@ -5628,7 +5605,7 @@
               <a:buChar char="●"/>
               <a:defRPr/>
             </a:lvl7pPr>
-            <a:lvl8pPr indent="-298450" lvl="7" marL="3657600">
+            <a:lvl8pPr marL="3657600" lvl="7" indent="-298450">
               <a:spcBef>
                 <a:spcPts val="0"/>
               </a:spcBef>
@@ -5639,7 +5616,7 @@
               <a:buChar char="○"/>
               <a:defRPr/>
             </a:lvl8pPr>
-            <a:lvl9pPr indent="-298450" lvl="8" marL="4114800">
+            <a:lvl9pPr marL="4114800" lvl="8" indent="-298450">
               <a:spcBef>
                 <a:spcPts val="0"/>
               </a:spcBef>
@@ -5651,15 +5628,19 @@
               <a:defRPr/>
             </a:lvl9pPr>
           </a:lstStyle>
-          <a:p/>
+          <a:p>
+            <a:endParaRPr/>
+          </a:p>
         </p:txBody>
       </p:sp>
       <p:sp>
         <p:nvSpPr>
           <p:cNvPr id="54" name="Google Shape;54;p5"/>
-          <p:cNvSpPr txBox="1"/>
+          <p:cNvSpPr txBox="1">
+            <a:spLocks noGrp="1"/>
+          </p:cNvSpPr>
           <p:nvPr>
-            <p:ph idx="2" type="body"/>
+            <p:ph type="body" idx="2"/>
           </p:nvPr>
         </p:nvSpPr>
         <p:spPr>
@@ -5672,11 +5653,11 @@
           </a:prstGeom>
         </p:spPr>
         <p:txBody>
-          <a:bodyPr anchorCtr="0" anchor="t" bIns="91425" lIns="91425" spcFirstLastPara="1" rIns="91425" wrap="square" tIns="91425">
+          <a:bodyPr spcFirstLastPara="1" wrap="square" lIns="91425" tIns="91425" rIns="91425" bIns="91425" anchor="t" anchorCtr="0">
             <a:normAutofit/>
           </a:bodyPr>
           <a:lstStyle>
-            <a:lvl1pPr indent="-311150" lvl="0" marL="457200">
+            <a:lvl1pPr marL="457200" lvl="0" indent="-311150">
               <a:spcBef>
                 <a:spcPts val="0"/>
               </a:spcBef>
@@ -5687,7 +5668,7 @@
               <a:buChar char="●"/>
               <a:defRPr/>
             </a:lvl1pPr>
-            <a:lvl2pPr indent="-298450" lvl="1" marL="914400">
+            <a:lvl2pPr marL="914400" lvl="1" indent="-298450">
               <a:spcBef>
                 <a:spcPts val="0"/>
               </a:spcBef>
@@ -5698,7 +5679,7 @@
               <a:buChar char="○"/>
               <a:defRPr/>
             </a:lvl2pPr>
-            <a:lvl3pPr indent="-298450" lvl="2" marL="1371600">
+            <a:lvl3pPr marL="1371600" lvl="2" indent="-298450">
               <a:spcBef>
                 <a:spcPts val="0"/>
               </a:spcBef>
@@ -5709,7 +5690,7 @@
               <a:buChar char="■"/>
               <a:defRPr/>
             </a:lvl3pPr>
-            <a:lvl4pPr indent="-298450" lvl="3" marL="1828800">
+            <a:lvl4pPr marL="1828800" lvl="3" indent="-298450">
               <a:spcBef>
                 <a:spcPts val="0"/>
               </a:spcBef>
@@ -5720,7 +5701,7 @@
               <a:buChar char="●"/>
               <a:defRPr/>
             </a:lvl4pPr>
-            <a:lvl5pPr indent="-298450" lvl="4" marL="2286000">
+            <a:lvl5pPr marL="2286000" lvl="4" indent="-298450">
               <a:spcBef>
                 <a:spcPts val="0"/>
               </a:spcBef>
@@ -5731,7 +5712,7 @@
               <a:buChar char="○"/>
               <a:defRPr/>
             </a:lvl5pPr>
-            <a:lvl6pPr indent="-298450" lvl="5" marL="2743200">
+            <a:lvl6pPr marL="2743200" lvl="5" indent="-298450">
               <a:spcBef>
                 <a:spcPts val="0"/>
               </a:spcBef>
@@ -5742,7 +5723,7 @@
               <a:buChar char="■"/>
               <a:defRPr/>
             </a:lvl6pPr>
-            <a:lvl7pPr indent="-298450" lvl="6" marL="3200400">
+            <a:lvl7pPr marL="3200400" lvl="6" indent="-298450">
               <a:spcBef>
                 <a:spcPts val="0"/>
               </a:spcBef>
@@ -5753,7 +5734,7 @@
               <a:buChar char="●"/>
               <a:defRPr/>
             </a:lvl7pPr>
-            <a:lvl8pPr indent="-298450" lvl="7" marL="3657600">
+            <a:lvl8pPr marL="3657600" lvl="7" indent="-298450">
               <a:spcBef>
                 <a:spcPts val="0"/>
               </a:spcBef>
@@ -5764,7 +5745,7 @@
               <a:buChar char="○"/>
               <a:defRPr/>
             </a:lvl8pPr>
-            <a:lvl9pPr indent="-298450" lvl="8" marL="4114800">
+            <a:lvl9pPr marL="4114800" lvl="8" indent="-298450">
               <a:spcBef>
                 <a:spcPts val="0"/>
               </a:spcBef>
@@ -5776,15 +5757,19 @@
               <a:defRPr/>
             </a:lvl9pPr>
           </a:lstStyle>
-          <a:p/>
+          <a:p>
+            <a:endParaRPr/>
+          </a:p>
         </p:txBody>
       </p:sp>
       <p:sp>
         <p:nvSpPr>
           <p:cNvPr id="55" name="Google Shape;55;p5"/>
-          <p:cNvSpPr txBox="1"/>
+          <p:cNvSpPr txBox="1">
+            <a:spLocks noGrp="1"/>
+          </p:cNvSpPr>
           <p:nvPr>
-            <p:ph idx="12" type="sldNum"/>
+            <p:ph type="sldNum" idx="12"/>
           </p:nvPr>
         </p:nvSpPr>
         <p:spPr>
@@ -5797,7 +5782,7 @@
           </a:prstGeom>
         </p:spPr>
         <p:txBody>
-          <a:bodyPr anchorCtr="0" anchor="ctr" bIns="91425" lIns="91425" spcFirstLastPara="1" rIns="91425" wrap="square" tIns="91425">
+          <a:bodyPr spcFirstLastPara="1" wrap="square" lIns="91425" tIns="91425" rIns="91425" bIns="91425" anchor="ctr" anchorCtr="0">
             <a:normAutofit/>
           </a:bodyPr>
           <a:lstStyle>
@@ -5839,7 +5824,7 @@
             </a:lvl9pPr>
           </a:lstStyle>
           <a:p>
-            <a:pPr indent="0" lvl="0" marL="0" rtl="0" algn="r">
+            <a:pPr marL="0" lvl="0" indent="0" algn="r" rtl="0">
               <a:spcBef>
                 <a:spcPts val="0"/>
               </a:spcBef>
@@ -5865,11 +5850,11 @@
 </file>
 
 <file path=ppt/slideLayouts/slideLayout5.xml><?xml version="1.0" encoding="utf-8"?>
-<p:sldLayout xmlns:a="http://schemas.openxmlformats.org/drawingml/2006/main" xmlns:r="http://schemas.openxmlformats.org/officeDocument/2006/relationships" xmlns:mc="http://schemas.openxmlformats.org/markup-compatibility/2006" xmlns:mv="urn:schemas-microsoft-com:mac:vml" xmlns:p="http://schemas.openxmlformats.org/presentationml/2006/main" xmlns:c="http://schemas.openxmlformats.org/drawingml/2006/chart" xmlns:dgm="http://schemas.openxmlformats.org/drawingml/2006/diagram" xmlns:o="urn:schemas-microsoft-com:office:office" xmlns:v="urn:schemas-microsoft-com:vml" xmlns:pvml="urn:schemas-microsoft-com:office:powerpoint" xmlns:com="http://schemas.openxmlformats.org/drawingml/2006/compatibility" xmlns:p14="http://schemas.microsoft.com/office/powerpoint/2010/main" xmlns:p15="http://schemas.microsoft.com/office/powerpoint/2012/main" xmlns:ahyp="http://schemas.microsoft.com/office/drawing/2018/hyperlinkcolor" matchingName="Title only" type="titleOnly">
+<p:sldLayout xmlns:a="http://schemas.openxmlformats.org/drawingml/2006/main" xmlns:r="http://schemas.openxmlformats.org/officeDocument/2006/relationships" xmlns:p="http://schemas.openxmlformats.org/presentationml/2006/main" matchingName="Title only" type="titleOnly">
   <p:cSld name="TITLE_ONLY">
     <p:spTree>
       <p:nvGrpSpPr>
-        <p:cNvPr id="56" name="Shape 56"/>
+        <p:cNvPr id="1" name="Shape 56"/>
         <p:cNvGrpSpPr/>
         <p:nvPr/>
       </p:nvGrpSpPr>
@@ -5908,7 +5893,7 @@
             </a:xfrm>
             <a:prstGeom prst="diagStripe">
               <a:avLst>
-                <a:gd fmla="val 50000" name="adj"/>
+                <a:gd name="adj" fmla="val 50000"/>
               </a:avLst>
             </a:prstGeom>
             <a:solidFill>
@@ -5919,12 +5904,12 @@
             </a:ln>
           </p:spPr>
           <p:txBody>
-            <a:bodyPr anchorCtr="0" anchor="ctr" bIns="91425" lIns="91425" spcFirstLastPara="1" rIns="91425" wrap="square" tIns="91425">
+            <a:bodyPr spcFirstLastPara="1" wrap="square" lIns="91425" tIns="91425" rIns="91425" bIns="91425" anchor="ctr" anchorCtr="0">
               <a:noAutofit/>
             </a:bodyPr>
             <a:lstStyle/>
             <a:p>
-              <a:pPr indent="0" lvl="0" marL="0" rtl="0" algn="l">
+              <a:pPr marL="0" lvl="0" indent="0" algn="l" rtl="0">
                 <a:spcBef>
                   <a:spcPts val="0"/>
                 </a:spcBef>
@@ -5933,9 +5918,6 @@
                 </a:spcAft>
                 <a:buNone/>
               </a:pPr>
-              <a:r>
-                <a:t/>
-              </a:r>
               <a:endParaRPr/>
             </a:p>
           </p:txBody>
@@ -5953,7 +5935,7 @@
             </a:xfrm>
             <a:prstGeom prst="diagStripe">
               <a:avLst>
-                <a:gd fmla="val 50000" name="adj"/>
+                <a:gd name="adj" fmla="val 50000"/>
               </a:avLst>
             </a:prstGeom>
             <a:solidFill>
@@ -5964,12 +5946,12 @@
             </a:ln>
           </p:spPr>
           <p:txBody>
-            <a:bodyPr anchorCtr="0" anchor="ctr" bIns="91425" lIns="91425" spcFirstLastPara="1" rIns="91425" wrap="square" tIns="91425">
+            <a:bodyPr spcFirstLastPara="1" wrap="square" lIns="91425" tIns="91425" rIns="91425" bIns="91425" anchor="ctr" anchorCtr="0">
               <a:noAutofit/>
             </a:bodyPr>
             <a:lstStyle/>
             <a:p>
-              <a:pPr indent="0" lvl="0" marL="0" rtl="0" algn="l">
+              <a:pPr marL="0" lvl="0" indent="0" algn="l" rtl="0">
                 <a:spcBef>
                   <a:spcPts val="0"/>
                 </a:spcBef>
@@ -5978,9 +5960,6 @@
                 </a:spcAft>
                 <a:buNone/>
               </a:pPr>
-              <a:r>
-                <a:t/>
-              </a:r>
               <a:endParaRPr/>
             </a:p>
           </p:txBody>
@@ -5989,7 +5968,9 @@
       <p:sp>
         <p:nvSpPr>
           <p:cNvPr id="60" name="Google Shape;60;p6"/>
-          <p:cNvSpPr txBox="1"/>
+          <p:cNvSpPr txBox="1">
+            <a:spLocks noGrp="1"/>
+          </p:cNvSpPr>
           <p:nvPr>
             <p:ph type="title"/>
           </p:nvPr>
@@ -6004,7 +5985,7 @@
           </a:prstGeom>
         </p:spPr>
         <p:txBody>
-          <a:bodyPr anchorCtr="0" anchor="t" bIns="91425" lIns="91425" spcFirstLastPara="1" rIns="91425" wrap="square" tIns="91425">
+          <a:bodyPr spcFirstLastPara="1" wrap="square" lIns="91425" tIns="91425" rIns="91425" bIns="91425" anchor="t" anchorCtr="0">
             <a:normAutofit/>
           </a:bodyPr>
           <a:lstStyle>
@@ -6108,15 +6089,19 @@
               <a:defRPr sz="2400"/>
             </a:lvl9pPr>
           </a:lstStyle>
-          <a:p/>
+          <a:p>
+            <a:endParaRPr/>
+          </a:p>
         </p:txBody>
       </p:sp>
       <p:sp>
         <p:nvSpPr>
           <p:cNvPr id="61" name="Google Shape;61;p6"/>
-          <p:cNvSpPr txBox="1"/>
+          <p:cNvSpPr txBox="1">
+            <a:spLocks noGrp="1"/>
+          </p:cNvSpPr>
           <p:nvPr>
-            <p:ph idx="12" type="sldNum"/>
+            <p:ph type="sldNum" idx="12"/>
           </p:nvPr>
         </p:nvSpPr>
         <p:spPr>
@@ -6129,7 +6114,7 @@
           </a:prstGeom>
         </p:spPr>
         <p:txBody>
-          <a:bodyPr anchorCtr="0" anchor="ctr" bIns="91425" lIns="91425" spcFirstLastPara="1" rIns="91425" wrap="square" tIns="91425">
+          <a:bodyPr spcFirstLastPara="1" wrap="square" lIns="91425" tIns="91425" rIns="91425" bIns="91425" anchor="ctr" anchorCtr="0">
             <a:normAutofit/>
           </a:bodyPr>
           <a:lstStyle>
@@ -6171,7 +6156,7 @@
             </a:lvl9pPr>
           </a:lstStyle>
           <a:p>
-            <a:pPr indent="0" lvl="0" marL="0" rtl="0" algn="r">
+            <a:pPr marL="0" lvl="0" indent="0" algn="r" rtl="0">
               <a:spcBef>
                 <a:spcPts val="0"/>
               </a:spcBef>
@@ -6197,11 +6182,11 @@
 </file>
 
 <file path=ppt/slideLayouts/slideLayout6.xml><?xml version="1.0" encoding="utf-8"?>
-<p:sldLayout xmlns:a="http://schemas.openxmlformats.org/drawingml/2006/main" xmlns:r="http://schemas.openxmlformats.org/officeDocument/2006/relationships" xmlns:mc="http://schemas.openxmlformats.org/markup-compatibility/2006" xmlns:mv="urn:schemas-microsoft-com:mac:vml" xmlns:p="http://schemas.openxmlformats.org/presentationml/2006/main" xmlns:c="http://schemas.openxmlformats.org/drawingml/2006/chart" xmlns:dgm="http://schemas.openxmlformats.org/drawingml/2006/diagram" xmlns:o="urn:schemas-microsoft-com:office:office" xmlns:v="urn:schemas-microsoft-com:vml" xmlns:pvml="urn:schemas-microsoft-com:office:powerpoint" xmlns:com="http://schemas.openxmlformats.org/drawingml/2006/compatibility" xmlns:p14="http://schemas.microsoft.com/office/powerpoint/2010/main" xmlns:p15="http://schemas.microsoft.com/office/powerpoint/2012/main" xmlns:ahyp="http://schemas.microsoft.com/office/drawing/2018/hyperlinkcolor" matchingName="One column text">
+<p:sldLayout xmlns:a="http://schemas.openxmlformats.org/drawingml/2006/main" xmlns:r="http://schemas.openxmlformats.org/officeDocument/2006/relationships" xmlns:p="http://schemas.openxmlformats.org/presentationml/2006/main" matchingName="One column text">
   <p:cSld name="ONE_COLUMN_TEXT">
     <p:spTree>
       <p:nvGrpSpPr>
-        <p:cNvPr id="62" name="Shape 62"/>
+        <p:cNvPr id="1" name="Shape 62"/>
         <p:cNvGrpSpPr/>
         <p:nvPr/>
       </p:nvGrpSpPr>
@@ -6240,7 +6225,7 @@
             </a:xfrm>
             <a:prstGeom prst="diagStripe">
               <a:avLst>
-                <a:gd fmla="val 50000" name="adj"/>
+                <a:gd name="adj" fmla="val 50000"/>
               </a:avLst>
             </a:prstGeom>
             <a:solidFill>
@@ -6251,12 +6236,12 @@
             </a:ln>
           </p:spPr>
           <p:txBody>
-            <a:bodyPr anchorCtr="0" anchor="ctr" bIns="91425" lIns="91425" spcFirstLastPara="1" rIns="91425" wrap="square" tIns="91425">
+            <a:bodyPr spcFirstLastPara="1" wrap="square" lIns="91425" tIns="91425" rIns="91425" bIns="91425" anchor="ctr" anchorCtr="0">
               <a:noAutofit/>
             </a:bodyPr>
             <a:lstStyle/>
             <a:p>
-              <a:pPr indent="0" lvl="0" marL="0" rtl="0" algn="l">
+              <a:pPr marL="0" lvl="0" indent="0" algn="l" rtl="0">
                 <a:spcBef>
                   <a:spcPts val="0"/>
                 </a:spcBef>
@@ -6265,9 +6250,6 @@
                 </a:spcAft>
                 <a:buNone/>
               </a:pPr>
-              <a:r>
-                <a:t/>
-              </a:r>
               <a:endParaRPr/>
             </a:p>
           </p:txBody>
@@ -6285,7 +6267,7 @@
             </a:xfrm>
             <a:prstGeom prst="diagStripe">
               <a:avLst>
-                <a:gd fmla="val 50000" name="adj"/>
+                <a:gd name="adj" fmla="val 50000"/>
               </a:avLst>
             </a:prstGeom>
             <a:solidFill>
@@ -6296,12 +6278,12 @@
             </a:ln>
           </p:spPr>
           <p:txBody>
-            <a:bodyPr anchorCtr="0" anchor="ctr" bIns="91425" lIns="91425" spcFirstLastPara="1" rIns="91425" wrap="square" tIns="91425">
+            <a:bodyPr spcFirstLastPara="1" wrap="square" lIns="91425" tIns="91425" rIns="91425" bIns="91425" anchor="ctr" anchorCtr="0">
               <a:noAutofit/>
             </a:bodyPr>
             <a:lstStyle/>
             <a:p>
-              <a:pPr indent="0" lvl="0" marL="0" rtl="0" algn="l">
+              <a:pPr marL="0" lvl="0" indent="0" algn="l" rtl="0">
                 <a:spcBef>
                   <a:spcPts val="0"/>
                 </a:spcBef>
@@ -6310,9 +6292,6 @@
                 </a:spcAft>
                 <a:buNone/>
               </a:pPr>
-              <a:r>
-                <a:t/>
-              </a:r>
               <a:endParaRPr/>
             </a:p>
           </p:txBody>
@@ -6321,7 +6300,9 @@
       <p:sp>
         <p:nvSpPr>
           <p:cNvPr id="66" name="Google Shape;66;p7"/>
-          <p:cNvSpPr txBox="1"/>
+          <p:cNvSpPr txBox="1">
+            <a:spLocks noGrp="1"/>
+          </p:cNvSpPr>
           <p:nvPr>
             <p:ph type="title"/>
           </p:nvPr>
@@ -6336,7 +6317,7 @@
           </a:prstGeom>
         </p:spPr>
         <p:txBody>
-          <a:bodyPr anchorCtr="0" anchor="t" bIns="91425" lIns="91425" spcFirstLastPara="1" rIns="91425" wrap="square" tIns="91425">
+          <a:bodyPr spcFirstLastPara="1" wrap="square" lIns="91425" tIns="91425" rIns="91425" bIns="91425" anchor="t" anchorCtr="0">
             <a:normAutofit/>
           </a:bodyPr>
           <a:lstStyle>
@@ -6440,15 +6421,19 @@
               <a:defRPr sz="2400"/>
             </a:lvl9pPr>
           </a:lstStyle>
-          <a:p/>
+          <a:p>
+            <a:endParaRPr/>
+          </a:p>
         </p:txBody>
       </p:sp>
       <p:sp>
         <p:nvSpPr>
           <p:cNvPr id="67" name="Google Shape;67;p7"/>
-          <p:cNvSpPr txBox="1"/>
+          <p:cNvSpPr txBox="1">
+            <a:spLocks noGrp="1"/>
+          </p:cNvSpPr>
           <p:nvPr>
-            <p:ph idx="1" type="body"/>
+            <p:ph type="body" idx="1"/>
           </p:nvPr>
         </p:nvSpPr>
         <p:spPr>
@@ -6461,11 +6446,11 @@
           </a:prstGeom>
         </p:spPr>
         <p:txBody>
-          <a:bodyPr anchorCtr="0" anchor="t" bIns="91425" lIns="91425" spcFirstLastPara="1" rIns="91425" wrap="square" tIns="91425">
+          <a:bodyPr spcFirstLastPara="1" wrap="square" lIns="91425" tIns="91425" rIns="91425" bIns="91425" anchor="t" anchorCtr="0">
             <a:normAutofit/>
           </a:bodyPr>
           <a:lstStyle>
-            <a:lvl1pPr indent="-311150" lvl="0" marL="457200">
+            <a:lvl1pPr marL="457200" lvl="0" indent="-311150">
               <a:spcBef>
                 <a:spcPts val="0"/>
               </a:spcBef>
@@ -6476,7 +6461,7 @@
               <a:buChar char="●"/>
               <a:defRPr/>
             </a:lvl1pPr>
-            <a:lvl2pPr indent="-298450" lvl="1" marL="914400">
+            <a:lvl2pPr marL="914400" lvl="1" indent="-298450">
               <a:spcBef>
                 <a:spcPts val="0"/>
               </a:spcBef>
@@ -6487,7 +6472,7 @@
               <a:buChar char="○"/>
               <a:defRPr/>
             </a:lvl2pPr>
-            <a:lvl3pPr indent="-298450" lvl="2" marL="1371600">
+            <a:lvl3pPr marL="1371600" lvl="2" indent="-298450">
               <a:spcBef>
                 <a:spcPts val="0"/>
               </a:spcBef>
@@ -6498,7 +6483,7 @@
               <a:buChar char="■"/>
               <a:defRPr/>
             </a:lvl3pPr>
-            <a:lvl4pPr indent="-298450" lvl="3" marL="1828800">
+            <a:lvl4pPr marL="1828800" lvl="3" indent="-298450">
               <a:spcBef>
                 <a:spcPts val="0"/>
               </a:spcBef>
@@ -6509,7 +6494,7 @@
               <a:buChar char="●"/>
               <a:defRPr/>
             </a:lvl4pPr>
-            <a:lvl5pPr indent="-298450" lvl="4" marL="2286000">
+            <a:lvl5pPr marL="2286000" lvl="4" indent="-298450">
               <a:spcBef>
                 <a:spcPts val="0"/>
               </a:spcBef>
@@ -6520,7 +6505,7 @@
               <a:buChar char="○"/>
               <a:defRPr/>
             </a:lvl5pPr>
-            <a:lvl6pPr indent="-298450" lvl="5" marL="2743200">
+            <a:lvl6pPr marL="2743200" lvl="5" indent="-298450">
               <a:spcBef>
                 <a:spcPts val="0"/>
               </a:spcBef>
@@ -6531,7 +6516,7 @@
               <a:buChar char="■"/>
               <a:defRPr/>
             </a:lvl6pPr>
-            <a:lvl7pPr indent="-298450" lvl="6" marL="3200400">
+            <a:lvl7pPr marL="3200400" lvl="6" indent="-298450">
               <a:spcBef>
                 <a:spcPts val="0"/>
               </a:spcBef>
@@ -6542,7 +6527,7 @@
               <a:buChar char="●"/>
               <a:defRPr/>
             </a:lvl7pPr>
-            <a:lvl8pPr indent="-298450" lvl="7" marL="3657600">
+            <a:lvl8pPr marL="3657600" lvl="7" indent="-298450">
               <a:spcBef>
                 <a:spcPts val="0"/>
               </a:spcBef>
@@ -6553,7 +6538,7 @@
               <a:buChar char="○"/>
               <a:defRPr/>
             </a:lvl8pPr>
-            <a:lvl9pPr indent="-298450" lvl="8" marL="4114800">
+            <a:lvl9pPr marL="4114800" lvl="8" indent="-298450">
               <a:spcBef>
                 <a:spcPts val="0"/>
               </a:spcBef>
@@ -6565,15 +6550,19 @@
               <a:defRPr/>
             </a:lvl9pPr>
           </a:lstStyle>
-          <a:p/>
+          <a:p>
+            <a:endParaRPr/>
+          </a:p>
         </p:txBody>
       </p:sp>
       <p:sp>
         <p:nvSpPr>
           <p:cNvPr id="68" name="Google Shape;68;p7"/>
-          <p:cNvSpPr txBox="1"/>
+          <p:cNvSpPr txBox="1">
+            <a:spLocks noGrp="1"/>
+          </p:cNvSpPr>
           <p:nvPr>
-            <p:ph idx="12" type="sldNum"/>
+            <p:ph type="sldNum" idx="12"/>
           </p:nvPr>
         </p:nvSpPr>
         <p:spPr>
@@ -6586,7 +6575,7 @@
           </a:prstGeom>
         </p:spPr>
         <p:txBody>
-          <a:bodyPr anchorCtr="0" anchor="ctr" bIns="91425" lIns="91425" spcFirstLastPara="1" rIns="91425" wrap="square" tIns="91425">
+          <a:bodyPr spcFirstLastPara="1" wrap="square" lIns="91425" tIns="91425" rIns="91425" bIns="91425" anchor="ctr" anchorCtr="0">
             <a:normAutofit/>
           </a:bodyPr>
           <a:lstStyle>
@@ -6628,7 +6617,7 @@
             </a:lvl9pPr>
           </a:lstStyle>
           <a:p>
-            <a:pPr indent="0" lvl="0" marL="0" rtl="0" algn="r">
+            <a:pPr marL="0" lvl="0" indent="0" algn="r" rtl="0">
               <a:spcBef>
                 <a:spcPts val="0"/>
               </a:spcBef>
@@ -6654,11 +6643,11 @@
 </file>
 
 <file path=ppt/slideLayouts/slideLayout7.xml><?xml version="1.0" encoding="utf-8"?>
-<p:sldLayout xmlns:a="http://schemas.openxmlformats.org/drawingml/2006/main" xmlns:r="http://schemas.openxmlformats.org/officeDocument/2006/relationships" xmlns:mc="http://schemas.openxmlformats.org/markup-compatibility/2006" xmlns:mv="urn:schemas-microsoft-com:mac:vml" xmlns:p="http://schemas.openxmlformats.org/presentationml/2006/main" xmlns:c="http://schemas.openxmlformats.org/drawingml/2006/chart" xmlns:dgm="http://schemas.openxmlformats.org/drawingml/2006/diagram" xmlns:o="urn:schemas-microsoft-com:office:office" xmlns:v="urn:schemas-microsoft-com:vml" xmlns:pvml="urn:schemas-microsoft-com:office:powerpoint" xmlns:com="http://schemas.openxmlformats.org/drawingml/2006/compatibility" xmlns:p14="http://schemas.microsoft.com/office/powerpoint/2010/main" xmlns:p15="http://schemas.microsoft.com/office/powerpoint/2012/main" xmlns:ahyp="http://schemas.microsoft.com/office/drawing/2018/hyperlinkcolor" matchingName="Main point">
+<p:sldLayout xmlns:a="http://schemas.openxmlformats.org/drawingml/2006/main" xmlns:r="http://schemas.openxmlformats.org/officeDocument/2006/relationships" xmlns:p="http://schemas.openxmlformats.org/presentationml/2006/main" matchingName="Main point">
   <p:cSld name="MAIN_POINT">
     <p:spTree>
       <p:nvGrpSpPr>
-        <p:cNvPr id="69" name="Shape 69"/>
+        <p:cNvPr id="1" name="Shape 69"/>
         <p:cNvGrpSpPr/>
         <p:nvPr/>
       </p:nvGrpSpPr>
@@ -6697,7 +6686,7 @@
             </a:xfrm>
             <a:prstGeom prst="diagStripe">
               <a:avLst>
-                <a:gd fmla="val 49469" name="adj"/>
+                <a:gd name="adj" fmla="val 49469"/>
               </a:avLst>
             </a:prstGeom>
             <a:solidFill>
@@ -6710,12 +6699,12 @@
             </a:ln>
           </p:spPr>
           <p:txBody>
-            <a:bodyPr anchorCtr="0" anchor="ctr" bIns="91425" lIns="91425" spcFirstLastPara="1" rIns="91425" wrap="square" tIns="91425">
+            <a:bodyPr spcFirstLastPara="1" wrap="square" lIns="91425" tIns="91425" rIns="91425" bIns="91425" anchor="ctr" anchorCtr="0">
               <a:noAutofit/>
             </a:bodyPr>
             <a:lstStyle/>
             <a:p>
-              <a:pPr indent="0" lvl="0" marL="0" rtl="0" algn="l">
+              <a:pPr marL="0" lvl="0" indent="0" algn="l" rtl="0">
                 <a:spcBef>
                   <a:spcPts val="0"/>
                 </a:spcBef>
@@ -6724,9 +6713,6 @@
                 </a:spcAft>
                 <a:buNone/>
               </a:pPr>
-              <a:r>
-                <a:t/>
-              </a:r>
               <a:endParaRPr/>
             </a:p>
           </p:txBody>
@@ -6744,7 +6730,7 @@
             </a:xfrm>
             <a:prstGeom prst="diagStripe">
               <a:avLst>
-                <a:gd fmla="val 0" name="adj"/>
+                <a:gd name="adj" fmla="val 0"/>
               </a:avLst>
             </a:prstGeom>
             <a:solidFill>
@@ -6757,12 +6743,12 @@
             </a:ln>
           </p:spPr>
           <p:txBody>
-            <a:bodyPr anchorCtr="0" anchor="ctr" bIns="91425" lIns="91425" spcFirstLastPara="1" rIns="91425" wrap="square" tIns="91425">
+            <a:bodyPr spcFirstLastPara="1" wrap="square" lIns="91425" tIns="91425" rIns="91425" bIns="91425" anchor="ctr" anchorCtr="0">
               <a:noAutofit/>
             </a:bodyPr>
             <a:lstStyle/>
             <a:p>
-              <a:pPr indent="0" lvl="0" marL="0" rtl="0" algn="l">
+              <a:pPr marL="0" lvl="0" indent="0" algn="l" rtl="0">
                 <a:spcBef>
                   <a:spcPts val="0"/>
                 </a:spcBef>
@@ -6771,9 +6757,6 @@
                 </a:spcAft>
                 <a:buNone/>
               </a:pPr>
-              <a:r>
-                <a:t/>
-              </a:r>
               <a:endParaRPr/>
             </a:p>
           </p:txBody>
@@ -6791,7 +6774,7 @@
             </a:xfrm>
             <a:prstGeom prst="diagStripe">
               <a:avLst>
-                <a:gd fmla="val 50000" name="adj"/>
+                <a:gd name="adj" fmla="val 50000"/>
               </a:avLst>
             </a:prstGeom>
             <a:solidFill>
@@ -6804,12 +6787,12 @@
             </a:ln>
           </p:spPr>
           <p:txBody>
-            <a:bodyPr anchorCtr="0" anchor="ctr" bIns="91425" lIns="91425" spcFirstLastPara="1" rIns="91425" wrap="square" tIns="91425">
+            <a:bodyPr spcFirstLastPara="1" wrap="square" lIns="91425" tIns="91425" rIns="91425" bIns="91425" anchor="ctr" anchorCtr="0">
               <a:noAutofit/>
             </a:bodyPr>
             <a:lstStyle/>
             <a:p>
-              <a:pPr indent="0" lvl="0" marL="0" rtl="0" algn="l">
+              <a:pPr marL="0" lvl="0" indent="0" algn="l" rtl="0">
                 <a:spcBef>
                   <a:spcPts val="0"/>
                 </a:spcBef>
@@ -6818,9 +6801,6 @@
                 </a:spcAft>
                 <a:buNone/>
               </a:pPr>
-              <a:r>
-                <a:t/>
-              </a:r>
               <a:endParaRPr/>
             </a:p>
           </p:txBody>
@@ -6838,7 +6818,7 @@
             </a:xfrm>
             <a:prstGeom prst="diagStripe">
               <a:avLst>
-                <a:gd fmla="val 50000" name="adj"/>
+                <a:gd name="adj" fmla="val 50000"/>
               </a:avLst>
             </a:prstGeom>
             <a:solidFill>
@@ -6851,12 +6831,12 @@
             </a:ln>
           </p:spPr>
           <p:txBody>
-            <a:bodyPr anchorCtr="0" anchor="ctr" bIns="91425" lIns="91425" spcFirstLastPara="1" rIns="91425" wrap="square" tIns="91425">
+            <a:bodyPr spcFirstLastPara="1" wrap="square" lIns="91425" tIns="91425" rIns="91425" bIns="91425" anchor="ctr" anchorCtr="0">
               <a:noAutofit/>
             </a:bodyPr>
             <a:lstStyle/>
             <a:p>
-              <a:pPr indent="0" lvl="0" marL="0" rtl="0" algn="l">
+              <a:pPr marL="0" lvl="0" indent="0" algn="l" rtl="0">
                 <a:spcBef>
                   <a:spcPts val="0"/>
                 </a:spcBef>
@@ -6865,9 +6845,6 @@
                 </a:spcAft>
                 <a:buNone/>
               </a:pPr>
-              <a:r>
-                <a:t/>
-              </a:r>
               <a:endParaRPr/>
             </a:p>
           </p:txBody>
@@ -6885,7 +6862,7 @@
             </a:xfrm>
             <a:prstGeom prst="diagStripe">
               <a:avLst>
-                <a:gd fmla="val 50000" name="adj"/>
+                <a:gd name="adj" fmla="val 50000"/>
               </a:avLst>
             </a:prstGeom>
             <a:solidFill>
@@ -6898,12 +6875,12 @@
             </a:ln>
           </p:spPr>
           <p:txBody>
-            <a:bodyPr anchorCtr="0" anchor="ctr" bIns="91425" lIns="91425" spcFirstLastPara="1" rIns="91425" wrap="square" tIns="91425">
+            <a:bodyPr spcFirstLastPara="1" wrap="square" lIns="91425" tIns="91425" rIns="91425" bIns="91425" anchor="ctr" anchorCtr="0">
               <a:noAutofit/>
             </a:bodyPr>
             <a:lstStyle/>
             <a:p>
-              <a:pPr indent="0" lvl="0" marL="0" rtl="0" algn="l">
+              <a:pPr marL="0" lvl="0" indent="0" algn="l" rtl="0">
                 <a:spcBef>
                   <a:spcPts val="0"/>
                 </a:spcBef>
@@ -6912,9 +6889,6 @@
                 </a:spcAft>
                 <a:buNone/>
               </a:pPr>
-              <a:r>
-                <a:t/>
-              </a:r>
               <a:endParaRPr/>
             </a:p>
           </p:txBody>
@@ -6932,7 +6906,7 @@
             </a:xfrm>
             <a:prstGeom prst="diagStripe">
               <a:avLst>
-                <a:gd fmla="val 50000" name="adj"/>
+                <a:gd name="adj" fmla="val 50000"/>
               </a:avLst>
             </a:prstGeom>
             <a:solidFill>
@@ -6945,12 +6919,12 @@
             </a:ln>
           </p:spPr>
           <p:txBody>
-            <a:bodyPr anchorCtr="0" anchor="ctr" bIns="91425" lIns="91425" spcFirstLastPara="1" rIns="91425" wrap="square" tIns="91425">
+            <a:bodyPr spcFirstLastPara="1" wrap="square" lIns="91425" tIns="91425" rIns="91425" bIns="91425" anchor="ctr" anchorCtr="0">
               <a:noAutofit/>
             </a:bodyPr>
             <a:lstStyle/>
             <a:p>
-              <a:pPr indent="0" lvl="0" marL="0" rtl="0" algn="l">
+              <a:pPr marL="0" lvl="0" indent="0" algn="l" rtl="0">
                 <a:spcBef>
                   <a:spcPts val="0"/>
                 </a:spcBef>
@@ -6959,9 +6933,6 @@
                 </a:spcAft>
                 <a:buNone/>
               </a:pPr>
-              <a:r>
-                <a:t/>
-              </a:r>
               <a:endParaRPr/>
             </a:p>
           </p:txBody>
@@ -6979,7 +6950,7 @@
             </a:xfrm>
             <a:prstGeom prst="diagStripe">
               <a:avLst>
-                <a:gd fmla="val 50000" name="adj"/>
+                <a:gd name="adj" fmla="val 50000"/>
               </a:avLst>
             </a:prstGeom>
             <a:solidFill>
@@ -6992,12 +6963,12 @@
             </a:ln>
           </p:spPr>
           <p:txBody>
-            <a:bodyPr anchorCtr="0" anchor="ctr" bIns="91425" lIns="91425" spcFirstLastPara="1" rIns="91425" wrap="square" tIns="91425">
+            <a:bodyPr spcFirstLastPara="1" wrap="square" lIns="91425" tIns="91425" rIns="91425" bIns="91425" anchor="ctr" anchorCtr="0">
               <a:noAutofit/>
             </a:bodyPr>
             <a:lstStyle/>
             <a:p>
-              <a:pPr indent="0" lvl="0" marL="0" rtl="0" algn="l">
+              <a:pPr marL="0" lvl="0" indent="0" algn="l" rtl="0">
                 <a:spcBef>
                   <a:spcPts val="0"/>
                 </a:spcBef>
@@ -7006,9 +6977,6 @@
                 </a:spcAft>
                 <a:buNone/>
               </a:pPr>
-              <a:r>
-                <a:t/>
-              </a:r>
               <a:endParaRPr/>
             </a:p>
           </p:txBody>
@@ -7026,7 +6994,7 @@
             </a:xfrm>
             <a:prstGeom prst="diagStripe">
               <a:avLst>
-                <a:gd fmla="val 50000" name="adj"/>
+                <a:gd name="adj" fmla="val 50000"/>
               </a:avLst>
             </a:prstGeom>
             <a:solidFill>
@@ -7037,12 +7005,12 @@
             </a:ln>
           </p:spPr>
           <p:txBody>
-            <a:bodyPr anchorCtr="0" anchor="ctr" bIns="91425" lIns="91425" spcFirstLastPara="1" rIns="91425" wrap="square" tIns="91425">
+            <a:bodyPr spcFirstLastPara="1" wrap="square" lIns="91425" tIns="91425" rIns="91425" bIns="91425" anchor="ctr" anchorCtr="0">
               <a:noAutofit/>
             </a:bodyPr>
             <a:lstStyle/>
             <a:p>
-              <a:pPr indent="0" lvl="0" marL="0" rtl="0" algn="l">
+              <a:pPr marL="0" lvl="0" indent="0" algn="l" rtl="0">
                 <a:spcBef>
                   <a:spcPts val="0"/>
                 </a:spcBef>
@@ -7051,9 +7019,6 @@
                 </a:spcAft>
                 <a:buNone/>
               </a:pPr>
-              <a:r>
-                <a:t/>
-              </a:r>
               <a:endParaRPr/>
             </a:p>
           </p:txBody>
@@ -7071,7 +7036,7 @@
             </a:xfrm>
             <a:prstGeom prst="diagStripe">
               <a:avLst>
-                <a:gd fmla="val 50000" name="adj"/>
+                <a:gd name="adj" fmla="val 50000"/>
               </a:avLst>
             </a:prstGeom>
             <a:solidFill>
@@ -7084,12 +7049,12 @@
             </a:ln>
           </p:spPr>
           <p:txBody>
-            <a:bodyPr anchorCtr="0" anchor="ctr" bIns="91425" lIns="91425" spcFirstLastPara="1" rIns="91425" wrap="square" tIns="91425">
+            <a:bodyPr spcFirstLastPara="1" wrap="square" lIns="91425" tIns="91425" rIns="91425" bIns="91425" anchor="ctr" anchorCtr="0">
               <a:noAutofit/>
             </a:bodyPr>
             <a:lstStyle/>
             <a:p>
-              <a:pPr indent="0" lvl="0" marL="0" rtl="0" algn="l">
+              <a:pPr marL="0" lvl="0" indent="0" algn="l" rtl="0">
                 <a:spcBef>
                   <a:spcPts val="0"/>
                 </a:spcBef>
@@ -7098,9 +7063,6 @@
                 </a:spcAft>
                 <a:buNone/>
               </a:pPr>
-              <a:r>
-                <a:t/>
-              </a:r>
               <a:endParaRPr/>
             </a:p>
           </p:txBody>
@@ -7118,7 +7080,7 @@
             </a:xfrm>
             <a:prstGeom prst="diagStripe">
               <a:avLst>
-                <a:gd fmla="val 50000" name="adj"/>
+                <a:gd name="adj" fmla="val 50000"/>
               </a:avLst>
             </a:prstGeom>
             <a:solidFill>
@@ -7131,12 +7093,12 @@
             </a:ln>
           </p:spPr>
           <p:txBody>
-            <a:bodyPr anchorCtr="0" anchor="ctr" bIns="91425" lIns="91425" spcFirstLastPara="1" rIns="91425" wrap="square" tIns="91425">
+            <a:bodyPr spcFirstLastPara="1" wrap="square" lIns="91425" tIns="91425" rIns="91425" bIns="91425" anchor="ctr" anchorCtr="0">
               <a:noAutofit/>
             </a:bodyPr>
             <a:lstStyle/>
             <a:p>
-              <a:pPr indent="0" lvl="0" marL="0" rtl="0" algn="l">
+              <a:pPr marL="0" lvl="0" indent="0" algn="l" rtl="0">
                 <a:spcBef>
                   <a:spcPts val="0"/>
                 </a:spcBef>
@@ -7145,9 +7107,6 @@
                 </a:spcAft>
                 <a:buNone/>
               </a:pPr>
-              <a:r>
-                <a:t/>
-              </a:r>
               <a:endParaRPr/>
             </a:p>
           </p:txBody>
@@ -7165,7 +7124,7 @@
             </a:xfrm>
             <a:prstGeom prst="diagStripe">
               <a:avLst>
-                <a:gd fmla="val 50000" name="adj"/>
+                <a:gd name="adj" fmla="val 50000"/>
               </a:avLst>
             </a:prstGeom>
             <a:solidFill>
@@ -7178,12 +7137,12 @@
             </a:ln>
           </p:spPr>
           <p:txBody>
-            <a:bodyPr anchorCtr="0" anchor="ctr" bIns="91425" lIns="91425" spcFirstLastPara="1" rIns="91425" wrap="square" tIns="91425">
+            <a:bodyPr spcFirstLastPara="1" wrap="square" lIns="91425" tIns="91425" rIns="91425" bIns="91425" anchor="ctr" anchorCtr="0">
               <a:noAutofit/>
             </a:bodyPr>
             <a:lstStyle/>
             <a:p>
-              <a:pPr indent="0" lvl="0" marL="0" rtl="0" algn="l">
+              <a:pPr marL="0" lvl="0" indent="0" algn="l" rtl="0">
                 <a:spcBef>
                   <a:spcPts val="0"/>
                 </a:spcBef>
@@ -7192,9 +7151,6 @@
                 </a:spcAft>
                 <a:buNone/>
               </a:pPr>
-              <a:r>
-                <a:t/>
-              </a:r>
               <a:endParaRPr/>
             </a:p>
           </p:txBody>
@@ -7212,7 +7168,7 @@
             </a:xfrm>
             <a:prstGeom prst="diagStripe">
               <a:avLst>
-                <a:gd fmla="val 50000" name="adj"/>
+                <a:gd name="adj" fmla="val 50000"/>
               </a:avLst>
             </a:prstGeom>
             <a:solidFill>
@@ -7225,12 +7181,12 @@
             </a:ln>
           </p:spPr>
           <p:txBody>
-            <a:bodyPr anchorCtr="0" anchor="ctr" bIns="91425" lIns="91425" spcFirstLastPara="1" rIns="91425" wrap="square" tIns="91425">
+            <a:bodyPr spcFirstLastPara="1" wrap="square" lIns="91425" tIns="91425" rIns="91425" bIns="91425" anchor="ctr" anchorCtr="0">
               <a:noAutofit/>
             </a:bodyPr>
             <a:lstStyle/>
             <a:p>
-              <a:pPr indent="0" lvl="0" marL="0" rtl="0" algn="l">
+              <a:pPr marL="0" lvl="0" indent="0" algn="l" rtl="0">
                 <a:spcBef>
                   <a:spcPts val="0"/>
                 </a:spcBef>
@@ -7239,9 +7195,6 @@
                 </a:spcAft>
                 <a:buNone/>
               </a:pPr>
-              <a:r>
-                <a:t/>
-              </a:r>
               <a:endParaRPr/>
             </a:p>
           </p:txBody>
@@ -7259,7 +7212,7 @@
             </a:xfrm>
             <a:prstGeom prst="diagStripe">
               <a:avLst>
-                <a:gd fmla="val 50000" name="adj"/>
+                <a:gd name="adj" fmla="val 50000"/>
               </a:avLst>
             </a:prstGeom>
             <a:solidFill>
@@ -7272,12 +7225,12 @@
             </a:ln>
           </p:spPr>
           <p:txBody>
-            <a:bodyPr anchorCtr="0" anchor="ctr" bIns="91425" lIns="91425" spcFirstLastPara="1" rIns="91425" wrap="square" tIns="91425">
+            <a:bodyPr spcFirstLastPara="1" wrap="square" lIns="91425" tIns="91425" rIns="91425" bIns="91425" anchor="ctr" anchorCtr="0">
               <a:noAutofit/>
             </a:bodyPr>
             <a:lstStyle/>
             <a:p>
-              <a:pPr indent="0" lvl="0" marL="0" rtl="0" algn="l">
+              <a:pPr marL="0" lvl="0" indent="0" algn="l" rtl="0">
                 <a:spcBef>
                   <a:spcPts val="0"/>
                 </a:spcBef>
@@ -7286,9 +7239,6 @@
                 </a:spcAft>
                 <a:buNone/>
               </a:pPr>
-              <a:r>
-                <a:t/>
-              </a:r>
               <a:endParaRPr/>
             </a:p>
           </p:txBody>
@@ -7306,7 +7256,7 @@
             </a:xfrm>
             <a:prstGeom prst="diagStripe">
               <a:avLst>
-                <a:gd fmla="val 50000" name="adj"/>
+                <a:gd name="adj" fmla="val 50000"/>
               </a:avLst>
             </a:prstGeom>
             <a:solidFill>
@@ -7317,12 +7267,12 @@
             </a:ln>
           </p:spPr>
           <p:txBody>
-            <a:bodyPr anchorCtr="0" anchor="ctr" bIns="91425" lIns="91425" spcFirstLastPara="1" rIns="91425" wrap="square" tIns="91425">
+            <a:bodyPr spcFirstLastPara="1" wrap="square" lIns="91425" tIns="91425" rIns="91425" bIns="91425" anchor="ctr" anchorCtr="0">
               <a:noAutofit/>
             </a:bodyPr>
             <a:lstStyle/>
             <a:p>
-              <a:pPr indent="0" lvl="0" marL="0" rtl="0" algn="l">
+              <a:pPr marL="0" lvl="0" indent="0" algn="l" rtl="0">
                 <a:spcBef>
                   <a:spcPts val="0"/>
                 </a:spcBef>
@@ -7331,9 +7281,6 @@
                 </a:spcAft>
                 <a:buNone/>
               </a:pPr>
-              <a:r>
-                <a:t/>
-              </a:r>
               <a:endParaRPr/>
             </a:p>
           </p:txBody>
@@ -7351,7 +7298,7 @@
             </a:xfrm>
             <a:prstGeom prst="diagStripe">
               <a:avLst>
-                <a:gd fmla="val 50000" name="adj"/>
+                <a:gd name="adj" fmla="val 50000"/>
               </a:avLst>
             </a:prstGeom>
             <a:solidFill>
@@ -7364,12 +7311,12 @@
             </a:ln>
           </p:spPr>
           <p:txBody>
-            <a:bodyPr anchorCtr="0" anchor="ctr" bIns="91425" lIns="91425" spcFirstLastPara="1" rIns="91425" wrap="square" tIns="91425">
+            <a:bodyPr spcFirstLastPara="1" wrap="square" lIns="91425" tIns="91425" rIns="91425" bIns="91425" anchor="ctr" anchorCtr="0">
               <a:noAutofit/>
             </a:bodyPr>
             <a:lstStyle/>
             <a:p>
-              <a:pPr indent="0" lvl="0" marL="0" rtl="0" algn="l">
+              <a:pPr marL="0" lvl="0" indent="0" algn="l" rtl="0">
                 <a:spcBef>
                   <a:spcPts val="0"/>
                 </a:spcBef>
@@ -7378,9 +7325,6 @@
                 </a:spcAft>
                 <a:buNone/>
               </a:pPr>
-              <a:r>
-                <a:t/>
-              </a:r>
               <a:endParaRPr/>
             </a:p>
           </p:txBody>
@@ -7398,7 +7342,7 @@
             </a:xfrm>
             <a:prstGeom prst="diagStripe">
               <a:avLst>
-                <a:gd fmla="val 50000" name="adj"/>
+                <a:gd name="adj" fmla="val 50000"/>
               </a:avLst>
             </a:prstGeom>
             <a:solidFill>
@@ -7411,12 +7355,12 @@
             </a:ln>
           </p:spPr>
           <p:txBody>
-            <a:bodyPr anchorCtr="0" anchor="ctr" bIns="91425" lIns="91425" spcFirstLastPara="1" rIns="91425" wrap="square" tIns="91425">
+            <a:bodyPr spcFirstLastPara="1" wrap="square" lIns="91425" tIns="91425" rIns="91425" bIns="91425" anchor="ctr" anchorCtr="0">
               <a:noAutofit/>
             </a:bodyPr>
             <a:lstStyle/>
             <a:p>
-              <a:pPr indent="0" lvl="0" marL="0" rtl="0" algn="l">
+              <a:pPr marL="0" lvl="0" indent="0" algn="l" rtl="0">
                 <a:spcBef>
                   <a:spcPts val="0"/>
                 </a:spcBef>
@@ -7425,9 +7369,6 @@
                 </a:spcAft>
                 <a:buNone/>
               </a:pPr>
-              <a:r>
-                <a:t/>
-              </a:r>
               <a:endParaRPr/>
             </a:p>
           </p:txBody>
@@ -7445,7 +7386,7 @@
             </a:xfrm>
             <a:prstGeom prst="diagStripe">
               <a:avLst>
-                <a:gd fmla="val 50000" name="adj"/>
+                <a:gd name="adj" fmla="val 50000"/>
               </a:avLst>
             </a:prstGeom>
             <a:solidFill>
@@ -7458,12 +7399,12 @@
             </a:ln>
           </p:spPr>
           <p:txBody>
-            <a:bodyPr anchorCtr="0" anchor="ctr" bIns="91425" lIns="91425" spcFirstLastPara="1" rIns="91425" wrap="square" tIns="91425">
+            <a:bodyPr spcFirstLastPara="1" wrap="square" lIns="91425" tIns="91425" rIns="91425" bIns="91425" anchor="ctr" anchorCtr="0">
               <a:noAutofit/>
             </a:bodyPr>
             <a:lstStyle/>
             <a:p>
-              <a:pPr indent="0" lvl="0" marL="0" rtl="0" algn="l">
+              <a:pPr marL="0" lvl="0" indent="0" algn="l" rtl="0">
                 <a:spcBef>
                   <a:spcPts val="0"/>
                 </a:spcBef>
@@ -7472,9 +7413,6 @@
                 </a:spcAft>
                 <a:buNone/>
               </a:pPr>
-              <a:r>
-                <a:t/>
-              </a:r>
               <a:endParaRPr/>
             </a:p>
           </p:txBody>
@@ -7492,7 +7430,7 @@
             </a:xfrm>
             <a:prstGeom prst="diagStripe">
               <a:avLst>
-                <a:gd fmla="val 50000" name="adj"/>
+                <a:gd name="adj" fmla="val 50000"/>
               </a:avLst>
             </a:prstGeom>
             <a:solidFill>
@@ -7505,12 +7443,12 @@
             </a:ln>
           </p:spPr>
           <p:txBody>
-            <a:bodyPr anchorCtr="0" anchor="ctr" bIns="91425" lIns="91425" spcFirstLastPara="1" rIns="91425" wrap="square" tIns="91425">
+            <a:bodyPr spcFirstLastPara="1" wrap="square" lIns="91425" tIns="91425" rIns="91425" bIns="91425" anchor="ctr" anchorCtr="0">
               <a:noAutofit/>
             </a:bodyPr>
             <a:lstStyle/>
             <a:p>
-              <a:pPr indent="0" lvl="0" marL="0" rtl="0" algn="l">
+              <a:pPr marL="0" lvl="0" indent="0" algn="l" rtl="0">
                 <a:spcBef>
                   <a:spcPts val="0"/>
                 </a:spcBef>
@@ -7519,9 +7457,6 @@
                 </a:spcAft>
                 <a:buNone/>
               </a:pPr>
-              <a:r>
-                <a:t/>
-              </a:r>
               <a:endParaRPr/>
             </a:p>
           </p:txBody>
@@ -7530,7 +7465,9 @@
       <p:sp>
         <p:nvSpPr>
           <p:cNvPr id="89" name="Google Shape;89;p8"/>
-          <p:cNvSpPr txBox="1"/>
+          <p:cNvSpPr txBox="1">
+            <a:spLocks noGrp="1"/>
+          </p:cNvSpPr>
           <p:nvPr>
             <p:ph type="title"/>
           </p:nvPr>
@@ -7545,7 +7482,7 @@
           </a:prstGeom>
         </p:spPr>
         <p:txBody>
-          <a:bodyPr anchorCtr="0" anchor="ctr" bIns="91425" lIns="91425" spcFirstLastPara="1" rIns="91425" wrap="square" tIns="91425">
+          <a:bodyPr spcFirstLastPara="1" wrap="square" lIns="91425" tIns="91425" rIns="91425" bIns="91425" anchor="ctr" anchorCtr="0">
             <a:normAutofit/>
           </a:bodyPr>
           <a:lstStyle>
@@ -7649,15 +7586,19 @@
               <a:defRPr/>
             </a:lvl9pPr>
           </a:lstStyle>
-          <a:p/>
+          <a:p>
+            <a:endParaRPr/>
+          </a:p>
         </p:txBody>
       </p:sp>
       <p:sp>
         <p:nvSpPr>
           <p:cNvPr id="90" name="Google Shape;90;p8"/>
-          <p:cNvSpPr txBox="1"/>
+          <p:cNvSpPr txBox="1">
+            <a:spLocks noGrp="1"/>
+          </p:cNvSpPr>
           <p:nvPr>
-            <p:ph idx="12" type="sldNum"/>
+            <p:ph type="sldNum" idx="12"/>
           </p:nvPr>
         </p:nvSpPr>
         <p:spPr>
@@ -7670,7 +7611,7 @@
           </a:prstGeom>
         </p:spPr>
         <p:txBody>
-          <a:bodyPr anchorCtr="0" anchor="ctr" bIns="91425" lIns="91425" spcFirstLastPara="1" rIns="91425" wrap="square" tIns="91425">
+          <a:bodyPr spcFirstLastPara="1" wrap="square" lIns="91425" tIns="91425" rIns="91425" bIns="91425" anchor="ctr" anchorCtr="0">
             <a:normAutofit/>
           </a:bodyPr>
           <a:lstStyle>
@@ -7712,7 +7653,7 @@
             </a:lvl9pPr>
           </a:lstStyle>
           <a:p>
-            <a:pPr indent="0" lvl="0" marL="0" rtl="0" algn="r">
+            <a:pPr marL="0" lvl="0" indent="0" algn="r" rtl="0">
               <a:spcBef>
                 <a:spcPts val="0"/>
               </a:spcBef>
@@ -7738,11 +7679,11 @@
 </file>
 
 <file path=ppt/slideLayouts/slideLayout8.xml><?xml version="1.0" encoding="utf-8"?>
-<p:sldLayout xmlns:a="http://schemas.openxmlformats.org/drawingml/2006/main" xmlns:r="http://schemas.openxmlformats.org/officeDocument/2006/relationships" xmlns:mc="http://schemas.openxmlformats.org/markup-compatibility/2006" xmlns:mv="urn:schemas-microsoft-com:mac:vml" xmlns:p="http://schemas.openxmlformats.org/presentationml/2006/main" xmlns:c="http://schemas.openxmlformats.org/drawingml/2006/chart" xmlns:dgm="http://schemas.openxmlformats.org/drawingml/2006/diagram" xmlns:o="urn:schemas-microsoft-com:office:office" xmlns:v="urn:schemas-microsoft-com:vml" xmlns:pvml="urn:schemas-microsoft-com:office:powerpoint" xmlns:com="http://schemas.openxmlformats.org/drawingml/2006/compatibility" xmlns:p14="http://schemas.microsoft.com/office/powerpoint/2010/main" xmlns:p15="http://schemas.microsoft.com/office/powerpoint/2012/main" xmlns:ahyp="http://schemas.microsoft.com/office/drawing/2018/hyperlinkcolor" matchingName="Section title and description">
+<p:sldLayout xmlns:a="http://schemas.openxmlformats.org/drawingml/2006/main" xmlns:r="http://schemas.openxmlformats.org/officeDocument/2006/relationships" xmlns:p="http://schemas.openxmlformats.org/presentationml/2006/main" matchingName="Section title and description">
   <p:cSld name="SECTION_TITLE_AND_DESCRIPTION">
     <p:spTree>
       <p:nvGrpSpPr>
-        <p:cNvPr id="91" name="Shape 91"/>
+        <p:cNvPr id="1" name="Shape 91"/>
         <p:cNvGrpSpPr/>
         <p:nvPr/>
       </p:nvGrpSpPr>
@@ -7781,7 +7722,7 @@
             </a:xfrm>
             <a:prstGeom prst="diagStripe">
               <a:avLst>
-                <a:gd fmla="val 50000" name="adj"/>
+                <a:gd name="adj" fmla="val 50000"/>
               </a:avLst>
             </a:prstGeom>
             <a:solidFill>
@@ -7792,12 +7733,12 @@
             </a:ln>
           </p:spPr>
           <p:txBody>
-            <a:bodyPr anchorCtr="0" anchor="ctr" bIns="91425" lIns="91425" spcFirstLastPara="1" rIns="91425" wrap="square" tIns="91425">
+            <a:bodyPr spcFirstLastPara="1" wrap="square" lIns="91425" tIns="91425" rIns="91425" bIns="91425" anchor="ctr" anchorCtr="0">
               <a:noAutofit/>
             </a:bodyPr>
             <a:lstStyle/>
             <a:p>
-              <a:pPr indent="0" lvl="0" marL="0" rtl="0" algn="l">
+              <a:pPr marL="0" lvl="0" indent="0" algn="l" rtl="0">
                 <a:spcBef>
                   <a:spcPts val="0"/>
                 </a:spcBef>
@@ -7806,9 +7747,6 @@
                 </a:spcAft>
                 <a:buNone/>
               </a:pPr>
-              <a:r>
-                <a:t/>
-              </a:r>
               <a:endParaRPr/>
             </a:p>
           </p:txBody>
@@ -7826,7 +7764,7 @@
             </a:xfrm>
             <a:prstGeom prst="diagStripe">
               <a:avLst>
-                <a:gd fmla="val 50000" name="adj"/>
+                <a:gd name="adj" fmla="val 50000"/>
               </a:avLst>
             </a:prstGeom>
             <a:solidFill>
@@ -7837,12 +7775,12 @@
             </a:ln>
           </p:spPr>
           <p:txBody>
-            <a:bodyPr anchorCtr="0" anchor="ctr" bIns="91425" lIns="91425" spcFirstLastPara="1" rIns="91425" wrap="square" tIns="91425">
+            <a:bodyPr spcFirstLastPara="1" wrap="square" lIns="91425" tIns="91425" rIns="91425" bIns="91425" anchor="ctr" anchorCtr="0">
               <a:noAutofit/>
             </a:bodyPr>
             <a:lstStyle/>
             <a:p>
-              <a:pPr indent="0" lvl="0" marL="0" rtl="0" algn="l">
+              <a:pPr marL="0" lvl="0" indent="0" algn="l" rtl="0">
                 <a:spcBef>
                   <a:spcPts val="0"/>
                 </a:spcBef>
@@ -7851,9 +7789,6 @@
                 </a:spcAft>
                 <a:buNone/>
               </a:pPr>
-              <a:r>
-                <a:t/>
-              </a:r>
               <a:endParaRPr/>
             </a:p>
           </p:txBody>
@@ -7862,7 +7797,9 @@
       <p:sp>
         <p:nvSpPr>
           <p:cNvPr id="95" name="Google Shape;95;p9"/>
-          <p:cNvSpPr txBox="1"/>
+          <p:cNvSpPr txBox="1">
+            <a:spLocks noGrp="1"/>
+          </p:cNvSpPr>
           <p:nvPr>
             <p:ph type="title"/>
           </p:nvPr>
@@ -7877,7 +7814,7 @@
           </a:prstGeom>
         </p:spPr>
         <p:txBody>
-          <a:bodyPr anchorCtr="0" anchor="t" bIns="91425" lIns="91425" spcFirstLastPara="1" rIns="91425" wrap="square" tIns="91425">
+          <a:bodyPr spcFirstLastPara="1" wrap="square" lIns="91425" tIns="91425" rIns="91425" bIns="91425" anchor="t" anchorCtr="0">
             <a:normAutofit/>
           </a:bodyPr>
           <a:lstStyle>
@@ -7981,15 +7918,19 @@
               <a:defRPr sz="2400"/>
             </a:lvl9pPr>
           </a:lstStyle>
-          <a:p/>
+          <a:p>
+            <a:endParaRPr/>
+          </a:p>
         </p:txBody>
       </p:sp>
       <p:sp>
         <p:nvSpPr>
           <p:cNvPr id="96" name="Google Shape;96;p9"/>
-          <p:cNvSpPr txBox="1"/>
+          <p:cNvSpPr txBox="1">
+            <a:spLocks noGrp="1"/>
+          </p:cNvSpPr>
           <p:nvPr>
-            <p:ph idx="1" type="subTitle"/>
+            <p:ph type="subTitle" idx="1"/>
           </p:nvPr>
         </p:nvSpPr>
         <p:spPr>
@@ -8002,7 +7943,7 @@
           </a:prstGeom>
         </p:spPr>
         <p:txBody>
-          <a:bodyPr anchorCtr="0" anchor="t" bIns="91425" lIns="91425" spcFirstLastPara="1" rIns="91425" wrap="square" tIns="91425">
+          <a:bodyPr spcFirstLastPara="1" wrap="square" lIns="91425" tIns="91425" rIns="91425" bIns="91425" anchor="t" anchorCtr="0">
             <a:normAutofit/>
           </a:bodyPr>
           <a:lstStyle>
@@ -8133,15 +8074,19 @@
               <a:defRPr sz="1300"/>
             </a:lvl9pPr>
           </a:lstStyle>
-          <a:p/>
+          <a:p>
+            <a:endParaRPr/>
+          </a:p>
         </p:txBody>
       </p:sp>
       <p:sp>
         <p:nvSpPr>
           <p:cNvPr id="97" name="Google Shape;97;p9"/>
-          <p:cNvSpPr txBox="1"/>
+          <p:cNvSpPr txBox="1">
+            <a:spLocks noGrp="1"/>
+          </p:cNvSpPr>
           <p:nvPr>
-            <p:ph idx="2" type="body"/>
+            <p:ph type="body" idx="2"/>
           </p:nvPr>
         </p:nvSpPr>
         <p:spPr>
@@ -8154,11 +8099,11 @@
           </a:prstGeom>
         </p:spPr>
         <p:txBody>
-          <a:bodyPr anchorCtr="0" anchor="t" bIns="91425" lIns="91425" spcFirstLastPara="1" rIns="91425" wrap="square" tIns="91425">
+          <a:bodyPr spcFirstLastPara="1" wrap="square" lIns="91425" tIns="91425" rIns="91425" bIns="91425" anchor="t" anchorCtr="0">
             <a:normAutofit/>
           </a:bodyPr>
           <a:lstStyle>
-            <a:lvl1pPr indent="-311150" lvl="0" marL="457200">
+            <a:lvl1pPr marL="457200" lvl="0" indent="-311150">
               <a:spcBef>
                 <a:spcPts val="0"/>
               </a:spcBef>
@@ -8169,7 +8114,7 @@
               <a:buChar char="●"/>
               <a:defRPr/>
             </a:lvl1pPr>
-            <a:lvl2pPr indent="-298450" lvl="1" marL="914400">
+            <a:lvl2pPr marL="914400" lvl="1" indent="-298450">
               <a:spcBef>
                 <a:spcPts val="0"/>
               </a:spcBef>
@@ -8180,7 +8125,7 @@
               <a:buChar char="○"/>
               <a:defRPr/>
             </a:lvl2pPr>
-            <a:lvl3pPr indent="-298450" lvl="2" marL="1371600">
+            <a:lvl3pPr marL="1371600" lvl="2" indent="-298450">
               <a:spcBef>
                 <a:spcPts val="0"/>
               </a:spcBef>
@@ -8191,7 +8136,7 @@
               <a:buChar char="■"/>
               <a:defRPr/>
             </a:lvl3pPr>
-            <a:lvl4pPr indent="-298450" lvl="3" marL="1828800">
+            <a:lvl4pPr marL="1828800" lvl="3" indent="-298450">
               <a:spcBef>
                 <a:spcPts val="0"/>
               </a:spcBef>
@@ -8202,7 +8147,7 @@
               <a:buChar char="●"/>
               <a:defRPr/>
             </a:lvl4pPr>
-            <a:lvl5pPr indent="-298450" lvl="4" marL="2286000">
+            <a:lvl5pPr marL="2286000" lvl="4" indent="-298450">
               <a:spcBef>
                 <a:spcPts val="0"/>
               </a:spcBef>
@@ -8213,7 +8158,7 @@
               <a:buChar char="○"/>
               <a:defRPr/>
             </a:lvl5pPr>
-            <a:lvl6pPr indent="-298450" lvl="5" marL="2743200">
+            <a:lvl6pPr marL="2743200" lvl="5" indent="-298450">
               <a:spcBef>
                 <a:spcPts val="0"/>
               </a:spcBef>
@@ -8224,7 +8169,7 @@
               <a:buChar char="■"/>
               <a:defRPr/>
             </a:lvl6pPr>
-            <a:lvl7pPr indent="-298450" lvl="6" marL="3200400">
+            <a:lvl7pPr marL="3200400" lvl="6" indent="-298450">
               <a:spcBef>
                 <a:spcPts val="0"/>
               </a:spcBef>
@@ -8235,7 +8180,7 @@
               <a:buChar char="●"/>
               <a:defRPr/>
             </a:lvl7pPr>
-            <a:lvl8pPr indent="-298450" lvl="7" marL="3657600">
+            <a:lvl8pPr marL="3657600" lvl="7" indent="-298450">
               <a:spcBef>
                 <a:spcPts val="0"/>
               </a:spcBef>
@@ -8246,7 +8191,7 @@
               <a:buChar char="○"/>
               <a:defRPr/>
             </a:lvl8pPr>
-            <a:lvl9pPr indent="-298450" lvl="8" marL="4114800">
+            <a:lvl9pPr marL="4114800" lvl="8" indent="-298450">
               <a:spcBef>
                 <a:spcPts val="0"/>
               </a:spcBef>
@@ -8258,15 +8203,19 @@
               <a:defRPr/>
             </a:lvl9pPr>
           </a:lstStyle>
-          <a:p/>
+          <a:p>
+            <a:endParaRPr/>
+          </a:p>
         </p:txBody>
       </p:sp>
       <p:sp>
         <p:nvSpPr>
           <p:cNvPr id="98" name="Google Shape;98;p9"/>
-          <p:cNvSpPr txBox="1"/>
+          <p:cNvSpPr txBox="1">
+            <a:spLocks noGrp="1"/>
+          </p:cNvSpPr>
           <p:nvPr>
-            <p:ph idx="12" type="sldNum"/>
+            <p:ph type="sldNum" idx="12"/>
           </p:nvPr>
         </p:nvSpPr>
         <p:spPr>
@@ -8279,7 +8228,7 @@
           </a:prstGeom>
         </p:spPr>
         <p:txBody>
-          <a:bodyPr anchorCtr="0" anchor="ctr" bIns="91425" lIns="91425" spcFirstLastPara="1" rIns="91425" wrap="square" tIns="91425">
+          <a:bodyPr spcFirstLastPara="1" wrap="square" lIns="91425" tIns="91425" rIns="91425" bIns="91425" anchor="ctr" anchorCtr="0">
             <a:normAutofit/>
           </a:bodyPr>
           <a:lstStyle>
@@ -8321,7 +8270,7 @@
             </a:lvl9pPr>
           </a:lstStyle>
           <a:p>
-            <a:pPr indent="0" lvl="0" marL="0" rtl="0" algn="r">
+            <a:pPr marL="0" lvl="0" indent="0" algn="r" rtl="0">
               <a:spcBef>
                 <a:spcPts val="0"/>
               </a:spcBef>
@@ -8347,11 +8296,11 @@
 </file>
 
 <file path=ppt/slideLayouts/slideLayout9.xml><?xml version="1.0" encoding="utf-8"?>
-<p:sldLayout xmlns:a="http://schemas.openxmlformats.org/drawingml/2006/main" xmlns:r="http://schemas.openxmlformats.org/officeDocument/2006/relationships" xmlns:mc="http://schemas.openxmlformats.org/markup-compatibility/2006" xmlns:mv="urn:schemas-microsoft-com:mac:vml" xmlns:p="http://schemas.openxmlformats.org/presentationml/2006/main" xmlns:c="http://schemas.openxmlformats.org/drawingml/2006/chart" xmlns:dgm="http://schemas.openxmlformats.org/drawingml/2006/diagram" xmlns:o="urn:schemas-microsoft-com:office:office" xmlns:v="urn:schemas-microsoft-com:vml" xmlns:pvml="urn:schemas-microsoft-com:office:powerpoint" xmlns:com="http://schemas.openxmlformats.org/drawingml/2006/compatibility" xmlns:p14="http://schemas.microsoft.com/office/powerpoint/2010/main" xmlns:p15="http://schemas.microsoft.com/office/powerpoint/2012/main" xmlns:ahyp="http://schemas.microsoft.com/office/drawing/2018/hyperlinkcolor" matchingName="Caption">
+<p:sldLayout xmlns:a="http://schemas.openxmlformats.org/drawingml/2006/main" xmlns:r="http://schemas.openxmlformats.org/officeDocument/2006/relationships" xmlns:p="http://schemas.openxmlformats.org/presentationml/2006/main" matchingName="Caption">
   <p:cSld name="CAPTION_ONLY">
     <p:spTree>
       <p:nvGrpSpPr>
-        <p:cNvPr id="99" name="Shape 99"/>
+        <p:cNvPr id="1" name="Shape 99"/>
         <p:cNvGrpSpPr/>
         <p:nvPr/>
       </p:nvGrpSpPr>
@@ -8390,7 +8339,7 @@
             </a:xfrm>
             <a:prstGeom prst="diagStripe">
               <a:avLst>
-                <a:gd fmla="val 50000" name="adj"/>
+                <a:gd name="adj" fmla="val 50000"/>
               </a:avLst>
             </a:prstGeom>
             <a:solidFill>
@@ -8403,12 +8352,12 @@
             </a:ln>
           </p:spPr>
           <p:txBody>
-            <a:bodyPr anchorCtr="0" anchor="ctr" bIns="91425" lIns="91425" spcFirstLastPara="1" rIns="91425" wrap="square" tIns="91425">
+            <a:bodyPr spcFirstLastPara="1" wrap="square" lIns="91425" tIns="91425" rIns="91425" bIns="91425" anchor="ctr" anchorCtr="0">
               <a:noAutofit/>
             </a:bodyPr>
             <a:lstStyle/>
             <a:p>
-              <a:pPr indent="0" lvl="0" marL="0" rtl="0" algn="l">
+              <a:pPr marL="0" lvl="0" indent="0" algn="l" rtl="0">
                 <a:spcBef>
                   <a:spcPts val="0"/>
                 </a:spcBef>
@@ -8417,9 +8366,6 @@
                 </a:spcAft>
                 <a:buNone/>
               </a:pPr>
-              <a:r>
-                <a:t/>
-              </a:r>
               <a:endParaRPr/>
             </a:p>
           </p:txBody>
@@ -8437,7 +8383,7 @@
             </a:xfrm>
             <a:prstGeom prst="diagStripe">
               <a:avLst>
-                <a:gd fmla="val 50000" name="adj"/>
+                <a:gd name="adj" fmla="val 50000"/>
               </a:avLst>
             </a:prstGeom>
             <a:solidFill>
@@ -8450,12 +8396,12 @@
             </a:ln>
           </p:spPr>
           <p:txBody>
-            <a:bodyPr anchorCtr="0" anchor="ctr" bIns="91425" lIns="91425" spcFirstLastPara="1" rIns="91425" wrap="square" tIns="91425">
+            <a:bodyPr spcFirstLastPara="1" wrap="square" lIns="91425" tIns="91425" rIns="91425" bIns="91425" anchor="ctr" anchorCtr="0">
               <a:noAutofit/>
             </a:bodyPr>
             <a:lstStyle/>
             <a:p>
-              <a:pPr indent="0" lvl="0" marL="0" rtl="0" algn="l">
+              <a:pPr marL="0" lvl="0" indent="0" algn="l" rtl="0">
                 <a:spcBef>
                   <a:spcPts val="0"/>
                 </a:spcBef>
@@ -8464,9 +8410,6 @@
                 </a:spcAft>
                 <a:buNone/>
               </a:pPr>
-              <a:r>
-                <a:t/>
-              </a:r>
               <a:endParaRPr/>
             </a:p>
           </p:txBody>
@@ -8475,9 +8418,11 @@
       <p:sp>
         <p:nvSpPr>
           <p:cNvPr id="103" name="Google Shape;103;p10"/>
-          <p:cNvSpPr txBox="1"/>
+          <p:cNvSpPr txBox="1">
+            <a:spLocks noGrp="1"/>
+          </p:cNvSpPr>
           <p:nvPr>
-            <p:ph idx="1" type="body"/>
+            <p:ph type="body" idx="1"/>
           </p:nvPr>
         </p:nvSpPr>
         <p:spPr>
@@ -8490,11 +8435,11 @@
           </a:prstGeom>
         </p:spPr>
         <p:txBody>
-          <a:bodyPr anchorCtr="0" anchor="ctr" bIns="91425" lIns="91425" spcFirstLastPara="1" rIns="91425" wrap="square" tIns="91425">
+          <a:bodyPr spcFirstLastPara="1" wrap="square" lIns="91425" tIns="91425" rIns="91425" bIns="91425" anchor="ctr" anchorCtr="0">
             <a:normAutofit/>
           </a:bodyPr>
           <a:lstStyle>
-            <a:lvl1pPr indent="-228600" lvl="0" marL="457200">
+            <a:lvl1pPr marL="457200" lvl="0" indent="-228600">
               <a:lnSpc>
                 <a:spcPct val="100000"/>
               </a:lnSpc>
@@ -8509,15 +8454,19 @@
               <a:defRPr/>
             </a:lvl1pPr>
           </a:lstStyle>
-          <a:p/>
+          <a:p>
+            <a:endParaRPr/>
+          </a:p>
         </p:txBody>
       </p:sp>
       <p:sp>
         <p:nvSpPr>
           <p:cNvPr id="104" name="Google Shape;104;p10"/>
-          <p:cNvSpPr txBox="1"/>
+          <p:cNvSpPr txBox="1">
+            <a:spLocks noGrp="1"/>
+          </p:cNvSpPr>
           <p:nvPr>
-            <p:ph idx="12" type="sldNum"/>
+            <p:ph type="sldNum" idx="12"/>
           </p:nvPr>
         </p:nvSpPr>
         <p:spPr>
@@ -8530,7 +8479,7 @@
           </a:prstGeom>
         </p:spPr>
         <p:txBody>
-          <a:bodyPr anchorCtr="0" anchor="ctr" bIns="91425" lIns="91425" spcFirstLastPara="1" rIns="91425" wrap="square" tIns="91425">
+          <a:bodyPr spcFirstLastPara="1" wrap="square" lIns="91425" tIns="91425" rIns="91425" bIns="91425" anchor="ctr" anchorCtr="0">
             <a:normAutofit/>
           </a:bodyPr>
           <a:lstStyle>
@@ -8572,7 +8521,7 @@
             </a:lvl9pPr>
           </a:lstStyle>
           <a:p>
-            <a:pPr indent="0" lvl="0" marL="0" rtl="0" algn="r">
+            <a:pPr marL="0" lvl="0" indent="0" algn="r" rtl="0">
               <a:spcBef>
                 <a:spcPts val="0"/>
               </a:spcBef>
@@ -8598,18 +8547,19 @@
 </file>
 
 <file path=ppt/slideMasters/slideMaster1.xml><?xml version="1.0" encoding="utf-8"?>
-<p:sldMaster xmlns:a="http://schemas.openxmlformats.org/drawingml/2006/main" xmlns:r="http://schemas.openxmlformats.org/officeDocument/2006/relationships" xmlns:mc="http://schemas.openxmlformats.org/markup-compatibility/2006" xmlns:mv="urn:schemas-microsoft-com:mac:vml" xmlns:p="http://schemas.openxmlformats.org/presentationml/2006/main" xmlns:c="http://schemas.openxmlformats.org/drawingml/2006/chart" xmlns:dgm="http://schemas.openxmlformats.org/drawingml/2006/diagram" xmlns:o="urn:schemas-microsoft-com:office:office" xmlns:v="urn:schemas-microsoft-com:vml" xmlns:pvml="urn:schemas-microsoft-com:office:powerpoint" xmlns:com="http://schemas.openxmlformats.org/drawingml/2006/compatibility" xmlns:p14="http://schemas.microsoft.com/office/powerpoint/2010/main" xmlns:p15="http://schemas.microsoft.com/office/powerpoint/2012/main" xmlns:ahyp="http://schemas.microsoft.com/office/drawing/2018/hyperlinkcolor">
+<p:sldMaster xmlns:a="http://schemas.openxmlformats.org/drawingml/2006/main" xmlns:r="http://schemas.openxmlformats.org/officeDocument/2006/relationships" xmlns:p="http://schemas.openxmlformats.org/presentationml/2006/main">
   <p:cSld name="focus">
     <p:bg>
       <p:bgPr>
         <a:solidFill>
           <a:schemeClr val="dk1"/>
         </a:solidFill>
+        <a:effectLst/>
       </p:bgPr>
     </p:bg>
     <p:spTree>
       <p:nvGrpSpPr>
-        <p:cNvPr id="5" name="Shape 5"/>
+        <p:cNvPr id="1" name="Shape 5"/>
         <p:cNvGrpSpPr/>
         <p:nvPr/>
       </p:nvGrpSpPr>
@@ -8624,7 +8574,9 @@
       <p:sp>
         <p:nvSpPr>
           <p:cNvPr id="6" name="Google Shape;6;p1"/>
-          <p:cNvSpPr txBox="1"/>
+          <p:cNvSpPr txBox="1">
+            <a:spLocks noGrp="1"/>
+          </p:cNvSpPr>
           <p:nvPr>
             <p:ph type="title"/>
           </p:nvPr>
@@ -8643,7 +8595,7 @@
           </a:ln>
         </p:spPr>
         <p:txBody>
-          <a:bodyPr anchorCtr="0" anchor="t" bIns="91425" lIns="91425" spcFirstLastPara="1" rIns="91425" wrap="square" tIns="91425">
+          <a:bodyPr spcFirstLastPara="1" wrap="square" lIns="91425" tIns="91425" rIns="91425" bIns="91425" anchor="t" anchorCtr="0">
             <a:normAutofit/>
           </a:bodyPr>
           <a:lstStyle>
@@ -8855,15 +8807,19 @@
               </a:defRPr>
             </a:lvl9pPr>
           </a:lstStyle>
-          <a:p/>
+          <a:p>
+            <a:endParaRPr/>
+          </a:p>
         </p:txBody>
       </p:sp>
       <p:sp>
         <p:nvSpPr>
           <p:cNvPr id="7" name="Google Shape;7;p1"/>
-          <p:cNvSpPr txBox="1"/>
+          <p:cNvSpPr txBox="1">
+            <a:spLocks noGrp="1"/>
+          </p:cNvSpPr>
           <p:nvPr>
-            <p:ph idx="1" type="body"/>
+            <p:ph type="body" idx="1"/>
           </p:nvPr>
         </p:nvSpPr>
         <p:spPr>
@@ -8880,11 +8836,11 @@
           </a:ln>
         </p:spPr>
         <p:txBody>
-          <a:bodyPr anchorCtr="0" anchor="t" bIns="91425" lIns="91425" spcFirstLastPara="1" rIns="91425" wrap="square" tIns="91425">
+          <a:bodyPr spcFirstLastPara="1" wrap="square" lIns="91425" tIns="91425" rIns="91425" bIns="91425" anchor="t" anchorCtr="0">
             <a:normAutofit/>
           </a:bodyPr>
           <a:lstStyle>
-            <a:lvl1pPr indent="-311150" lvl="0" marL="457200">
+            <a:lvl1pPr marL="457200" lvl="0" indent="-311150">
               <a:lnSpc>
                 <a:spcPct val="115000"/>
               </a:lnSpc>
@@ -8910,7 +8866,7 @@
                 <a:sym typeface="Lato"/>
               </a:defRPr>
             </a:lvl1pPr>
-            <a:lvl2pPr indent="-298450" lvl="1" marL="914400">
+            <a:lvl2pPr marL="914400" lvl="1" indent="-298450">
               <a:lnSpc>
                 <a:spcPct val="115000"/>
               </a:lnSpc>
@@ -8936,7 +8892,7 @@
                 <a:sym typeface="Lato"/>
               </a:defRPr>
             </a:lvl2pPr>
-            <a:lvl3pPr indent="-298450" lvl="2" marL="1371600">
+            <a:lvl3pPr marL="1371600" lvl="2" indent="-298450">
               <a:lnSpc>
                 <a:spcPct val="115000"/>
               </a:lnSpc>
@@ -8962,7 +8918,7 @@
                 <a:sym typeface="Lato"/>
               </a:defRPr>
             </a:lvl3pPr>
-            <a:lvl4pPr indent="-298450" lvl="3" marL="1828800">
+            <a:lvl4pPr marL="1828800" lvl="3" indent="-298450">
               <a:lnSpc>
                 <a:spcPct val="115000"/>
               </a:lnSpc>
@@ -8988,7 +8944,7 @@
                 <a:sym typeface="Lato"/>
               </a:defRPr>
             </a:lvl4pPr>
-            <a:lvl5pPr indent="-298450" lvl="4" marL="2286000">
+            <a:lvl5pPr marL="2286000" lvl="4" indent="-298450">
               <a:lnSpc>
                 <a:spcPct val="115000"/>
               </a:lnSpc>
@@ -9014,7 +8970,7 @@
                 <a:sym typeface="Lato"/>
               </a:defRPr>
             </a:lvl5pPr>
-            <a:lvl6pPr indent="-298450" lvl="5" marL="2743200">
+            <a:lvl6pPr marL="2743200" lvl="5" indent="-298450">
               <a:lnSpc>
                 <a:spcPct val="115000"/>
               </a:lnSpc>
@@ -9040,7 +8996,7 @@
                 <a:sym typeface="Lato"/>
               </a:defRPr>
             </a:lvl6pPr>
-            <a:lvl7pPr indent="-298450" lvl="6" marL="3200400">
+            <a:lvl7pPr marL="3200400" lvl="6" indent="-298450">
               <a:lnSpc>
                 <a:spcPct val="115000"/>
               </a:lnSpc>
@@ -9066,7 +9022,7 @@
                 <a:sym typeface="Lato"/>
               </a:defRPr>
             </a:lvl7pPr>
-            <a:lvl8pPr indent="-298450" lvl="7" marL="3657600">
+            <a:lvl8pPr marL="3657600" lvl="7" indent="-298450">
               <a:lnSpc>
                 <a:spcPct val="115000"/>
               </a:lnSpc>
@@ -9092,7 +9048,7 @@
                 <a:sym typeface="Lato"/>
               </a:defRPr>
             </a:lvl8pPr>
-            <a:lvl9pPr indent="-298450" lvl="8" marL="4114800">
+            <a:lvl9pPr marL="4114800" lvl="8" indent="-298450">
               <a:lnSpc>
                 <a:spcPct val="115000"/>
               </a:lnSpc>
@@ -9119,15 +9075,19 @@
               </a:defRPr>
             </a:lvl9pPr>
           </a:lstStyle>
-          <a:p/>
+          <a:p>
+            <a:endParaRPr/>
+          </a:p>
         </p:txBody>
       </p:sp>
       <p:sp>
         <p:nvSpPr>
           <p:cNvPr id="8" name="Google Shape;8;p1"/>
-          <p:cNvSpPr txBox="1"/>
+          <p:cNvSpPr txBox="1">
+            <a:spLocks noGrp="1"/>
+          </p:cNvSpPr>
           <p:nvPr>
-            <p:ph idx="12" type="sldNum"/>
+            <p:ph type="sldNum" idx="12"/>
           </p:nvPr>
         </p:nvSpPr>
         <p:spPr>
@@ -9144,7 +9104,7 @@
           </a:ln>
         </p:spPr>
         <p:txBody>
-          <a:bodyPr anchorCtr="0" anchor="ctr" bIns="91425" lIns="91425" spcFirstLastPara="1" rIns="91425" wrap="square" tIns="91425">
+          <a:bodyPr spcFirstLastPara="1" wrap="square" lIns="91425" tIns="91425" rIns="91425" bIns="91425" anchor="ctr" anchorCtr="0">
             <a:normAutofit/>
           </a:bodyPr>
           <a:lstStyle>
@@ -9258,7 +9218,7 @@
             </a:lvl9pPr>
           </a:lstStyle>
           <a:p>
-            <a:pPr indent="0" lvl="0" marL="0" rtl="0" algn="r">
+            <a:pPr marL="0" lvl="0" indent="0" algn="r" rtl="0">
               <a:spcBef>
                 <a:spcPts val="0"/>
               </a:spcBef>
@@ -9277,7 +9237,7 @@
       </p:sp>
     </p:spTree>
   </p:cSld>
-  <p:clrMap accent1="accent1" accent2="accent2" accent3="accent3" accent4="accent4" accent5="accent5" accent6="accent6" bg1="lt1" bg2="dk2" tx1="dk1" tx2="lt2" folHlink="folHlink" hlink="hlink"/>
+  <p:clrMap bg1="lt1" tx1="dk1" bg2="dk2" tx2="lt2" accent1="accent1" accent2="accent2" accent3="accent3" accent4="accent4" accent5="accent5" accent6="accent6" hlink="hlink" folHlink="folHlink"/>
   <p:sldLayoutIdLst>
     <p:sldLayoutId id="2147483648" r:id="rId1"/>
     <p:sldLayoutId id="2147483649" r:id="rId2"/>
@@ -9291,10 +9251,10 @@
     <p:sldLayoutId id="2147483657" r:id="rId10"/>
     <p:sldLayoutId id="2147483658" r:id="rId11"/>
   </p:sldLayoutIdLst>
-  <p:hf dt="0" ftr="0" hdr="0" sldNum="0"/>
+  <p:hf sldNum="0" hdr="0" ftr="0" dt="0"/>
   <p:txStyles>
     <p:titleStyle>
-      <a:defPPr lvl="0" marR="0" rtl="0" algn="l">
+      <a:defPPr marR="0" lvl="0" algn="l" rtl="0">
         <a:lnSpc>
           <a:spcPct val="100000"/>
         </a:lnSpc>
@@ -9305,7 +9265,7 @@
           <a:spcPts val="0"/>
         </a:spcAft>
       </a:defPPr>
-      <a:lvl1pPr lvl="0" marR="0" rtl="0" algn="l">
+      <a:lvl1pPr marR="0" lvl="0" algn="l" rtl="0">
         <a:lnSpc>
           <a:spcPct val="100000"/>
         </a:lnSpc>
@@ -9319,7 +9279,7 @@
           <a:srgbClr val="000000"/>
         </a:buClr>
         <a:buFont typeface="Arial"/>
-        <a:defRPr b="0" i="0" sz="1400" u="none" cap="none" strike="noStrike">
+        <a:defRPr sz="1400" b="0" i="0" u="none" strike="noStrike" cap="none">
           <a:solidFill>
             <a:srgbClr val="000000"/>
           </a:solidFill>
@@ -9329,7 +9289,7 @@
           <a:sym typeface="Arial"/>
         </a:defRPr>
       </a:lvl1pPr>
-      <a:lvl2pPr lvl="1" marR="0" rtl="0" algn="l">
+      <a:lvl2pPr marR="0" lvl="1" algn="l" rtl="0">
         <a:lnSpc>
           <a:spcPct val="100000"/>
         </a:lnSpc>
@@ -9343,7 +9303,7 @@
           <a:srgbClr val="000000"/>
         </a:buClr>
         <a:buFont typeface="Arial"/>
-        <a:defRPr b="0" i="0" sz="1400" u="none" cap="none" strike="noStrike">
+        <a:defRPr sz="1400" b="0" i="0" u="none" strike="noStrike" cap="none">
           <a:solidFill>
             <a:srgbClr val="000000"/>
           </a:solidFill>
@@ -9353,7 +9313,7 @@
           <a:sym typeface="Arial"/>
         </a:defRPr>
       </a:lvl2pPr>
-      <a:lvl3pPr lvl="2" marR="0" rtl="0" algn="l">
+      <a:lvl3pPr marR="0" lvl="2" algn="l" rtl="0">
         <a:lnSpc>
           <a:spcPct val="100000"/>
         </a:lnSpc>
@@ -9367,7 +9327,7 @@
           <a:srgbClr val="000000"/>
         </a:buClr>
         <a:buFont typeface="Arial"/>
-        <a:defRPr b="0" i="0" sz="1400" u="none" cap="none" strike="noStrike">
+        <a:defRPr sz="1400" b="0" i="0" u="none" strike="noStrike" cap="none">
           <a:solidFill>
             <a:srgbClr val="000000"/>
           </a:solidFill>
@@ -9377,7 +9337,7 @@
           <a:sym typeface="Arial"/>
         </a:defRPr>
       </a:lvl3pPr>
-      <a:lvl4pPr lvl="3" marR="0" rtl="0" algn="l">
+      <a:lvl4pPr marR="0" lvl="3" algn="l" rtl="0">
         <a:lnSpc>
           <a:spcPct val="100000"/>
         </a:lnSpc>
@@ -9391,7 +9351,7 @@
           <a:srgbClr val="000000"/>
         </a:buClr>
         <a:buFont typeface="Arial"/>
-        <a:defRPr b="0" i="0" sz="1400" u="none" cap="none" strike="noStrike">
+        <a:defRPr sz="1400" b="0" i="0" u="none" strike="noStrike" cap="none">
           <a:solidFill>
             <a:srgbClr val="000000"/>
           </a:solidFill>
@@ -9401,7 +9361,7 @@
           <a:sym typeface="Arial"/>
         </a:defRPr>
       </a:lvl4pPr>
-      <a:lvl5pPr lvl="4" marR="0" rtl="0" algn="l">
+      <a:lvl5pPr marR="0" lvl="4" algn="l" rtl="0">
         <a:lnSpc>
           <a:spcPct val="100000"/>
         </a:lnSpc>
@@ -9415,7 +9375,7 @@
           <a:srgbClr val="000000"/>
         </a:buClr>
         <a:buFont typeface="Arial"/>
-        <a:defRPr b="0" i="0" sz="1400" u="none" cap="none" strike="noStrike">
+        <a:defRPr sz="1400" b="0" i="0" u="none" strike="noStrike" cap="none">
           <a:solidFill>
             <a:srgbClr val="000000"/>
           </a:solidFill>
@@ -9425,7 +9385,7 @@
           <a:sym typeface="Arial"/>
         </a:defRPr>
       </a:lvl5pPr>
-      <a:lvl6pPr lvl="5" marR="0" rtl="0" algn="l">
+      <a:lvl6pPr marR="0" lvl="5" algn="l" rtl="0">
         <a:lnSpc>
           <a:spcPct val="100000"/>
         </a:lnSpc>
@@ -9439,7 +9399,7 @@
           <a:srgbClr val="000000"/>
         </a:buClr>
         <a:buFont typeface="Arial"/>
-        <a:defRPr b="0" i="0" sz="1400" u="none" cap="none" strike="noStrike">
+        <a:defRPr sz="1400" b="0" i="0" u="none" strike="noStrike" cap="none">
           <a:solidFill>
             <a:srgbClr val="000000"/>
           </a:solidFill>
@@ -9449,7 +9409,7 @@
           <a:sym typeface="Arial"/>
         </a:defRPr>
       </a:lvl6pPr>
-      <a:lvl7pPr lvl="6" marR="0" rtl="0" algn="l">
+      <a:lvl7pPr marR="0" lvl="6" algn="l" rtl="0">
         <a:lnSpc>
           <a:spcPct val="100000"/>
         </a:lnSpc>
@@ -9463,7 +9423,7 @@
           <a:srgbClr val="000000"/>
         </a:buClr>
         <a:buFont typeface="Arial"/>
-        <a:defRPr b="0" i="0" sz="1400" u="none" cap="none" strike="noStrike">
+        <a:defRPr sz="1400" b="0" i="0" u="none" strike="noStrike" cap="none">
           <a:solidFill>
             <a:srgbClr val="000000"/>
           </a:solidFill>
@@ -9473,7 +9433,7 @@
           <a:sym typeface="Arial"/>
         </a:defRPr>
       </a:lvl7pPr>
-      <a:lvl8pPr lvl="7" marR="0" rtl="0" algn="l">
+      <a:lvl8pPr marR="0" lvl="7" algn="l" rtl="0">
         <a:lnSpc>
           <a:spcPct val="100000"/>
         </a:lnSpc>
@@ -9487,7 +9447,7 @@
           <a:srgbClr val="000000"/>
         </a:buClr>
         <a:buFont typeface="Arial"/>
-        <a:defRPr b="0" i="0" sz="1400" u="none" cap="none" strike="noStrike">
+        <a:defRPr sz="1400" b="0" i="0" u="none" strike="noStrike" cap="none">
           <a:solidFill>
             <a:srgbClr val="000000"/>
           </a:solidFill>
@@ -9497,7 +9457,7 @@
           <a:sym typeface="Arial"/>
         </a:defRPr>
       </a:lvl8pPr>
-      <a:lvl9pPr lvl="8" marR="0" rtl="0" algn="l">
+      <a:lvl9pPr marR="0" lvl="8" algn="l" rtl="0">
         <a:lnSpc>
           <a:spcPct val="100000"/>
         </a:lnSpc>
@@ -9511,7 +9471,7 @@
           <a:srgbClr val="000000"/>
         </a:buClr>
         <a:buFont typeface="Arial"/>
-        <a:defRPr b="0" i="0" sz="1400" u="none" cap="none" strike="noStrike">
+        <a:defRPr sz="1400" b="0" i="0" u="none" strike="noStrike" cap="none">
           <a:solidFill>
             <a:srgbClr val="000000"/>
           </a:solidFill>
@@ -9523,7 +9483,7 @@
       </a:lvl9pPr>
     </p:titleStyle>
     <p:bodyStyle>
-      <a:defPPr lvl="0" marR="0" rtl="0" algn="l">
+      <a:defPPr marR="0" lvl="0" algn="l" rtl="0">
         <a:lnSpc>
           <a:spcPct val="100000"/>
         </a:lnSpc>
@@ -9534,7 +9494,7 @@
           <a:spcPts val="0"/>
         </a:spcAft>
       </a:defPPr>
-      <a:lvl1pPr lvl="0" marR="0" rtl="0" algn="l">
+      <a:lvl1pPr marR="0" lvl="0" algn="l" rtl="0">
         <a:lnSpc>
           <a:spcPct val="100000"/>
         </a:lnSpc>
@@ -9548,7 +9508,7 @@
           <a:srgbClr val="000000"/>
         </a:buClr>
         <a:buFont typeface="Arial"/>
-        <a:defRPr b="0" i="0" sz="1400" u="none" cap="none" strike="noStrike">
+        <a:defRPr sz="1400" b="0" i="0" u="none" strike="noStrike" cap="none">
           <a:solidFill>
             <a:srgbClr val="000000"/>
           </a:solidFill>
@@ -9558,7 +9518,7 @@
           <a:sym typeface="Arial"/>
         </a:defRPr>
       </a:lvl1pPr>
-      <a:lvl2pPr lvl="1" marR="0" rtl="0" algn="l">
+      <a:lvl2pPr marR="0" lvl="1" algn="l" rtl="0">
         <a:lnSpc>
           <a:spcPct val="100000"/>
         </a:lnSpc>
@@ -9572,7 +9532,7 @@
           <a:srgbClr val="000000"/>
         </a:buClr>
         <a:buFont typeface="Arial"/>
-        <a:defRPr b="0" i="0" sz="1400" u="none" cap="none" strike="noStrike">
+        <a:defRPr sz="1400" b="0" i="0" u="none" strike="noStrike" cap="none">
           <a:solidFill>
             <a:srgbClr val="000000"/>
           </a:solidFill>
@@ -9582,7 +9542,7 @@
           <a:sym typeface="Arial"/>
         </a:defRPr>
       </a:lvl2pPr>
-      <a:lvl3pPr lvl="2" marR="0" rtl="0" algn="l">
+      <a:lvl3pPr marR="0" lvl="2" algn="l" rtl="0">
         <a:lnSpc>
           <a:spcPct val="100000"/>
         </a:lnSpc>
@@ -9596,7 +9556,7 @@
           <a:srgbClr val="000000"/>
         </a:buClr>
         <a:buFont typeface="Arial"/>
-        <a:defRPr b="0" i="0" sz="1400" u="none" cap="none" strike="noStrike">
+        <a:defRPr sz="1400" b="0" i="0" u="none" strike="noStrike" cap="none">
           <a:solidFill>
             <a:srgbClr val="000000"/>
           </a:solidFill>
@@ -9606,7 +9566,7 @@
           <a:sym typeface="Arial"/>
         </a:defRPr>
       </a:lvl3pPr>
-      <a:lvl4pPr lvl="3" marR="0" rtl="0" algn="l">
+      <a:lvl4pPr marR="0" lvl="3" algn="l" rtl="0">
         <a:lnSpc>
           <a:spcPct val="100000"/>
         </a:lnSpc>
@@ -9620,7 +9580,7 @@
           <a:srgbClr val="000000"/>
         </a:buClr>
         <a:buFont typeface="Arial"/>
-        <a:defRPr b="0" i="0" sz="1400" u="none" cap="none" strike="noStrike">
+        <a:defRPr sz="1400" b="0" i="0" u="none" strike="noStrike" cap="none">
           <a:solidFill>
             <a:srgbClr val="000000"/>
           </a:solidFill>
@@ -9630,7 +9590,7 @@
           <a:sym typeface="Arial"/>
         </a:defRPr>
       </a:lvl4pPr>
-      <a:lvl5pPr lvl="4" marR="0" rtl="0" algn="l">
+      <a:lvl5pPr marR="0" lvl="4" algn="l" rtl="0">
         <a:lnSpc>
           <a:spcPct val="100000"/>
         </a:lnSpc>
@@ -9644,7 +9604,7 @@
           <a:srgbClr val="000000"/>
         </a:buClr>
         <a:buFont typeface="Arial"/>
-        <a:defRPr b="0" i="0" sz="1400" u="none" cap="none" strike="noStrike">
+        <a:defRPr sz="1400" b="0" i="0" u="none" strike="noStrike" cap="none">
           <a:solidFill>
             <a:srgbClr val="000000"/>
           </a:solidFill>
@@ -9654,7 +9614,7 @@
           <a:sym typeface="Arial"/>
         </a:defRPr>
       </a:lvl5pPr>
-      <a:lvl6pPr lvl="5" marR="0" rtl="0" algn="l">
+      <a:lvl6pPr marR="0" lvl="5" algn="l" rtl="0">
         <a:lnSpc>
           <a:spcPct val="100000"/>
         </a:lnSpc>
@@ -9668,7 +9628,7 @@
           <a:srgbClr val="000000"/>
         </a:buClr>
         <a:buFont typeface="Arial"/>
-        <a:defRPr b="0" i="0" sz="1400" u="none" cap="none" strike="noStrike">
+        <a:defRPr sz="1400" b="0" i="0" u="none" strike="noStrike" cap="none">
           <a:solidFill>
             <a:srgbClr val="000000"/>
           </a:solidFill>
@@ -9678,7 +9638,7 @@
           <a:sym typeface="Arial"/>
         </a:defRPr>
       </a:lvl6pPr>
-      <a:lvl7pPr lvl="6" marR="0" rtl="0" algn="l">
+      <a:lvl7pPr marR="0" lvl="6" algn="l" rtl="0">
         <a:lnSpc>
           <a:spcPct val="100000"/>
         </a:lnSpc>
@@ -9692,7 +9652,7 @@
           <a:srgbClr val="000000"/>
         </a:buClr>
         <a:buFont typeface="Arial"/>
-        <a:defRPr b="0" i="0" sz="1400" u="none" cap="none" strike="noStrike">
+        <a:defRPr sz="1400" b="0" i="0" u="none" strike="noStrike" cap="none">
           <a:solidFill>
             <a:srgbClr val="000000"/>
           </a:solidFill>
@@ -9702,7 +9662,7 @@
           <a:sym typeface="Arial"/>
         </a:defRPr>
       </a:lvl7pPr>
-      <a:lvl8pPr lvl="7" marR="0" rtl="0" algn="l">
+      <a:lvl8pPr marR="0" lvl="7" algn="l" rtl="0">
         <a:lnSpc>
           <a:spcPct val="100000"/>
         </a:lnSpc>
@@ -9716,7 +9676,7 @@
           <a:srgbClr val="000000"/>
         </a:buClr>
         <a:buFont typeface="Arial"/>
-        <a:defRPr b="0" i="0" sz="1400" u="none" cap="none" strike="noStrike">
+        <a:defRPr sz="1400" b="0" i="0" u="none" strike="noStrike" cap="none">
           <a:solidFill>
             <a:srgbClr val="000000"/>
           </a:solidFill>
@@ -9726,7 +9686,7 @@
           <a:sym typeface="Arial"/>
         </a:defRPr>
       </a:lvl8pPr>
-      <a:lvl9pPr lvl="8" marR="0" rtl="0" algn="l">
+      <a:lvl9pPr marR="0" lvl="8" algn="l" rtl="0">
         <a:lnSpc>
           <a:spcPct val="100000"/>
         </a:lnSpc>
@@ -9740,7 +9700,7 @@
           <a:srgbClr val="000000"/>
         </a:buClr>
         <a:buFont typeface="Arial"/>
-        <a:defRPr b="0" i="0" sz="1400" u="none" cap="none" strike="noStrike">
+        <a:defRPr sz="1400" b="0" i="0" u="none" strike="noStrike" cap="none">
           <a:solidFill>
             <a:srgbClr val="000000"/>
           </a:solidFill>
@@ -9752,7 +9712,7 @@
       </a:lvl9pPr>
     </p:bodyStyle>
     <p:otherStyle>
-      <a:defPPr lvl="0" marR="0" rtl="0" algn="l">
+      <a:defPPr marR="0" lvl="0" algn="l" rtl="0">
         <a:lnSpc>
           <a:spcPct val="100000"/>
         </a:lnSpc>
@@ -9763,7 +9723,7 @@
           <a:spcPts val="0"/>
         </a:spcAft>
       </a:defPPr>
-      <a:lvl1pPr lvl="0" marR="0" rtl="0" algn="l">
+      <a:lvl1pPr marR="0" lvl="0" algn="l" rtl="0">
         <a:lnSpc>
           <a:spcPct val="100000"/>
         </a:lnSpc>
@@ -9777,7 +9737,7 @@
           <a:srgbClr val="000000"/>
         </a:buClr>
         <a:buFont typeface="Arial"/>
-        <a:defRPr b="0" i="0" sz="1400" u="none" cap="none" strike="noStrike">
+        <a:defRPr sz="1400" b="0" i="0" u="none" strike="noStrike" cap="none">
           <a:solidFill>
             <a:srgbClr val="000000"/>
           </a:solidFill>
@@ -9787,7 +9747,7 @@
           <a:sym typeface="Arial"/>
         </a:defRPr>
       </a:lvl1pPr>
-      <a:lvl2pPr lvl="1" marR="0" rtl="0" algn="l">
+      <a:lvl2pPr marR="0" lvl="1" algn="l" rtl="0">
         <a:lnSpc>
           <a:spcPct val="100000"/>
         </a:lnSpc>
@@ -9801,7 +9761,7 @@
           <a:srgbClr val="000000"/>
         </a:buClr>
         <a:buFont typeface="Arial"/>
-        <a:defRPr b="0" i="0" sz="1400" u="none" cap="none" strike="noStrike">
+        <a:defRPr sz="1400" b="0" i="0" u="none" strike="noStrike" cap="none">
           <a:solidFill>
             <a:srgbClr val="000000"/>
           </a:solidFill>
@@ -9811,7 +9771,7 @@
           <a:sym typeface="Arial"/>
         </a:defRPr>
       </a:lvl2pPr>
-      <a:lvl3pPr lvl="2" marR="0" rtl="0" algn="l">
+      <a:lvl3pPr marR="0" lvl="2" algn="l" rtl="0">
         <a:lnSpc>
           <a:spcPct val="100000"/>
         </a:lnSpc>
@@ -9825,7 +9785,7 @@
           <a:srgbClr val="000000"/>
         </a:buClr>
         <a:buFont typeface="Arial"/>
-        <a:defRPr b="0" i="0" sz="1400" u="none" cap="none" strike="noStrike">
+        <a:defRPr sz="1400" b="0" i="0" u="none" strike="noStrike" cap="none">
           <a:solidFill>
             <a:srgbClr val="000000"/>
           </a:solidFill>
@@ -9835,7 +9795,7 @@
           <a:sym typeface="Arial"/>
         </a:defRPr>
       </a:lvl3pPr>
-      <a:lvl4pPr lvl="3" marR="0" rtl="0" algn="l">
+      <a:lvl4pPr marR="0" lvl="3" algn="l" rtl="0">
         <a:lnSpc>
           <a:spcPct val="100000"/>
         </a:lnSpc>
@@ -9849,7 +9809,7 @@
           <a:srgbClr val="000000"/>
         </a:buClr>
         <a:buFont typeface="Arial"/>
-        <a:defRPr b="0" i="0" sz="1400" u="none" cap="none" strike="noStrike">
+        <a:defRPr sz="1400" b="0" i="0" u="none" strike="noStrike" cap="none">
           <a:solidFill>
             <a:srgbClr val="000000"/>
           </a:solidFill>
@@ -9859,7 +9819,7 @@
           <a:sym typeface="Arial"/>
         </a:defRPr>
       </a:lvl4pPr>
-      <a:lvl5pPr lvl="4" marR="0" rtl="0" algn="l">
+      <a:lvl5pPr marR="0" lvl="4" algn="l" rtl="0">
         <a:lnSpc>
           <a:spcPct val="100000"/>
         </a:lnSpc>
@@ -9873,7 +9833,7 @@
           <a:srgbClr val="000000"/>
         </a:buClr>
         <a:buFont typeface="Arial"/>
-        <a:defRPr b="0" i="0" sz="1400" u="none" cap="none" strike="noStrike">
+        <a:defRPr sz="1400" b="0" i="0" u="none" strike="noStrike" cap="none">
           <a:solidFill>
             <a:srgbClr val="000000"/>
           </a:solidFill>
@@ -9883,7 +9843,7 @@
           <a:sym typeface="Arial"/>
         </a:defRPr>
       </a:lvl5pPr>
-      <a:lvl6pPr lvl="5" marR="0" rtl="0" algn="l">
+      <a:lvl6pPr marR="0" lvl="5" algn="l" rtl="0">
         <a:lnSpc>
           <a:spcPct val="100000"/>
         </a:lnSpc>
@@ -9897,7 +9857,7 @@
           <a:srgbClr val="000000"/>
         </a:buClr>
         <a:buFont typeface="Arial"/>
-        <a:defRPr b="0" i="0" sz="1400" u="none" cap="none" strike="noStrike">
+        <a:defRPr sz="1400" b="0" i="0" u="none" strike="noStrike" cap="none">
           <a:solidFill>
             <a:srgbClr val="000000"/>
           </a:solidFill>
@@ -9907,7 +9867,7 @@
           <a:sym typeface="Arial"/>
         </a:defRPr>
       </a:lvl6pPr>
-      <a:lvl7pPr lvl="6" marR="0" rtl="0" algn="l">
+      <a:lvl7pPr marR="0" lvl="6" algn="l" rtl="0">
         <a:lnSpc>
           <a:spcPct val="100000"/>
         </a:lnSpc>
@@ -9921,7 +9881,7 @@
           <a:srgbClr val="000000"/>
         </a:buClr>
         <a:buFont typeface="Arial"/>
-        <a:defRPr b="0" i="0" sz="1400" u="none" cap="none" strike="noStrike">
+        <a:defRPr sz="1400" b="0" i="0" u="none" strike="noStrike" cap="none">
           <a:solidFill>
             <a:srgbClr val="000000"/>
           </a:solidFill>
@@ -9931,7 +9891,7 @@
           <a:sym typeface="Arial"/>
         </a:defRPr>
       </a:lvl7pPr>
-      <a:lvl8pPr lvl="7" marR="0" rtl="0" algn="l">
+      <a:lvl8pPr marR="0" lvl="7" algn="l" rtl="0">
         <a:lnSpc>
           <a:spcPct val="100000"/>
         </a:lnSpc>
@@ -9945,7 +9905,7 @@
           <a:srgbClr val="000000"/>
         </a:buClr>
         <a:buFont typeface="Arial"/>
-        <a:defRPr b="0" i="0" sz="1400" u="none" cap="none" strike="noStrike">
+        <a:defRPr sz="1400" b="0" i="0" u="none" strike="noStrike" cap="none">
           <a:solidFill>
             <a:srgbClr val="000000"/>
           </a:solidFill>
@@ -9955,7 +9915,7 @@
           <a:sym typeface="Arial"/>
         </a:defRPr>
       </a:lvl8pPr>
-      <a:lvl9pPr lvl="8" marR="0" rtl="0" algn="l">
+      <a:lvl9pPr marR="0" lvl="8" algn="l" rtl="0">
         <a:lnSpc>
           <a:spcPct val="100000"/>
         </a:lnSpc>
@@ -9969,7 +9929,7 @@
           <a:srgbClr val="000000"/>
         </a:buClr>
         <a:buFont typeface="Arial"/>
-        <a:defRPr b="0" i="0" sz="1400" u="none" cap="none" strike="noStrike">
+        <a:defRPr sz="1400" b="0" i="0" u="none" strike="noStrike" cap="none">
           <a:solidFill>
             <a:srgbClr val="000000"/>
           </a:solidFill>
@@ -9985,11 +9945,11 @@
 </file>
 
 <file path=ppt/slides/slide1.xml><?xml version="1.0" encoding="utf-8"?>
-<p:sld xmlns:a="http://schemas.openxmlformats.org/drawingml/2006/main" xmlns:r="http://schemas.openxmlformats.org/officeDocument/2006/relationships" xmlns:mc="http://schemas.openxmlformats.org/markup-compatibility/2006" xmlns:mv="urn:schemas-microsoft-com:mac:vml" xmlns:p="http://schemas.openxmlformats.org/presentationml/2006/main" xmlns:c="http://schemas.openxmlformats.org/drawingml/2006/chart" xmlns:dgm="http://schemas.openxmlformats.org/drawingml/2006/diagram" xmlns:o="urn:schemas-microsoft-com:office:office" xmlns:v="urn:schemas-microsoft-com:vml" xmlns:pvml="urn:schemas-microsoft-com:office:powerpoint" xmlns:com="http://schemas.openxmlformats.org/drawingml/2006/compatibility" xmlns:p14="http://schemas.microsoft.com/office/powerpoint/2010/main" xmlns:p15="http://schemas.microsoft.com/office/powerpoint/2012/main" xmlns:ahyp="http://schemas.microsoft.com/office/drawing/2018/hyperlinkcolor">
+<p:sld xmlns:a="http://schemas.openxmlformats.org/drawingml/2006/main" xmlns:r="http://schemas.openxmlformats.org/officeDocument/2006/relationships" xmlns:p="http://schemas.openxmlformats.org/presentationml/2006/main">
   <p:cSld>
     <p:spTree>
       <p:nvGrpSpPr>
-        <p:cNvPr id="133" name="Shape 133"/>
+        <p:cNvPr id="1" name="Shape 133"/>
         <p:cNvGrpSpPr/>
         <p:nvPr/>
       </p:nvGrpSpPr>
@@ -10004,7 +9964,9 @@
       <p:sp>
         <p:nvSpPr>
           <p:cNvPr id="134" name="Google Shape;134;p13"/>
-          <p:cNvSpPr txBox="1"/>
+          <p:cNvSpPr txBox="1">
+            <a:spLocks noGrp="1"/>
+          </p:cNvSpPr>
           <p:nvPr>
             <p:ph type="ctrTitle"/>
           </p:nvPr>
@@ -10019,12 +9981,12 @@
           </a:prstGeom>
         </p:spPr>
         <p:txBody>
-          <a:bodyPr anchorCtr="0" anchor="t" bIns="91425" lIns="91425" spcFirstLastPara="1" rIns="91425" wrap="square" tIns="91425">
+          <a:bodyPr spcFirstLastPara="1" wrap="square" lIns="91425" tIns="91425" rIns="91425" bIns="91425" anchor="t" anchorCtr="0">
             <a:normAutofit/>
           </a:bodyPr>
           <a:lstStyle/>
           <a:p>
-            <a:pPr indent="0" lvl="0" marL="0" rtl="0" algn="l">
+            <a:pPr marL="0" lvl="0" indent="0" algn="l" rtl="0">
               <a:spcBef>
                 <a:spcPts val="0"/>
               </a:spcBef>
@@ -10040,7 +10002,7 @@
             <a:endParaRPr/>
           </a:p>
           <a:p>
-            <a:pPr indent="0" lvl="0" marL="0" rtl="0" algn="l">
+            <a:pPr marL="0" lvl="0" indent="0" algn="l" rtl="0">
               <a:spcBef>
                 <a:spcPts val="0"/>
               </a:spcBef>
@@ -10049,9 +10011,6 @@
               </a:spcAft>
               <a:buNone/>
             </a:pPr>
-            <a:r>
-              <a:t/>
-            </a:r>
             <a:endParaRPr/>
           </a:p>
         </p:txBody>
@@ -10059,9 +10018,11 @@
       <p:sp>
         <p:nvSpPr>
           <p:cNvPr id="135" name="Google Shape;135;p13"/>
-          <p:cNvSpPr txBox="1"/>
+          <p:cNvSpPr txBox="1">
+            <a:spLocks noGrp="1"/>
+          </p:cNvSpPr>
           <p:nvPr>
-            <p:ph idx="1" type="subTitle"/>
+            <p:ph type="subTitle" idx="1"/>
           </p:nvPr>
         </p:nvSpPr>
         <p:spPr>
@@ -10074,12 +10035,12 @@
           </a:prstGeom>
         </p:spPr>
         <p:txBody>
-          <a:bodyPr anchorCtr="0" anchor="t" bIns="91425" lIns="91425" spcFirstLastPara="1" rIns="91425" wrap="square" tIns="91425">
+          <a:bodyPr spcFirstLastPara="1" wrap="square" lIns="91425" tIns="91425" rIns="91425" bIns="91425" anchor="t" anchorCtr="0">
             <a:normAutofit/>
           </a:bodyPr>
           <a:lstStyle/>
           <a:p>
-            <a:pPr indent="0" lvl="0" marL="0" rtl="0" algn="ctr">
+            <a:pPr marL="0" lvl="0" indent="0" algn="ctr" rtl="0">
               <a:spcBef>
                 <a:spcPts val="0"/>
               </a:spcBef>
@@ -10095,7 +10056,7 @@
             <a:endParaRPr/>
           </a:p>
           <a:p>
-            <a:pPr indent="0" lvl="0" marL="0" rtl="0" algn="l">
+            <a:pPr marL="0" lvl="0" indent="0" algn="l" rtl="0">
               <a:spcBef>
                 <a:spcPts val="0"/>
               </a:spcBef>
@@ -10121,11 +10082,11 @@
 </file>
 
 <file path=ppt/slides/slide10.xml><?xml version="1.0" encoding="utf-8"?>
-<p:sld xmlns:a="http://schemas.openxmlformats.org/drawingml/2006/main" xmlns:r="http://schemas.openxmlformats.org/officeDocument/2006/relationships" xmlns:mc="http://schemas.openxmlformats.org/markup-compatibility/2006" xmlns:mv="urn:schemas-microsoft-com:mac:vml" xmlns:p="http://schemas.openxmlformats.org/presentationml/2006/main" xmlns:c="http://schemas.openxmlformats.org/drawingml/2006/chart" xmlns:dgm="http://schemas.openxmlformats.org/drawingml/2006/diagram" xmlns:o="urn:schemas-microsoft-com:office:office" xmlns:v="urn:schemas-microsoft-com:vml" xmlns:pvml="urn:schemas-microsoft-com:office:powerpoint" xmlns:com="http://schemas.openxmlformats.org/drawingml/2006/compatibility" xmlns:p14="http://schemas.microsoft.com/office/powerpoint/2010/main" xmlns:p15="http://schemas.microsoft.com/office/powerpoint/2012/main" xmlns:ahyp="http://schemas.microsoft.com/office/drawing/2018/hyperlinkcolor">
+<p:sld xmlns:a="http://schemas.openxmlformats.org/drawingml/2006/main" xmlns:r="http://schemas.openxmlformats.org/officeDocument/2006/relationships" xmlns:p="http://schemas.openxmlformats.org/presentationml/2006/main">
   <p:cSld>
     <p:spTree>
       <p:nvGrpSpPr>
-        <p:cNvPr id="189" name="Shape 189"/>
+        <p:cNvPr id="1" name="Shape 189"/>
         <p:cNvGrpSpPr/>
         <p:nvPr/>
       </p:nvGrpSpPr>
@@ -10140,7 +10101,9 @@
       <p:sp>
         <p:nvSpPr>
           <p:cNvPr id="190" name="Google Shape;190;p22"/>
-          <p:cNvSpPr txBox="1"/>
+          <p:cNvSpPr txBox="1">
+            <a:spLocks noGrp="1"/>
+          </p:cNvSpPr>
           <p:nvPr>
             <p:ph type="title"/>
           </p:nvPr>
@@ -10155,12 +10118,12 @@
           </a:prstGeom>
         </p:spPr>
         <p:txBody>
-          <a:bodyPr anchorCtr="0" anchor="t" bIns="91425" lIns="91425" spcFirstLastPara="1" rIns="91425" wrap="square" tIns="91425">
+          <a:bodyPr spcFirstLastPara="1" wrap="square" lIns="91425" tIns="91425" rIns="91425" bIns="91425" anchor="t" anchorCtr="0">
             <a:normAutofit fontScale="90000"/>
           </a:bodyPr>
           <a:lstStyle/>
           <a:p>
-            <a:pPr indent="0" lvl="0" marL="0" rtl="0" algn="l">
+            <a:pPr marL="0" lvl="0" indent="0" algn="l" rtl="0">
               <a:spcBef>
                 <a:spcPts val="0"/>
               </a:spcBef>
@@ -10180,9 +10143,11 @@
       <p:sp>
         <p:nvSpPr>
           <p:cNvPr id="191" name="Google Shape;191;p22"/>
-          <p:cNvSpPr txBox="1"/>
+          <p:cNvSpPr txBox="1">
+            <a:spLocks noGrp="1"/>
+          </p:cNvSpPr>
           <p:nvPr>
-            <p:ph idx="1" type="body"/>
+            <p:ph type="body" idx="1"/>
           </p:nvPr>
         </p:nvSpPr>
         <p:spPr>
@@ -10195,12 +10160,12 @@
           </a:prstGeom>
         </p:spPr>
         <p:txBody>
-          <a:bodyPr anchorCtr="0" anchor="t" bIns="91425" lIns="91425" spcFirstLastPara="1" rIns="91425" wrap="square" tIns="91425">
+          <a:bodyPr spcFirstLastPara="1" wrap="square" lIns="91425" tIns="91425" rIns="91425" bIns="91425" anchor="t" anchorCtr="0">
             <a:normAutofit/>
           </a:bodyPr>
           <a:lstStyle/>
           <a:p>
-            <a:pPr indent="-311150" lvl="0" marL="457200" rtl="0" algn="l">
+            <a:pPr marL="457200" lvl="0" indent="-311150" algn="l" rtl="0">
               <a:spcBef>
                 <a:spcPts val="0"/>
               </a:spcBef>
@@ -10217,7 +10182,7 @@
             <a:endParaRPr/>
           </a:p>
           <a:p>
-            <a:pPr indent="-311150" lvl="0" marL="457200" rtl="0" algn="l">
+            <a:pPr marL="457200" lvl="0" indent="-311150" algn="l" rtl="0">
               <a:spcBef>
                 <a:spcPts val="0"/>
               </a:spcBef>
@@ -10234,7 +10199,7 @@
             <a:endParaRPr/>
           </a:p>
           <a:p>
-            <a:pPr indent="-311150" lvl="0" marL="457200" rtl="0" algn="l">
+            <a:pPr marL="457200" lvl="0" indent="-311150" algn="l" rtl="0">
               <a:spcBef>
                 <a:spcPts val="0"/>
               </a:spcBef>
@@ -10251,7 +10216,7 @@
             <a:endParaRPr/>
           </a:p>
           <a:p>
-            <a:pPr indent="-311150" lvl="0" marL="457200" rtl="0" algn="l">
+            <a:pPr marL="457200" lvl="0" indent="-311150" algn="l" rtl="0">
               <a:spcBef>
                 <a:spcPts val="0"/>
               </a:spcBef>
@@ -10278,11 +10243,11 @@
 </file>
 
 <file path=ppt/slides/slide11.xml><?xml version="1.0" encoding="utf-8"?>
-<p:sld xmlns:a="http://schemas.openxmlformats.org/drawingml/2006/main" xmlns:r="http://schemas.openxmlformats.org/officeDocument/2006/relationships" xmlns:mc="http://schemas.openxmlformats.org/markup-compatibility/2006" xmlns:mv="urn:schemas-microsoft-com:mac:vml" xmlns:p="http://schemas.openxmlformats.org/presentationml/2006/main" xmlns:c="http://schemas.openxmlformats.org/drawingml/2006/chart" xmlns:dgm="http://schemas.openxmlformats.org/drawingml/2006/diagram" xmlns:o="urn:schemas-microsoft-com:office:office" xmlns:v="urn:schemas-microsoft-com:vml" xmlns:pvml="urn:schemas-microsoft-com:office:powerpoint" xmlns:com="http://schemas.openxmlformats.org/drawingml/2006/compatibility" xmlns:p14="http://schemas.microsoft.com/office/powerpoint/2010/main" xmlns:p15="http://schemas.microsoft.com/office/powerpoint/2012/main" xmlns:ahyp="http://schemas.microsoft.com/office/drawing/2018/hyperlinkcolor">
+<p:sld xmlns:a="http://schemas.openxmlformats.org/drawingml/2006/main" xmlns:r="http://schemas.openxmlformats.org/officeDocument/2006/relationships" xmlns:p="http://schemas.openxmlformats.org/presentationml/2006/main">
   <p:cSld>
     <p:spTree>
       <p:nvGrpSpPr>
-        <p:cNvPr id="195" name="Shape 195"/>
+        <p:cNvPr id="1" name="Shape 195"/>
         <p:cNvGrpSpPr/>
         <p:nvPr/>
       </p:nvGrpSpPr>
@@ -10297,7 +10262,9 @@
       <p:sp>
         <p:nvSpPr>
           <p:cNvPr id="196" name="Google Shape;196;p23"/>
-          <p:cNvSpPr txBox="1"/>
+          <p:cNvSpPr txBox="1">
+            <a:spLocks noGrp="1"/>
+          </p:cNvSpPr>
           <p:nvPr>
             <p:ph type="title"/>
           </p:nvPr>
@@ -10312,12 +10279,12 @@
           </a:prstGeom>
         </p:spPr>
         <p:txBody>
-          <a:bodyPr anchorCtr="0" anchor="t" bIns="91425" lIns="91425" spcFirstLastPara="1" rIns="91425" wrap="square" tIns="91425">
+          <a:bodyPr spcFirstLastPara="1" wrap="square" lIns="91425" tIns="91425" rIns="91425" bIns="91425" anchor="t" anchorCtr="0">
             <a:normAutofit/>
           </a:bodyPr>
           <a:lstStyle/>
           <a:p>
-            <a:pPr indent="0" lvl="0" marL="0" rtl="0" algn="l">
+            <a:pPr marL="0" lvl="0" indent="0" algn="l" rtl="0">
               <a:spcBef>
                 <a:spcPts val="0"/>
               </a:spcBef>
@@ -10337,9 +10304,11 @@
       <p:sp>
         <p:nvSpPr>
           <p:cNvPr id="197" name="Google Shape;197;p23"/>
-          <p:cNvSpPr txBox="1"/>
+          <p:cNvSpPr txBox="1">
+            <a:spLocks noGrp="1"/>
+          </p:cNvSpPr>
           <p:nvPr>
-            <p:ph idx="1" type="body"/>
+            <p:ph type="body" idx="1"/>
           </p:nvPr>
         </p:nvSpPr>
         <p:spPr>
@@ -10352,12 +10321,12 @@
           </a:prstGeom>
         </p:spPr>
         <p:txBody>
-          <a:bodyPr anchorCtr="0" anchor="t" bIns="91425" lIns="91425" spcFirstLastPara="1" rIns="91425" wrap="square" tIns="91425">
+          <a:bodyPr spcFirstLastPara="1" wrap="square" lIns="91425" tIns="91425" rIns="91425" bIns="91425" anchor="t" anchorCtr="0">
             <a:normAutofit/>
           </a:bodyPr>
           <a:lstStyle/>
           <a:p>
-            <a:pPr indent="-311150" lvl="0" marL="457200" rtl="0" algn="l">
+            <a:pPr marL="457200" lvl="0" indent="-311150" algn="l" rtl="0">
               <a:spcBef>
                 <a:spcPts val="0"/>
               </a:spcBef>
@@ -10374,7 +10343,7 @@
             <a:endParaRPr/>
           </a:p>
           <a:p>
-            <a:pPr indent="-311150" lvl="0" marL="457200" rtl="0" algn="l">
+            <a:pPr marL="457200" lvl="0" indent="-311150" algn="l" rtl="0">
               <a:spcBef>
                 <a:spcPts val="0"/>
               </a:spcBef>
@@ -10391,7 +10360,7 @@
             <a:endParaRPr/>
           </a:p>
           <a:p>
-            <a:pPr indent="-298450" lvl="1" marL="914400" rtl="0" algn="l">
+            <a:pPr marL="914400" lvl="1" indent="-298450" algn="l" rtl="0">
               <a:spcBef>
                 <a:spcPts val="0"/>
               </a:spcBef>
@@ -10408,7 +10377,7 @@
             <a:endParaRPr/>
           </a:p>
           <a:p>
-            <a:pPr indent="-311150" lvl="0" marL="457200" rtl="0" algn="l">
+            <a:pPr marL="457200" lvl="0" indent="-311150" algn="l" rtl="0">
               <a:spcBef>
                 <a:spcPts val="0"/>
               </a:spcBef>
@@ -10425,7 +10394,7 @@
             <a:endParaRPr/>
           </a:p>
           <a:p>
-            <a:pPr indent="0" lvl="0" marL="0" rtl="0" algn="l">
+            <a:pPr marL="0" lvl="0" indent="0" algn="l" rtl="0">
               <a:spcBef>
                 <a:spcPts val="1200"/>
               </a:spcBef>
@@ -10435,7 +10404,7 @@
               <a:buNone/>
             </a:pPr>
             <a:r>
-              <a:rPr b="1" lang="en"/>
+              <a:rPr lang="en" b="1"/>
               <a:t>Total Weight: 20</a:t>
             </a:r>
             <a:endParaRPr/>
@@ -10451,11 +10420,11 @@
 </file>
 
 <file path=ppt/slides/slide2.xml><?xml version="1.0" encoding="utf-8"?>
-<p:sld xmlns:a="http://schemas.openxmlformats.org/drawingml/2006/main" xmlns:r="http://schemas.openxmlformats.org/officeDocument/2006/relationships" xmlns:mc="http://schemas.openxmlformats.org/markup-compatibility/2006" xmlns:mv="urn:schemas-microsoft-com:mac:vml" xmlns:p="http://schemas.openxmlformats.org/presentationml/2006/main" xmlns:c="http://schemas.openxmlformats.org/drawingml/2006/chart" xmlns:dgm="http://schemas.openxmlformats.org/drawingml/2006/diagram" xmlns:o="urn:schemas-microsoft-com:office:office" xmlns:v="urn:schemas-microsoft-com:vml" xmlns:pvml="urn:schemas-microsoft-com:office:powerpoint" xmlns:com="http://schemas.openxmlformats.org/drawingml/2006/compatibility" xmlns:p14="http://schemas.microsoft.com/office/powerpoint/2010/main" xmlns:p15="http://schemas.microsoft.com/office/powerpoint/2012/main" xmlns:ahyp="http://schemas.microsoft.com/office/drawing/2018/hyperlinkcolor">
+<p:sld xmlns:a="http://schemas.openxmlformats.org/drawingml/2006/main" xmlns:r="http://schemas.openxmlformats.org/officeDocument/2006/relationships" xmlns:p="http://schemas.openxmlformats.org/presentationml/2006/main">
   <p:cSld>
     <p:spTree>
       <p:nvGrpSpPr>
-        <p:cNvPr id="139" name="Shape 139"/>
+        <p:cNvPr id="1" name="Shape 139"/>
         <p:cNvGrpSpPr/>
         <p:nvPr/>
       </p:nvGrpSpPr>
@@ -10560,11 +10529,11 @@
 </file>
 
 <file path=ppt/slides/slide3.xml><?xml version="1.0" encoding="utf-8"?>
-<p:sld xmlns:a="http://schemas.openxmlformats.org/drawingml/2006/main" xmlns:r="http://schemas.openxmlformats.org/officeDocument/2006/relationships" xmlns:mc="http://schemas.openxmlformats.org/markup-compatibility/2006" xmlns:mv="urn:schemas-microsoft-com:mac:vml" xmlns:p="http://schemas.openxmlformats.org/presentationml/2006/main" xmlns:c="http://schemas.openxmlformats.org/drawingml/2006/chart" xmlns:dgm="http://schemas.openxmlformats.org/drawingml/2006/diagram" xmlns:o="urn:schemas-microsoft-com:office:office" xmlns:v="urn:schemas-microsoft-com:vml" xmlns:pvml="urn:schemas-microsoft-com:office:powerpoint" xmlns:com="http://schemas.openxmlformats.org/drawingml/2006/compatibility" xmlns:p14="http://schemas.microsoft.com/office/powerpoint/2010/main" xmlns:p15="http://schemas.microsoft.com/office/powerpoint/2012/main" xmlns:ahyp="http://schemas.microsoft.com/office/drawing/2018/hyperlinkcolor">
+<p:sld xmlns:a="http://schemas.openxmlformats.org/drawingml/2006/main" xmlns:r="http://schemas.openxmlformats.org/officeDocument/2006/relationships" xmlns:p="http://schemas.openxmlformats.org/presentationml/2006/main">
   <p:cSld>
     <p:spTree>
       <p:nvGrpSpPr>
-        <p:cNvPr id="146" name="Shape 146"/>
+        <p:cNvPr id="1" name="Shape 146"/>
         <p:cNvGrpSpPr/>
         <p:nvPr/>
       </p:nvGrpSpPr>
@@ -10579,7 +10548,9 @@
       <p:sp>
         <p:nvSpPr>
           <p:cNvPr id="147" name="Google Shape;147;p15"/>
-          <p:cNvSpPr txBox="1"/>
+          <p:cNvSpPr txBox="1">
+            <a:spLocks noGrp="1"/>
+          </p:cNvSpPr>
           <p:nvPr>
             <p:ph type="title"/>
           </p:nvPr>
@@ -10594,12 +10565,12 @@
           </a:prstGeom>
         </p:spPr>
         <p:txBody>
-          <a:bodyPr anchorCtr="0" anchor="t" bIns="91425" lIns="91425" spcFirstLastPara="1" rIns="91425" wrap="square" tIns="91425">
+          <a:bodyPr spcFirstLastPara="1" wrap="square" lIns="91425" tIns="91425" rIns="91425" bIns="91425" anchor="t" anchorCtr="0">
             <a:normAutofit/>
           </a:bodyPr>
           <a:lstStyle/>
           <a:p>
-            <a:pPr indent="0" lvl="0" marL="0" rtl="0" algn="l">
+            <a:pPr marL="0" lvl="0" indent="0" algn="l" rtl="0">
               <a:spcBef>
                 <a:spcPts val="0"/>
               </a:spcBef>
@@ -10619,9 +10590,11 @@
       <p:sp>
         <p:nvSpPr>
           <p:cNvPr id="148" name="Google Shape;148;p15"/>
-          <p:cNvSpPr txBox="1"/>
+          <p:cNvSpPr txBox="1">
+            <a:spLocks noGrp="1"/>
+          </p:cNvSpPr>
           <p:nvPr>
-            <p:ph idx="1" type="body"/>
+            <p:ph type="body" idx="1"/>
           </p:nvPr>
         </p:nvSpPr>
         <p:spPr>
@@ -10634,12 +10607,12 @@
           </a:prstGeom>
         </p:spPr>
         <p:txBody>
-          <a:bodyPr anchorCtr="0" anchor="t" bIns="91425" lIns="91425" spcFirstLastPara="1" rIns="91425" wrap="square" tIns="91425">
+          <a:bodyPr spcFirstLastPara="1" wrap="square" lIns="91425" tIns="91425" rIns="91425" bIns="91425" anchor="t" anchorCtr="0">
             <a:normAutofit/>
           </a:bodyPr>
           <a:lstStyle/>
           <a:p>
-            <a:pPr indent="-336550" lvl="0" marL="457200" rtl="0" algn="l">
+            <a:pPr marL="457200" lvl="0" indent="-336550" algn="l" rtl="0">
               <a:spcBef>
                 <a:spcPts val="0"/>
               </a:spcBef>
@@ -10656,7 +10629,7 @@
             <a:endParaRPr sz="1700"/>
           </a:p>
           <a:p>
-            <a:pPr indent="-336550" lvl="0" marL="457200" rtl="0" algn="l">
+            <a:pPr marL="457200" lvl="0" indent="-336550" algn="l" rtl="0">
               <a:spcBef>
                 <a:spcPts val="0"/>
               </a:spcBef>
@@ -10668,20 +10641,12 @@
             </a:pPr>
             <a:r>
               <a:rPr lang="en" sz="1700"/>
-              <a:t>Finally got the </a:t>
-            </a:r>
-            <a:r>
-              <a:rPr lang="en" sz="1700"/>
-              <a:t>chance</a:t>
-            </a:r>
-            <a:r>
-              <a:rPr lang="en" sz="1700"/>
-              <a:t> to re design the UI a little bit (will do more this week)</a:t>
+              <a:t>Finally got the chance to re design the UI a little bit (will do more this week)</a:t>
             </a:r>
             <a:endParaRPr sz="1700"/>
           </a:p>
           <a:p>
-            <a:pPr indent="-336550" lvl="0" marL="457200" rtl="0" algn="l">
+            <a:pPr marL="457200" lvl="0" indent="-336550" algn="l" rtl="0">
               <a:spcBef>
                 <a:spcPts val="0"/>
               </a:spcBef>
@@ -10693,20 +10658,12 @@
             </a:pPr>
             <a:r>
               <a:rPr lang="en" sz="1700"/>
-              <a:t> Nomachine is working so now we can update prod without making a </a:t>
-            </a:r>
-            <a:r>
-              <a:rPr lang="en" sz="1700"/>
-              <a:t>pilgrimage</a:t>
-            </a:r>
-            <a:r>
-              <a:rPr lang="en" sz="1700"/>
-              <a:t> to campus</a:t>
+              <a:t> Nomachine is working so now we can update prod without making a pilgrimage to campus</a:t>
             </a:r>
             <a:endParaRPr sz="1700"/>
           </a:p>
           <a:p>
-            <a:pPr indent="0" lvl="0" marL="0" rtl="0" algn="l">
+            <a:pPr marL="0" lvl="0" indent="0" algn="l" rtl="0">
               <a:spcBef>
                 <a:spcPts val="1200"/>
               </a:spcBef>
@@ -10715,9 +10672,6 @@
               </a:spcAft>
               <a:buNone/>
             </a:pPr>
-            <a:r>
-              <a:t/>
-            </a:r>
             <a:endParaRPr/>
           </a:p>
         </p:txBody>
@@ -10731,11 +10685,11 @@
 </file>
 
 <file path=ppt/slides/slide4.xml><?xml version="1.0" encoding="utf-8"?>
-<p:sld xmlns:a="http://schemas.openxmlformats.org/drawingml/2006/main" xmlns:r="http://schemas.openxmlformats.org/officeDocument/2006/relationships" xmlns:mc="http://schemas.openxmlformats.org/markup-compatibility/2006" xmlns:mv="urn:schemas-microsoft-com:mac:vml" xmlns:p="http://schemas.openxmlformats.org/presentationml/2006/main" xmlns:c="http://schemas.openxmlformats.org/drawingml/2006/chart" xmlns:dgm="http://schemas.openxmlformats.org/drawingml/2006/diagram" xmlns:o="urn:schemas-microsoft-com:office:office" xmlns:v="urn:schemas-microsoft-com:vml" xmlns:pvml="urn:schemas-microsoft-com:office:powerpoint" xmlns:com="http://schemas.openxmlformats.org/drawingml/2006/compatibility" xmlns:p14="http://schemas.microsoft.com/office/powerpoint/2010/main" xmlns:p15="http://schemas.microsoft.com/office/powerpoint/2012/main" xmlns:ahyp="http://schemas.microsoft.com/office/drawing/2018/hyperlinkcolor">
+<p:sld xmlns:a="http://schemas.openxmlformats.org/drawingml/2006/main" xmlns:r="http://schemas.openxmlformats.org/officeDocument/2006/relationships" xmlns:p="http://schemas.openxmlformats.org/presentationml/2006/main">
   <p:cSld>
     <p:spTree>
       <p:nvGrpSpPr>
-        <p:cNvPr id="152" name="Shape 152"/>
+        <p:cNvPr id="1" name="Shape 152"/>
         <p:cNvGrpSpPr/>
         <p:nvPr/>
       </p:nvGrpSpPr>
@@ -10750,7 +10704,9 @@
       <p:sp>
         <p:nvSpPr>
           <p:cNvPr id="153" name="Google Shape;153;p16"/>
-          <p:cNvSpPr txBox="1"/>
+          <p:cNvSpPr txBox="1">
+            <a:spLocks noGrp="1"/>
+          </p:cNvSpPr>
           <p:nvPr>
             <p:ph type="title"/>
           </p:nvPr>
@@ -10765,12 +10721,12 @@
           </a:prstGeom>
         </p:spPr>
         <p:txBody>
-          <a:bodyPr anchorCtr="0" anchor="t" bIns="91425" lIns="91425" spcFirstLastPara="1" rIns="91425" wrap="square" tIns="91425">
+          <a:bodyPr spcFirstLastPara="1" wrap="square" lIns="91425" tIns="91425" rIns="91425" bIns="91425" anchor="t" anchorCtr="0">
             <a:normAutofit/>
           </a:bodyPr>
           <a:lstStyle/>
           <a:p>
-            <a:pPr indent="0" lvl="0" marL="0" rtl="0" algn="l">
+            <a:pPr marL="0" lvl="0" indent="0" algn="l" rtl="0">
               <a:spcBef>
                 <a:spcPts val="0"/>
               </a:spcBef>
@@ -10790,9 +10746,11 @@
       <p:sp>
         <p:nvSpPr>
           <p:cNvPr id="154" name="Google Shape;154;p16"/>
-          <p:cNvSpPr txBox="1"/>
+          <p:cNvSpPr txBox="1">
+            <a:spLocks noGrp="1"/>
+          </p:cNvSpPr>
           <p:nvPr>
-            <p:ph idx="1" type="body"/>
+            <p:ph type="body" idx="1"/>
           </p:nvPr>
         </p:nvSpPr>
         <p:spPr>
@@ -10805,12 +10763,12 @@
           </a:prstGeom>
         </p:spPr>
         <p:txBody>
-          <a:bodyPr anchorCtr="0" anchor="t" bIns="91425" lIns="91425" spcFirstLastPara="1" rIns="91425" wrap="square" tIns="91425">
+          <a:bodyPr spcFirstLastPara="1" wrap="square" lIns="91425" tIns="91425" rIns="91425" bIns="91425" anchor="t" anchorCtr="0">
             <a:normAutofit/>
           </a:bodyPr>
           <a:lstStyle/>
           <a:p>
-            <a:pPr indent="-336550" lvl="0" marL="457200" rtl="0" algn="l">
+            <a:pPr marL="457200" lvl="0" indent="-336550" algn="l" rtl="0">
               <a:spcBef>
                 <a:spcPts val="0"/>
               </a:spcBef>
@@ -10822,28 +10780,12 @@
             </a:pPr>
             <a:r>
               <a:rPr lang="en" sz="1700"/>
-              <a:t>We didn’t have the time to fully implement everything we wanted so we need to </a:t>
-            </a:r>
-            <a:r>
-              <a:rPr lang="en" sz="1700"/>
-              <a:t>have</a:t>
-            </a:r>
-            <a:r>
-              <a:rPr lang="en" sz="1700"/>
-              <a:t> more </a:t>
-            </a:r>
-            <a:r>
-              <a:rPr lang="en" sz="1700"/>
-              <a:t>realistic</a:t>
-            </a:r>
-            <a:r>
-              <a:rPr lang="en" sz="1700"/>
-              <a:t> goals</a:t>
+              <a:t>We didn’t have the time to fully implement everything we wanted so we need to have more realistic goals</a:t>
             </a:r>
             <a:endParaRPr sz="1700"/>
           </a:p>
           <a:p>
-            <a:pPr indent="-336550" lvl="1" marL="914400" rtl="0" algn="l">
+            <a:pPr marL="914400" lvl="1" indent="-336550" algn="l" rtl="0">
               <a:spcBef>
                 <a:spcPts val="0"/>
               </a:spcBef>
@@ -10860,7 +10802,7 @@
             <a:endParaRPr sz="1700"/>
           </a:p>
           <a:p>
-            <a:pPr indent="-336550" lvl="1" marL="914400" rtl="0" algn="l">
+            <a:pPr marL="914400" lvl="1" indent="-336550" algn="l" rtl="0">
               <a:spcBef>
                 <a:spcPts val="0"/>
               </a:spcBef>
@@ -10877,7 +10819,7 @@
             <a:endParaRPr sz="1700"/>
           </a:p>
           <a:p>
-            <a:pPr indent="0" lvl="0" marL="0" rtl="0" algn="l">
+            <a:pPr marL="0" lvl="0" indent="0" algn="l" rtl="0">
               <a:spcBef>
                 <a:spcPts val="1200"/>
               </a:spcBef>
@@ -10886,9 +10828,6 @@
               </a:spcAft>
               <a:buNone/>
             </a:pPr>
-            <a:r>
-              <a:t/>
-            </a:r>
             <a:endParaRPr sz="1700"/>
           </a:p>
         </p:txBody>
@@ -10902,11 +10841,11 @@
 </file>
 
 <file path=ppt/slides/slide5.xml><?xml version="1.0" encoding="utf-8"?>
-<p:sld xmlns:a="http://schemas.openxmlformats.org/drawingml/2006/main" xmlns:r="http://schemas.openxmlformats.org/officeDocument/2006/relationships" xmlns:mc="http://schemas.openxmlformats.org/markup-compatibility/2006" xmlns:mv="urn:schemas-microsoft-com:mac:vml" xmlns:p="http://schemas.openxmlformats.org/presentationml/2006/main" xmlns:c="http://schemas.openxmlformats.org/drawingml/2006/chart" xmlns:dgm="http://schemas.openxmlformats.org/drawingml/2006/diagram" xmlns:o="urn:schemas-microsoft-com:office:office" xmlns:v="urn:schemas-microsoft-com:vml" xmlns:pvml="urn:schemas-microsoft-com:office:powerpoint" xmlns:com="http://schemas.openxmlformats.org/drawingml/2006/compatibility" xmlns:p14="http://schemas.microsoft.com/office/powerpoint/2010/main" xmlns:p15="http://schemas.microsoft.com/office/powerpoint/2012/main" xmlns:ahyp="http://schemas.microsoft.com/office/drawing/2018/hyperlinkcolor">
+<p:sld xmlns:a="http://schemas.openxmlformats.org/drawingml/2006/main" xmlns:r="http://schemas.openxmlformats.org/officeDocument/2006/relationships" xmlns:p="http://schemas.openxmlformats.org/presentationml/2006/main">
   <p:cSld>
     <p:spTree>
       <p:nvGrpSpPr>
-        <p:cNvPr id="158" name="Shape 158"/>
+        <p:cNvPr id="1" name="Shape 158"/>
         <p:cNvGrpSpPr/>
         <p:nvPr/>
       </p:nvGrpSpPr>
@@ -10921,7 +10860,9 @@
       <p:sp>
         <p:nvSpPr>
           <p:cNvPr id="159" name="Google Shape;159;p17"/>
-          <p:cNvSpPr txBox="1"/>
+          <p:cNvSpPr txBox="1">
+            <a:spLocks noGrp="1"/>
+          </p:cNvSpPr>
           <p:nvPr>
             <p:ph type="title"/>
           </p:nvPr>
@@ -10936,12 +10877,12 @@
           </a:prstGeom>
         </p:spPr>
         <p:txBody>
-          <a:bodyPr anchorCtr="0" anchor="t" bIns="91425" lIns="91425" spcFirstLastPara="1" rIns="91425" wrap="square" tIns="91425">
+          <a:bodyPr spcFirstLastPara="1" wrap="square" lIns="91425" tIns="91425" rIns="91425" bIns="91425" anchor="t" anchorCtr="0">
             <a:normAutofit/>
           </a:bodyPr>
           <a:lstStyle/>
           <a:p>
-            <a:pPr indent="0" lvl="0" marL="0" rtl="0" algn="l">
+            <a:pPr marL="0" lvl="0" indent="0" algn="l" rtl="0">
               <a:spcBef>
                 <a:spcPts val="0"/>
               </a:spcBef>
@@ -10995,11 +10936,11 @@
 </file>
 
 <file path=ppt/slides/slide6.xml><?xml version="1.0" encoding="utf-8"?>
-<p:sld xmlns:a="http://schemas.openxmlformats.org/drawingml/2006/main" xmlns:r="http://schemas.openxmlformats.org/officeDocument/2006/relationships" xmlns:mc="http://schemas.openxmlformats.org/markup-compatibility/2006" xmlns:mv="urn:schemas-microsoft-com:mac:vml" xmlns:p="http://schemas.openxmlformats.org/presentationml/2006/main" xmlns:c="http://schemas.openxmlformats.org/drawingml/2006/chart" xmlns:dgm="http://schemas.openxmlformats.org/drawingml/2006/diagram" xmlns:o="urn:schemas-microsoft-com:office:office" xmlns:v="urn:schemas-microsoft-com:vml" xmlns:pvml="urn:schemas-microsoft-com:office:powerpoint" xmlns:com="http://schemas.openxmlformats.org/drawingml/2006/compatibility" xmlns:p14="http://schemas.microsoft.com/office/powerpoint/2010/main" xmlns:p15="http://schemas.microsoft.com/office/powerpoint/2012/main" xmlns:ahyp="http://schemas.microsoft.com/office/drawing/2018/hyperlinkcolor">
+<p:sld xmlns:a="http://schemas.openxmlformats.org/drawingml/2006/main" xmlns:r="http://schemas.openxmlformats.org/officeDocument/2006/relationships" xmlns:p="http://schemas.openxmlformats.org/presentationml/2006/main">
   <p:cSld>
     <p:spTree>
       <p:nvGrpSpPr>
-        <p:cNvPr id="164" name="Shape 164"/>
+        <p:cNvPr id="1" name="Shape 164"/>
         <p:cNvGrpSpPr/>
         <p:nvPr/>
       </p:nvGrpSpPr>
@@ -11014,7 +10955,9 @@
       <p:sp>
         <p:nvSpPr>
           <p:cNvPr id="165" name="Google Shape;165;p18"/>
-          <p:cNvSpPr txBox="1"/>
+          <p:cNvSpPr txBox="1">
+            <a:spLocks noGrp="1"/>
+          </p:cNvSpPr>
           <p:nvPr>
             <p:ph type="title"/>
           </p:nvPr>
@@ -11029,12 +10972,12 @@
           </a:prstGeom>
         </p:spPr>
         <p:txBody>
-          <a:bodyPr anchorCtr="0" anchor="t" bIns="91425" lIns="91425" spcFirstLastPara="1" rIns="91425" wrap="square" tIns="91425">
+          <a:bodyPr spcFirstLastPara="1" wrap="square" lIns="91425" tIns="91425" rIns="91425" bIns="91425" anchor="t" anchorCtr="0">
             <a:normAutofit/>
           </a:bodyPr>
           <a:lstStyle/>
           <a:p>
-            <a:pPr indent="0" lvl="0" marL="0" rtl="0" algn="l">
+            <a:pPr marL="0" lvl="0" indent="0" algn="l" rtl="0">
               <a:spcBef>
                 <a:spcPts val="0"/>
               </a:spcBef>
@@ -11054,9 +10997,11 @@
       <p:sp>
         <p:nvSpPr>
           <p:cNvPr id="166" name="Google Shape;166;p18"/>
-          <p:cNvSpPr txBox="1"/>
+          <p:cNvSpPr txBox="1">
+            <a:spLocks noGrp="1"/>
+          </p:cNvSpPr>
           <p:nvPr>
-            <p:ph idx="1" type="body"/>
+            <p:ph type="body" idx="1"/>
           </p:nvPr>
         </p:nvSpPr>
         <p:spPr>
@@ -11069,12 +11014,12 @@
           </a:prstGeom>
         </p:spPr>
         <p:txBody>
-          <a:bodyPr anchorCtr="0" anchor="t" bIns="91425" lIns="91425" spcFirstLastPara="1" rIns="91425" wrap="square" tIns="91425">
+          <a:bodyPr spcFirstLastPara="1" wrap="square" lIns="91425" tIns="91425" rIns="91425" bIns="91425" anchor="t" anchorCtr="0">
             <a:normAutofit/>
           </a:bodyPr>
           <a:lstStyle/>
           <a:p>
-            <a:pPr indent="-311150" lvl="0" marL="457200" rtl="0" algn="l">
+            <a:pPr marL="457200" lvl="0" indent="-311150" algn="l" rtl="0">
               <a:spcBef>
                 <a:spcPts val="0"/>
               </a:spcBef>
@@ -11091,7 +11036,7 @@
             <a:endParaRPr/>
           </a:p>
           <a:p>
-            <a:pPr indent="-311150" lvl="0" marL="457200" rtl="0" algn="l">
+            <a:pPr marL="457200" lvl="0" indent="-311150" algn="l" rtl="0">
               <a:spcBef>
                 <a:spcPts val="0"/>
               </a:spcBef>
@@ -11108,7 +11053,7 @@
             <a:endParaRPr/>
           </a:p>
           <a:p>
-            <a:pPr indent="-311150" lvl="0" marL="457200" rtl="0" algn="l">
+            <a:pPr marL="457200" lvl="0" indent="-311150" algn="l" rtl="0">
               <a:spcBef>
                 <a:spcPts val="0"/>
               </a:spcBef>
@@ -11125,7 +11070,7 @@
             <a:endParaRPr/>
           </a:p>
           <a:p>
-            <a:pPr indent="0" lvl="0" marL="0" rtl="0" algn="l">
+            <a:pPr marL="0" lvl="0" indent="0" algn="l" rtl="0">
               <a:spcBef>
                 <a:spcPts val="1200"/>
               </a:spcBef>
@@ -11134,9 +11079,6 @@
               </a:spcAft>
               <a:buNone/>
             </a:pPr>
-            <a:r>
-              <a:t/>
-            </a:r>
             <a:endParaRPr/>
           </a:p>
         </p:txBody>
@@ -11161,12 +11103,12 @@
           </a:ln>
         </p:spPr>
         <p:txBody>
-          <a:bodyPr anchorCtr="0" anchor="t" bIns="91425" lIns="91425" spcFirstLastPara="1" rIns="91425" wrap="square" tIns="91425">
+          <a:bodyPr spcFirstLastPara="1" wrap="square" lIns="91425" tIns="91425" rIns="91425" bIns="91425" anchor="t" anchorCtr="0">
             <a:spAutoFit/>
           </a:bodyPr>
           <a:lstStyle/>
           <a:p>
-            <a:pPr indent="0" lvl="0" marL="0" rtl="0" algn="l">
+            <a:pPr marL="0" lvl="0" indent="0" algn="l" rtl="0">
               <a:spcBef>
                 <a:spcPts val="0"/>
               </a:spcBef>
@@ -11208,11 +11150,11 @@
 </file>
 
 <file path=ppt/slides/slide7.xml><?xml version="1.0" encoding="utf-8"?>
-<p:sld xmlns:a="http://schemas.openxmlformats.org/drawingml/2006/main" xmlns:r="http://schemas.openxmlformats.org/officeDocument/2006/relationships" xmlns:mc="http://schemas.openxmlformats.org/markup-compatibility/2006" xmlns:mv="urn:schemas-microsoft-com:mac:vml" xmlns:p="http://schemas.openxmlformats.org/presentationml/2006/main" xmlns:c="http://schemas.openxmlformats.org/drawingml/2006/chart" xmlns:dgm="http://schemas.openxmlformats.org/drawingml/2006/diagram" xmlns:o="urn:schemas-microsoft-com:office:office" xmlns:v="urn:schemas-microsoft-com:vml" xmlns:pvml="urn:schemas-microsoft-com:office:powerpoint" xmlns:com="http://schemas.openxmlformats.org/drawingml/2006/compatibility" xmlns:p14="http://schemas.microsoft.com/office/powerpoint/2010/main" xmlns:p15="http://schemas.microsoft.com/office/powerpoint/2012/main" xmlns:ahyp="http://schemas.microsoft.com/office/drawing/2018/hyperlinkcolor">
+<p:sld xmlns:a="http://schemas.openxmlformats.org/drawingml/2006/main" xmlns:r="http://schemas.openxmlformats.org/officeDocument/2006/relationships" xmlns:p="http://schemas.openxmlformats.org/presentationml/2006/main">
   <p:cSld>
     <p:spTree>
       <p:nvGrpSpPr>
-        <p:cNvPr id="171" name="Shape 171"/>
+        <p:cNvPr id="1" name="Shape 171"/>
         <p:cNvGrpSpPr/>
         <p:nvPr/>
       </p:nvGrpSpPr>
@@ -11227,7 +11169,9 @@
       <p:sp>
         <p:nvSpPr>
           <p:cNvPr id="172" name="Google Shape;172;p19"/>
-          <p:cNvSpPr txBox="1"/>
+          <p:cNvSpPr txBox="1">
+            <a:spLocks noGrp="1"/>
+          </p:cNvSpPr>
           <p:nvPr>
             <p:ph type="title"/>
           </p:nvPr>
@@ -11242,12 +11186,12 @@
           </a:prstGeom>
         </p:spPr>
         <p:txBody>
-          <a:bodyPr anchorCtr="0" anchor="t" bIns="91425" lIns="91425" spcFirstLastPara="1" rIns="91425" wrap="square" tIns="91425">
+          <a:bodyPr spcFirstLastPara="1" wrap="square" lIns="91425" tIns="91425" rIns="91425" bIns="91425" anchor="t" anchorCtr="0">
             <a:normAutofit fontScale="90000"/>
           </a:bodyPr>
           <a:lstStyle/>
           <a:p>
-            <a:pPr indent="0" lvl="0" marL="0" rtl="0" algn="l">
+            <a:pPr marL="0" lvl="0" indent="0" algn="l" rtl="0">
               <a:spcBef>
                 <a:spcPts val="0"/>
               </a:spcBef>
@@ -11267,9 +11211,11 @@
       <p:sp>
         <p:nvSpPr>
           <p:cNvPr id="173" name="Google Shape;173;p19"/>
-          <p:cNvSpPr txBox="1"/>
+          <p:cNvSpPr txBox="1">
+            <a:spLocks noGrp="1"/>
+          </p:cNvSpPr>
           <p:nvPr>
-            <p:ph idx="1" type="body"/>
+            <p:ph type="body" idx="1"/>
           </p:nvPr>
         </p:nvSpPr>
         <p:spPr>
@@ -11282,12 +11228,12 @@
           </a:prstGeom>
         </p:spPr>
         <p:txBody>
-          <a:bodyPr anchorCtr="0" anchor="t" bIns="91425" lIns="91425" spcFirstLastPara="1" rIns="91425" wrap="square" tIns="91425">
+          <a:bodyPr spcFirstLastPara="1" wrap="square" lIns="91425" tIns="91425" rIns="91425" bIns="91425" anchor="t" anchorCtr="0">
             <a:normAutofit/>
           </a:bodyPr>
           <a:lstStyle/>
           <a:p>
-            <a:pPr indent="-336550" lvl="0" marL="457200" rtl="0" algn="l">
+            <a:pPr marL="457200" lvl="0" indent="-336550" algn="l" rtl="0">
               <a:spcBef>
                 <a:spcPts val="0"/>
               </a:spcBef>
@@ -11299,20 +11245,12 @@
             </a:pPr>
             <a:r>
               <a:rPr lang="en" sz="1700"/>
-              <a:t>Looking for libraries or other methods to </a:t>
-            </a:r>
-            <a:r>
-              <a:rPr lang="en" sz="1700"/>
-              <a:t>implement</a:t>
-            </a:r>
-            <a:r>
-              <a:rPr lang="en" sz="1700"/>
-              <a:t> a popup (2)</a:t>
+              <a:t>Looking for libraries or other methods to implement a popup (2)</a:t>
             </a:r>
             <a:endParaRPr sz="1700"/>
           </a:p>
           <a:p>
-            <a:pPr indent="-336550" lvl="0" marL="457200" rtl="0" algn="l">
+            <a:pPr marL="457200" lvl="0" indent="-336550" algn="l" rtl="0">
               <a:spcBef>
                 <a:spcPts val="0"/>
               </a:spcBef>
@@ -11329,7 +11267,7 @@
             <a:endParaRPr sz="1700"/>
           </a:p>
           <a:p>
-            <a:pPr indent="-336550" lvl="0" marL="457200" rtl="0" algn="l">
+            <a:pPr marL="457200" lvl="0" indent="-336550" algn="l" rtl="0">
               <a:spcBef>
                 <a:spcPts val="0"/>
               </a:spcBef>
@@ -11346,7 +11284,7 @@
             <a:endParaRPr sz="1700"/>
           </a:p>
           <a:p>
-            <a:pPr indent="0" lvl="0" marL="457200" rtl="0" algn="l">
+            <a:pPr marL="457200" lvl="0" indent="0" algn="l" rtl="0">
               <a:spcBef>
                 <a:spcPts val="1200"/>
               </a:spcBef>
@@ -11372,11 +11310,11 @@
 </file>
 
 <file path=ppt/slides/slide8.xml><?xml version="1.0" encoding="utf-8"?>
-<p:sld xmlns:a="http://schemas.openxmlformats.org/drawingml/2006/main" xmlns:r="http://schemas.openxmlformats.org/officeDocument/2006/relationships" xmlns:mc="http://schemas.openxmlformats.org/markup-compatibility/2006" xmlns:mv="urn:schemas-microsoft-com:mac:vml" xmlns:p="http://schemas.openxmlformats.org/presentationml/2006/main" xmlns:c="http://schemas.openxmlformats.org/drawingml/2006/chart" xmlns:dgm="http://schemas.openxmlformats.org/drawingml/2006/diagram" xmlns:o="urn:schemas-microsoft-com:office:office" xmlns:v="urn:schemas-microsoft-com:vml" xmlns:pvml="urn:schemas-microsoft-com:office:powerpoint" xmlns:com="http://schemas.openxmlformats.org/drawingml/2006/compatibility" xmlns:p14="http://schemas.microsoft.com/office/powerpoint/2010/main" xmlns:p15="http://schemas.microsoft.com/office/powerpoint/2012/main" xmlns:ahyp="http://schemas.microsoft.com/office/drawing/2018/hyperlinkcolor">
+<p:sld xmlns:a="http://schemas.openxmlformats.org/drawingml/2006/main" xmlns:r="http://schemas.openxmlformats.org/officeDocument/2006/relationships" xmlns:p="http://schemas.openxmlformats.org/presentationml/2006/main">
   <p:cSld>
     <p:spTree>
       <p:nvGrpSpPr>
-        <p:cNvPr id="177" name="Shape 177"/>
+        <p:cNvPr id="1" name="Shape 177"/>
         <p:cNvGrpSpPr/>
         <p:nvPr/>
       </p:nvGrpSpPr>
@@ -11391,7 +11329,9 @@
       <p:sp>
         <p:nvSpPr>
           <p:cNvPr id="178" name="Google Shape;178;p20"/>
-          <p:cNvSpPr txBox="1"/>
+          <p:cNvSpPr txBox="1">
+            <a:spLocks noGrp="1"/>
+          </p:cNvSpPr>
           <p:nvPr>
             <p:ph type="title"/>
           </p:nvPr>
@@ -11406,12 +11346,12 @@
           </a:prstGeom>
         </p:spPr>
         <p:txBody>
-          <a:bodyPr anchorCtr="0" anchor="t" bIns="91425" lIns="91425" spcFirstLastPara="1" rIns="91425" wrap="square" tIns="91425">
+          <a:bodyPr spcFirstLastPara="1" wrap="square" lIns="91425" tIns="91425" rIns="91425" bIns="91425" anchor="t" anchorCtr="0">
             <a:normAutofit/>
           </a:bodyPr>
           <a:lstStyle/>
           <a:p>
-            <a:pPr indent="0" lvl="0" marL="0" rtl="0" algn="l">
+            <a:pPr marL="0" lvl="0" indent="0" algn="l" rtl="0">
               <a:spcBef>
                 <a:spcPts val="0"/>
               </a:spcBef>
@@ -11431,9 +11371,11 @@
       <p:sp>
         <p:nvSpPr>
           <p:cNvPr id="179" name="Google Shape;179;p20"/>
-          <p:cNvSpPr txBox="1"/>
+          <p:cNvSpPr txBox="1">
+            <a:spLocks noGrp="1"/>
+          </p:cNvSpPr>
           <p:nvPr>
-            <p:ph idx="1" type="body"/>
+            <p:ph type="body" idx="1"/>
           </p:nvPr>
         </p:nvSpPr>
         <p:spPr>
@@ -11446,12 +11388,12 @@
           </a:prstGeom>
         </p:spPr>
         <p:txBody>
-          <a:bodyPr anchorCtr="0" anchor="t" bIns="91425" lIns="91425" spcFirstLastPara="1" rIns="91425" wrap="square" tIns="91425">
+          <a:bodyPr spcFirstLastPara="1" wrap="square" lIns="91425" tIns="91425" rIns="91425" bIns="91425" anchor="t" anchorCtr="0">
             <a:normAutofit/>
           </a:bodyPr>
           <a:lstStyle/>
           <a:p>
-            <a:pPr indent="0" lvl="0" marL="0" rtl="0" algn="l">
+            <a:pPr marL="0" lvl="0" indent="0" algn="l" rtl="0">
               <a:lnSpc>
                 <a:spcPct val="115000"/>
               </a:lnSpc>
@@ -11463,13 +11405,10 @@
               </a:spcAft>
               <a:buNone/>
             </a:pPr>
-            <a:r>
-              <a:t/>
-            </a:r>
-            <a:endParaRPr sz="1500"/>
+            <a:endParaRPr sz="1500" dirty="0"/>
           </a:p>
           <a:p>
-            <a:pPr indent="-323850" lvl="0" marL="457200" rtl="0" algn="l">
+            <a:pPr marL="457200" lvl="0" indent="-323850" algn="l" rtl="0">
               <a:lnSpc>
                 <a:spcPct val="115000"/>
               </a:lnSpc>
@@ -11483,13 +11422,13 @@
               <a:buChar char="-"/>
             </a:pPr>
             <a:r>
-              <a:rPr lang="en" sz="1500"/>
+              <a:rPr lang="en" sz="1500" dirty="0"/>
               <a:t>Made some updates to the dropdown functionality with Ibrahim</a:t>
             </a:r>
-            <a:endParaRPr sz="1500"/>
+            <a:endParaRPr sz="1500" dirty="0"/>
           </a:p>
           <a:p>
-            <a:pPr indent="0" lvl="0" marL="0" rtl="0" algn="l">
+            <a:pPr marL="0" lvl="0" indent="0" algn="l" rtl="0">
               <a:lnSpc>
                 <a:spcPct val="115000"/>
               </a:lnSpc>
@@ -11501,13 +11440,10 @@
               </a:spcAft>
               <a:buNone/>
             </a:pPr>
-            <a:r>
-              <a:t/>
-            </a:r>
-            <a:endParaRPr sz="1500"/>
+            <a:endParaRPr sz="1500" dirty="0"/>
           </a:p>
           <a:p>
-            <a:pPr indent="-323850" lvl="0" marL="457200" rtl="0" algn="l">
+            <a:pPr marL="457200" lvl="0" indent="-323850" algn="l" rtl="0">
               <a:lnSpc>
                 <a:spcPct val="115000"/>
               </a:lnSpc>
@@ -11521,13 +11457,13 @@
               <a:buChar char="-"/>
             </a:pPr>
             <a:r>
-              <a:rPr lang="en" sz="1500"/>
+              <a:rPr lang="en" sz="1500" dirty="0"/>
               <a:t>Got noMachine working</a:t>
             </a:r>
-            <a:endParaRPr sz="1500"/>
+            <a:endParaRPr sz="1500" dirty="0"/>
           </a:p>
           <a:p>
-            <a:pPr indent="0" lvl="0" marL="0" rtl="0" algn="l">
+            <a:pPr marL="0" lvl="0" indent="0" algn="l" rtl="0">
               <a:lnSpc>
                 <a:spcPct val="115000"/>
               </a:lnSpc>
@@ -11539,13 +11475,10 @@
               </a:spcAft>
               <a:buNone/>
             </a:pPr>
-            <a:r>
-              <a:t/>
-            </a:r>
-            <a:endParaRPr sz="1500"/>
+            <a:endParaRPr sz="1500" dirty="0"/>
           </a:p>
           <a:p>
-            <a:pPr indent="-323850" lvl="0" marL="457200" rtl="0" algn="l">
+            <a:pPr marL="457200" lvl="0" indent="-323850" algn="l" rtl="0">
               <a:lnSpc>
                 <a:spcPct val="115000"/>
               </a:lnSpc>
@@ -11559,21 +11492,52 @@
               <a:buChar char="-"/>
             </a:pPr>
             <a:r>
-              <a:rPr lang="en" sz="1500"/>
-              <a:t>Remade some course suggestion </a:t>
+              <a:rPr lang="en" sz="1500" dirty="0"/>
+              <a:t>Remade some course suggestion functionality with Affan</a:t>
+            </a:r>
+          </a:p>
+          <a:p>
+            <a:pPr marL="457200" lvl="0" indent="-323850" algn="l" rtl="0">
+              <a:lnSpc>
+                <a:spcPct val="115000"/>
+              </a:lnSpc>
+              <a:spcBef>
+                <a:spcPts val="0"/>
+              </a:spcBef>
+              <a:spcAft>
+                <a:spcPts val="0"/>
+              </a:spcAft>
+              <a:buSzPts val="1500"/>
+              <a:buChar char="-"/>
+            </a:pPr>
+            <a:endParaRPr lang="en" sz="1500" dirty="0"/>
+          </a:p>
+          <a:p>
+            <a:pPr marL="457200" lvl="0" indent="-323850" algn="l" rtl="0">
+              <a:lnSpc>
+                <a:spcPct val="115000"/>
+              </a:lnSpc>
+              <a:spcBef>
+                <a:spcPts val="0"/>
+              </a:spcBef>
+              <a:spcAft>
+                <a:spcPts val="0"/>
+              </a:spcAft>
+              <a:buSzPts val="1500"/>
+              <a:buChar char="-"/>
+            </a:pPr>
+            <a:r>
+              <a:rPr lang="en-CA" sz="1500" dirty="0"/>
+              <a:t>L</a:t>
             </a:r>
             <a:r>
               <a:rPr lang="en" sz="1500"/>
-              <a:t>functionality</a:t>
+              <a:t>ast minute bugfixes</a:t>
             </a:r>
-            <a:r>
-              <a:rPr lang="en" sz="1500"/>
-              <a:t> with Affan</a:t>
-            </a:r>
-            <a:endParaRPr sz="1500"/>
+            <a:endParaRPr sz="1500" dirty="0"/>
           </a:p>
           <a:p>
-            <a:pPr indent="0" lvl="0" marL="0" rtl="0" algn="l">
+            <a:pPr marL="0" lvl="0" indent="0" algn="l" rtl="0">
               <a:lnSpc>
                 <a:spcPct val="115000"/>
               </a:lnSpc>
@@ -11585,13 +11549,10 @@
               </a:spcAft>
               <a:buNone/>
             </a:pPr>
-            <a:r>
-              <a:t/>
-            </a:r>
-            <a:endParaRPr sz="1500"/>
+            <a:endParaRPr sz="1500" dirty="0"/>
           </a:p>
           <a:p>
-            <a:pPr indent="0" lvl="0" marL="0" rtl="0" algn="l">
+            <a:pPr marL="0" lvl="0" indent="0" algn="l" rtl="0">
               <a:lnSpc>
                 <a:spcPct val="115000"/>
               </a:lnSpc>
@@ -11603,13 +11564,10 @@
               </a:spcAft>
               <a:buNone/>
             </a:pPr>
-            <a:r>
-              <a:t/>
-            </a:r>
-            <a:endParaRPr sz="1500"/>
+            <a:endParaRPr sz="1500" dirty="0"/>
           </a:p>
           <a:p>
-            <a:pPr indent="0" lvl="0" marL="0" rtl="0" algn="l">
+            <a:pPr marL="0" lvl="0" indent="0" algn="l" rtl="0">
               <a:lnSpc>
                 <a:spcPct val="115000"/>
               </a:lnSpc>
@@ -11622,13 +11580,13 @@
               <a:buNone/>
             </a:pPr>
             <a:r>
-              <a:rPr lang="en" sz="1500"/>
-              <a:t>Total Weight: 20</a:t>
+              <a:rPr lang="en" sz="1500" dirty="0"/>
+              <a:t>Total Weight: 23</a:t>
             </a:r>
-            <a:endParaRPr sz="1500"/>
+            <a:endParaRPr sz="1500" dirty="0"/>
           </a:p>
           <a:p>
-            <a:pPr indent="0" lvl="0" marL="0" rtl="0" algn="l">
+            <a:pPr marL="0" lvl="0" indent="0" algn="l" rtl="0">
               <a:lnSpc>
                 <a:spcPct val="115000"/>
               </a:lnSpc>
@@ -11640,10 +11598,7 @@
               </a:spcAft>
               <a:buNone/>
             </a:pPr>
-            <a:r>
-              <a:t/>
-            </a:r>
-            <a:endParaRPr sz="1500"/>
+            <a:endParaRPr sz="1500" dirty="0"/>
           </a:p>
         </p:txBody>
       </p:sp>
@@ -11656,11 +11611,11 @@
 </file>
 
 <file path=ppt/slides/slide9.xml><?xml version="1.0" encoding="utf-8"?>
-<p:sld xmlns:a="http://schemas.openxmlformats.org/drawingml/2006/main" xmlns:r="http://schemas.openxmlformats.org/officeDocument/2006/relationships" xmlns:mc="http://schemas.openxmlformats.org/markup-compatibility/2006" xmlns:mv="urn:schemas-microsoft-com:mac:vml" xmlns:p="http://schemas.openxmlformats.org/presentationml/2006/main" xmlns:c="http://schemas.openxmlformats.org/drawingml/2006/chart" xmlns:dgm="http://schemas.openxmlformats.org/drawingml/2006/diagram" xmlns:o="urn:schemas-microsoft-com:office:office" xmlns:v="urn:schemas-microsoft-com:vml" xmlns:pvml="urn:schemas-microsoft-com:office:powerpoint" xmlns:com="http://schemas.openxmlformats.org/drawingml/2006/compatibility" xmlns:p14="http://schemas.microsoft.com/office/powerpoint/2010/main" xmlns:p15="http://schemas.microsoft.com/office/powerpoint/2012/main" xmlns:ahyp="http://schemas.microsoft.com/office/drawing/2018/hyperlinkcolor">
+<p:sld xmlns:a="http://schemas.openxmlformats.org/drawingml/2006/main" xmlns:r="http://schemas.openxmlformats.org/officeDocument/2006/relationships" xmlns:p="http://schemas.openxmlformats.org/presentationml/2006/main">
   <p:cSld>
     <p:spTree>
       <p:nvGrpSpPr>
-        <p:cNvPr id="183" name="Shape 183"/>
+        <p:cNvPr id="1" name="Shape 183"/>
         <p:cNvGrpSpPr/>
         <p:nvPr/>
       </p:nvGrpSpPr>
@@ -11675,7 +11630,9 @@
       <p:sp>
         <p:nvSpPr>
           <p:cNvPr id="184" name="Google Shape;184;p21"/>
-          <p:cNvSpPr txBox="1"/>
+          <p:cNvSpPr txBox="1">
+            <a:spLocks noGrp="1"/>
+          </p:cNvSpPr>
           <p:nvPr>
             <p:ph type="title"/>
           </p:nvPr>
@@ -11690,12 +11647,12 @@
           </a:prstGeom>
         </p:spPr>
         <p:txBody>
-          <a:bodyPr anchorCtr="0" anchor="t" bIns="91425" lIns="91425" spcFirstLastPara="1" rIns="91425" wrap="square" tIns="91425">
+          <a:bodyPr spcFirstLastPara="1" wrap="square" lIns="91425" tIns="91425" rIns="91425" bIns="91425" anchor="t" anchorCtr="0">
             <a:normAutofit/>
           </a:bodyPr>
           <a:lstStyle/>
           <a:p>
-            <a:pPr indent="0" lvl="0" marL="0" rtl="0" algn="l">
+            <a:pPr marL="0" lvl="0" indent="0" algn="l" rtl="0">
               <a:spcBef>
                 <a:spcPts val="0"/>
               </a:spcBef>
@@ -11715,9 +11672,11 @@
       <p:sp>
         <p:nvSpPr>
           <p:cNvPr id="185" name="Google Shape;185;p21"/>
-          <p:cNvSpPr txBox="1"/>
+          <p:cNvSpPr txBox="1">
+            <a:spLocks noGrp="1"/>
+          </p:cNvSpPr>
           <p:nvPr>
-            <p:ph idx="1" type="body"/>
+            <p:ph type="body" idx="1"/>
           </p:nvPr>
         </p:nvSpPr>
         <p:spPr>
@@ -11730,12 +11689,12 @@
           </a:prstGeom>
         </p:spPr>
         <p:txBody>
-          <a:bodyPr anchorCtr="0" anchor="t" bIns="91425" lIns="91425" spcFirstLastPara="1" rIns="91425" wrap="square" tIns="91425">
+          <a:bodyPr spcFirstLastPara="1" wrap="square" lIns="91425" tIns="91425" rIns="91425" bIns="91425" anchor="t" anchorCtr="0">
             <a:normAutofit/>
           </a:bodyPr>
           <a:lstStyle/>
           <a:p>
-            <a:pPr indent="0" lvl="0" marL="457200" rtl="0" algn="l">
+            <a:pPr marL="457200" lvl="0" indent="0" algn="l" rtl="0">
               <a:spcBef>
                 <a:spcPts val="0"/>
               </a:spcBef>
@@ -11744,13 +11703,10 @@
               </a:spcAft>
               <a:buNone/>
             </a:pPr>
-            <a:r>
-              <a:t/>
-            </a:r>
             <a:endParaRPr sz="1400"/>
           </a:p>
           <a:p>
-            <a:pPr indent="-317500" lvl="0" marL="457200" rtl="0" algn="l">
+            <a:pPr marL="457200" lvl="0" indent="-317500" algn="l" rtl="0">
               <a:spcBef>
                 <a:spcPts val="1200"/>
               </a:spcBef>
@@ -11767,7 +11723,7 @@
             <a:endParaRPr sz="1400"/>
           </a:p>
           <a:p>
-            <a:pPr indent="-317500" lvl="0" marL="457200" rtl="0" algn="l">
+            <a:pPr marL="457200" lvl="0" indent="-317500" algn="l" rtl="0">
               <a:spcBef>
                 <a:spcPts val="0"/>
               </a:spcBef>
@@ -11784,7 +11740,7 @@
             <a:endParaRPr sz="1400"/>
           </a:p>
           <a:p>
-            <a:pPr indent="0" lvl="0" marL="0" rtl="0" algn="l">
+            <a:pPr marL="0" lvl="0" indent="0" algn="l" rtl="0">
               <a:spcBef>
                 <a:spcPts val="1200"/>
               </a:spcBef>
@@ -11793,13 +11749,10 @@
               </a:spcAft>
               <a:buNone/>
             </a:pPr>
-            <a:r>
-              <a:t/>
-            </a:r>
             <a:endParaRPr sz="1400"/>
           </a:p>
           <a:p>
-            <a:pPr indent="-317500" lvl="0" marL="457200" rtl="0" algn="l">
+            <a:pPr marL="457200" lvl="0" indent="-317500" algn="l" rtl="0">
               <a:spcBef>
                 <a:spcPts val="1200"/>
               </a:spcBef>
@@ -11816,7 +11769,7 @@
             <a:endParaRPr sz="1400"/>
           </a:p>
           <a:p>
-            <a:pPr indent="-317500" lvl="0" marL="457200" rtl="0" algn="l">
+            <a:pPr marL="457200" lvl="0" indent="-317500" algn="l" rtl="0">
               <a:spcBef>
                 <a:spcPts val="0"/>
               </a:spcBef>
@@ -11833,7 +11786,7 @@
             <a:endParaRPr sz="1400"/>
           </a:p>
           <a:p>
-            <a:pPr indent="0" lvl="0" marL="0" rtl="0" algn="l">
+            <a:pPr marL="0" lvl="0" indent="0" algn="l" rtl="0">
               <a:spcBef>
                 <a:spcPts val="1200"/>
               </a:spcBef>
@@ -11844,11 +11797,7 @@
             </a:pPr>
             <a:r>
               <a:rPr lang="en" sz="1400"/>
-              <a:t>Total w</a:t>
-            </a:r>
-            <a:r>
-              <a:rPr lang="en" sz="1400"/>
-              <a:t>eight: 21</a:t>
+              <a:t>Total weight: 21</a:t>
             </a:r>
             <a:endParaRPr sz="1400"/>
           </a:p>
@@ -11863,7 +11812,288 @@
 </file>
 
 <file path=ppt/theme/theme1.xml><?xml version="1.0" encoding="utf-8"?>
-<a:theme xmlns:a="http://schemas.openxmlformats.org/drawingml/2006/main" xmlns:r="http://schemas.openxmlformats.org/officeDocument/2006/relationships">
+<a:theme xmlns:a="http://schemas.openxmlformats.org/drawingml/2006/main" name="Focus">
+  <a:themeElements>
+    <a:clrScheme name="Focus">
+      <a:dk1>
+        <a:srgbClr val="1B212C"/>
+      </a:dk1>
+      <a:lt1>
+        <a:srgbClr val="FFFFFF"/>
+      </a:lt1>
+      <a:dk2>
+        <a:srgbClr val="D9D9D9"/>
+      </a:dk2>
+      <a:lt2>
+        <a:srgbClr val="82C7A5"/>
+      </a:lt2>
+      <a:accent1>
+        <a:srgbClr val="0145AC"/>
+      </a:accent1>
+      <a:accent2>
+        <a:srgbClr val="EECE1A"/>
+      </a:accent2>
+      <a:accent3>
+        <a:srgbClr val="4E5567"/>
+      </a:accent3>
+      <a:accent4>
+        <a:srgbClr val="F4D6AD"/>
+      </a:accent4>
+      <a:accent5>
+        <a:srgbClr val="7890CD"/>
+      </a:accent5>
+      <a:accent6>
+        <a:srgbClr val="F15E22"/>
+      </a:accent6>
+      <a:hlink>
+        <a:srgbClr val="7890CD"/>
+      </a:hlink>
+      <a:folHlink>
+        <a:srgbClr val="7890CD"/>
+      </a:folHlink>
+    </a:clrScheme>
+    <a:fontScheme name="Office">
+      <a:majorFont>
+        <a:latin typeface="Arial"/>
+        <a:ea typeface=""/>
+        <a:cs typeface=""/>
+        <a:font script="Jpan" typeface="ＭＳ Ｐゴシック"/>
+        <a:font script="Hang" typeface="맑은 고딕"/>
+        <a:font script="Hans" typeface="宋体"/>
+        <a:font script="Hant" typeface="新細明體"/>
+        <a:font script="Arab" typeface="Times New Roman"/>
+        <a:font script="Hebr" typeface="Times New Roman"/>
+        <a:font script="Thai" typeface="Angsana New"/>
+        <a:font script="Ethi" typeface="Nyala"/>
+        <a:font script="Beng" typeface="Vrinda"/>
+        <a:font script="Gujr" typeface="Shruti"/>
+        <a:font script="Khmr" typeface="MoolBoran"/>
+        <a:font script="Knda" typeface="Tunga"/>
+        <a:font script="Guru" typeface="Raavi"/>
+        <a:font script="Cans" typeface="Euphemia"/>
+        <a:font script="Cher" typeface="Plantagenet Cherokee"/>
+        <a:font script="Yiii" typeface="Microsoft Yi Baiti"/>
+        <a:font script="Tibt" typeface="Microsoft Himalaya"/>
+        <a:font script="Thaa" typeface="MV Boli"/>
+        <a:font script="Deva" typeface="Mangal"/>
+        <a:font script="Telu" typeface="Gautami"/>
+        <a:font script="Taml" typeface="Latha"/>
+        <a:font script="Syrc" typeface="Estrangelo Edessa"/>
+        <a:font script="Orya" typeface="Kalinga"/>
+        <a:font script="Mlym" typeface="Kartika"/>
+        <a:font script="Laoo" typeface="DokChampa"/>
+        <a:font script="Sinh" typeface="Iskoola Pota"/>
+        <a:font script="Mong" typeface="Mongolian Baiti"/>
+        <a:font script="Viet" typeface="Times New Roman"/>
+        <a:font script="Uigh" typeface="Microsoft Uighur"/>
+        <a:font script="Geor" typeface="Sylfaen"/>
+      </a:majorFont>
+      <a:minorFont>
+        <a:latin typeface="Arial"/>
+        <a:ea typeface=""/>
+        <a:cs typeface=""/>
+        <a:font script="Jpan" typeface="ＭＳ Ｐゴシック"/>
+        <a:font script="Hang" typeface="맑은 고딕"/>
+        <a:font script="Hans" typeface="宋体"/>
+        <a:font script="Hant" typeface="新細明體"/>
+        <a:font script="Arab" typeface="Arial"/>
+        <a:font script="Hebr" typeface="Arial"/>
+        <a:font script="Thai" typeface="Cordia New"/>
+        <a:font script="Ethi" typeface="Nyala"/>
+        <a:font script="Beng" typeface="Vrinda"/>
+        <a:font script="Gujr" typeface="Shruti"/>
+        <a:font script="Khmr" typeface="DaunPenh"/>
+        <a:font script="Knda" typeface="Tunga"/>
+        <a:font script="Guru" typeface="Raavi"/>
+        <a:font script="Cans" typeface="Euphemia"/>
+        <a:font script="Cher" typeface="Plantagenet Cherokee"/>
+        <a:font script="Yiii" typeface="Microsoft Yi Baiti"/>
+        <a:font script="Tibt" typeface="Microsoft Himalaya"/>
+        <a:font script="Thaa" typeface="MV Boli"/>
+        <a:font script="Deva" typeface="Mangal"/>
+        <a:font script="Telu" typeface="Gautami"/>
+        <a:font script="Taml" typeface="Latha"/>
+        <a:font script="Syrc" typeface="Estrangelo Edessa"/>
+        <a:font script="Orya" typeface="Kalinga"/>
+        <a:font script="Mlym" typeface="Kartika"/>
+        <a:font script="Laoo" typeface="DokChampa"/>
+        <a:font script="Sinh" typeface="Iskoola Pota"/>
+        <a:font script="Mong" typeface="Mongolian Baiti"/>
+        <a:font script="Viet" typeface="Arial"/>
+        <a:font script="Uigh" typeface="Microsoft Uighur"/>
+        <a:font script="Geor" typeface="Sylfaen"/>
+      </a:minorFont>
+    </a:fontScheme>
+    <a:fmtScheme name="Office">
+      <a:fillStyleLst>
+        <a:solidFill>
+          <a:schemeClr val="phClr"/>
+        </a:solidFill>
+        <a:gradFill rotWithShape="1">
+          <a:gsLst>
+            <a:gs pos="0">
+              <a:schemeClr val="phClr">
+                <a:tint val="50000"/>
+                <a:satMod val="300000"/>
+              </a:schemeClr>
+            </a:gs>
+            <a:gs pos="35000">
+              <a:schemeClr val="phClr">
+                <a:tint val="37000"/>
+                <a:satMod val="300000"/>
+              </a:schemeClr>
+            </a:gs>
+            <a:gs pos="100000">
+              <a:schemeClr val="phClr">
+                <a:tint val="15000"/>
+                <a:satMod val="350000"/>
+              </a:schemeClr>
+            </a:gs>
+          </a:gsLst>
+          <a:lin ang="16200000" scaled="1"/>
+        </a:gradFill>
+        <a:gradFill rotWithShape="1">
+          <a:gsLst>
+            <a:gs pos="0">
+              <a:schemeClr val="phClr">
+                <a:tint val="100000"/>
+                <a:shade val="100000"/>
+                <a:satMod val="130000"/>
+              </a:schemeClr>
+            </a:gs>
+            <a:gs pos="100000">
+              <a:schemeClr val="phClr">
+                <a:tint val="50000"/>
+                <a:shade val="100000"/>
+                <a:satMod val="350000"/>
+              </a:schemeClr>
+            </a:gs>
+          </a:gsLst>
+          <a:lin ang="16200000" scaled="0"/>
+        </a:gradFill>
+      </a:fillStyleLst>
+      <a:lnStyleLst>
+        <a:ln w="9525" cap="flat" cmpd="sng" algn="ctr">
+          <a:solidFill>
+            <a:schemeClr val="phClr">
+              <a:shade val="95000"/>
+              <a:satMod val="105000"/>
+            </a:schemeClr>
+          </a:solidFill>
+          <a:prstDash val="solid"/>
+        </a:ln>
+        <a:ln w="25400" cap="flat" cmpd="sng" algn="ctr">
+          <a:solidFill>
+            <a:schemeClr val="phClr"/>
+          </a:solidFill>
+          <a:prstDash val="solid"/>
+        </a:ln>
+        <a:ln w="38100" cap="flat" cmpd="sng" algn="ctr">
+          <a:solidFill>
+            <a:schemeClr val="phClr"/>
+          </a:solidFill>
+          <a:prstDash val="solid"/>
+        </a:ln>
+      </a:lnStyleLst>
+      <a:effectStyleLst>
+        <a:effectStyle>
+          <a:effectLst>
+            <a:outerShdw blurRad="40000" dist="20000" dir="5400000" rotWithShape="0">
+              <a:srgbClr val="000000">
+                <a:alpha val="38000"/>
+              </a:srgbClr>
+            </a:outerShdw>
+          </a:effectLst>
+        </a:effectStyle>
+        <a:effectStyle>
+          <a:effectLst>
+            <a:outerShdw blurRad="40000" dist="23000" dir="5400000" rotWithShape="0">
+              <a:srgbClr val="000000">
+                <a:alpha val="35000"/>
+              </a:srgbClr>
+            </a:outerShdw>
+          </a:effectLst>
+        </a:effectStyle>
+        <a:effectStyle>
+          <a:effectLst>
+            <a:outerShdw blurRad="40000" dist="23000" dir="5400000" rotWithShape="0">
+              <a:srgbClr val="000000">
+                <a:alpha val="35000"/>
+              </a:srgbClr>
+            </a:outerShdw>
+          </a:effectLst>
+          <a:scene3d>
+            <a:camera prst="orthographicFront">
+              <a:rot lat="0" lon="0" rev="0"/>
+            </a:camera>
+            <a:lightRig rig="threePt" dir="t">
+              <a:rot lat="0" lon="0" rev="1200000"/>
+            </a:lightRig>
+          </a:scene3d>
+          <a:sp3d>
+            <a:bevelT w="63500" h="25400"/>
+          </a:sp3d>
+        </a:effectStyle>
+      </a:effectStyleLst>
+      <a:bgFillStyleLst>
+        <a:solidFill>
+          <a:schemeClr val="phClr"/>
+        </a:solidFill>
+        <a:gradFill rotWithShape="1">
+          <a:gsLst>
+            <a:gs pos="0">
+              <a:schemeClr val="phClr">
+                <a:tint val="40000"/>
+                <a:satMod val="350000"/>
+              </a:schemeClr>
+            </a:gs>
+            <a:gs pos="40000">
+              <a:schemeClr val="phClr">
+                <a:tint val="45000"/>
+                <a:shade val="99000"/>
+                <a:satMod val="350000"/>
+              </a:schemeClr>
+            </a:gs>
+            <a:gs pos="100000">
+              <a:schemeClr val="phClr">
+                <a:shade val="20000"/>
+                <a:satMod val="255000"/>
+              </a:schemeClr>
+            </a:gs>
+          </a:gsLst>
+          <a:path path="circle">
+            <a:fillToRect l="50000" t="-80000" r="50000" b="180000"/>
+          </a:path>
+        </a:gradFill>
+        <a:gradFill rotWithShape="1">
+          <a:gsLst>
+            <a:gs pos="0">
+              <a:schemeClr val="phClr">
+                <a:tint val="80000"/>
+                <a:satMod val="300000"/>
+              </a:schemeClr>
+            </a:gs>
+            <a:gs pos="100000">
+              <a:schemeClr val="phClr">
+                <a:shade val="30000"/>
+                <a:satMod val="200000"/>
+              </a:schemeClr>
+            </a:gs>
+          </a:gsLst>
+          <a:path path="circle">
+            <a:fillToRect l="50000" t="50000" r="50000" b="50000"/>
+          </a:path>
+        </a:gradFill>
+      </a:bgFillStyleLst>
+    </a:fmtScheme>
+  </a:themeElements>
+  <a:objectDefaults/>
+  <a:extraClrSchemeLst/>
+</a:theme>
+</file>
+
+<file path=ppt/theme/theme2.xml><?xml version="1.0" encoding="utf-8"?>
+<a:theme xmlns:a="http://schemas.openxmlformats.org/drawingml/2006/main">
   <a:themeElements>
     <a:clrScheme name="Default">
       <a:dk1>
@@ -12138,284 +12368,7 @@
       </a:bgFillStyleLst>
     </a:fmtScheme>
   </a:themeElements>
-</a:theme>
-</file>
-
-<file path=ppt/theme/theme2.xml><?xml version="1.0" encoding="utf-8"?>
-<a:theme xmlns:a="http://schemas.openxmlformats.org/drawingml/2006/main" xmlns:r="http://schemas.openxmlformats.org/officeDocument/2006/relationships" name="Focus">
-  <a:themeElements>
-    <a:clrScheme name="Focus">
-      <a:dk1>
-        <a:srgbClr val="1B212C"/>
-      </a:dk1>
-      <a:lt1>
-        <a:srgbClr val="FFFFFF"/>
-      </a:lt1>
-      <a:dk2>
-        <a:srgbClr val="D9D9D9"/>
-      </a:dk2>
-      <a:lt2>
-        <a:srgbClr val="82C7A5"/>
-      </a:lt2>
-      <a:accent1>
-        <a:srgbClr val="0145AC"/>
-      </a:accent1>
-      <a:accent2>
-        <a:srgbClr val="EECE1A"/>
-      </a:accent2>
-      <a:accent3>
-        <a:srgbClr val="4E5567"/>
-      </a:accent3>
-      <a:accent4>
-        <a:srgbClr val="F4D6AD"/>
-      </a:accent4>
-      <a:accent5>
-        <a:srgbClr val="7890CD"/>
-      </a:accent5>
-      <a:accent6>
-        <a:srgbClr val="F15E22"/>
-      </a:accent6>
-      <a:hlink>
-        <a:srgbClr val="7890CD"/>
-      </a:hlink>
-      <a:folHlink>
-        <a:srgbClr val="7890CD"/>
-      </a:folHlink>
-    </a:clrScheme>
-    <a:fontScheme name="Office">
-      <a:majorFont>
-        <a:latin typeface="Arial"/>
-        <a:ea typeface=""/>
-        <a:cs typeface=""/>
-        <a:font script="Jpan" typeface="ＭＳ Ｐゴシック"/>
-        <a:font script="Hang" typeface="맑은 고딕"/>
-        <a:font script="Hans" typeface="宋体"/>
-        <a:font script="Hant" typeface="新細明體"/>
-        <a:font script="Arab" typeface="Times New Roman"/>
-        <a:font script="Hebr" typeface="Times New Roman"/>
-        <a:font script="Thai" typeface="Angsana New"/>
-        <a:font script="Ethi" typeface="Nyala"/>
-        <a:font script="Beng" typeface="Vrinda"/>
-        <a:font script="Gujr" typeface="Shruti"/>
-        <a:font script="Khmr" typeface="MoolBoran"/>
-        <a:font script="Knda" typeface="Tunga"/>
-        <a:font script="Guru" typeface="Raavi"/>
-        <a:font script="Cans" typeface="Euphemia"/>
-        <a:font script="Cher" typeface="Plantagenet Cherokee"/>
-        <a:font script="Yiii" typeface="Microsoft Yi Baiti"/>
-        <a:font script="Tibt" typeface="Microsoft Himalaya"/>
-        <a:font script="Thaa" typeface="MV Boli"/>
-        <a:font script="Deva" typeface="Mangal"/>
-        <a:font script="Telu" typeface="Gautami"/>
-        <a:font script="Taml" typeface="Latha"/>
-        <a:font script="Syrc" typeface="Estrangelo Edessa"/>
-        <a:font script="Orya" typeface="Kalinga"/>
-        <a:font script="Mlym" typeface="Kartika"/>
-        <a:font script="Laoo" typeface="DokChampa"/>
-        <a:font script="Sinh" typeface="Iskoola Pota"/>
-        <a:font script="Mong" typeface="Mongolian Baiti"/>
-        <a:font script="Viet" typeface="Times New Roman"/>
-        <a:font script="Uigh" typeface="Microsoft Uighur"/>
-        <a:font script="Geor" typeface="Sylfaen"/>
-      </a:majorFont>
-      <a:minorFont>
-        <a:latin typeface="Arial"/>
-        <a:ea typeface=""/>
-        <a:cs typeface=""/>
-        <a:font script="Jpan" typeface="ＭＳ Ｐゴシック"/>
-        <a:font script="Hang" typeface="맑은 고딕"/>
-        <a:font script="Hans" typeface="宋体"/>
-        <a:font script="Hant" typeface="新細明體"/>
-        <a:font script="Arab" typeface="Arial"/>
-        <a:font script="Hebr" typeface="Arial"/>
-        <a:font script="Thai" typeface="Cordia New"/>
-        <a:font script="Ethi" typeface="Nyala"/>
-        <a:font script="Beng" typeface="Vrinda"/>
-        <a:font script="Gujr" typeface="Shruti"/>
-        <a:font script="Khmr" typeface="DaunPenh"/>
-        <a:font script="Knda" typeface="Tunga"/>
-        <a:font script="Guru" typeface="Raavi"/>
-        <a:font script="Cans" typeface="Euphemia"/>
-        <a:font script="Cher" typeface="Plantagenet Cherokee"/>
-        <a:font script="Yiii" typeface="Microsoft Yi Baiti"/>
-        <a:font script="Tibt" typeface="Microsoft Himalaya"/>
-        <a:font script="Thaa" typeface="MV Boli"/>
-        <a:font script="Deva" typeface="Mangal"/>
-        <a:font script="Telu" typeface="Gautami"/>
-        <a:font script="Taml" typeface="Latha"/>
-        <a:font script="Syrc" typeface="Estrangelo Edessa"/>
-        <a:font script="Orya" typeface="Kalinga"/>
-        <a:font script="Mlym" typeface="Kartika"/>
-        <a:font script="Laoo" typeface="DokChampa"/>
-        <a:font script="Sinh" typeface="Iskoola Pota"/>
-        <a:font script="Mong" typeface="Mongolian Baiti"/>
-        <a:font script="Viet" typeface="Arial"/>
-        <a:font script="Uigh" typeface="Microsoft Uighur"/>
-        <a:font script="Geor" typeface="Sylfaen"/>
-      </a:minorFont>
-    </a:fontScheme>
-    <a:fmtScheme name="Office">
-      <a:fillStyleLst>
-        <a:solidFill>
-          <a:schemeClr val="phClr"/>
-        </a:solidFill>
-        <a:gradFill rotWithShape="1">
-          <a:gsLst>
-            <a:gs pos="0">
-              <a:schemeClr val="phClr">
-                <a:tint val="50000"/>
-                <a:satMod val="300000"/>
-              </a:schemeClr>
-            </a:gs>
-            <a:gs pos="35000">
-              <a:schemeClr val="phClr">
-                <a:tint val="37000"/>
-                <a:satMod val="300000"/>
-              </a:schemeClr>
-            </a:gs>
-            <a:gs pos="100000">
-              <a:schemeClr val="phClr">
-                <a:tint val="15000"/>
-                <a:satMod val="350000"/>
-              </a:schemeClr>
-            </a:gs>
-          </a:gsLst>
-          <a:lin ang="16200000" scaled="1"/>
-        </a:gradFill>
-        <a:gradFill rotWithShape="1">
-          <a:gsLst>
-            <a:gs pos="0">
-              <a:schemeClr val="phClr">
-                <a:tint val="100000"/>
-                <a:shade val="100000"/>
-                <a:satMod val="130000"/>
-              </a:schemeClr>
-            </a:gs>
-            <a:gs pos="100000">
-              <a:schemeClr val="phClr">
-                <a:tint val="50000"/>
-                <a:shade val="100000"/>
-                <a:satMod val="350000"/>
-              </a:schemeClr>
-            </a:gs>
-          </a:gsLst>
-          <a:lin ang="16200000" scaled="0"/>
-        </a:gradFill>
-      </a:fillStyleLst>
-      <a:lnStyleLst>
-        <a:ln w="9525" cap="flat" cmpd="sng" algn="ctr">
-          <a:solidFill>
-            <a:schemeClr val="phClr">
-              <a:shade val="95000"/>
-              <a:satMod val="105000"/>
-            </a:schemeClr>
-          </a:solidFill>
-          <a:prstDash val="solid"/>
-        </a:ln>
-        <a:ln w="25400" cap="flat" cmpd="sng" algn="ctr">
-          <a:solidFill>
-            <a:schemeClr val="phClr"/>
-          </a:solidFill>
-          <a:prstDash val="solid"/>
-        </a:ln>
-        <a:ln w="38100" cap="flat" cmpd="sng" algn="ctr">
-          <a:solidFill>
-            <a:schemeClr val="phClr"/>
-          </a:solidFill>
-          <a:prstDash val="solid"/>
-        </a:ln>
-      </a:lnStyleLst>
-      <a:effectStyleLst>
-        <a:effectStyle>
-          <a:effectLst>
-            <a:outerShdw blurRad="40000" dist="20000" dir="5400000" rotWithShape="0">
-              <a:srgbClr val="000000">
-                <a:alpha val="38000"/>
-              </a:srgbClr>
-            </a:outerShdw>
-          </a:effectLst>
-        </a:effectStyle>
-        <a:effectStyle>
-          <a:effectLst>
-            <a:outerShdw blurRad="40000" dist="23000" dir="5400000" rotWithShape="0">
-              <a:srgbClr val="000000">
-                <a:alpha val="35000"/>
-              </a:srgbClr>
-            </a:outerShdw>
-          </a:effectLst>
-        </a:effectStyle>
-        <a:effectStyle>
-          <a:effectLst>
-            <a:outerShdw blurRad="40000" dist="23000" dir="5400000" rotWithShape="0">
-              <a:srgbClr val="000000">
-                <a:alpha val="35000"/>
-              </a:srgbClr>
-            </a:outerShdw>
-          </a:effectLst>
-          <a:scene3d>
-            <a:camera prst="orthographicFront">
-              <a:rot lat="0" lon="0" rev="0"/>
-            </a:camera>
-            <a:lightRig rig="threePt" dir="t">
-              <a:rot lat="0" lon="0" rev="1200000"/>
-            </a:lightRig>
-          </a:scene3d>
-          <a:sp3d>
-            <a:bevelT w="63500" h="25400"/>
-          </a:sp3d>
-        </a:effectStyle>
-      </a:effectStyleLst>
-      <a:bgFillStyleLst>
-        <a:solidFill>
-          <a:schemeClr val="phClr"/>
-        </a:solidFill>
-        <a:gradFill rotWithShape="1">
-          <a:gsLst>
-            <a:gs pos="0">
-              <a:schemeClr val="phClr">
-                <a:tint val="40000"/>
-                <a:satMod val="350000"/>
-              </a:schemeClr>
-            </a:gs>
-            <a:gs pos="40000">
-              <a:schemeClr val="phClr">
-                <a:tint val="45000"/>
-                <a:shade val="99000"/>
-                <a:satMod val="350000"/>
-              </a:schemeClr>
-            </a:gs>
-            <a:gs pos="100000">
-              <a:schemeClr val="phClr">
-                <a:shade val="20000"/>
-                <a:satMod val="255000"/>
-              </a:schemeClr>
-            </a:gs>
-          </a:gsLst>
-          <a:path path="circle">
-            <a:fillToRect l="50000" t="-80000" r="50000" b="180000"/>
-          </a:path>
-        </a:gradFill>
-        <a:gradFill rotWithShape="1">
-          <a:gsLst>
-            <a:gs pos="0">
-              <a:schemeClr val="phClr">
-                <a:tint val="80000"/>
-                <a:satMod val="300000"/>
-              </a:schemeClr>
-            </a:gs>
-            <a:gs pos="100000">
-              <a:schemeClr val="phClr">
-                <a:shade val="30000"/>
-                <a:satMod val="200000"/>
-              </a:schemeClr>
-            </a:gs>
-          </a:gsLst>
-          <a:path path="circle">
-            <a:fillToRect l="50000" t="50000" r="50000" b="50000"/>
-          </a:path>
-        </a:gradFill>
-      </a:bgFillStyleLst>
-    </a:fmtScheme>
-  </a:themeElements>
+  <a:objectDefaults/>
+  <a:extraClrSchemeLst/>
 </a:theme>
 </file>